--- a/Presentations/Lucene/Lucene.pptx
+++ b/Presentations/Lucene/Lucene.pptx
@@ -5,14 +5,16 @@
     <p:sldMasterId id="2147483648" r:id="rId1"/>
     <p:sldMasterId id="2147483660" r:id="rId2"/>
     <p:sldMasterId id="2147483672" r:id="rId3"/>
+    <p:sldMasterId id="2147483684" r:id="rId4"/>
   </p:sldMasterIdLst>
   <p:sldIdLst>
-    <p:sldId id="256" r:id="rId4"/>
-    <p:sldId id="257" r:id="rId5"/>
-    <p:sldId id="258" r:id="rId6"/>
-    <p:sldId id="259" r:id="rId7"/>
-    <p:sldId id="260" r:id="rId8"/>
-    <p:sldId id="261" r:id="rId9"/>
+    <p:sldId id="256" r:id="rId5"/>
+    <p:sldId id="262" r:id="rId6"/>
+    <p:sldId id="257" r:id="rId7"/>
+    <p:sldId id="258" r:id="rId8"/>
+    <p:sldId id="259" r:id="rId9"/>
+    <p:sldId id="260" r:id="rId10"/>
+    <p:sldId id="261" r:id="rId11"/>
   </p:sldIdLst>
   <p:sldSz cx="9144000" cy="6858000" type="screen4x3"/>
   <p:notesSz cx="6858000" cy="9144000"/>
@@ -7019,7 +7021,800 @@
 </p:sldLayout>
 </file>
 
-<file path=ppt/slideLayouts/slideLayout4.xml><?xml version="1.0" encoding="utf-8"?>
+<file path=ppt/slideLayouts/slideLayout34.xml><?xml version="1.0" encoding="utf-8"?>
+<p:sldLayout xmlns:a="http://schemas.openxmlformats.org/drawingml/2006/main" xmlns:r="http://schemas.openxmlformats.org/officeDocument/2006/relationships" xmlns:p="http://schemas.openxmlformats.org/presentationml/2006/main" type="title" preserve="1">
+  <p:cSld name="Title Slide">
+    <p:spTree>
+      <p:nvGrpSpPr>
+        <p:cNvPr id="1" name=""/>
+        <p:cNvGrpSpPr/>
+        <p:nvPr/>
+      </p:nvGrpSpPr>
+      <p:grpSpPr>
+        <a:xfrm>
+          <a:off x="0" y="0"/>
+          <a:ext cx="0" cy="0"/>
+          <a:chOff x="0" y="0"/>
+          <a:chExt cx="0" cy="0"/>
+        </a:xfrm>
+      </p:grpSpPr>
+      <p:sp>
+        <p:nvSpPr>
+          <p:cNvPr id="2" name="Title 1"/>
+          <p:cNvSpPr>
+            <a:spLocks noGrp="1"/>
+          </p:cNvSpPr>
+          <p:nvPr>
+            <p:ph type="ctrTitle"/>
+          </p:nvPr>
+        </p:nvSpPr>
+        <p:spPr>
+          <a:xfrm>
+            <a:off x="685800" y="2130425"/>
+            <a:ext cx="7772400" cy="1470025"/>
+          </a:xfrm>
+        </p:spPr>
+        <p:txBody>
+          <a:bodyPr/>
+          <a:lstStyle/>
+          <a:p>
+            <a:r>
+              <a:rPr lang="en-US" smtClean="0"/>
+              <a:t>Click to edit Master title style</a:t>
+            </a:r>
+            <a:endParaRPr lang="en-US"/>
+          </a:p>
+        </p:txBody>
+      </p:sp>
+      <p:sp>
+        <p:nvSpPr>
+          <p:cNvPr id="3" name="Subtitle 2"/>
+          <p:cNvSpPr>
+            <a:spLocks noGrp="1"/>
+          </p:cNvSpPr>
+          <p:nvPr>
+            <p:ph type="subTitle" idx="1"/>
+          </p:nvPr>
+        </p:nvSpPr>
+        <p:spPr>
+          <a:xfrm>
+            <a:off x="1371600" y="3886200"/>
+            <a:ext cx="6400800" cy="1752600"/>
+          </a:xfrm>
+        </p:spPr>
+        <p:txBody>
+          <a:bodyPr/>
+          <a:lstStyle>
+            <a:lvl1pPr marL="0" indent="0" algn="ctr">
+              <a:buNone/>
+              <a:defRPr>
+                <a:solidFill>
+                  <a:schemeClr val="tx1">
+                    <a:tint val="75000"/>
+                  </a:schemeClr>
+                </a:solidFill>
+              </a:defRPr>
+            </a:lvl1pPr>
+            <a:lvl2pPr marL="457200" indent="0" algn="ctr">
+              <a:buNone/>
+              <a:defRPr>
+                <a:solidFill>
+                  <a:schemeClr val="tx1">
+                    <a:tint val="75000"/>
+                  </a:schemeClr>
+                </a:solidFill>
+              </a:defRPr>
+            </a:lvl2pPr>
+            <a:lvl3pPr marL="914400" indent="0" algn="ctr">
+              <a:buNone/>
+              <a:defRPr>
+                <a:solidFill>
+                  <a:schemeClr val="tx1">
+                    <a:tint val="75000"/>
+                  </a:schemeClr>
+                </a:solidFill>
+              </a:defRPr>
+            </a:lvl3pPr>
+            <a:lvl4pPr marL="1371600" indent="0" algn="ctr">
+              <a:buNone/>
+              <a:defRPr>
+                <a:solidFill>
+                  <a:schemeClr val="tx1">
+                    <a:tint val="75000"/>
+                  </a:schemeClr>
+                </a:solidFill>
+              </a:defRPr>
+            </a:lvl4pPr>
+            <a:lvl5pPr marL="1828800" indent="0" algn="ctr">
+              <a:buNone/>
+              <a:defRPr>
+                <a:solidFill>
+                  <a:schemeClr val="tx1">
+                    <a:tint val="75000"/>
+                  </a:schemeClr>
+                </a:solidFill>
+              </a:defRPr>
+            </a:lvl5pPr>
+            <a:lvl6pPr marL="2286000" indent="0" algn="ctr">
+              <a:buNone/>
+              <a:defRPr>
+                <a:solidFill>
+                  <a:schemeClr val="tx1">
+                    <a:tint val="75000"/>
+                  </a:schemeClr>
+                </a:solidFill>
+              </a:defRPr>
+            </a:lvl6pPr>
+            <a:lvl7pPr marL="2743200" indent="0" algn="ctr">
+              <a:buNone/>
+              <a:defRPr>
+                <a:solidFill>
+                  <a:schemeClr val="tx1">
+                    <a:tint val="75000"/>
+                  </a:schemeClr>
+                </a:solidFill>
+              </a:defRPr>
+            </a:lvl7pPr>
+            <a:lvl8pPr marL="3200400" indent="0" algn="ctr">
+              <a:buNone/>
+              <a:defRPr>
+                <a:solidFill>
+                  <a:schemeClr val="tx1">
+                    <a:tint val="75000"/>
+                  </a:schemeClr>
+                </a:solidFill>
+              </a:defRPr>
+            </a:lvl8pPr>
+            <a:lvl9pPr marL="3657600" indent="0" algn="ctr">
+              <a:buNone/>
+              <a:defRPr>
+                <a:solidFill>
+                  <a:schemeClr val="tx1">
+                    <a:tint val="75000"/>
+                  </a:schemeClr>
+                </a:solidFill>
+              </a:defRPr>
+            </a:lvl9pPr>
+          </a:lstStyle>
+          <a:p>
+            <a:r>
+              <a:rPr lang="en-US" smtClean="0"/>
+              <a:t>Click to edit Master subtitle style</a:t>
+            </a:r>
+            <a:endParaRPr lang="en-US"/>
+          </a:p>
+        </p:txBody>
+      </p:sp>
+      <p:sp>
+        <p:nvSpPr>
+          <p:cNvPr id="4" name="Date Placeholder 3"/>
+          <p:cNvSpPr>
+            <a:spLocks noGrp="1"/>
+          </p:cNvSpPr>
+          <p:nvPr>
+            <p:ph type="dt" sz="half" idx="10"/>
+          </p:nvPr>
+        </p:nvSpPr>
+        <p:spPr/>
+        <p:txBody>
+          <a:bodyPr/>
+          <a:lstStyle/>
+          <a:p>
+            <a:pPr algn="l" rtl="0"/>
+            <a:fld id="{E5B1AC9D-7C8A-4BB3-B152-489FC1CA0160}" type="datetimeFigureOut">
+              <a:rPr lang="en-US" sz="1200" kern="1200">
+                <a:solidFill>
+                  <a:prstClr val="white">
+                    <a:tint val="75000"/>
+                  </a:prstClr>
+                </a:solidFill>
+                <a:latin typeface="Calibri"/>
+                <a:ea typeface="+mn-ea"/>
+                <a:cs typeface="+mn-cs"/>
+              </a:rPr>
+              <a:pPr algn="l" rtl="0"/>
+              <a:t>3/12/2009</a:t>
+            </a:fld>
+            <a:endParaRPr lang="en-US" sz="1200" kern="1200">
+              <a:solidFill>
+                <a:prstClr val="white">
+                  <a:tint val="75000"/>
+                </a:prstClr>
+              </a:solidFill>
+              <a:latin typeface="Calibri"/>
+              <a:ea typeface="+mn-ea"/>
+              <a:cs typeface="+mn-cs"/>
+            </a:endParaRPr>
+          </a:p>
+        </p:txBody>
+      </p:sp>
+      <p:sp>
+        <p:nvSpPr>
+          <p:cNvPr id="5" name="Footer Placeholder 4"/>
+          <p:cNvSpPr>
+            <a:spLocks noGrp="1"/>
+          </p:cNvSpPr>
+          <p:nvPr>
+            <p:ph type="ftr" sz="quarter" idx="11"/>
+          </p:nvPr>
+        </p:nvSpPr>
+        <p:spPr/>
+        <p:txBody>
+          <a:bodyPr/>
+          <a:lstStyle/>
+          <a:p>
+            <a:pPr algn="ctr" rtl="0"/>
+            <a:endParaRPr lang="en-US" sz="1200" kern="1200">
+              <a:solidFill>
+                <a:prstClr val="white">
+                  <a:tint val="75000"/>
+                </a:prstClr>
+              </a:solidFill>
+              <a:latin typeface="Calibri"/>
+              <a:ea typeface="+mn-ea"/>
+              <a:cs typeface="+mn-cs"/>
+            </a:endParaRPr>
+          </a:p>
+        </p:txBody>
+      </p:sp>
+      <p:sp>
+        <p:nvSpPr>
+          <p:cNvPr id="6" name="Slide Number Placeholder 5"/>
+          <p:cNvSpPr>
+            <a:spLocks noGrp="1"/>
+          </p:cNvSpPr>
+          <p:nvPr>
+            <p:ph type="sldNum" sz="quarter" idx="12"/>
+          </p:nvPr>
+        </p:nvSpPr>
+        <p:spPr/>
+        <p:txBody>
+          <a:bodyPr/>
+          <a:lstStyle/>
+          <a:p>
+            <a:pPr algn="r" rtl="0"/>
+            <a:fld id="{37093969-7AAB-46EA-AA3B-E867A8062A99}" type="slidenum">
+              <a:rPr lang="en-US" sz="1200" kern="1200">
+                <a:solidFill>
+                  <a:prstClr val="white">
+                    <a:tint val="75000"/>
+                  </a:prstClr>
+                </a:solidFill>
+                <a:latin typeface="Calibri"/>
+                <a:ea typeface="+mn-ea"/>
+                <a:cs typeface="+mn-cs"/>
+              </a:rPr>
+              <a:pPr algn="r" rtl="0"/>
+              <a:t>‹#›</a:t>
+            </a:fld>
+            <a:endParaRPr lang="en-US" sz="1200" kern="1200">
+              <a:solidFill>
+                <a:prstClr val="white">
+                  <a:tint val="75000"/>
+                </a:prstClr>
+              </a:solidFill>
+              <a:latin typeface="Calibri"/>
+              <a:ea typeface="+mn-ea"/>
+              <a:cs typeface="+mn-cs"/>
+            </a:endParaRPr>
+          </a:p>
+        </p:txBody>
+      </p:sp>
+    </p:spTree>
+  </p:cSld>
+  <p:clrMapOvr>
+    <a:masterClrMapping/>
+  </p:clrMapOvr>
+</p:sldLayout>
+</file>
+
+<file path=ppt/slideLayouts/slideLayout35.xml><?xml version="1.0" encoding="utf-8"?>
+<p:sldLayout xmlns:a="http://schemas.openxmlformats.org/drawingml/2006/main" xmlns:r="http://schemas.openxmlformats.org/officeDocument/2006/relationships" xmlns:p="http://schemas.openxmlformats.org/presentationml/2006/main" type="obj" preserve="1">
+  <p:cSld name="Title and Content">
+    <p:spTree>
+      <p:nvGrpSpPr>
+        <p:cNvPr id="1" name=""/>
+        <p:cNvGrpSpPr/>
+        <p:nvPr/>
+      </p:nvGrpSpPr>
+      <p:grpSpPr>
+        <a:xfrm>
+          <a:off x="0" y="0"/>
+          <a:ext cx="0" cy="0"/>
+          <a:chOff x="0" y="0"/>
+          <a:chExt cx="0" cy="0"/>
+        </a:xfrm>
+      </p:grpSpPr>
+      <p:sp>
+        <p:nvSpPr>
+          <p:cNvPr id="2" name="Title 1"/>
+          <p:cNvSpPr>
+            <a:spLocks noGrp="1"/>
+          </p:cNvSpPr>
+          <p:nvPr>
+            <p:ph type="title"/>
+          </p:nvPr>
+        </p:nvSpPr>
+        <p:spPr/>
+        <p:txBody>
+          <a:bodyPr/>
+          <a:lstStyle/>
+          <a:p>
+            <a:r>
+              <a:rPr lang="en-US" smtClean="0"/>
+              <a:t>Click to edit Master title style</a:t>
+            </a:r>
+            <a:endParaRPr lang="en-US"/>
+          </a:p>
+        </p:txBody>
+      </p:sp>
+      <p:sp>
+        <p:nvSpPr>
+          <p:cNvPr id="3" name="Content Placeholder 2"/>
+          <p:cNvSpPr>
+            <a:spLocks noGrp="1"/>
+          </p:cNvSpPr>
+          <p:nvPr>
+            <p:ph idx="1"/>
+          </p:nvPr>
+        </p:nvSpPr>
+        <p:spPr/>
+        <p:txBody>
+          <a:bodyPr/>
+          <a:lstStyle/>
+          <a:p>
+            <a:pPr lvl="0"/>
+            <a:r>
+              <a:rPr lang="en-US" smtClean="0"/>
+              <a:t>Click to edit Master text styles</a:t>
+            </a:r>
+          </a:p>
+          <a:p>
+            <a:pPr lvl="1"/>
+            <a:r>
+              <a:rPr lang="en-US" smtClean="0"/>
+              <a:t>Second level</a:t>
+            </a:r>
+          </a:p>
+          <a:p>
+            <a:pPr lvl="2"/>
+            <a:r>
+              <a:rPr lang="en-US" smtClean="0"/>
+              <a:t>Third level</a:t>
+            </a:r>
+          </a:p>
+          <a:p>
+            <a:pPr lvl="3"/>
+            <a:r>
+              <a:rPr lang="en-US" smtClean="0"/>
+              <a:t>Fourth level</a:t>
+            </a:r>
+          </a:p>
+          <a:p>
+            <a:pPr lvl="4"/>
+            <a:r>
+              <a:rPr lang="en-US" smtClean="0"/>
+              <a:t>Fifth level</a:t>
+            </a:r>
+            <a:endParaRPr lang="en-US"/>
+          </a:p>
+        </p:txBody>
+      </p:sp>
+      <p:sp>
+        <p:nvSpPr>
+          <p:cNvPr id="4" name="Date Placeholder 3"/>
+          <p:cNvSpPr>
+            <a:spLocks noGrp="1"/>
+          </p:cNvSpPr>
+          <p:nvPr>
+            <p:ph type="dt" sz="half" idx="10"/>
+          </p:nvPr>
+        </p:nvSpPr>
+        <p:spPr/>
+        <p:txBody>
+          <a:bodyPr/>
+          <a:lstStyle/>
+          <a:p>
+            <a:pPr algn="l" rtl="0"/>
+            <a:fld id="{E5B1AC9D-7C8A-4BB3-B152-489FC1CA0160}" type="datetimeFigureOut">
+              <a:rPr lang="en-US" sz="1200" kern="1200">
+                <a:solidFill>
+                  <a:prstClr val="white">
+                    <a:tint val="75000"/>
+                  </a:prstClr>
+                </a:solidFill>
+                <a:latin typeface="Calibri"/>
+                <a:ea typeface="+mn-ea"/>
+                <a:cs typeface="+mn-cs"/>
+              </a:rPr>
+              <a:pPr algn="l" rtl="0"/>
+              <a:t>3/12/2009</a:t>
+            </a:fld>
+            <a:endParaRPr lang="en-US" sz="1200" kern="1200">
+              <a:solidFill>
+                <a:prstClr val="white">
+                  <a:tint val="75000"/>
+                </a:prstClr>
+              </a:solidFill>
+              <a:latin typeface="Calibri"/>
+              <a:ea typeface="+mn-ea"/>
+              <a:cs typeface="+mn-cs"/>
+            </a:endParaRPr>
+          </a:p>
+        </p:txBody>
+      </p:sp>
+      <p:sp>
+        <p:nvSpPr>
+          <p:cNvPr id="5" name="Footer Placeholder 4"/>
+          <p:cNvSpPr>
+            <a:spLocks noGrp="1"/>
+          </p:cNvSpPr>
+          <p:nvPr>
+            <p:ph type="ftr" sz="quarter" idx="11"/>
+          </p:nvPr>
+        </p:nvSpPr>
+        <p:spPr/>
+        <p:txBody>
+          <a:bodyPr/>
+          <a:lstStyle/>
+          <a:p>
+            <a:pPr algn="ctr" rtl="0"/>
+            <a:endParaRPr lang="en-US" sz="1200" kern="1200">
+              <a:solidFill>
+                <a:prstClr val="white">
+                  <a:tint val="75000"/>
+                </a:prstClr>
+              </a:solidFill>
+              <a:latin typeface="Calibri"/>
+              <a:ea typeface="+mn-ea"/>
+              <a:cs typeface="+mn-cs"/>
+            </a:endParaRPr>
+          </a:p>
+        </p:txBody>
+      </p:sp>
+      <p:sp>
+        <p:nvSpPr>
+          <p:cNvPr id="6" name="Slide Number Placeholder 5"/>
+          <p:cNvSpPr>
+            <a:spLocks noGrp="1"/>
+          </p:cNvSpPr>
+          <p:nvPr>
+            <p:ph type="sldNum" sz="quarter" idx="12"/>
+          </p:nvPr>
+        </p:nvSpPr>
+        <p:spPr/>
+        <p:txBody>
+          <a:bodyPr/>
+          <a:lstStyle/>
+          <a:p>
+            <a:pPr algn="r" rtl="0"/>
+            <a:fld id="{37093969-7AAB-46EA-AA3B-E867A8062A99}" type="slidenum">
+              <a:rPr lang="en-US" sz="1200" kern="1200">
+                <a:solidFill>
+                  <a:prstClr val="white">
+                    <a:tint val="75000"/>
+                  </a:prstClr>
+                </a:solidFill>
+                <a:latin typeface="Calibri"/>
+                <a:ea typeface="+mn-ea"/>
+                <a:cs typeface="+mn-cs"/>
+              </a:rPr>
+              <a:pPr algn="r" rtl="0"/>
+              <a:t>‹#›</a:t>
+            </a:fld>
+            <a:endParaRPr lang="en-US" sz="1200" kern="1200">
+              <a:solidFill>
+                <a:prstClr val="white">
+                  <a:tint val="75000"/>
+                </a:prstClr>
+              </a:solidFill>
+              <a:latin typeface="Calibri"/>
+              <a:ea typeface="+mn-ea"/>
+              <a:cs typeface="+mn-cs"/>
+            </a:endParaRPr>
+          </a:p>
+        </p:txBody>
+      </p:sp>
+    </p:spTree>
+  </p:cSld>
+  <p:clrMapOvr>
+    <a:masterClrMapping/>
+  </p:clrMapOvr>
+</p:sldLayout>
+</file>
+
+<file path=ppt/slideLayouts/slideLayout36.xml><?xml version="1.0" encoding="utf-8"?>
+<p:sldLayout xmlns:a="http://schemas.openxmlformats.org/drawingml/2006/main" xmlns:r="http://schemas.openxmlformats.org/officeDocument/2006/relationships" xmlns:p="http://schemas.openxmlformats.org/presentationml/2006/main" type="secHead" preserve="1">
+  <p:cSld name="Section Header">
+    <p:spTree>
+      <p:nvGrpSpPr>
+        <p:cNvPr id="1" name=""/>
+        <p:cNvGrpSpPr/>
+        <p:nvPr/>
+      </p:nvGrpSpPr>
+      <p:grpSpPr>
+        <a:xfrm>
+          <a:off x="0" y="0"/>
+          <a:ext cx="0" cy="0"/>
+          <a:chOff x="0" y="0"/>
+          <a:chExt cx="0" cy="0"/>
+        </a:xfrm>
+      </p:grpSpPr>
+      <p:sp>
+        <p:nvSpPr>
+          <p:cNvPr id="2" name="Title 1"/>
+          <p:cNvSpPr>
+            <a:spLocks noGrp="1"/>
+          </p:cNvSpPr>
+          <p:nvPr>
+            <p:ph type="title"/>
+          </p:nvPr>
+        </p:nvSpPr>
+        <p:spPr>
+          <a:xfrm>
+            <a:off x="722313" y="4406900"/>
+            <a:ext cx="7772400" cy="1362075"/>
+          </a:xfrm>
+        </p:spPr>
+        <p:txBody>
+          <a:bodyPr anchor="t"/>
+          <a:lstStyle>
+            <a:lvl1pPr algn="l">
+              <a:defRPr sz="4000" b="1" cap="all"/>
+            </a:lvl1pPr>
+          </a:lstStyle>
+          <a:p>
+            <a:r>
+              <a:rPr lang="en-US" smtClean="0"/>
+              <a:t>Click to edit Master title style</a:t>
+            </a:r>
+            <a:endParaRPr lang="en-US"/>
+          </a:p>
+        </p:txBody>
+      </p:sp>
+      <p:sp>
+        <p:nvSpPr>
+          <p:cNvPr id="3" name="Text Placeholder 2"/>
+          <p:cNvSpPr>
+            <a:spLocks noGrp="1"/>
+          </p:cNvSpPr>
+          <p:nvPr>
+            <p:ph type="body" idx="1"/>
+          </p:nvPr>
+        </p:nvSpPr>
+        <p:spPr>
+          <a:xfrm>
+            <a:off x="722313" y="2906713"/>
+            <a:ext cx="7772400" cy="1500187"/>
+          </a:xfrm>
+        </p:spPr>
+        <p:txBody>
+          <a:bodyPr anchor="b"/>
+          <a:lstStyle>
+            <a:lvl1pPr marL="0" indent="0">
+              <a:buNone/>
+              <a:defRPr sz="2000">
+                <a:solidFill>
+                  <a:schemeClr val="tx1">
+                    <a:tint val="75000"/>
+                  </a:schemeClr>
+                </a:solidFill>
+              </a:defRPr>
+            </a:lvl1pPr>
+            <a:lvl2pPr marL="457200" indent="0">
+              <a:buNone/>
+              <a:defRPr sz="1800">
+                <a:solidFill>
+                  <a:schemeClr val="tx1">
+                    <a:tint val="75000"/>
+                  </a:schemeClr>
+                </a:solidFill>
+              </a:defRPr>
+            </a:lvl2pPr>
+            <a:lvl3pPr marL="914400" indent="0">
+              <a:buNone/>
+              <a:defRPr sz="1600">
+                <a:solidFill>
+                  <a:schemeClr val="tx1">
+                    <a:tint val="75000"/>
+                  </a:schemeClr>
+                </a:solidFill>
+              </a:defRPr>
+            </a:lvl3pPr>
+            <a:lvl4pPr marL="1371600" indent="0">
+              <a:buNone/>
+              <a:defRPr sz="1400">
+                <a:solidFill>
+                  <a:schemeClr val="tx1">
+                    <a:tint val="75000"/>
+                  </a:schemeClr>
+                </a:solidFill>
+              </a:defRPr>
+            </a:lvl4pPr>
+            <a:lvl5pPr marL="1828800" indent="0">
+              <a:buNone/>
+              <a:defRPr sz="1400">
+                <a:solidFill>
+                  <a:schemeClr val="tx1">
+                    <a:tint val="75000"/>
+                  </a:schemeClr>
+                </a:solidFill>
+              </a:defRPr>
+            </a:lvl5pPr>
+            <a:lvl6pPr marL="2286000" indent="0">
+              <a:buNone/>
+              <a:defRPr sz="1400">
+                <a:solidFill>
+                  <a:schemeClr val="tx1">
+                    <a:tint val="75000"/>
+                  </a:schemeClr>
+                </a:solidFill>
+              </a:defRPr>
+            </a:lvl6pPr>
+            <a:lvl7pPr marL="2743200" indent="0">
+              <a:buNone/>
+              <a:defRPr sz="1400">
+                <a:solidFill>
+                  <a:schemeClr val="tx1">
+                    <a:tint val="75000"/>
+                  </a:schemeClr>
+                </a:solidFill>
+              </a:defRPr>
+            </a:lvl7pPr>
+            <a:lvl8pPr marL="3200400" indent="0">
+              <a:buNone/>
+              <a:defRPr sz="1400">
+                <a:solidFill>
+                  <a:schemeClr val="tx1">
+                    <a:tint val="75000"/>
+                  </a:schemeClr>
+                </a:solidFill>
+              </a:defRPr>
+            </a:lvl8pPr>
+            <a:lvl9pPr marL="3657600" indent="0">
+              <a:buNone/>
+              <a:defRPr sz="1400">
+                <a:solidFill>
+                  <a:schemeClr val="tx1">
+                    <a:tint val="75000"/>
+                  </a:schemeClr>
+                </a:solidFill>
+              </a:defRPr>
+            </a:lvl9pPr>
+          </a:lstStyle>
+          <a:p>
+            <a:pPr lvl="0"/>
+            <a:r>
+              <a:rPr lang="en-US" smtClean="0"/>
+              <a:t>Click to edit Master text styles</a:t>
+            </a:r>
+          </a:p>
+        </p:txBody>
+      </p:sp>
+      <p:sp>
+        <p:nvSpPr>
+          <p:cNvPr id="4" name="Date Placeholder 3"/>
+          <p:cNvSpPr>
+            <a:spLocks noGrp="1"/>
+          </p:cNvSpPr>
+          <p:nvPr>
+            <p:ph type="dt" sz="half" idx="10"/>
+          </p:nvPr>
+        </p:nvSpPr>
+        <p:spPr/>
+        <p:txBody>
+          <a:bodyPr/>
+          <a:lstStyle/>
+          <a:p>
+            <a:pPr algn="l" rtl="0"/>
+            <a:fld id="{E5B1AC9D-7C8A-4BB3-B152-489FC1CA0160}" type="datetimeFigureOut">
+              <a:rPr lang="en-US" sz="1200" kern="1200">
+                <a:solidFill>
+                  <a:prstClr val="white">
+                    <a:tint val="75000"/>
+                  </a:prstClr>
+                </a:solidFill>
+                <a:latin typeface="Calibri"/>
+                <a:ea typeface="+mn-ea"/>
+                <a:cs typeface="+mn-cs"/>
+              </a:rPr>
+              <a:pPr algn="l" rtl="0"/>
+              <a:t>3/12/2009</a:t>
+            </a:fld>
+            <a:endParaRPr lang="en-US" sz="1200" kern="1200">
+              <a:solidFill>
+                <a:prstClr val="white">
+                  <a:tint val="75000"/>
+                </a:prstClr>
+              </a:solidFill>
+              <a:latin typeface="Calibri"/>
+              <a:ea typeface="+mn-ea"/>
+              <a:cs typeface="+mn-cs"/>
+            </a:endParaRPr>
+          </a:p>
+        </p:txBody>
+      </p:sp>
+      <p:sp>
+        <p:nvSpPr>
+          <p:cNvPr id="5" name="Footer Placeholder 4"/>
+          <p:cNvSpPr>
+            <a:spLocks noGrp="1"/>
+          </p:cNvSpPr>
+          <p:nvPr>
+            <p:ph type="ftr" sz="quarter" idx="11"/>
+          </p:nvPr>
+        </p:nvSpPr>
+        <p:spPr/>
+        <p:txBody>
+          <a:bodyPr/>
+          <a:lstStyle/>
+          <a:p>
+            <a:pPr algn="ctr" rtl="0"/>
+            <a:endParaRPr lang="en-US" sz="1200" kern="1200">
+              <a:solidFill>
+                <a:prstClr val="white">
+                  <a:tint val="75000"/>
+                </a:prstClr>
+              </a:solidFill>
+              <a:latin typeface="Calibri"/>
+              <a:ea typeface="+mn-ea"/>
+              <a:cs typeface="+mn-cs"/>
+            </a:endParaRPr>
+          </a:p>
+        </p:txBody>
+      </p:sp>
+      <p:sp>
+        <p:nvSpPr>
+          <p:cNvPr id="6" name="Slide Number Placeholder 5"/>
+          <p:cNvSpPr>
+            <a:spLocks noGrp="1"/>
+          </p:cNvSpPr>
+          <p:nvPr>
+            <p:ph type="sldNum" sz="quarter" idx="12"/>
+          </p:nvPr>
+        </p:nvSpPr>
+        <p:spPr/>
+        <p:txBody>
+          <a:bodyPr/>
+          <a:lstStyle/>
+          <a:p>
+            <a:pPr algn="r" rtl="0"/>
+            <a:fld id="{37093969-7AAB-46EA-AA3B-E867A8062A99}" type="slidenum">
+              <a:rPr lang="en-US" sz="1200" kern="1200">
+                <a:solidFill>
+                  <a:prstClr val="white">
+                    <a:tint val="75000"/>
+                  </a:prstClr>
+                </a:solidFill>
+                <a:latin typeface="Calibri"/>
+                <a:ea typeface="+mn-ea"/>
+                <a:cs typeface="+mn-cs"/>
+              </a:rPr>
+              <a:pPr algn="r" rtl="0"/>
+              <a:t>‹#›</a:t>
+            </a:fld>
+            <a:endParaRPr lang="en-US" sz="1200" kern="1200">
+              <a:solidFill>
+                <a:prstClr val="white">
+                  <a:tint val="75000"/>
+                </a:prstClr>
+              </a:solidFill>
+              <a:latin typeface="Calibri"/>
+              <a:ea typeface="+mn-ea"/>
+              <a:cs typeface="+mn-cs"/>
+            </a:endParaRPr>
+          </a:p>
+        </p:txBody>
+      </p:sp>
+    </p:spTree>
+  </p:cSld>
+  <p:clrMapOvr>
+    <a:masterClrMapping/>
+  </p:clrMapOvr>
+</p:sldLayout>
+</file>
+
+<file path=ppt/slideLayouts/slideLayout37.xml><?xml version="1.0" encoding="utf-8"?>
 <p:sldLayout xmlns:a="http://schemas.openxmlformats.org/drawingml/2006/main" xmlns:r="http://schemas.openxmlformats.org/officeDocument/2006/relationships" xmlns:p="http://schemas.openxmlformats.org/presentationml/2006/main" type="twoObj" preserve="1">
   <p:cSld name="Two Content">
     <p:spTree>
@@ -7244,6 +8039,969 @@
           <a:bodyPr/>
           <a:lstStyle/>
           <a:p>
+            <a:pPr algn="l" rtl="0"/>
+            <a:fld id="{E5B1AC9D-7C8A-4BB3-B152-489FC1CA0160}" type="datetimeFigureOut">
+              <a:rPr lang="en-US" sz="1200" kern="1200">
+                <a:solidFill>
+                  <a:prstClr val="white">
+                    <a:tint val="75000"/>
+                  </a:prstClr>
+                </a:solidFill>
+                <a:latin typeface="Calibri"/>
+                <a:ea typeface="+mn-ea"/>
+                <a:cs typeface="+mn-cs"/>
+              </a:rPr>
+              <a:pPr algn="l" rtl="0"/>
+              <a:t>3/12/2009</a:t>
+            </a:fld>
+            <a:endParaRPr lang="en-US" sz="1200" kern="1200">
+              <a:solidFill>
+                <a:prstClr val="white">
+                  <a:tint val="75000"/>
+                </a:prstClr>
+              </a:solidFill>
+              <a:latin typeface="Calibri"/>
+              <a:ea typeface="+mn-ea"/>
+              <a:cs typeface="+mn-cs"/>
+            </a:endParaRPr>
+          </a:p>
+        </p:txBody>
+      </p:sp>
+      <p:sp>
+        <p:nvSpPr>
+          <p:cNvPr id="6" name="Footer Placeholder 5"/>
+          <p:cNvSpPr>
+            <a:spLocks noGrp="1"/>
+          </p:cNvSpPr>
+          <p:nvPr>
+            <p:ph type="ftr" sz="quarter" idx="11"/>
+          </p:nvPr>
+        </p:nvSpPr>
+        <p:spPr/>
+        <p:txBody>
+          <a:bodyPr/>
+          <a:lstStyle/>
+          <a:p>
+            <a:pPr algn="ctr" rtl="0"/>
+            <a:endParaRPr lang="en-US" sz="1200" kern="1200">
+              <a:solidFill>
+                <a:prstClr val="white">
+                  <a:tint val="75000"/>
+                </a:prstClr>
+              </a:solidFill>
+              <a:latin typeface="Calibri"/>
+              <a:ea typeface="+mn-ea"/>
+              <a:cs typeface="+mn-cs"/>
+            </a:endParaRPr>
+          </a:p>
+        </p:txBody>
+      </p:sp>
+      <p:sp>
+        <p:nvSpPr>
+          <p:cNvPr id="7" name="Slide Number Placeholder 6"/>
+          <p:cNvSpPr>
+            <a:spLocks noGrp="1"/>
+          </p:cNvSpPr>
+          <p:nvPr>
+            <p:ph type="sldNum" sz="quarter" idx="12"/>
+          </p:nvPr>
+        </p:nvSpPr>
+        <p:spPr/>
+        <p:txBody>
+          <a:bodyPr/>
+          <a:lstStyle/>
+          <a:p>
+            <a:pPr algn="r" rtl="0"/>
+            <a:fld id="{37093969-7AAB-46EA-AA3B-E867A8062A99}" type="slidenum">
+              <a:rPr lang="en-US" sz="1200" kern="1200">
+                <a:solidFill>
+                  <a:prstClr val="white">
+                    <a:tint val="75000"/>
+                  </a:prstClr>
+                </a:solidFill>
+                <a:latin typeface="Calibri"/>
+                <a:ea typeface="+mn-ea"/>
+                <a:cs typeface="+mn-cs"/>
+              </a:rPr>
+              <a:pPr algn="r" rtl="0"/>
+              <a:t>‹#›</a:t>
+            </a:fld>
+            <a:endParaRPr lang="en-US" sz="1200" kern="1200">
+              <a:solidFill>
+                <a:prstClr val="white">
+                  <a:tint val="75000"/>
+                </a:prstClr>
+              </a:solidFill>
+              <a:latin typeface="Calibri"/>
+              <a:ea typeface="+mn-ea"/>
+              <a:cs typeface="+mn-cs"/>
+            </a:endParaRPr>
+          </a:p>
+        </p:txBody>
+      </p:sp>
+    </p:spTree>
+  </p:cSld>
+  <p:clrMapOvr>
+    <a:masterClrMapping/>
+  </p:clrMapOvr>
+</p:sldLayout>
+</file>
+
+<file path=ppt/slideLayouts/slideLayout38.xml><?xml version="1.0" encoding="utf-8"?>
+<p:sldLayout xmlns:a="http://schemas.openxmlformats.org/drawingml/2006/main" xmlns:r="http://schemas.openxmlformats.org/officeDocument/2006/relationships" xmlns:p="http://schemas.openxmlformats.org/presentationml/2006/main" type="twoTxTwoObj" preserve="1">
+  <p:cSld name="Comparison">
+    <p:spTree>
+      <p:nvGrpSpPr>
+        <p:cNvPr id="1" name=""/>
+        <p:cNvGrpSpPr/>
+        <p:nvPr/>
+      </p:nvGrpSpPr>
+      <p:grpSpPr>
+        <a:xfrm>
+          <a:off x="0" y="0"/>
+          <a:ext cx="0" cy="0"/>
+          <a:chOff x="0" y="0"/>
+          <a:chExt cx="0" cy="0"/>
+        </a:xfrm>
+      </p:grpSpPr>
+      <p:sp>
+        <p:nvSpPr>
+          <p:cNvPr id="2" name="Title 1"/>
+          <p:cNvSpPr>
+            <a:spLocks noGrp="1"/>
+          </p:cNvSpPr>
+          <p:nvPr>
+            <p:ph type="title"/>
+          </p:nvPr>
+        </p:nvSpPr>
+        <p:spPr/>
+        <p:txBody>
+          <a:bodyPr/>
+          <a:lstStyle>
+            <a:lvl1pPr>
+              <a:defRPr/>
+            </a:lvl1pPr>
+          </a:lstStyle>
+          <a:p>
+            <a:r>
+              <a:rPr lang="en-US" smtClean="0"/>
+              <a:t>Click to edit Master title style</a:t>
+            </a:r>
+            <a:endParaRPr lang="en-US"/>
+          </a:p>
+        </p:txBody>
+      </p:sp>
+      <p:sp>
+        <p:nvSpPr>
+          <p:cNvPr id="3" name="Text Placeholder 2"/>
+          <p:cNvSpPr>
+            <a:spLocks noGrp="1"/>
+          </p:cNvSpPr>
+          <p:nvPr>
+            <p:ph type="body" idx="1"/>
+          </p:nvPr>
+        </p:nvSpPr>
+        <p:spPr>
+          <a:xfrm>
+            <a:off x="457200" y="1535113"/>
+            <a:ext cx="4040188" cy="639762"/>
+          </a:xfrm>
+        </p:spPr>
+        <p:txBody>
+          <a:bodyPr anchor="b"/>
+          <a:lstStyle>
+            <a:lvl1pPr marL="0" indent="0">
+              <a:buNone/>
+              <a:defRPr sz="2400" b="1"/>
+            </a:lvl1pPr>
+            <a:lvl2pPr marL="457200" indent="0">
+              <a:buNone/>
+              <a:defRPr sz="2000" b="1"/>
+            </a:lvl2pPr>
+            <a:lvl3pPr marL="914400" indent="0">
+              <a:buNone/>
+              <a:defRPr sz="1800" b="1"/>
+            </a:lvl3pPr>
+            <a:lvl4pPr marL="1371600" indent="0">
+              <a:buNone/>
+              <a:defRPr sz="1600" b="1"/>
+            </a:lvl4pPr>
+            <a:lvl5pPr marL="1828800" indent="0">
+              <a:buNone/>
+              <a:defRPr sz="1600" b="1"/>
+            </a:lvl5pPr>
+            <a:lvl6pPr marL="2286000" indent="0">
+              <a:buNone/>
+              <a:defRPr sz="1600" b="1"/>
+            </a:lvl6pPr>
+            <a:lvl7pPr marL="2743200" indent="0">
+              <a:buNone/>
+              <a:defRPr sz="1600" b="1"/>
+            </a:lvl7pPr>
+            <a:lvl8pPr marL="3200400" indent="0">
+              <a:buNone/>
+              <a:defRPr sz="1600" b="1"/>
+            </a:lvl8pPr>
+            <a:lvl9pPr marL="3657600" indent="0">
+              <a:buNone/>
+              <a:defRPr sz="1600" b="1"/>
+            </a:lvl9pPr>
+          </a:lstStyle>
+          <a:p>
+            <a:pPr lvl="0"/>
+            <a:r>
+              <a:rPr lang="en-US" smtClean="0"/>
+              <a:t>Click to edit Master text styles</a:t>
+            </a:r>
+          </a:p>
+        </p:txBody>
+      </p:sp>
+      <p:sp>
+        <p:nvSpPr>
+          <p:cNvPr id="4" name="Content Placeholder 3"/>
+          <p:cNvSpPr>
+            <a:spLocks noGrp="1"/>
+          </p:cNvSpPr>
+          <p:nvPr>
+            <p:ph sz="half" idx="2"/>
+          </p:nvPr>
+        </p:nvSpPr>
+        <p:spPr>
+          <a:xfrm>
+            <a:off x="457200" y="2174875"/>
+            <a:ext cx="4040188" cy="3951288"/>
+          </a:xfrm>
+        </p:spPr>
+        <p:txBody>
+          <a:bodyPr/>
+          <a:lstStyle>
+            <a:lvl1pPr>
+              <a:defRPr sz="2400"/>
+            </a:lvl1pPr>
+            <a:lvl2pPr>
+              <a:defRPr sz="2000"/>
+            </a:lvl2pPr>
+            <a:lvl3pPr>
+              <a:defRPr sz="1800"/>
+            </a:lvl3pPr>
+            <a:lvl4pPr>
+              <a:defRPr sz="1600"/>
+            </a:lvl4pPr>
+            <a:lvl5pPr>
+              <a:defRPr sz="1600"/>
+            </a:lvl5pPr>
+            <a:lvl6pPr>
+              <a:defRPr sz="1600"/>
+            </a:lvl6pPr>
+            <a:lvl7pPr>
+              <a:defRPr sz="1600"/>
+            </a:lvl7pPr>
+            <a:lvl8pPr>
+              <a:defRPr sz="1600"/>
+            </a:lvl8pPr>
+            <a:lvl9pPr>
+              <a:defRPr sz="1600"/>
+            </a:lvl9pPr>
+          </a:lstStyle>
+          <a:p>
+            <a:pPr lvl="0"/>
+            <a:r>
+              <a:rPr lang="en-US" smtClean="0"/>
+              <a:t>Click to edit Master text styles</a:t>
+            </a:r>
+          </a:p>
+          <a:p>
+            <a:pPr lvl="1"/>
+            <a:r>
+              <a:rPr lang="en-US" smtClean="0"/>
+              <a:t>Second level</a:t>
+            </a:r>
+          </a:p>
+          <a:p>
+            <a:pPr lvl="2"/>
+            <a:r>
+              <a:rPr lang="en-US" smtClean="0"/>
+              <a:t>Third level</a:t>
+            </a:r>
+          </a:p>
+          <a:p>
+            <a:pPr lvl="3"/>
+            <a:r>
+              <a:rPr lang="en-US" smtClean="0"/>
+              <a:t>Fourth level</a:t>
+            </a:r>
+          </a:p>
+          <a:p>
+            <a:pPr lvl="4"/>
+            <a:r>
+              <a:rPr lang="en-US" smtClean="0"/>
+              <a:t>Fifth level</a:t>
+            </a:r>
+            <a:endParaRPr lang="en-US"/>
+          </a:p>
+        </p:txBody>
+      </p:sp>
+      <p:sp>
+        <p:nvSpPr>
+          <p:cNvPr id="5" name="Text Placeholder 4"/>
+          <p:cNvSpPr>
+            <a:spLocks noGrp="1"/>
+          </p:cNvSpPr>
+          <p:nvPr>
+            <p:ph type="body" sz="quarter" idx="3"/>
+          </p:nvPr>
+        </p:nvSpPr>
+        <p:spPr>
+          <a:xfrm>
+            <a:off x="4645025" y="1535113"/>
+            <a:ext cx="4041775" cy="639762"/>
+          </a:xfrm>
+        </p:spPr>
+        <p:txBody>
+          <a:bodyPr anchor="b"/>
+          <a:lstStyle>
+            <a:lvl1pPr marL="0" indent="0">
+              <a:buNone/>
+              <a:defRPr sz="2400" b="1"/>
+            </a:lvl1pPr>
+            <a:lvl2pPr marL="457200" indent="0">
+              <a:buNone/>
+              <a:defRPr sz="2000" b="1"/>
+            </a:lvl2pPr>
+            <a:lvl3pPr marL="914400" indent="0">
+              <a:buNone/>
+              <a:defRPr sz="1800" b="1"/>
+            </a:lvl3pPr>
+            <a:lvl4pPr marL="1371600" indent="0">
+              <a:buNone/>
+              <a:defRPr sz="1600" b="1"/>
+            </a:lvl4pPr>
+            <a:lvl5pPr marL="1828800" indent="0">
+              <a:buNone/>
+              <a:defRPr sz="1600" b="1"/>
+            </a:lvl5pPr>
+            <a:lvl6pPr marL="2286000" indent="0">
+              <a:buNone/>
+              <a:defRPr sz="1600" b="1"/>
+            </a:lvl6pPr>
+            <a:lvl7pPr marL="2743200" indent="0">
+              <a:buNone/>
+              <a:defRPr sz="1600" b="1"/>
+            </a:lvl7pPr>
+            <a:lvl8pPr marL="3200400" indent="0">
+              <a:buNone/>
+              <a:defRPr sz="1600" b="1"/>
+            </a:lvl8pPr>
+            <a:lvl9pPr marL="3657600" indent="0">
+              <a:buNone/>
+              <a:defRPr sz="1600" b="1"/>
+            </a:lvl9pPr>
+          </a:lstStyle>
+          <a:p>
+            <a:pPr lvl="0"/>
+            <a:r>
+              <a:rPr lang="en-US" smtClean="0"/>
+              <a:t>Click to edit Master text styles</a:t>
+            </a:r>
+          </a:p>
+        </p:txBody>
+      </p:sp>
+      <p:sp>
+        <p:nvSpPr>
+          <p:cNvPr id="6" name="Content Placeholder 5"/>
+          <p:cNvSpPr>
+            <a:spLocks noGrp="1"/>
+          </p:cNvSpPr>
+          <p:nvPr>
+            <p:ph sz="quarter" idx="4"/>
+          </p:nvPr>
+        </p:nvSpPr>
+        <p:spPr>
+          <a:xfrm>
+            <a:off x="4645025" y="2174875"/>
+            <a:ext cx="4041775" cy="3951288"/>
+          </a:xfrm>
+        </p:spPr>
+        <p:txBody>
+          <a:bodyPr/>
+          <a:lstStyle>
+            <a:lvl1pPr>
+              <a:defRPr sz="2400"/>
+            </a:lvl1pPr>
+            <a:lvl2pPr>
+              <a:defRPr sz="2000"/>
+            </a:lvl2pPr>
+            <a:lvl3pPr>
+              <a:defRPr sz="1800"/>
+            </a:lvl3pPr>
+            <a:lvl4pPr>
+              <a:defRPr sz="1600"/>
+            </a:lvl4pPr>
+            <a:lvl5pPr>
+              <a:defRPr sz="1600"/>
+            </a:lvl5pPr>
+            <a:lvl6pPr>
+              <a:defRPr sz="1600"/>
+            </a:lvl6pPr>
+            <a:lvl7pPr>
+              <a:defRPr sz="1600"/>
+            </a:lvl7pPr>
+            <a:lvl8pPr>
+              <a:defRPr sz="1600"/>
+            </a:lvl8pPr>
+            <a:lvl9pPr>
+              <a:defRPr sz="1600"/>
+            </a:lvl9pPr>
+          </a:lstStyle>
+          <a:p>
+            <a:pPr lvl="0"/>
+            <a:r>
+              <a:rPr lang="en-US" smtClean="0"/>
+              <a:t>Click to edit Master text styles</a:t>
+            </a:r>
+          </a:p>
+          <a:p>
+            <a:pPr lvl="1"/>
+            <a:r>
+              <a:rPr lang="en-US" smtClean="0"/>
+              <a:t>Second level</a:t>
+            </a:r>
+          </a:p>
+          <a:p>
+            <a:pPr lvl="2"/>
+            <a:r>
+              <a:rPr lang="en-US" smtClean="0"/>
+              <a:t>Third level</a:t>
+            </a:r>
+          </a:p>
+          <a:p>
+            <a:pPr lvl="3"/>
+            <a:r>
+              <a:rPr lang="en-US" smtClean="0"/>
+              <a:t>Fourth level</a:t>
+            </a:r>
+          </a:p>
+          <a:p>
+            <a:pPr lvl="4"/>
+            <a:r>
+              <a:rPr lang="en-US" smtClean="0"/>
+              <a:t>Fifth level</a:t>
+            </a:r>
+            <a:endParaRPr lang="en-US"/>
+          </a:p>
+        </p:txBody>
+      </p:sp>
+      <p:sp>
+        <p:nvSpPr>
+          <p:cNvPr id="7" name="Date Placeholder 6"/>
+          <p:cNvSpPr>
+            <a:spLocks noGrp="1"/>
+          </p:cNvSpPr>
+          <p:nvPr>
+            <p:ph type="dt" sz="half" idx="10"/>
+          </p:nvPr>
+        </p:nvSpPr>
+        <p:spPr/>
+        <p:txBody>
+          <a:bodyPr/>
+          <a:lstStyle/>
+          <a:p>
+            <a:pPr algn="l" rtl="0"/>
+            <a:fld id="{E5B1AC9D-7C8A-4BB3-B152-489FC1CA0160}" type="datetimeFigureOut">
+              <a:rPr lang="en-US" sz="1200" kern="1200">
+                <a:solidFill>
+                  <a:prstClr val="white">
+                    <a:tint val="75000"/>
+                  </a:prstClr>
+                </a:solidFill>
+                <a:latin typeface="Calibri"/>
+                <a:ea typeface="+mn-ea"/>
+                <a:cs typeface="+mn-cs"/>
+              </a:rPr>
+              <a:pPr algn="l" rtl="0"/>
+              <a:t>3/12/2009</a:t>
+            </a:fld>
+            <a:endParaRPr lang="en-US" sz="1200" kern="1200">
+              <a:solidFill>
+                <a:prstClr val="white">
+                  <a:tint val="75000"/>
+                </a:prstClr>
+              </a:solidFill>
+              <a:latin typeface="Calibri"/>
+              <a:ea typeface="+mn-ea"/>
+              <a:cs typeface="+mn-cs"/>
+            </a:endParaRPr>
+          </a:p>
+        </p:txBody>
+      </p:sp>
+      <p:sp>
+        <p:nvSpPr>
+          <p:cNvPr id="8" name="Footer Placeholder 7"/>
+          <p:cNvSpPr>
+            <a:spLocks noGrp="1"/>
+          </p:cNvSpPr>
+          <p:nvPr>
+            <p:ph type="ftr" sz="quarter" idx="11"/>
+          </p:nvPr>
+        </p:nvSpPr>
+        <p:spPr/>
+        <p:txBody>
+          <a:bodyPr/>
+          <a:lstStyle/>
+          <a:p>
+            <a:pPr algn="ctr" rtl="0"/>
+            <a:endParaRPr lang="en-US" sz="1200" kern="1200">
+              <a:solidFill>
+                <a:prstClr val="white">
+                  <a:tint val="75000"/>
+                </a:prstClr>
+              </a:solidFill>
+              <a:latin typeface="Calibri"/>
+              <a:ea typeface="+mn-ea"/>
+              <a:cs typeface="+mn-cs"/>
+            </a:endParaRPr>
+          </a:p>
+        </p:txBody>
+      </p:sp>
+      <p:sp>
+        <p:nvSpPr>
+          <p:cNvPr id="9" name="Slide Number Placeholder 8"/>
+          <p:cNvSpPr>
+            <a:spLocks noGrp="1"/>
+          </p:cNvSpPr>
+          <p:nvPr>
+            <p:ph type="sldNum" sz="quarter" idx="12"/>
+          </p:nvPr>
+        </p:nvSpPr>
+        <p:spPr/>
+        <p:txBody>
+          <a:bodyPr/>
+          <a:lstStyle/>
+          <a:p>
+            <a:pPr algn="r" rtl="0"/>
+            <a:fld id="{37093969-7AAB-46EA-AA3B-E867A8062A99}" type="slidenum">
+              <a:rPr lang="en-US" sz="1200" kern="1200">
+                <a:solidFill>
+                  <a:prstClr val="white">
+                    <a:tint val="75000"/>
+                  </a:prstClr>
+                </a:solidFill>
+                <a:latin typeface="Calibri"/>
+                <a:ea typeface="+mn-ea"/>
+                <a:cs typeface="+mn-cs"/>
+              </a:rPr>
+              <a:pPr algn="r" rtl="0"/>
+              <a:t>‹#›</a:t>
+            </a:fld>
+            <a:endParaRPr lang="en-US" sz="1200" kern="1200">
+              <a:solidFill>
+                <a:prstClr val="white">
+                  <a:tint val="75000"/>
+                </a:prstClr>
+              </a:solidFill>
+              <a:latin typeface="Calibri"/>
+              <a:ea typeface="+mn-ea"/>
+              <a:cs typeface="+mn-cs"/>
+            </a:endParaRPr>
+          </a:p>
+        </p:txBody>
+      </p:sp>
+    </p:spTree>
+  </p:cSld>
+  <p:clrMapOvr>
+    <a:masterClrMapping/>
+  </p:clrMapOvr>
+</p:sldLayout>
+</file>
+
+<file path=ppt/slideLayouts/slideLayout39.xml><?xml version="1.0" encoding="utf-8"?>
+<p:sldLayout xmlns:a="http://schemas.openxmlformats.org/drawingml/2006/main" xmlns:r="http://schemas.openxmlformats.org/officeDocument/2006/relationships" xmlns:p="http://schemas.openxmlformats.org/presentationml/2006/main" type="titleOnly" preserve="1">
+  <p:cSld name="Title Only">
+    <p:spTree>
+      <p:nvGrpSpPr>
+        <p:cNvPr id="1" name=""/>
+        <p:cNvGrpSpPr/>
+        <p:nvPr/>
+      </p:nvGrpSpPr>
+      <p:grpSpPr>
+        <a:xfrm>
+          <a:off x="0" y="0"/>
+          <a:ext cx="0" cy="0"/>
+          <a:chOff x="0" y="0"/>
+          <a:chExt cx="0" cy="0"/>
+        </a:xfrm>
+      </p:grpSpPr>
+      <p:sp>
+        <p:nvSpPr>
+          <p:cNvPr id="2" name="Title 1"/>
+          <p:cNvSpPr>
+            <a:spLocks noGrp="1"/>
+          </p:cNvSpPr>
+          <p:nvPr>
+            <p:ph type="title"/>
+          </p:nvPr>
+        </p:nvSpPr>
+        <p:spPr/>
+        <p:txBody>
+          <a:bodyPr/>
+          <a:lstStyle/>
+          <a:p>
+            <a:r>
+              <a:rPr lang="en-US" smtClean="0"/>
+              <a:t>Click to edit Master title style</a:t>
+            </a:r>
+            <a:endParaRPr lang="en-US"/>
+          </a:p>
+        </p:txBody>
+      </p:sp>
+      <p:sp>
+        <p:nvSpPr>
+          <p:cNvPr id="3" name="Date Placeholder 2"/>
+          <p:cNvSpPr>
+            <a:spLocks noGrp="1"/>
+          </p:cNvSpPr>
+          <p:nvPr>
+            <p:ph type="dt" sz="half" idx="10"/>
+          </p:nvPr>
+        </p:nvSpPr>
+        <p:spPr/>
+        <p:txBody>
+          <a:bodyPr/>
+          <a:lstStyle/>
+          <a:p>
+            <a:pPr algn="l" rtl="0"/>
+            <a:fld id="{E5B1AC9D-7C8A-4BB3-B152-489FC1CA0160}" type="datetimeFigureOut">
+              <a:rPr lang="en-US" sz="1200" kern="1200">
+                <a:solidFill>
+                  <a:prstClr val="white">
+                    <a:tint val="75000"/>
+                  </a:prstClr>
+                </a:solidFill>
+                <a:latin typeface="Calibri"/>
+                <a:ea typeface="+mn-ea"/>
+                <a:cs typeface="+mn-cs"/>
+              </a:rPr>
+              <a:pPr algn="l" rtl="0"/>
+              <a:t>3/12/2009</a:t>
+            </a:fld>
+            <a:endParaRPr lang="en-US" sz="1200" kern="1200">
+              <a:solidFill>
+                <a:prstClr val="white">
+                  <a:tint val="75000"/>
+                </a:prstClr>
+              </a:solidFill>
+              <a:latin typeface="Calibri"/>
+              <a:ea typeface="+mn-ea"/>
+              <a:cs typeface="+mn-cs"/>
+            </a:endParaRPr>
+          </a:p>
+        </p:txBody>
+      </p:sp>
+      <p:sp>
+        <p:nvSpPr>
+          <p:cNvPr id="4" name="Footer Placeholder 3"/>
+          <p:cNvSpPr>
+            <a:spLocks noGrp="1"/>
+          </p:cNvSpPr>
+          <p:nvPr>
+            <p:ph type="ftr" sz="quarter" idx="11"/>
+          </p:nvPr>
+        </p:nvSpPr>
+        <p:spPr/>
+        <p:txBody>
+          <a:bodyPr/>
+          <a:lstStyle/>
+          <a:p>
+            <a:pPr algn="ctr" rtl="0"/>
+            <a:endParaRPr lang="en-US" sz="1200" kern="1200">
+              <a:solidFill>
+                <a:prstClr val="white">
+                  <a:tint val="75000"/>
+                </a:prstClr>
+              </a:solidFill>
+              <a:latin typeface="Calibri"/>
+              <a:ea typeface="+mn-ea"/>
+              <a:cs typeface="+mn-cs"/>
+            </a:endParaRPr>
+          </a:p>
+        </p:txBody>
+      </p:sp>
+      <p:sp>
+        <p:nvSpPr>
+          <p:cNvPr id="5" name="Slide Number Placeholder 4"/>
+          <p:cNvSpPr>
+            <a:spLocks noGrp="1"/>
+          </p:cNvSpPr>
+          <p:nvPr>
+            <p:ph type="sldNum" sz="quarter" idx="12"/>
+          </p:nvPr>
+        </p:nvSpPr>
+        <p:spPr/>
+        <p:txBody>
+          <a:bodyPr/>
+          <a:lstStyle/>
+          <a:p>
+            <a:pPr algn="r" rtl="0"/>
+            <a:fld id="{37093969-7AAB-46EA-AA3B-E867A8062A99}" type="slidenum">
+              <a:rPr lang="en-US" sz="1200" kern="1200">
+                <a:solidFill>
+                  <a:prstClr val="white">
+                    <a:tint val="75000"/>
+                  </a:prstClr>
+                </a:solidFill>
+                <a:latin typeface="Calibri"/>
+                <a:ea typeface="+mn-ea"/>
+                <a:cs typeface="+mn-cs"/>
+              </a:rPr>
+              <a:pPr algn="r" rtl="0"/>
+              <a:t>‹#›</a:t>
+            </a:fld>
+            <a:endParaRPr lang="en-US" sz="1200" kern="1200">
+              <a:solidFill>
+                <a:prstClr val="white">
+                  <a:tint val="75000"/>
+                </a:prstClr>
+              </a:solidFill>
+              <a:latin typeface="Calibri"/>
+              <a:ea typeface="+mn-ea"/>
+              <a:cs typeface="+mn-cs"/>
+            </a:endParaRPr>
+          </a:p>
+        </p:txBody>
+      </p:sp>
+    </p:spTree>
+  </p:cSld>
+  <p:clrMapOvr>
+    <a:masterClrMapping/>
+  </p:clrMapOvr>
+</p:sldLayout>
+</file>
+
+<file path=ppt/slideLayouts/slideLayout4.xml><?xml version="1.0" encoding="utf-8"?>
+<p:sldLayout xmlns:a="http://schemas.openxmlformats.org/drawingml/2006/main" xmlns:r="http://schemas.openxmlformats.org/officeDocument/2006/relationships" xmlns:p="http://schemas.openxmlformats.org/presentationml/2006/main" type="twoObj" preserve="1">
+  <p:cSld name="Two Content">
+    <p:spTree>
+      <p:nvGrpSpPr>
+        <p:cNvPr id="1" name=""/>
+        <p:cNvGrpSpPr/>
+        <p:nvPr/>
+      </p:nvGrpSpPr>
+      <p:grpSpPr>
+        <a:xfrm>
+          <a:off x="0" y="0"/>
+          <a:ext cx="0" cy="0"/>
+          <a:chOff x="0" y="0"/>
+          <a:chExt cx="0" cy="0"/>
+        </a:xfrm>
+      </p:grpSpPr>
+      <p:sp>
+        <p:nvSpPr>
+          <p:cNvPr id="2" name="Title 1"/>
+          <p:cNvSpPr>
+            <a:spLocks noGrp="1"/>
+          </p:cNvSpPr>
+          <p:nvPr>
+            <p:ph type="title"/>
+          </p:nvPr>
+        </p:nvSpPr>
+        <p:spPr/>
+        <p:txBody>
+          <a:bodyPr/>
+          <a:lstStyle/>
+          <a:p>
+            <a:r>
+              <a:rPr lang="en-US" smtClean="0"/>
+              <a:t>Click to edit Master title style</a:t>
+            </a:r>
+            <a:endParaRPr lang="en-US"/>
+          </a:p>
+        </p:txBody>
+      </p:sp>
+      <p:sp>
+        <p:nvSpPr>
+          <p:cNvPr id="3" name="Content Placeholder 2"/>
+          <p:cNvSpPr>
+            <a:spLocks noGrp="1"/>
+          </p:cNvSpPr>
+          <p:nvPr>
+            <p:ph sz="half" idx="1"/>
+          </p:nvPr>
+        </p:nvSpPr>
+        <p:spPr>
+          <a:xfrm>
+            <a:off x="457200" y="1600200"/>
+            <a:ext cx="4038600" cy="4525963"/>
+          </a:xfrm>
+        </p:spPr>
+        <p:txBody>
+          <a:bodyPr/>
+          <a:lstStyle>
+            <a:lvl1pPr>
+              <a:defRPr sz="2800"/>
+            </a:lvl1pPr>
+            <a:lvl2pPr>
+              <a:defRPr sz="2400"/>
+            </a:lvl2pPr>
+            <a:lvl3pPr>
+              <a:defRPr sz="2000"/>
+            </a:lvl3pPr>
+            <a:lvl4pPr>
+              <a:defRPr sz="1800"/>
+            </a:lvl4pPr>
+            <a:lvl5pPr>
+              <a:defRPr sz="1800"/>
+            </a:lvl5pPr>
+            <a:lvl6pPr>
+              <a:defRPr sz="1800"/>
+            </a:lvl6pPr>
+            <a:lvl7pPr>
+              <a:defRPr sz="1800"/>
+            </a:lvl7pPr>
+            <a:lvl8pPr>
+              <a:defRPr sz="1800"/>
+            </a:lvl8pPr>
+            <a:lvl9pPr>
+              <a:defRPr sz="1800"/>
+            </a:lvl9pPr>
+          </a:lstStyle>
+          <a:p>
+            <a:pPr lvl="0"/>
+            <a:r>
+              <a:rPr lang="en-US" smtClean="0"/>
+              <a:t>Click to edit Master text styles</a:t>
+            </a:r>
+          </a:p>
+          <a:p>
+            <a:pPr lvl="1"/>
+            <a:r>
+              <a:rPr lang="en-US" smtClean="0"/>
+              <a:t>Second level</a:t>
+            </a:r>
+          </a:p>
+          <a:p>
+            <a:pPr lvl="2"/>
+            <a:r>
+              <a:rPr lang="en-US" smtClean="0"/>
+              <a:t>Third level</a:t>
+            </a:r>
+          </a:p>
+          <a:p>
+            <a:pPr lvl="3"/>
+            <a:r>
+              <a:rPr lang="en-US" smtClean="0"/>
+              <a:t>Fourth level</a:t>
+            </a:r>
+          </a:p>
+          <a:p>
+            <a:pPr lvl="4"/>
+            <a:r>
+              <a:rPr lang="en-US" smtClean="0"/>
+              <a:t>Fifth level</a:t>
+            </a:r>
+            <a:endParaRPr lang="en-US"/>
+          </a:p>
+        </p:txBody>
+      </p:sp>
+      <p:sp>
+        <p:nvSpPr>
+          <p:cNvPr id="4" name="Content Placeholder 3"/>
+          <p:cNvSpPr>
+            <a:spLocks noGrp="1"/>
+          </p:cNvSpPr>
+          <p:nvPr>
+            <p:ph sz="half" idx="2"/>
+          </p:nvPr>
+        </p:nvSpPr>
+        <p:spPr>
+          <a:xfrm>
+            <a:off x="4648200" y="1600200"/>
+            <a:ext cx="4038600" cy="4525963"/>
+          </a:xfrm>
+        </p:spPr>
+        <p:txBody>
+          <a:bodyPr/>
+          <a:lstStyle>
+            <a:lvl1pPr>
+              <a:defRPr sz="2800"/>
+            </a:lvl1pPr>
+            <a:lvl2pPr>
+              <a:defRPr sz="2400"/>
+            </a:lvl2pPr>
+            <a:lvl3pPr>
+              <a:defRPr sz="2000"/>
+            </a:lvl3pPr>
+            <a:lvl4pPr>
+              <a:defRPr sz="1800"/>
+            </a:lvl4pPr>
+            <a:lvl5pPr>
+              <a:defRPr sz="1800"/>
+            </a:lvl5pPr>
+            <a:lvl6pPr>
+              <a:defRPr sz="1800"/>
+            </a:lvl6pPr>
+            <a:lvl7pPr>
+              <a:defRPr sz="1800"/>
+            </a:lvl7pPr>
+            <a:lvl8pPr>
+              <a:defRPr sz="1800"/>
+            </a:lvl8pPr>
+            <a:lvl9pPr>
+              <a:defRPr sz="1800"/>
+            </a:lvl9pPr>
+          </a:lstStyle>
+          <a:p>
+            <a:pPr lvl="0"/>
+            <a:r>
+              <a:rPr lang="en-US" smtClean="0"/>
+              <a:t>Click to edit Master text styles</a:t>
+            </a:r>
+          </a:p>
+          <a:p>
+            <a:pPr lvl="1"/>
+            <a:r>
+              <a:rPr lang="en-US" smtClean="0"/>
+              <a:t>Second level</a:t>
+            </a:r>
+          </a:p>
+          <a:p>
+            <a:pPr lvl="2"/>
+            <a:r>
+              <a:rPr lang="en-US" smtClean="0"/>
+              <a:t>Third level</a:t>
+            </a:r>
+          </a:p>
+          <a:p>
+            <a:pPr lvl="3"/>
+            <a:r>
+              <a:rPr lang="en-US" smtClean="0"/>
+              <a:t>Fourth level</a:t>
+            </a:r>
+          </a:p>
+          <a:p>
+            <a:pPr lvl="4"/>
+            <a:r>
+              <a:rPr lang="en-US" smtClean="0"/>
+              <a:t>Fifth level</a:t>
+            </a:r>
+            <a:endParaRPr lang="en-US"/>
+          </a:p>
+        </p:txBody>
+      </p:sp>
+      <p:sp>
+        <p:nvSpPr>
+          <p:cNvPr id="5" name="Date Placeholder 4"/>
+          <p:cNvSpPr>
+            <a:spLocks noGrp="1"/>
+          </p:cNvSpPr>
+          <p:nvPr>
+            <p:ph type="dt" sz="half" idx="10"/>
+          </p:nvPr>
+        </p:nvSpPr>
+        <p:spPr/>
+        <p:txBody>
+          <a:bodyPr/>
+          <a:lstStyle/>
+          <a:p>
             <a:fld id="{3541C51D-28AE-4E03-B530-D8520D9050CD}" type="datetimeFigureOut">
               <a:rPr lang="en-US" smtClean="0"/>
               <a:pPr/>
@@ -7293,6 +9051,1206 @@
               <a:t>‹#›</a:t>
             </a:fld>
             <a:endParaRPr lang="en-US"/>
+          </a:p>
+        </p:txBody>
+      </p:sp>
+    </p:spTree>
+  </p:cSld>
+  <p:clrMapOvr>
+    <a:masterClrMapping/>
+  </p:clrMapOvr>
+</p:sldLayout>
+</file>
+
+<file path=ppt/slideLayouts/slideLayout40.xml><?xml version="1.0" encoding="utf-8"?>
+<p:sldLayout xmlns:a="http://schemas.openxmlformats.org/drawingml/2006/main" xmlns:r="http://schemas.openxmlformats.org/officeDocument/2006/relationships" xmlns:p="http://schemas.openxmlformats.org/presentationml/2006/main" type="blank" preserve="1">
+  <p:cSld name="Blank">
+    <p:spTree>
+      <p:nvGrpSpPr>
+        <p:cNvPr id="1" name=""/>
+        <p:cNvGrpSpPr/>
+        <p:nvPr/>
+      </p:nvGrpSpPr>
+      <p:grpSpPr>
+        <a:xfrm>
+          <a:off x="0" y="0"/>
+          <a:ext cx="0" cy="0"/>
+          <a:chOff x="0" y="0"/>
+          <a:chExt cx="0" cy="0"/>
+        </a:xfrm>
+      </p:grpSpPr>
+      <p:sp>
+        <p:nvSpPr>
+          <p:cNvPr id="2" name="Date Placeholder 1"/>
+          <p:cNvSpPr>
+            <a:spLocks noGrp="1"/>
+          </p:cNvSpPr>
+          <p:nvPr>
+            <p:ph type="dt" sz="half" idx="10"/>
+          </p:nvPr>
+        </p:nvSpPr>
+        <p:spPr/>
+        <p:txBody>
+          <a:bodyPr/>
+          <a:lstStyle/>
+          <a:p>
+            <a:pPr algn="l" rtl="0"/>
+            <a:fld id="{E5B1AC9D-7C8A-4BB3-B152-489FC1CA0160}" type="datetimeFigureOut">
+              <a:rPr lang="en-US" sz="1200" kern="1200">
+                <a:solidFill>
+                  <a:prstClr val="white">
+                    <a:tint val="75000"/>
+                  </a:prstClr>
+                </a:solidFill>
+                <a:latin typeface="Calibri"/>
+                <a:ea typeface="+mn-ea"/>
+                <a:cs typeface="+mn-cs"/>
+              </a:rPr>
+              <a:pPr algn="l" rtl="0"/>
+              <a:t>3/12/2009</a:t>
+            </a:fld>
+            <a:endParaRPr lang="en-US" sz="1200" kern="1200">
+              <a:solidFill>
+                <a:prstClr val="white">
+                  <a:tint val="75000"/>
+                </a:prstClr>
+              </a:solidFill>
+              <a:latin typeface="Calibri"/>
+              <a:ea typeface="+mn-ea"/>
+              <a:cs typeface="+mn-cs"/>
+            </a:endParaRPr>
+          </a:p>
+        </p:txBody>
+      </p:sp>
+      <p:sp>
+        <p:nvSpPr>
+          <p:cNvPr id="3" name="Footer Placeholder 2"/>
+          <p:cNvSpPr>
+            <a:spLocks noGrp="1"/>
+          </p:cNvSpPr>
+          <p:nvPr>
+            <p:ph type="ftr" sz="quarter" idx="11"/>
+          </p:nvPr>
+        </p:nvSpPr>
+        <p:spPr/>
+        <p:txBody>
+          <a:bodyPr/>
+          <a:lstStyle/>
+          <a:p>
+            <a:pPr algn="ctr" rtl="0"/>
+            <a:endParaRPr lang="en-US" sz="1200" kern="1200">
+              <a:solidFill>
+                <a:prstClr val="white">
+                  <a:tint val="75000"/>
+                </a:prstClr>
+              </a:solidFill>
+              <a:latin typeface="Calibri"/>
+              <a:ea typeface="+mn-ea"/>
+              <a:cs typeface="+mn-cs"/>
+            </a:endParaRPr>
+          </a:p>
+        </p:txBody>
+      </p:sp>
+      <p:sp>
+        <p:nvSpPr>
+          <p:cNvPr id="4" name="Slide Number Placeholder 3"/>
+          <p:cNvSpPr>
+            <a:spLocks noGrp="1"/>
+          </p:cNvSpPr>
+          <p:nvPr>
+            <p:ph type="sldNum" sz="quarter" idx="12"/>
+          </p:nvPr>
+        </p:nvSpPr>
+        <p:spPr/>
+        <p:txBody>
+          <a:bodyPr/>
+          <a:lstStyle/>
+          <a:p>
+            <a:pPr algn="r" rtl="0"/>
+            <a:fld id="{37093969-7AAB-46EA-AA3B-E867A8062A99}" type="slidenum">
+              <a:rPr lang="en-US" sz="1200" kern="1200">
+                <a:solidFill>
+                  <a:prstClr val="white">
+                    <a:tint val="75000"/>
+                  </a:prstClr>
+                </a:solidFill>
+                <a:latin typeface="Calibri"/>
+                <a:ea typeface="+mn-ea"/>
+                <a:cs typeface="+mn-cs"/>
+              </a:rPr>
+              <a:pPr algn="r" rtl="0"/>
+              <a:t>‹#›</a:t>
+            </a:fld>
+            <a:endParaRPr lang="en-US" sz="1200" kern="1200">
+              <a:solidFill>
+                <a:prstClr val="white">
+                  <a:tint val="75000"/>
+                </a:prstClr>
+              </a:solidFill>
+              <a:latin typeface="Calibri"/>
+              <a:ea typeface="+mn-ea"/>
+              <a:cs typeface="+mn-cs"/>
+            </a:endParaRPr>
+          </a:p>
+        </p:txBody>
+      </p:sp>
+    </p:spTree>
+  </p:cSld>
+  <p:clrMapOvr>
+    <a:masterClrMapping/>
+  </p:clrMapOvr>
+</p:sldLayout>
+</file>
+
+<file path=ppt/slideLayouts/slideLayout41.xml><?xml version="1.0" encoding="utf-8"?>
+<p:sldLayout xmlns:a="http://schemas.openxmlformats.org/drawingml/2006/main" xmlns:r="http://schemas.openxmlformats.org/officeDocument/2006/relationships" xmlns:p="http://schemas.openxmlformats.org/presentationml/2006/main" type="objTx" preserve="1">
+  <p:cSld name="Content with Caption">
+    <p:spTree>
+      <p:nvGrpSpPr>
+        <p:cNvPr id="1" name=""/>
+        <p:cNvGrpSpPr/>
+        <p:nvPr/>
+      </p:nvGrpSpPr>
+      <p:grpSpPr>
+        <a:xfrm>
+          <a:off x="0" y="0"/>
+          <a:ext cx="0" cy="0"/>
+          <a:chOff x="0" y="0"/>
+          <a:chExt cx="0" cy="0"/>
+        </a:xfrm>
+      </p:grpSpPr>
+      <p:sp>
+        <p:nvSpPr>
+          <p:cNvPr id="2" name="Title 1"/>
+          <p:cNvSpPr>
+            <a:spLocks noGrp="1"/>
+          </p:cNvSpPr>
+          <p:nvPr>
+            <p:ph type="title"/>
+          </p:nvPr>
+        </p:nvSpPr>
+        <p:spPr>
+          <a:xfrm>
+            <a:off x="457200" y="273050"/>
+            <a:ext cx="3008313" cy="1162050"/>
+          </a:xfrm>
+        </p:spPr>
+        <p:txBody>
+          <a:bodyPr anchor="b"/>
+          <a:lstStyle>
+            <a:lvl1pPr algn="l">
+              <a:defRPr sz="2000" b="1"/>
+            </a:lvl1pPr>
+          </a:lstStyle>
+          <a:p>
+            <a:r>
+              <a:rPr lang="en-US" smtClean="0"/>
+              <a:t>Click to edit Master title style</a:t>
+            </a:r>
+            <a:endParaRPr lang="en-US"/>
+          </a:p>
+        </p:txBody>
+      </p:sp>
+      <p:sp>
+        <p:nvSpPr>
+          <p:cNvPr id="3" name="Content Placeholder 2"/>
+          <p:cNvSpPr>
+            <a:spLocks noGrp="1"/>
+          </p:cNvSpPr>
+          <p:nvPr>
+            <p:ph idx="1"/>
+          </p:nvPr>
+        </p:nvSpPr>
+        <p:spPr>
+          <a:xfrm>
+            <a:off x="3575050" y="273050"/>
+            <a:ext cx="5111750" cy="5853113"/>
+          </a:xfrm>
+        </p:spPr>
+        <p:txBody>
+          <a:bodyPr/>
+          <a:lstStyle>
+            <a:lvl1pPr>
+              <a:defRPr sz="3200"/>
+            </a:lvl1pPr>
+            <a:lvl2pPr>
+              <a:defRPr sz="2800"/>
+            </a:lvl2pPr>
+            <a:lvl3pPr>
+              <a:defRPr sz="2400"/>
+            </a:lvl3pPr>
+            <a:lvl4pPr>
+              <a:defRPr sz="2000"/>
+            </a:lvl4pPr>
+            <a:lvl5pPr>
+              <a:defRPr sz="2000"/>
+            </a:lvl5pPr>
+            <a:lvl6pPr>
+              <a:defRPr sz="2000"/>
+            </a:lvl6pPr>
+            <a:lvl7pPr>
+              <a:defRPr sz="2000"/>
+            </a:lvl7pPr>
+            <a:lvl8pPr>
+              <a:defRPr sz="2000"/>
+            </a:lvl8pPr>
+            <a:lvl9pPr>
+              <a:defRPr sz="2000"/>
+            </a:lvl9pPr>
+          </a:lstStyle>
+          <a:p>
+            <a:pPr lvl="0"/>
+            <a:r>
+              <a:rPr lang="en-US" smtClean="0"/>
+              <a:t>Click to edit Master text styles</a:t>
+            </a:r>
+          </a:p>
+          <a:p>
+            <a:pPr lvl="1"/>
+            <a:r>
+              <a:rPr lang="en-US" smtClean="0"/>
+              <a:t>Second level</a:t>
+            </a:r>
+          </a:p>
+          <a:p>
+            <a:pPr lvl="2"/>
+            <a:r>
+              <a:rPr lang="en-US" smtClean="0"/>
+              <a:t>Third level</a:t>
+            </a:r>
+          </a:p>
+          <a:p>
+            <a:pPr lvl="3"/>
+            <a:r>
+              <a:rPr lang="en-US" smtClean="0"/>
+              <a:t>Fourth level</a:t>
+            </a:r>
+          </a:p>
+          <a:p>
+            <a:pPr lvl="4"/>
+            <a:r>
+              <a:rPr lang="en-US" smtClean="0"/>
+              <a:t>Fifth level</a:t>
+            </a:r>
+            <a:endParaRPr lang="en-US"/>
+          </a:p>
+        </p:txBody>
+      </p:sp>
+      <p:sp>
+        <p:nvSpPr>
+          <p:cNvPr id="4" name="Text Placeholder 3"/>
+          <p:cNvSpPr>
+            <a:spLocks noGrp="1"/>
+          </p:cNvSpPr>
+          <p:nvPr>
+            <p:ph type="body" sz="half" idx="2"/>
+          </p:nvPr>
+        </p:nvSpPr>
+        <p:spPr>
+          <a:xfrm>
+            <a:off x="457200" y="1435100"/>
+            <a:ext cx="3008313" cy="4691063"/>
+          </a:xfrm>
+        </p:spPr>
+        <p:txBody>
+          <a:bodyPr/>
+          <a:lstStyle>
+            <a:lvl1pPr marL="0" indent="0">
+              <a:buNone/>
+              <a:defRPr sz="1400"/>
+            </a:lvl1pPr>
+            <a:lvl2pPr marL="457200" indent="0">
+              <a:buNone/>
+              <a:defRPr sz="1200"/>
+            </a:lvl2pPr>
+            <a:lvl3pPr marL="914400" indent="0">
+              <a:buNone/>
+              <a:defRPr sz="1000"/>
+            </a:lvl3pPr>
+            <a:lvl4pPr marL="1371600" indent="0">
+              <a:buNone/>
+              <a:defRPr sz="900"/>
+            </a:lvl4pPr>
+            <a:lvl5pPr marL="1828800" indent="0">
+              <a:buNone/>
+              <a:defRPr sz="900"/>
+            </a:lvl5pPr>
+            <a:lvl6pPr marL="2286000" indent="0">
+              <a:buNone/>
+              <a:defRPr sz="900"/>
+            </a:lvl6pPr>
+            <a:lvl7pPr marL="2743200" indent="0">
+              <a:buNone/>
+              <a:defRPr sz="900"/>
+            </a:lvl7pPr>
+            <a:lvl8pPr marL="3200400" indent="0">
+              <a:buNone/>
+              <a:defRPr sz="900"/>
+            </a:lvl8pPr>
+            <a:lvl9pPr marL="3657600" indent="0">
+              <a:buNone/>
+              <a:defRPr sz="900"/>
+            </a:lvl9pPr>
+          </a:lstStyle>
+          <a:p>
+            <a:pPr lvl="0"/>
+            <a:r>
+              <a:rPr lang="en-US" smtClean="0"/>
+              <a:t>Click to edit Master text styles</a:t>
+            </a:r>
+          </a:p>
+        </p:txBody>
+      </p:sp>
+      <p:sp>
+        <p:nvSpPr>
+          <p:cNvPr id="5" name="Date Placeholder 4"/>
+          <p:cNvSpPr>
+            <a:spLocks noGrp="1"/>
+          </p:cNvSpPr>
+          <p:nvPr>
+            <p:ph type="dt" sz="half" idx="10"/>
+          </p:nvPr>
+        </p:nvSpPr>
+        <p:spPr/>
+        <p:txBody>
+          <a:bodyPr/>
+          <a:lstStyle/>
+          <a:p>
+            <a:pPr algn="l" rtl="0"/>
+            <a:fld id="{E5B1AC9D-7C8A-4BB3-B152-489FC1CA0160}" type="datetimeFigureOut">
+              <a:rPr lang="en-US" sz="1200" kern="1200">
+                <a:solidFill>
+                  <a:prstClr val="white">
+                    <a:tint val="75000"/>
+                  </a:prstClr>
+                </a:solidFill>
+                <a:latin typeface="Calibri"/>
+                <a:ea typeface="+mn-ea"/>
+                <a:cs typeface="+mn-cs"/>
+              </a:rPr>
+              <a:pPr algn="l" rtl="0"/>
+              <a:t>3/12/2009</a:t>
+            </a:fld>
+            <a:endParaRPr lang="en-US" sz="1200" kern="1200">
+              <a:solidFill>
+                <a:prstClr val="white">
+                  <a:tint val="75000"/>
+                </a:prstClr>
+              </a:solidFill>
+              <a:latin typeface="Calibri"/>
+              <a:ea typeface="+mn-ea"/>
+              <a:cs typeface="+mn-cs"/>
+            </a:endParaRPr>
+          </a:p>
+        </p:txBody>
+      </p:sp>
+      <p:sp>
+        <p:nvSpPr>
+          <p:cNvPr id="6" name="Footer Placeholder 5"/>
+          <p:cNvSpPr>
+            <a:spLocks noGrp="1"/>
+          </p:cNvSpPr>
+          <p:nvPr>
+            <p:ph type="ftr" sz="quarter" idx="11"/>
+          </p:nvPr>
+        </p:nvSpPr>
+        <p:spPr/>
+        <p:txBody>
+          <a:bodyPr/>
+          <a:lstStyle/>
+          <a:p>
+            <a:pPr algn="ctr" rtl="0"/>
+            <a:endParaRPr lang="en-US" sz="1200" kern="1200">
+              <a:solidFill>
+                <a:prstClr val="white">
+                  <a:tint val="75000"/>
+                </a:prstClr>
+              </a:solidFill>
+              <a:latin typeface="Calibri"/>
+              <a:ea typeface="+mn-ea"/>
+              <a:cs typeface="+mn-cs"/>
+            </a:endParaRPr>
+          </a:p>
+        </p:txBody>
+      </p:sp>
+      <p:sp>
+        <p:nvSpPr>
+          <p:cNvPr id="7" name="Slide Number Placeholder 6"/>
+          <p:cNvSpPr>
+            <a:spLocks noGrp="1"/>
+          </p:cNvSpPr>
+          <p:nvPr>
+            <p:ph type="sldNum" sz="quarter" idx="12"/>
+          </p:nvPr>
+        </p:nvSpPr>
+        <p:spPr/>
+        <p:txBody>
+          <a:bodyPr/>
+          <a:lstStyle/>
+          <a:p>
+            <a:pPr algn="r" rtl="0"/>
+            <a:fld id="{37093969-7AAB-46EA-AA3B-E867A8062A99}" type="slidenum">
+              <a:rPr lang="en-US" sz="1200" kern="1200">
+                <a:solidFill>
+                  <a:prstClr val="white">
+                    <a:tint val="75000"/>
+                  </a:prstClr>
+                </a:solidFill>
+                <a:latin typeface="Calibri"/>
+                <a:ea typeface="+mn-ea"/>
+                <a:cs typeface="+mn-cs"/>
+              </a:rPr>
+              <a:pPr algn="r" rtl="0"/>
+              <a:t>‹#›</a:t>
+            </a:fld>
+            <a:endParaRPr lang="en-US" sz="1200" kern="1200">
+              <a:solidFill>
+                <a:prstClr val="white">
+                  <a:tint val="75000"/>
+                </a:prstClr>
+              </a:solidFill>
+              <a:latin typeface="Calibri"/>
+              <a:ea typeface="+mn-ea"/>
+              <a:cs typeface="+mn-cs"/>
+            </a:endParaRPr>
+          </a:p>
+        </p:txBody>
+      </p:sp>
+    </p:spTree>
+  </p:cSld>
+  <p:clrMapOvr>
+    <a:masterClrMapping/>
+  </p:clrMapOvr>
+</p:sldLayout>
+</file>
+
+<file path=ppt/slideLayouts/slideLayout42.xml><?xml version="1.0" encoding="utf-8"?>
+<p:sldLayout xmlns:a="http://schemas.openxmlformats.org/drawingml/2006/main" xmlns:r="http://schemas.openxmlformats.org/officeDocument/2006/relationships" xmlns:p="http://schemas.openxmlformats.org/presentationml/2006/main" type="picTx" preserve="1">
+  <p:cSld name="Picture with Caption">
+    <p:spTree>
+      <p:nvGrpSpPr>
+        <p:cNvPr id="1" name=""/>
+        <p:cNvGrpSpPr/>
+        <p:nvPr/>
+      </p:nvGrpSpPr>
+      <p:grpSpPr>
+        <a:xfrm>
+          <a:off x="0" y="0"/>
+          <a:ext cx="0" cy="0"/>
+          <a:chOff x="0" y="0"/>
+          <a:chExt cx="0" cy="0"/>
+        </a:xfrm>
+      </p:grpSpPr>
+      <p:sp>
+        <p:nvSpPr>
+          <p:cNvPr id="2" name="Title 1"/>
+          <p:cNvSpPr>
+            <a:spLocks noGrp="1"/>
+          </p:cNvSpPr>
+          <p:nvPr>
+            <p:ph type="title"/>
+          </p:nvPr>
+        </p:nvSpPr>
+        <p:spPr>
+          <a:xfrm>
+            <a:off x="1792288" y="4800600"/>
+            <a:ext cx="5486400" cy="566738"/>
+          </a:xfrm>
+        </p:spPr>
+        <p:txBody>
+          <a:bodyPr anchor="b"/>
+          <a:lstStyle>
+            <a:lvl1pPr algn="l">
+              <a:defRPr sz="2000" b="1"/>
+            </a:lvl1pPr>
+          </a:lstStyle>
+          <a:p>
+            <a:r>
+              <a:rPr lang="en-US" smtClean="0"/>
+              <a:t>Click to edit Master title style</a:t>
+            </a:r>
+            <a:endParaRPr lang="en-US"/>
+          </a:p>
+        </p:txBody>
+      </p:sp>
+      <p:sp>
+        <p:nvSpPr>
+          <p:cNvPr id="3" name="Picture Placeholder 2"/>
+          <p:cNvSpPr>
+            <a:spLocks noGrp="1"/>
+          </p:cNvSpPr>
+          <p:nvPr>
+            <p:ph type="pic" idx="1"/>
+          </p:nvPr>
+        </p:nvSpPr>
+        <p:spPr>
+          <a:xfrm>
+            <a:off x="1792288" y="612775"/>
+            <a:ext cx="5486400" cy="4114800"/>
+          </a:xfrm>
+        </p:spPr>
+        <p:txBody>
+          <a:bodyPr/>
+          <a:lstStyle>
+            <a:lvl1pPr marL="0" indent="0">
+              <a:buNone/>
+              <a:defRPr sz="3200"/>
+            </a:lvl1pPr>
+            <a:lvl2pPr marL="457200" indent="0">
+              <a:buNone/>
+              <a:defRPr sz="2800"/>
+            </a:lvl2pPr>
+            <a:lvl3pPr marL="914400" indent="0">
+              <a:buNone/>
+              <a:defRPr sz="2400"/>
+            </a:lvl3pPr>
+            <a:lvl4pPr marL="1371600" indent="0">
+              <a:buNone/>
+              <a:defRPr sz="2000"/>
+            </a:lvl4pPr>
+            <a:lvl5pPr marL="1828800" indent="0">
+              <a:buNone/>
+              <a:defRPr sz="2000"/>
+            </a:lvl5pPr>
+            <a:lvl6pPr marL="2286000" indent="0">
+              <a:buNone/>
+              <a:defRPr sz="2000"/>
+            </a:lvl6pPr>
+            <a:lvl7pPr marL="2743200" indent="0">
+              <a:buNone/>
+              <a:defRPr sz="2000"/>
+            </a:lvl7pPr>
+            <a:lvl8pPr marL="3200400" indent="0">
+              <a:buNone/>
+              <a:defRPr sz="2000"/>
+            </a:lvl8pPr>
+            <a:lvl9pPr marL="3657600" indent="0">
+              <a:buNone/>
+              <a:defRPr sz="2000"/>
+            </a:lvl9pPr>
+          </a:lstStyle>
+          <a:p>
+            <a:endParaRPr lang="en-US"/>
+          </a:p>
+        </p:txBody>
+      </p:sp>
+      <p:sp>
+        <p:nvSpPr>
+          <p:cNvPr id="4" name="Text Placeholder 3"/>
+          <p:cNvSpPr>
+            <a:spLocks noGrp="1"/>
+          </p:cNvSpPr>
+          <p:nvPr>
+            <p:ph type="body" sz="half" idx="2"/>
+          </p:nvPr>
+        </p:nvSpPr>
+        <p:spPr>
+          <a:xfrm>
+            <a:off x="1792288" y="5367338"/>
+            <a:ext cx="5486400" cy="804862"/>
+          </a:xfrm>
+        </p:spPr>
+        <p:txBody>
+          <a:bodyPr/>
+          <a:lstStyle>
+            <a:lvl1pPr marL="0" indent="0">
+              <a:buNone/>
+              <a:defRPr sz="1400"/>
+            </a:lvl1pPr>
+            <a:lvl2pPr marL="457200" indent="0">
+              <a:buNone/>
+              <a:defRPr sz="1200"/>
+            </a:lvl2pPr>
+            <a:lvl3pPr marL="914400" indent="0">
+              <a:buNone/>
+              <a:defRPr sz="1000"/>
+            </a:lvl3pPr>
+            <a:lvl4pPr marL="1371600" indent="0">
+              <a:buNone/>
+              <a:defRPr sz="900"/>
+            </a:lvl4pPr>
+            <a:lvl5pPr marL="1828800" indent="0">
+              <a:buNone/>
+              <a:defRPr sz="900"/>
+            </a:lvl5pPr>
+            <a:lvl6pPr marL="2286000" indent="0">
+              <a:buNone/>
+              <a:defRPr sz="900"/>
+            </a:lvl6pPr>
+            <a:lvl7pPr marL="2743200" indent="0">
+              <a:buNone/>
+              <a:defRPr sz="900"/>
+            </a:lvl7pPr>
+            <a:lvl8pPr marL="3200400" indent="0">
+              <a:buNone/>
+              <a:defRPr sz="900"/>
+            </a:lvl8pPr>
+            <a:lvl9pPr marL="3657600" indent="0">
+              <a:buNone/>
+              <a:defRPr sz="900"/>
+            </a:lvl9pPr>
+          </a:lstStyle>
+          <a:p>
+            <a:pPr lvl="0"/>
+            <a:r>
+              <a:rPr lang="en-US" smtClean="0"/>
+              <a:t>Click to edit Master text styles</a:t>
+            </a:r>
+          </a:p>
+        </p:txBody>
+      </p:sp>
+      <p:sp>
+        <p:nvSpPr>
+          <p:cNvPr id="5" name="Date Placeholder 4"/>
+          <p:cNvSpPr>
+            <a:spLocks noGrp="1"/>
+          </p:cNvSpPr>
+          <p:nvPr>
+            <p:ph type="dt" sz="half" idx="10"/>
+          </p:nvPr>
+        </p:nvSpPr>
+        <p:spPr/>
+        <p:txBody>
+          <a:bodyPr/>
+          <a:lstStyle/>
+          <a:p>
+            <a:pPr algn="l" rtl="0"/>
+            <a:fld id="{E5B1AC9D-7C8A-4BB3-B152-489FC1CA0160}" type="datetimeFigureOut">
+              <a:rPr lang="en-US" sz="1200" kern="1200">
+                <a:solidFill>
+                  <a:prstClr val="white">
+                    <a:tint val="75000"/>
+                  </a:prstClr>
+                </a:solidFill>
+                <a:latin typeface="Calibri"/>
+                <a:ea typeface="+mn-ea"/>
+                <a:cs typeface="+mn-cs"/>
+              </a:rPr>
+              <a:pPr algn="l" rtl="0"/>
+              <a:t>3/12/2009</a:t>
+            </a:fld>
+            <a:endParaRPr lang="en-US" sz="1200" kern="1200">
+              <a:solidFill>
+                <a:prstClr val="white">
+                  <a:tint val="75000"/>
+                </a:prstClr>
+              </a:solidFill>
+              <a:latin typeface="Calibri"/>
+              <a:ea typeface="+mn-ea"/>
+              <a:cs typeface="+mn-cs"/>
+            </a:endParaRPr>
+          </a:p>
+        </p:txBody>
+      </p:sp>
+      <p:sp>
+        <p:nvSpPr>
+          <p:cNvPr id="6" name="Footer Placeholder 5"/>
+          <p:cNvSpPr>
+            <a:spLocks noGrp="1"/>
+          </p:cNvSpPr>
+          <p:nvPr>
+            <p:ph type="ftr" sz="quarter" idx="11"/>
+          </p:nvPr>
+        </p:nvSpPr>
+        <p:spPr/>
+        <p:txBody>
+          <a:bodyPr/>
+          <a:lstStyle/>
+          <a:p>
+            <a:pPr algn="ctr" rtl="0"/>
+            <a:endParaRPr lang="en-US" sz="1200" kern="1200">
+              <a:solidFill>
+                <a:prstClr val="white">
+                  <a:tint val="75000"/>
+                </a:prstClr>
+              </a:solidFill>
+              <a:latin typeface="Calibri"/>
+              <a:ea typeface="+mn-ea"/>
+              <a:cs typeface="+mn-cs"/>
+            </a:endParaRPr>
+          </a:p>
+        </p:txBody>
+      </p:sp>
+      <p:sp>
+        <p:nvSpPr>
+          <p:cNvPr id="7" name="Slide Number Placeholder 6"/>
+          <p:cNvSpPr>
+            <a:spLocks noGrp="1"/>
+          </p:cNvSpPr>
+          <p:nvPr>
+            <p:ph type="sldNum" sz="quarter" idx="12"/>
+          </p:nvPr>
+        </p:nvSpPr>
+        <p:spPr/>
+        <p:txBody>
+          <a:bodyPr/>
+          <a:lstStyle/>
+          <a:p>
+            <a:pPr algn="r" rtl="0"/>
+            <a:fld id="{37093969-7AAB-46EA-AA3B-E867A8062A99}" type="slidenum">
+              <a:rPr lang="en-US" sz="1200" kern="1200">
+                <a:solidFill>
+                  <a:prstClr val="white">
+                    <a:tint val="75000"/>
+                  </a:prstClr>
+                </a:solidFill>
+                <a:latin typeface="Calibri"/>
+                <a:ea typeface="+mn-ea"/>
+                <a:cs typeface="+mn-cs"/>
+              </a:rPr>
+              <a:pPr algn="r" rtl="0"/>
+              <a:t>‹#›</a:t>
+            </a:fld>
+            <a:endParaRPr lang="en-US" sz="1200" kern="1200">
+              <a:solidFill>
+                <a:prstClr val="white">
+                  <a:tint val="75000"/>
+                </a:prstClr>
+              </a:solidFill>
+              <a:latin typeface="Calibri"/>
+              <a:ea typeface="+mn-ea"/>
+              <a:cs typeface="+mn-cs"/>
+            </a:endParaRPr>
+          </a:p>
+        </p:txBody>
+      </p:sp>
+    </p:spTree>
+  </p:cSld>
+  <p:clrMapOvr>
+    <a:masterClrMapping/>
+  </p:clrMapOvr>
+</p:sldLayout>
+</file>
+
+<file path=ppt/slideLayouts/slideLayout43.xml><?xml version="1.0" encoding="utf-8"?>
+<p:sldLayout xmlns:a="http://schemas.openxmlformats.org/drawingml/2006/main" xmlns:r="http://schemas.openxmlformats.org/officeDocument/2006/relationships" xmlns:p="http://schemas.openxmlformats.org/presentationml/2006/main" type="vertTx" preserve="1">
+  <p:cSld name="Title and Vertical Text">
+    <p:spTree>
+      <p:nvGrpSpPr>
+        <p:cNvPr id="1" name=""/>
+        <p:cNvGrpSpPr/>
+        <p:nvPr/>
+      </p:nvGrpSpPr>
+      <p:grpSpPr>
+        <a:xfrm>
+          <a:off x="0" y="0"/>
+          <a:ext cx="0" cy="0"/>
+          <a:chOff x="0" y="0"/>
+          <a:chExt cx="0" cy="0"/>
+        </a:xfrm>
+      </p:grpSpPr>
+      <p:sp>
+        <p:nvSpPr>
+          <p:cNvPr id="2" name="Title 1"/>
+          <p:cNvSpPr>
+            <a:spLocks noGrp="1"/>
+          </p:cNvSpPr>
+          <p:nvPr>
+            <p:ph type="title"/>
+          </p:nvPr>
+        </p:nvSpPr>
+        <p:spPr/>
+        <p:txBody>
+          <a:bodyPr/>
+          <a:lstStyle/>
+          <a:p>
+            <a:r>
+              <a:rPr lang="en-US" smtClean="0"/>
+              <a:t>Click to edit Master title style</a:t>
+            </a:r>
+            <a:endParaRPr lang="en-US"/>
+          </a:p>
+        </p:txBody>
+      </p:sp>
+      <p:sp>
+        <p:nvSpPr>
+          <p:cNvPr id="3" name="Vertical Text Placeholder 2"/>
+          <p:cNvSpPr>
+            <a:spLocks noGrp="1"/>
+          </p:cNvSpPr>
+          <p:nvPr>
+            <p:ph type="body" orient="vert" idx="1"/>
+          </p:nvPr>
+        </p:nvSpPr>
+        <p:spPr/>
+        <p:txBody>
+          <a:bodyPr vert="eaVert"/>
+          <a:lstStyle/>
+          <a:p>
+            <a:pPr lvl="0"/>
+            <a:r>
+              <a:rPr lang="en-US" smtClean="0"/>
+              <a:t>Click to edit Master text styles</a:t>
+            </a:r>
+          </a:p>
+          <a:p>
+            <a:pPr lvl="1"/>
+            <a:r>
+              <a:rPr lang="en-US" smtClean="0"/>
+              <a:t>Second level</a:t>
+            </a:r>
+          </a:p>
+          <a:p>
+            <a:pPr lvl="2"/>
+            <a:r>
+              <a:rPr lang="en-US" smtClean="0"/>
+              <a:t>Third level</a:t>
+            </a:r>
+          </a:p>
+          <a:p>
+            <a:pPr lvl="3"/>
+            <a:r>
+              <a:rPr lang="en-US" smtClean="0"/>
+              <a:t>Fourth level</a:t>
+            </a:r>
+          </a:p>
+          <a:p>
+            <a:pPr lvl="4"/>
+            <a:r>
+              <a:rPr lang="en-US" smtClean="0"/>
+              <a:t>Fifth level</a:t>
+            </a:r>
+            <a:endParaRPr lang="en-US"/>
+          </a:p>
+        </p:txBody>
+      </p:sp>
+      <p:sp>
+        <p:nvSpPr>
+          <p:cNvPr id="4" name="Date Placeholder 3"/>
+          <p:cNvSpPr>
+            <a:spLocks noGrp="1"/>
+          </p:cNvSpPr>
+          <p:nvPr>
+            <p:ph type="dt" sz="half" idx="10"/>
+          </p:nvPr>
+        </p:nvSpPr>
+        <p:spPr/>
+        <p:txBody>
+          <a:bodyPr/>
+          <a:lstStyle/>
+          <a:p>
+            <a:pPr algn="l" rtl="0"/>
+            <a:fld id="{E5B1AC9D-7C8A-4BB3-B152-489FC1CA0160}" type="datetimeFigureOut">
+              <a:rPr lang="en-US" sz="1200" kern="1200">
+                <a:solidFill>
+                  <a:prstClr val="white">
+                    <a:tint val="75000"/>
+                  </a:prstClr>
+                </a:solidFill>
+                <a:latin typeface="Calibri"/>
+                <a:ea typeface="+mn-ea"/>
+                <a:cs typeface="+mn-cs"/>
+              </a:rPr>
+              <a:pPr algn="l" rtl="0"/>
+              <a:t>3/12/2009</a:t>
+            </a:fld>
+            <a:endParaRPr lang="en-US" sz="1200" kern="1200">
+              <a:solidFill>
+                <a:prstClr val="white">
+                  <a:tint val="75000"/>
+                </a:prstClr>
+              </a:solidFill>
+              <a:latin typeface="Calibri"/>
+              <a:ea typeface="+mn-ea"/>
+              <a:cs typeface="+mn-cs"/>
+            </a:endParaRPr>
+          </a:p>
+        </p:txBody>
+      </p:sp>
+      <p:sp>
+        <p:nvSpPr>
+          <p:cNvPr id="5" name="Footer Placeholder 4"/>
+          <p:cNvSpPr>
+            <a:spLocks noGrp="1"/>
+          </p:cNvSpPr>
+          <p:nvPr>
+            <p:ph type="ftr" sz="quarter" idx="11"/>
+          </p:nvPr>
+        </p:nvSpPr>
+        <p:spPr/>
+        <p:txBody>
+          <a:bodyPr/>
+          <a:lstStyle/>
+          <a:p>
+            <a:pPr algn="ctr" rtl="0"/>
+            <a:endParaRPr lang="en-US" sz="1200" kern="1200">
+              <a:solidFill>
+                <a:prstClr val="white">
+                  <a:tint val="75000"/>
+                </a:prstClr>
+              </a:solidFill>
+              <a:latin typeface="Calibri"/>
+              <a:ea typeface="+mn-ea"/>
+              <a:cs typeface="+mn-cs"/>
+            </a:endParaRPr>
+          </a:p>
+        </p:txBody>
+      </p:sp>
+      <p:sp>
+        <p:nvSpPr>
+          <p:cNvPr id="6" name="Slide Number Placeholder 5"/>
+          <p:cNvSpPr>
+            <a:spLocks noGrp="1"/>
+          </p:cNvSpPr>
+          <p:nvPr>
+            <p:ph type="sldNum" sz="quarter" idx="12"/>
+          </p:nvPr>
+        </p:nvSpPr>
+        <p:spPr/>
+        <p:txBody>
+          <a:bodyPr/>
+          <a:lstStyle/>
+          <a:p>
+            <a:pPr algn="r" rtl="0"/>
+            <a:fld id="{37093969-7AAB-46EA-AA3B-E867A8062A99}" type="slidenum">
+              <a:rPr lang="en-US" sz="1200" kern="1200">
+                <a:solidFill>
+                  <a:prstClr val="white">
+                    <a:tint val="75000"/>
+                  </a:prstClr>
+                </a:solidFill>
+                <a:latin typeface="Calibri"/>
+                <a:ea typeface="+mn-ea"/>
+                <a:cs typeface="+mn-cs"/>
+              </a:rPr>
+              <a:pPr algn="r" rtl="0"/>
+              <a:t>‹#›</a:t>
+            </a:fld>
+            <a:endParaRPr lang="en-US" sz="1200" kern="1200">
+              <a:solidFill>
+                <a:prstClr val="white">
+                  <a:tint val="75000"/>
+                </a:prstClr>
+              </a:solidFill>
+              <a:latin typeface="Calibri"/>
+              <a:ea typeface="+mn-ea"/>
+              <a:cs typeface="+mn-cs"/>
+            </a:endParaRPr>
+          </a:p>
+        </p:txBody>
+      </p:sp>
+    </p:spTree>
+  </p:cSld>
+  <p:clrMapOvr>
+    <a:masterClrMapping/>
+  </p:clrMapOvr>
+</p:sldLayout>
+</file>
+
+<file path=ppt/slideLayouts/slideLayout44.xml><?xml version="1.0" encoding="utf-8"?>
+<p:sldLayout xmlns:a="http://schemas.openxmlformats.org/drawingml/2006/main" xmlns:r="http://schemas.openxmlformats.org/officeDocument/2006/relationships" xmlns:p="http://schemas.openxmlformats.org/presentationml/2006/main" type="vertTitleAndTx" preserve="1">
+  <p:cSld name="Vertical Title and Text">
+    <p:spTree>
+      <p:nvGrpSpPr>
+        <p:cNvPr id="1" name=""/>
+        <p:cNvGrpSpPr/>
+        <p:nvPr/>
+      </p:nvGrpSpPr>
+      <p:grpSpPr>
+        <a:xfrm>
+          <a:off x="0" y="0"/>
+          <a:ext cx="0" cy="0"/>
+          <a:chOff x="0" y="0"/>
+          <a:chExt cx="0" cy="0"/>
+        </a:xfrm>
+      </p:grpSpPr>
+      <p:sp>
+        <p:nvSpPr>
+          <p:cNvPr id="2" name="Vertical Title 1"/>
+          <p:cNvSpPr>
+            <a:spLocks noGrp="1"/>
+          </p:cNvSpPr>
+          <p:nvPr>
+            <p:ph type="title" orient="vert"/>
+          </p:nvPr>
+        </p:nvSpPr>
+        <p:spPr>
+          <a:xfrm>
+            <a:off x="6629400" y="274638"/>
+            <a:ext cx="2057400" cy="5851525"/>
+          </a:xfrm>
+        </p:spPr>
+        <p:txBody>
+          <a:bodyPr vert="eaVert"/>
+          <a:lstStyle/>
+          <a:p>
+            <a:r>
+              <a:rPr lang="en-US" smtClean="0"/>
+              <a:t>Click to edit Master title style</a:t>
+            </a:r>
+            <a:endParaRPr lang="en-US"/>
+          </a:p>
+        </p:txBody>
+      </p:sp>
+      <p:sp>
+        <p:nvSpPr>
+          <p:cNvPr id="3" name="Vertical Text Placeholder 2"/>
+          <p:cNvSpPr>
+            <a:spLocks noGrp="1"/>
+          </p:cNvSpPr>
+          <p:nvPr>
+            <p:ph type="body" orient="vert" idx="1"/>
+          </p:nvPr>
+        </p:nvSpPr>
+        <p:spPr>
+          <a:xfrm>
+            <a:off x="457200" y="274638"/>
+            <a:ext cx="6019800" cy="5851525"/>
+          </a:xfrm>
+        </p:spPr>
+        <p:txBody>
+          <a:bodyPr vert="eaVert"/>
+          <a:lstStyle/>
+          <a:p>
+            <a:pPr lvl="0"/>
+            <a:r>
+              <a:rPr lang="en-US" smtClean="0"/>
+              <a:t>Click to edit Master text styles</a:t>
+            </a:r>
+          </a:p>
+          <a:p>
+            <a:pPr lvl="1"/>
+            <a:r>
+              <a:rPr lang="en-US" smtClean="0"/>
+              <a:t>Second level</a:t>
+            </a:r>
+          </a:p>
+          <a:p>
+            <a:pPr lvl="2"/>
+            <a:r>
+              <a:rPr lang="en-US" smtClean="0"/>
+              <a:t>Third level</a:t>
+            </a:r>
+          </a:p>
+          <a:p>
+            <a:pPr lvl="3"/>
+            <a:r>
+              <a:rPr lang="en-US" smtClean="0"/>
+              <a:t>Fourth level</a:t>
+            </a:r>
+          </a:p>
+          <a:p>
+            <a:pPr lvl="4"/>
+            <a:r>
+              <a:rPr lang="en-US" smtClean="0"/>
+              <a:t>Fifth level</a:t>
+            </a:r>
+            <a:endParaRPr lang="en-US"/>
+          </a:p>
+        </p:txBody>
+      </p:sp>
+      <p:sp>
+        <p:nvSpPr>
+          <p:cNvPr id="4" name="Date Placeholder 3"/>
+          <p:cNvSpPr>
+            <a:spLocks noGrp="1"/>
+          </p:cNvSpPr>
+          <p:nvPr>
+            <p:ph type="dt" sz="half" idx="10"/>
+          </p:nvPr>
+        </p:nvSpPr>
+        <p:spPr/>
+        <p:txBody>
+          <a:bodyPr/>
+          <a:lstStyle/>
+          <a:p>
+            <a:pPr algn="l" rtl="0"/>
+            <a:fld id="{E5B1AC9D-7C8A-4BB3-B152-489FC1CA0160}" type="datetimeFigureOut">
+              <a:rPr lang="en-US" sz="1200" kern="1200">
+                <a:solidFill>
+                  <a:prstClr val="white">
+                    <a:tint val="75000"/>
+                  </a:prstClr>
+                </a:solidFill>
+                <a:latin typeface="Calibri"/>
+                <a:ea typeface="+mn-ea"/>
+                <a:cs typeface="+mn-cs"/>
+              </a:rPr>
+              <a:pPr algn="l" rtl="0"/>
+              <a:t>3/12/2009</a:t>
+            </a:fld>
+            <a:endParaRPr lang="en-US" sz="1200" kern="1200">
+              <a:solidFill>
+                <a:prstClr val="white">
+                  <a:tint val="75000"/>
+                </a:prstClr>
+              </a:solidFill>
+              <a:latin typeface="Calibri"/>
+              <a:ea typeface="+mn-ea"/>
+              <a:cs typeface="+mn-cs"/>
+            </a:endParaRPr>
+          </a:p>
+        </p:txBody>
+      </p:sp>
+      <p:sp>
+        <p:nvSpPr>
+          <p:cNvPr id="5" name="Footer Placeholder 4"/>
+          <p:cNvSpPr>
+            <a:spLocks noGrp="1"/>
+          </p:cNvSpPr>
+          <p:nvPr>
+            <p:ph type="ftr" sz="quarter" idx="11"/>
+          </p:nvPr>
+        </p:nvSpPr>
+        <p:spPr/>
+        <p:txBody>
+          <a:bodyPr/>
+          <a:lstStyle/>
+          <a:p>
+            <a:pPr algn="ctr" rtl="0"/>
+            <a:endParaRPr lang="en-US" sz="1200" kern="1200">
+              <a:solidFill>
+                <a:prstClr val="white">
+                  <a:tint val="75000"/>
+                </a:prstClr>
+              </a:solidFill>
+              <a:latin typeface="Calibri"/>
+              <a:ea typeface="+mn-ea"/>
+              <a:cs typeface="+mn-cs"/>
+            </a:endParaRPr>
+          </a:p>
+        </p:txBody>
+      </p:sp>
+      <p:sp>
+        <p:nvSpPr>
+          <p:cNvPr id="6" name="Slide Number Placeholder 5"/>
+          <p:cNvSpPr>
+            <a:spLocks noGrp="1"/>
+          </p:cNvSpPr>
+          <p:nvPr>
+            <p:ph type="sldNum" sz="quarter" idx="12"/>
+          </p:nvPr>
+        </p:nvSpPr>
+        <p:spPr/>
+        <p:txBody>
+          <a:bodyPr/>
+          <a:lstStyle/>
+          <a:p>
+            <a:pPr algn="r" rtl="0"/>
+            <a:fld id="{37093969-7AAB-46EA-AA3B-E867A8062A99}" type="slidenum">
+              <a:rPr lang="en-US" sz="1200" kern="1200">
+                <a:solidFill>
+                  <a:prstClr val="white">
+                    <a:tint val="75000"/>
+                  </a:prstClr>
+                </a:solidFill>
+                <a:latin typeface="Calibri"/>
+                <a:ea typeface="+mn-ea"/>
+                <a:cs typeface="+mn-cs"/>
+              </a:rPr>
+              <a:pPr algn="r" rtl="0"/>
+              <a:t>‹#›</a:t>
+            </a:fld>
+            <a:endParaRPr lang="en-US" sz="1200" kern="1200">
+              <a:solidFill>
+                <a:prstClr val="white">
+                  <a:tint val="75000"/>
+                </a:prstClr>
+              </a:solidFill>
+              <a:latin typeface="Calibri"/>
+              <a:ea typeface="+mn-ea"/>
+              <a:cs typeface="+mn-cs"/>
+            </a:endParaRPr>
           </a:p>
         </p:txBody>
       </p:sp>
@@ -10071,6 +13029,561 @@
 </p:sldMaster>
 </file>
 
+<file path=ppt/slideMasters/slideMaster4.xml><?xml version="1.0" encoding="utf-8"?>
+<p:sldMaster xmlns:a="http://schemas.openxmlformats.org/drawingml/2006/main" xmlns:r="http://schemas.openxmlformats.org/officeDocument/2006/relationships" xmlns:p="http://schemas.openxmlformats.org/presentationml/2006/main">
+  <p:cSld>
+    <p:bg>
+      <p:bgRef idx="1001">
+        <a:schemeClr val="bg1"/>
+      </p:bgRef>
+    </p:bg>
+    <p:spTree>
+      <p:nvGrpSpPr>
+        <p:cNvPr id="1" name=""/>
+        <p:cNvGrpSpPr/>
+        <p:nvPr/>
+      </p:nvGrpSpPr>
+      <p:grpSpPr>
+        <a:xfrm>
+          <a:off x="0" y="0"/>
+          <a:ext cx="0" cy="0"/>
+          <a:chOff x="0" y="0"/>
+          <a:chExt cx="0" cy="0"/>
+        </a:xfrm>
+      </p:grpSpPr>
+      <p:sp>
+        <p:nvSpPr>
+          <p:cNvPr id="2" name="Title Placeholder 1"/>
+          <p:cNvSpPr>
+            <a:spLocks noGrp="1"/>
+          </p:cNvSpPr>
+          <p:nvPr>
+            <p:ph type="title"/>
+          </p:nvPr>
+        </p:nvSpPr>
+        <p:spPr>
+          <a:xfrm>
+            <a:off x="457200" y="274638"/>
+            <a:ext cx="8229600" cy="1143000"/>
+          </a:xfrm>
+          <a:prstGeom prst="rect">
+            <a:avLst/>
+          </a:prstGeom>
+        </p:spPr>
+        <p:txBody>
+          <a:bodyPr vert="horz" lIns="91440" tIns="45720" rIns="91440" bIns="45720" rtlCol="0" anchor="ctr">
+            <a:normAutofit/>
+          </a:bodyPr>
+          <a:lstStyle/>
+          <a:p>
+            <a:r>
+              <a:rPr lang="en-US" smtClean="0"/>
+              <a:t>Click to edit Master title style</a:t>
+            </a:r>
+            <a:endParaRPr lang="en-US"/>
+          </a:p>
+        </p:txBody>
+      </p:sp>
+      <p:sp>
+        <p:nvSpPr>
+          <p:cNvPr id="3" name="Text Placeholder 2"/>
+          <p:cNvSpPr>
+            <a:spLocks noGrp="1"/>
+          </p:cNvSpPr>
+          <p:nvPr>
+            <p:ph type="body" idx="1"/>
+          </p:nvPr>
+        </p:nvSpPr>
+        <p:spPr>
+          <a:xfrm>
+            <a:off x="457200" y="1600200"/>
+            <a:ext cx="8229600" cy="4525963"/>
+          </a:xfrm>
+          <a:prstGeom prst="rect">
+            <a:avLst/>
+          </a:prstGeom>
+        </p:spPr>
+        <p:txBody>
+          <a:bodyPr vert="horz" lIns="91440" tIns="45720" rIns="91440" bIns="45720" rtlCol="0">
+            <a:normAutofit/>
+          </a:bodyPr>
+          <a:lstStyle/>
+          <a:p>
+            <a:pPr lvl="0"/>
+            <a:r>
+              <a:rPr lang="en-US" smtClean="0"/>
+              <a:t>Click to edit Master text styles</a:t>
+            </a:r>
+          </a:p>
+          <a:p>
+            <a:pPr lvl="1"/>
+            <a:r>
+              <a:rPr lang="en-US" smtClean="0"/>
+              <a:t>Second level</a:t>
+            </a:r>
+          </a:p>
+          <a:p>
+            <a:pPr lvl="2"/>
+            <a:r>
+              <a:rPr lang="en-US" smtClean="0"/>
+              <a:t>Third level</a:t>
+            </a:r>
+          </a:p>
+          <a:p>
+            <a:pPr lvl="3"/>
+            <a:r>
+              <a:rPr lang="en-US" smtClean="0"/>
+              <a:t>Fourth level</a:t>
+            </a:r>
+          </a:p>
+          <a:p>
+            <a:pPr lvl="4"/>
+            <a:r>
+              <a:rPr lang="en-US" smtClean="0"/>
+              <a:t>Fifth level</a:t>
+            </a:r>
+            <a:endParaRPr lang="en-US"/>
+          </a:p>
+        </p:txBody>
+      </p:sp>
+      <p:sp>
+        <p:nvSpPr>
+          <p:cNvPr id="4" name="Date Placeholder 3"/>
+          <p:cNvSpPr>
+            <a:spLocks noGrp="1"/>
+          </p:cNvSpPr>
+          <p:nvPr>
+            <p:ph type="dt" sz="half" idx="2"/>
+          </p:nvPr>
+        </p:nvSpPr>
+        <p:spPr>
+          <a:xfrm>
+            <a:off x="457200" y="6356350"/>
+            <a:ext cx="2133600" cy="365125"/>
+          </a:xfrm>
+          <a:prstGeom prst="rect">
+            <a:avLst/>
+          </a:prstGeom>
+        </p:spPr>
+        <p:txBody>
+          <a:bodyPr vert="horz" lIns="91440" tIns="45720" rIns="91440" bIns="45720" rtlCol="0" anchor="ctr"/>
+          <a:lstStyle>
+            <a:lvl1pPr algn="l">
+              <a:defRPr sz="1200">
+                <a:solidFill>
+                  <a:schemeClr val="tx1">
+                    <a:tint val="75000"/>
+                  </a:schemeClr>
+                </a:solidFill>
+              </a:defRPr>
+            </a:lvl1pPr>
+          </a:lstStyle>
+          <a:p>
+            <a:pPr rtl="0"/>
+            <a:fld id="{E5B1AC9D-7C8A-4BB3-B152-489FC1CA0160}" type="datetimeFigureOut">
+              <a:rPr lang="en-US" kern="1200" smtClean="0">
+                <a:solidFill>
+                  <a:prstClr val="white">
+                    <a:tint val="75000"/>
+                  </a:prstClr>
+                </a:solidFill>
+                <a:latin typeface="Calibri"/>
+                <a:ea typeface="+mn-ea"/>
+                <a:cs typeface="+mn-cs"/>
+              </a:rPr>
+              <a:pPr rtl="0"/>
+              <a:t>3/12/2009</a:t>
+            </a:fld>
+            <a:endParaRPr lang="en-US" kern="1200">
+              <a:solidFill>
+                <a:prstClr val="white">
+                  <a:tint val="75000"/>
+                </a:prstClr>
+              </a:solidFill>
+              <a:latin typeface="Calibri"/>
+              <a:ea typeface="+mn-ea"/>
+              <a:cs typeface="+mn-cs"/>
+            </a:endParaRPr>
+          </a:p>
+        </p:txBody>
+      </p:sp>
+      <p:sp>
+        <p:nvSpPr>
+          <p:cNvPr id="5" name="Footer Placeholder 4"/>
+          <p:cNvSpPr>
+            <a:spLocks noGrp="1"/>
+          </p:cNvSpPr>
+          <p:nvPr>
+            <p:ph type="ftr" sz="quarter" idx="3"/>
+          </p:nvPr>
+        </p:nvSpPr>
+        <p:spPr>
+          <a:xfrm>
+            <a:off x="3124200" y="6356350"/>
+            <a:ext cx="2895600" cy="365125"/>
+          </a:xfrm>
+          <a:prstGeom prst="rect">
+            <a:avLst/>
+          </a:prstGeom>
+        </p:spPr>
+        <p:txBody>
+          <a:bodyPr vert="horz" lIns="91440" tIns="45720" rIns="91440" bIns="45720" rtlCol="0" anchor="ctr"/>
+          <a:lstStyle>
+            <a:lvl1pPr algn="ctr">
+              <a:defRPr sz="1200">
+                <a:solidFill>
+                  <a:schemeClr val="tx1">
+                    <a:tint val="75000"/>
+                  </a:schemeClr>
+                </a:solidFill>
+              </a:defRPr>
+            </a:lvl1pPr>
+          </a:lstStyle>
+          <a:p>
+            <a:pPr rtl="0"/>
+            <a:endParaRPr lang="en-US" kern="1200">
+              <a:solidFill>
+                <a:prstClr val="white">
+                  <a:tint val="75000"/>
+                </a:prstClr>
+              </a:solidFill>
+              <a:latin typeface="Calibri"/>
+              <a:ea typeface="+mn-ea"/>
+              <a:cs typeface="+mn-cs"/>
+            </a:endParaRPr>
+          </a:p>
+        </p:txBody>
+      </p:sp>
+      <p:sp>
+        <p:nvSpPr>
+          <p:cNvPr id="6" name="Slide Number Placeholder 5"/>
+          <p:cNvSpPr>
+            <a:spLocks noGrp="1"/>
+          </p:cNvSpPr>
+          <p:nvPr>
+            <p:ph type="sldNum" sz="quarter" idx="4"/>
+          </p:nvPr>
+        </p:nvSpPr>
+        <p:spPr>
+          <a:xfrm>
+            <a:off x="6553200" y="6356350"/>
+            <a:ext cx="2133600" cy="365125"/>
+          </a:xfrm>
+          <a:prstGeom prst="rect">
+            <a:avLst/>
+          </a:prstGeom>
+        </p:spPr>
+        <p:txBody>
+          <a:bodyPr vert="horz" lIns="91440" tIns="45720" rIns="91440" bIns="45720" rtlCol="0" anchor="ctr"/>
+          <a:lstStyle>
+            <a:lvl1pPr algn="r">
+              <a:defRPr sz="1200">
+                <a:solidFill>
+                  <a:schemeClr val="tx1">
+                    <a:tint val="75000"/>
+                  </a:schemeClr>
+                </a:solidFill>
+              </a:defRPr>
+            </a:lvl1pPr>
+          </a:lstStyle>
+          <a:p>
+            <a:pPr rtl="0"/>
+            <a:fld id="{37093969-7AAB-46EA-AA3B-E867A8062A99}" type="slidenum">
+              <a:rPr lang="en-US" kern="1200" smtClean="0">
+                <a:solidFill>
+                  <a:prstClr val="white">
+                    <a:tint val="75000"/>
+                  </a:prstClr>
+                </a:solidFill>
+                <a:latin typeface="Calibri"/>
+                <a:ea typeface="+mn-ea"/>
+                <a:cs typeface="+mn-cs"/>
+              </a:rPr>
+              <a:pPr rtl="0"/>
+              <a:t>‹#›</a:t>
+            </a:fld>
+            <a:endParaRPr lang="en-US" kern="1200">
+              <a:solidFill>
+                <a:prstClr val="white">
+                  <a:tint val="75000"/>
+                </a:prstClr>
+              </a:solidFill>
+              <a:latin typeface="Calibri"/>
+              <a:ea typeface="+mn-ea"/>
+              <a:cs typeface="+mn-cs"/>
+            </a:endParaRPr>
+          </a:p>
+        </p:txBody>
+      </p:sp>
+    </p:spTree>
+  </p:cSld>
+  <p:clrMap bg1="dk1" tx1="lt1" bg2="dk2" tx2="lt2" accent1="accent1" accent2="accent2" accent3="accent3" accent4="accent4" accent5="accent5" accent6="accent6" hlink="hlink" folHlink="folHlink"/>
+  <p:sldLayoutIdLst>
+    <p:sldLayoutId id="2147483685" r:id="rId1"/>
+    <p:sldLayoutId id="2147483686" r:id="rId2"/>
+    <p:sldLayoutId id="2147483687" r:id="rId3"/>
+    <p:sldLayoutId id="2147483688" r:id="rId4"/>
+    <p:sldLayoutId id="2147483689" r:id="rId5"/>
+    <p:sldLayoutId id="2147483690" r:id="rId6"/>
+    <p:sldLayoutId id="2147483691" r:id="rId7"/>
+    <p:sldLayoutId id="2147483692" r:id="rId8"/>
+    <p:sldLayoutId id="2147483693" r:id="rId9"/>
+    <p:sldLayoutId id="2147483694" r:id="rId10"/>
+    <p:sldLayoutId id="2147483695" r:id="rId11"/>
+  </p:sldLayoutIdLst>
+  <p:txStyles>
+    <p:titleStyle>
+      <a:lvl1pPr algn="ctr" defTabSz="914400" rtl="0" eaLnBrk="1" latinLnBrk="0" hangingPunct="1">
+        <a:spcBef>
+          <a:spcPct val="0"/>
+        </a:spcBef>
+        <a:buNone/>
+        <a:defRPr sz="4400" kern="1200">
+          <a:solidFill>
+            <a:schemeClr val="tx1"/>
+          </a:solidFill>
+          <a:latin typeface="+mj-lt"/>
+          <a:ea typeface="+mj-ea"/>
+          <a:cs typeface="+mj-cs"/>
+        </a:defRPr>
+      </a:lvl1pPr>
+    </p:titleStyle>
+    <p:bodyStyle>
+      <a:lvl1pPr marL="342900" indent="-342900" algn="l" defTabSz="914400" rtl="0" eaLnBrk="1" latinLnBrk="0" hangingPunct="1">
+        <a:spcBef>
+          <a:spcPct val="20000"/>
+        </a:spcBef>
+        <a:buFont typeface="Arial" pitchFamily="34" charset="0"/>
+        <a:buChar char="•"/>
+        <a:defRPr sz="3200" kern="1200">
+          <a:solidFill>
+            <a:schemeClr val="tx1"/>
+          </a:solidFill>
+          <a:latin typeface="+mn-lt"/>
+          <a:ea typeface="+mn-ea"/>
+          <a:cs typeface="+mn-cs"/>
+        </a:defRPr>
+      </a:lvl1pPr>
+      <a:lvl2pPr marL="742950" indent="-285750" algn="l" defTabSz="914400" rtl="0" eaLnBrk="1" latinLnBrk="0" hangingPunct="1">
+        <a:spcBef>
+          <a:spcPct val="20000"/>
+        </a:spcBef>
+        <a:buFont typeface="Arial" pitchFamily="34" charset="0"/>
+        <a:buChar char="–"/>
+        <a:defRPr sz="2800" kern="1200">
+          <a:solidFill>
+            <a:schemeClr val="tx1"/>
+          </a:solidFill>
+          <a:latin typeface="+mn-lt"/>
+          <a:ea typeface="+mn-ea"/>
+          <a:cs typeface="+mn-cs"/>
+        </a:defRPr>
+      </a:lvl2pPr>
+      <a:lvl3pPr marL="1143000" indent="-228600" algn="l" defTabSz="914400" rtl="0" eaLnBrk="1" latinLnBrk="0" hangingPunct="1">
+        <a:spcBef>
+          <a:spcPct val="20000"/>
+        </a:spcBef>
+        <a:buFont typeface="Arial" pitchFamily="34" charset="0"/>
+        <a:buChar char="•"/>
+        <a:defRPr sz="2400" kern="1200">
+          <a:solidFill>
+            <a:schemeClr val="tx1"/>
+          </a:solidFill>
+          <a:latin typeface="+mn-lt"/>
+          <a:ea typeface="+mn-ea"/>
+          <a:cs typeface="+mn-cs"/>
+        </a:defRPr>
+      </a:lvl3pPr>
+      <a:lvl4pPr marL="1600200" indent="-228600" algn="l" defTabSz="914400" rtl="0" eaLnBrk="1" latinLnBrk="0" hangingPunct="1">
+        <a:spcBef>
+          <a:spcPct val="20000"/>
+        </a:spcBef>
+        <a:buFont typeface="Arial" pitchFamily="34" charset="0"/>
+        <a:buChar char="–"/>
+        <a:defRPr sz="2000" kern="1200">
+          <a:solidFill>
+            <a:schemeClr val="tx1"/>
+          </a:solidFill>
+          <a:latin typeface="+mn-lt"/>
+          <a:ea typeface="+mn-ea"/>
+          <a:cs typeface="+mn-cs"/>
+        </a:defRPr>
+      </a:lvl4pPr>
+      <a:lvl5pPr marL="2057400" indent="-228600" algn="l" defTabSz="914400" rtl="0" eaLnBrk="1" latinLnBrk="0" hangingPunct="1">
+        <a:spcBef>
+          <a:spcPct val="20000"/>
+        </a:spcBef>
+        <a:buFont typeface="Arial" pitchFamily="34" charset="0"/>
+        <a:buChar char="»"/>
+        <a:defRPr sz="2000" kern="1200">
+          <a:solidFill>
+            <a:schemeClr val="tx1"/>
+          </a:solidFill>
+          <a:latin typeface="+mn-lt"/>
+          <a:ea typeface="+mn-ea"/>
+          <a:cs typeface="+mn-cs"/>
+        </a:defRPr>
+      </a:lvl5pPr>
+      <a:lvl6pPr marL="2514600" indent="-228600" algn="l" defTabSz="914400" rtl="0" eaLnBrk="1" latinLnBrk="0" hangingPunct="1">
+        <a:spcBef>
+          <a:spcPct val="20000"/>
+        </a:spcBef>
+        <a:buFont typeface="Arial" pitchFamily="34" charset="0"/>
+        <a:buChar char="•"/>
+        <a:defRPr sz="2000" kern="1200">
+          <a:solidFill>
+            <a:schemeClr val="tx1"/>
+          </a:solidFill>
+          <a:latin typeface="+mn-lt"/>
+          <a:ea typeface="+mn-ea"/>
+          <a:cs typeface="+mn-cs"/>
+        </a:defRPr>
+      </a:lvl6pPr>
+      <a:lvl7pPr marL="2971800" indent="-228600" algn="l" defTabSz="914400" rtl="0" eaLnBrk="1" latinLnBrk="0" hangingPunct="1">
+        <a:spcBef>
+          <a:spcPct val="20000"/>
+        </a:spcBef>
+        <a:buFont typeface="Arial" pitchFamily="34" charset="0"/>
+        <a:buChar char="•"/>
+        <a:defRPr sz="2000" kern="1200">
+          <a:solidFill>
+            <a:schemeClr val="tx1"/>
+          </a:solidFill>
+          <a:latin typeface="+mn-lt"/>
+          <a:ea typeface="+mn-ea"/>
+          <a:cs typeface="+mn-cs"/>
+        </a:defRPr>
+      </a:lvl7pPr>
+      <a:lvl8pPr marL="3429000" indent="-228600" algn="l" defTabSz="914400" rtl="0" eaLnBrk="1" latinLnBrk="0" hangingPunct="1">
+        <a:spcBef>
+          <a:spcPct val="20000"/>
+        </a:spcBef>
+        <a:buFont typeface="Arial" pitchFamily="34" charset="0"/>
+        <a:buChar char="•"/>
+        <a:defRPr sz="2000" kern="1200">
+          <a:solidFill>
+            <a:schemeClr val="tx1"/>
+          </a:solidFill>
+          <a:latin typeface="+mn-lt"/>
+          <a:ea typeface="+mn-ea"/>
+          <a:cs typeface="+mn-cs"/>
+        </a:defRPr>
+      </a:lvl8pPr>
+      <a:lvl9pPr marL="3886200" indent="-228600" algn="l" defTabSz="914400" rtl="0" eaLnBrk="1" latinLnBrk="0" hangingPunct="1">
+        <a:spcBef>
+          <a:spcPct val="20000"/>
+        </a:spcBef>
+        <a:buFont typeface="Arial" pitchFamily="34" charset="0"/>
+        <a:buChar char="•"/>
+        <a:defRPr sz="2000" kern="1200">
+          <a:solidFill>
+            <a:schemeClr val="tx1"/>
+          </a:solidFill>
+          <a:latin typeface="+mn-lt"/>
+          <a:ea typeface="+mn-ea"/>
+          <a:cs typeface="+mn-cs"/>
+        </a:defRPr>
+      </a:lvl9pPr>
+    </p:bodyStyle>
+    <p:otherStyle>
+      <a:defPPr>
+        <a:defRPr lang="en-US"/>
+      </a:defPPr>
+      <a:lvl1pPr marL="0" algn="l" defTabSz="914400" rtl="0" eaLnBrk="1" latinLnBrk="0" hangingPunct="1">
+        <a:defRPr sz="1800" kern="1200">
+          <a:solidFill>
+            <a:schemeClr val="tx1"/>
+          </a:solidFill>
+          <a:latin typeface="+mn-lt"/>
+          <a:ea typeface="+mn-ea"/>
+          <a:cs typeface="+mn-cs"/>
+        </a:defRPr>
+      </a:lvl1pPr>
+      <a:lvl2pPr marL="457200" algn="l" defTabSz="914400" rtl="0" eaLnBrk="1" latinLnBrk="0" hangingPunct="1">
+        <a:defRPr sz="1800" kern="1200">
+          <a:solidFill>
+            <a:schemeClr val="tx1"/>
+          </a:solidFill>
+          <a:latin typeface="+mn-lt"/>
+          <a:ea typeface="+mn-ea"/>
+          <a:cs typeface="+mn-cs"/>
+        </a:defRPr>
+      </a:lvl2pPr>
+      <a:lvl3pPr marL="914400" algn="l" defTabSz="914400" rtl="0" eaLnBrk="1" latinLnBrk="0" hangingPunct="1">
+        <a:defRPr sz="1800" kern="1200">
+          <a:solidFill>
+            <a:schemeClr val="tx1"/>
+          </a:solidFill>
+          <a:latin typeface="+mn-lt"/>
+          <a:ea typeface="+mn-ea"/>
+          <a:cs typeface="+mn-cs"/>
+        </a:defRPr>
+      </a:lvl3pPr>
+      <a:lvl4pPr marL="1371600" algn="l" defTabSz="914400" rtl="0" eaLnBrk="1" latinLnBrk="0" hangingPunct="1">
+        <a:defRPr sz="1800" kern="1200">
+          <a:solidFill>
+            <a:schemeClr val="tx1"/>
+          </a:solidFill>
+          <a:latin typeface="+mn-lt"/>
+          <a:ea typeface="+mn-ea"/>
+          <a:cs typeface="+mn-cs"/>
+        </a:defRPr>
+      </a:lvl4pPr>
+      <a:lvl5pPr marL="1828800" algn="l" defTabSz="914400" rtl="0" eaLnBrk="1" latinLnBrk="0" hangingPunct="1">
+        <a:defRPr sz="1800" kern="1200">
+          <a:solidFill>
+            <a:schemeClr val="tx1"/>
+          </a:solidFill>
+          <a:latin typeface="+mn-lt"/>
+          <a:ea typeface="+mn-ea"/>
+          <a:cs typeface="+mn-cs"/>
+        </a:defRPr>
+      </a:lvl5pPr>
+      <a:lvl6pPr marL="2286000" algn="l" defTabSz="914400" rtl="0" eaLnBrk="1" latinLnBrk="0" hangingPunct="1">
+        <a:defRPr sz="1800" kern="1200">
+          <a:solidFill>
+            <a:schemeClr val="tx1"/>
+          </a:solidFill>
+          <a:latin typeface="+mn-lt"/>
+          <a:ea typeface="+mn-ea"/>
+          <a:cs typeface="+mn-cs"/>
+        </a:defRPr>
+      </a:lvl6pPr>
+      <a:lvl7pPr marL="2743200" algn="l" defTabSz="914400" rtl="0" eaLnBrk="1" latinLnBrk="0" hangingPunct="1">
+        <a:defRPr sz="1800" kern="1200">
+          <a:solidFill>
+            <a:schemeClr val="tx1"/>
+          </a:solidFill>
+          <a:latin typeface="+mn-lt"/>
+          <a:ea typeface="+mn-ea"/>
+          <a:cs typeface="+mn-cs"/>
+        </a:defRPr>
+      </a:lvl7pPr>
+      <a:lvl8pPr marL="3200400" algn="l" defTabSz="914400" rtl="0" eaLnBrk="1" latinLnBrk="0" hangingPunct="1">
+        <a:defRPr sz="1800" kern="1200">
+          <a:solidFill>
+            <a:schemeClr val="tx1"/>
+          </a:solidFill>
+          <a:latin typeface="+mn-lt"/>
+          <a:ea typeface="+mn-ea"/>
+          <a:cs typeface="+mn-cs"/>
+        </a:defRPr>
+      </a:lvl8pPr>
+      <a:lvl9pPr marL="3657600" algn="l" defTabSz="914400" rtl="0" eaLnBrk="1" latinLnBrk="0" hangingPunct="1">
+        <a:defRPr sz="1800" kern="1200">
+          <a:solidFill>
+            <a:schemeClr val="tx1"/>
+          </a:solidFill>
+          <a:latin typeface="+mn-lt"/>
+          <a:ea typeface="+mn-ea"/>
+          <a:cs typeface="+mn-cs"/>
+        </a:defRPr>
+      </a:lvl9pPr>
+    </p:otherStyle>
+  </p:txStyles>
+</p:sldMaster>
+</file>
+
 <file path=ppt/slides/slide1.xml><?xml version="1.0" encoding="utf-8"?>
 <p:sld xmlns:a="http://schemas.openxmlformats.org/drawingml/2006/main" xmlns:r="http://schemas.openxmlformats.org/officeDocument/2006/relationships" xmlns:p="http://schemas.openxmlformats.org/presentationml/2006/main">
   <p:cSld>
@@ -10306,10 +13819,13 @@
                   </a:innerShdw>
                 </a:effectLst>
               </a:rPr>
-              <a:t>Michael C. </a:t>
-            </a:r>
-            <a:r>
-              <a:rPr lang="en-US" sz="5400" b="1" cap="none" spc="50" dirty="0" smtClean="0">
+              <a:t>Michael C. Neel MVP</a:t>
+            </a:r>
+          </a:p>
+          <a:p>
+            <a:pPr algn="ctr"/>
+            <a:r>
+              <a:rPr lang="en-US" sz="4000" b="1" spc="50" dirty="0">
                 <a:ln w="13500">
                   <a:solidFill>
                     <a:schemeClr val="accent1">
@@ -10333,9 +13849,66 @@
                   </a:innerShdw>
                 </a:effectLst>
               </a:rPr>
-              <a:t>Neel MVP</a:t>
-            </a:r>
-            <a:endParaRPr lang="en-US" sz="5400" b="1" cap="none" spc="50" dirty="0" smtClean="0">
+              <a:t>m</a:t>
+            </a:r>
+            <a:r>
+              <a:rPr lang="en-US" sz="4000" b="1" spc="50" dirty="0" smtClean="0">
+                <a:ln w="13500">
+                  <a:solidFill>
+                    <a:schemeClr val="accent1">
+                      <a:shade val="2500"/>
+                      <a:alpha val="6500"/>
+                    </a:schemeClr>
+                  </a:solidFill>
+                  <a:prstDash val="solid"/>
+                </a:ln>
+                <a:solidFill>
+                  <a:schemeClr val="accent1">
+                    <a:tint val="3000"/>
+                    <a:alpha val="95000"/>
+                  </a:schemeClr>
+                </a:solidFill>
+                <a:effectLst>
+                  <a:innerShdw blurRad="50900" dist="38500" dir="13500000">
+                    <a:srgbClr val="000000">
+                      <a:alpha val="60000"/>
+                    </a:srgbClr>
+                  </a:innerShdw>
+                </a:effectLst>
+              </a:rPr>
+              <a:t>ichael.neel@gmail.com</a:t>
+            </a:r>
+          </a:p>
+          <a:p>
+            <a:pPr algn="ctr"/>
+            <a:r>
+              <a:rPr lang="en-US" sz="4000" b="1" cap="none" spc="50" dirty="0" smtClean="0">
+                <a:ln w="13500">
+                  <a:solidFill>
+                    <a:schemeClr val="accent1">
+                      <a:shade val="2500"/>
+                      <a:alpha val="6500"/>
+                    </a:schemeClr>
+                  </a:solidFill>
+                  <a:prstDash val="solid"/>
+                </a:ln>
+                <a:solidFill>
+                  <a:schemeClr val="accent1">
+                    <a:tint val="3000"/>
+                    <a:alpha val="95000"/>
+                  </a:schemeClr>
+                </a:solidFill>
+                <a:effectLst>
+                  <a:innerShdw blurRad="50900" dist="38500" dir="13500000">
+                    <a:srgbClr val="000000">
+                      <a:alpha val="60000"/>
+                    </a:srgbClr>
+                  </a:innerShdw>
+                </a:effectLst>
+              </a:rPr>
+              <a:t>http://www.vinull.com</a:t>
+            </a:r>
+            <a:endParaRPr lang="en-US" sz="4000" b="1" cap="none" spc="50" dirty="0">
               <a:ln w="13500">
                 <a:solidFill>
                   <a:schemeClr val="accent1">
@@ -10360,117 +13933,6 @@
               </a:effectLst>
             </a:endParaRPr>
           </a:p>
-          <a:p>
-            <a:pPr algn="ctr"/>
-            <a:r>
-              <a:rPr lang="en-US" sz="4000" b="1" spc="50" dirty="0">
-                <a:ln w="13500">
-                  <a:solidFill>
-                    <a:schemeClr val="accent1">
-                      <a:shade val="2500"/>
-                      <a:alpha val="6500"/>
-                    </a:schemeClr>
-                  </a:solidFill>
-                  <a:prstDash val="solid"/>
-                </a:ln>
-                <a:solidFill>
-                  <a:schemeClr val="accent1">
-                    <a:tint val="3000"/>
-                    <a:alpha val="95000"/>
-                  </a:schemeClr>
-                </a:solidFill>
-                <a:effectLst>
-                  <a:innerShdw blurRad="50900" dist="38500" dir="13500000">
-                    <a:srgbClr val="000000">
-                      <a:alpha val="60000"/>
-                    </a:srgbClr>
-                  </a:innerShdw>
-                </a:effectLst>
-              </a:rPr>
-              <a:t>m</a:t>
-            </a:r>
-            <a:r>
-              <a:rPr lang="en-US" sz="4000" b="1" spc="50" dirty="0" smtClean="0">
-                <a:ln w="13500">
-                  <a:solidFill>
-                    <a:schemeClr val="accent1">
-                      <a:shade val="2500"/>
-                      <a:alpha val="6500"/>
-                    </a:schemeClr>
-                  </a:solidFill>
-                  <a:prstDash val="solid"/>
-                </a:ln>
-                <a:solidFill>
-                  <a:schemeClr val="accent1">
-                    <a:tint val="3000"/>
-                    <a:alpha val="95000"/>
-                  </a:schemeClr>
-                </a:solidFill>
-                <a:effectLst>
-                  <a:innerShdw blurRad="50900" dist="38500" dir="13500000">
-                    <a:srgbClr val="000000">
-                      <a:alpha val="60000"/>
-                    </a:srgbClr>
-                  </a:innerShdw>
-                </a:effectLst>
-              </a:rPr>
-              <a:t>ichael.neel@gmail.com</a:t>
-            </a:r>
-          </a:p>
-          <a:p>
-            <a:pPr algn="ctr"/>
-            <a:r>
-              <a:rPr lang="en-US" sz="4000" b="1" cap="none" spc="50" dirty="0" smtClean="0">
-                <a:ln w="13500">
-                  <a:solidFill>
-                    <a:schemeClr val="accent1">
-                      <a:shade val="2500"/>
-                      <a:alpha val="6500"/>
-                    </a:schemeClr>
-                  </a:solidFill>
-                  <a:prstDash val="solid"/>
-                </a:ln>
-                <a:solidFill>
-                  <a:schemeClr val="accent1">
-                    <a:tint val="3000"/>
-                    <a:alpha val="95000"/>
-                  </a:schemeClr>
-                </a:solidFill>
-                <a:effectLst>
-                  <a:innerShdw blurRad="50900" dist="38500" dir="13500000">
-                    <a:srgbClr val="000000">
-                      <a:alpha val="60000"/>
-                    </a:srgbClr>
-                  </a:innerShdw>
-                </a:effectLst>
-              </a:rPr>
-              <a:t>http://www.vinull.com</a:t>
-            </a:r>
-            <a:endParaRPr lang="en-US" sz="4000" b="1" cap="none" spc="50" dirty="0">
-              <a:ln w="13500">
-                <a:solidFill>
-                  <a:schemeClr val="accent1">
-                    <a:shade val="2500"/>
-                    <a:alpha val="6500"/>
-                  </a:schemeClr>
-                </a:solidFill>
-                <a:prstDash val="solid"/>
-              </a:ln>
-              <a:solidFill>
-                <a:schemeClr val="accent1">
-                  <a:tint val="3000"/>
-                  <a:alpha val="95000"/>
-                </a:schemeClr>
-              </a:solidFill>
-              <a:effectLst>
-                <a:innerShdw blurRad="50900" dist="38500" dir="13500000">
-                  <a:srgbClr val="000000">
-                    <a:alpha val="60000"/>
-                  </a:srgbClr>
-                </a:innerShdw>
-              </a:effectLst>
-            </a:endParaRPr>
-          </a:p>
         </p:txBody>
       </p:sp>
     </p:spTree>
@@ -10489,6 +13951,381 @@
 </file>
 
 <file path=ppt/slides/slide2.xml><?xml version="1.0" encoding="utf-8"?>
+<p:sld xmlns:a="http://schemas.openxmlformats.org/drawingml/2006/main" xmlns:r="http://schemas.openxmlformats.org/officeDocument/2006/relationships" xmlns:p="http://schemas.openxmlformats.org/presentationml/2006/main">
+  <p:cSld>
+    <p:spTree>
+      <p:nvGrpSpPr>
+        <p:cNvPr id="1" name=""/>
+        <p:cNvGrpSpPr/>
+        <p:nvPr/>
+      </p:nvGrpSpPr>
+      <p:grpSpPr>
+        <a:xfrm>
+          <a:off x="0" y="0"/>
+          <a:ext cx="0" cy="0"/>
+          <a:chOff x="0" y="0"/>
+          <a:chExt cx="0" cy="0"/>
+        </a:xfrm>
+      </p:grpSpPr>
+      <p:sp>
+        <p:nvSpPr>
+          <p:cNvPr id="2" name="Title 1"/>
+          <p:cNvSpPr>
+            <a:spLocks noGrp="1"/>
+          </p:cNvSpPr>
+          <p:nvPr>
+            <p:ph type="title"/>
+          </p:nvPr>
+        </p:nvSpPr>
+        <p:spPr>
+          <a:xfrm>
+            <a:off x="3505200" y="274638"/>
+            <a:ext cx="5181600" cy="1143000"/>
+          </a:xfrm>
+        </p:spPr>
+        <p:txBody>
+          <a:bodyPr/>
+          <a:lstStyle/>
+          <a:p>
+            <a:r>
+              <a:rPr lang="en-US" dirty="0" smtClean="0"/>
+              <a:t>June 26</a:t>
+            </a:r>
+            <a:r>
+              <a:rPr lang="en-US" baseline="30000" dirty="0" smtClean="0"/>
+              <a:t>th</a:t>
+            </a:r>
+            <a:r>
+              <a:rPr lang="en-US" dirty="0" smtClean="0"/>
+              <a:t> – 27</a:t>
+            </a:r>
+            <a:r>
+              <a:rPr lang="en-US" baseline="30000" dirty="0" smtClean="0"/>
+              <a:t>th</a:t>
+            </a:r>
+            <a:r>
+              <a:rPr lang="en-US" dirty="0" smtClean="0"/>
+              <a:t> 2009</a:t>
+            </a:r>
+            <a:endParaRPr lang="en-US" dirty="0"/>
+          </a:p>
+        </p:txBody>
+      </p:sp>
+      <p:pic>
+        <p:nvPicPr>
+          <p:cNvPr id="1028" name="Picture 4"/>
+          <p:cNvPicPr>
+            <a:picLocks noChangeAspect="1" noChangeArrowheads="1"/>
+          </p:cNvPicPr>
+          <p:nvPr/>
+        </p:nvPicPr>
+        <p:blipFill>
+          <a:blip r:embed="rId2"/>
+          <a:srcRect/>
+          <a:stretch>
+            <a:fillRect/>
+          </a:stretch>
+        </p:blipFill>
+        <p:spPr bwMode="auto">
+          <a:xfrm>
+            <a:off x="5791200" y="1524000"/>
+            <a:ext cx="3100594" cy="4908168"/>
+          </a:xfrm>
+          <a:prstGeom prst="rect">
+            <a:avLst/>
+          </a:prstGeom>
+          <a:noFill/>
+          <a:ln w="9525">
+            <a:noFill/>
+            <a:miter lim="800000"/>
+            <a:headEnd/>
+            <a:tailEnd/>
+          </a:ln>
+          <a:effectLst/>
+        </p:spPr>
+      </p:pic>
+      <p:pic>
+        <p:nvPicPr>
+          <p:cNvPr id="2050" name="Picture 2"/>
+          <p:cNvPicPr>
+            <a:picLocks noChangeAspect="1" noChangeArrowheads="1"/>
+          </p:cNvPicPr>
+          <p:nvPr/>
+        </p:nvPicPr>
+        <p:blipFill>
+          <a:blip r:embed="rId3"/>
+          <a:srcRect/>
+          <a:stretch>
+            <a:fillRect/>
+          </a:stretch>
+        </p:blipFill>
+        <p:spPr bwMode="auto">
+          <a:xfrm>
+            <a:off x="152400" y="152400"/>
+            <a:ext cx="3390900" cy="1803400"/>
+          </a:xfrm>
+          <a:prstGeom prst="rect">
+            <a:avLst/>
+          </a:prstGeom>
+          <a:noFill/>
+          <a:ln w="9525">
+            <a:noFill/>
+            <a:miter lim="800000"/>
+            <a:headEnd/>
+            <a:tailEnd/>
+          </a:ln>
+          <a:effectLst/>
+        </p:spPr>
+      </p:pic>
+      <p:sp>
+        <p:nvSpPr>
+          <p:cNvPr id="9" name="Content Placeholder 2"/>
+          <p:cNvSpPr txBox="1">
+            <a:spLocks/>
+          </p:cNvSpPr>
+          <p:nvPr/>
+        </p:nvSpPr>
+        <p:spPr>
+          <a:xfrm>
+            <a:off x="457200" y="1981200"/>
+            <a:ext cx="5715000" cy="4572000"/>
+          </a:xfrm>
+          <a:prstGeom prst="rect">
+            <a:avLst/>
+          </a:prstGeom>
+        </p:spPr>
+        <p:txBody>
+          <a:bodyPr vert="horz" lIns="91440" tIns="45720" rIns="91440" bIns="45720" rtlCol="0">
+            <a:normAutofit fontScale="92500"/>
+          </a:bodyPr>
+          <a:lstStyle/>
+          <a:p>
+            <a:pPr marL="342900" indent="-342900" algn="l" rtl="0">
+              <a:spcBef>
+                <a:spcPct val="20000"/>
+              </a:spcBef>
+              <a:buFont typeface="Arial" pitchFamily="34" charset="0"/>
+              <a:buChar char="•"/>
+              <a:defRPr/>
+            </a:pPr>
+            <a:r>
+              <a:rPr lang="en-US" sz="3200" kern="1200" dirty="0">
+                <a:solidFill>
+                  <a:prstClr val="white"/>
+                </a:solidFill>
+                <a:latin typeface="Calibri"/>
+                <a:ea typeface="+mn-ea"/>
+                <a:cs typeface="+mn-cs"/>
+              </a:rPr>
+              <a:t>Knoxville, TN</a:t>
+            </a:r>
+          </a:p>
+          <a:p>
+            <a:pPr marL="342900" indent="-342900" algn="l" rtl="0">
+              <a:spcBef>
+                <a:spcPct val="20000"/>
+              </a:spcBef>
+              <a:buFont typeface="Arial" pitchFamily="34" charset="0"/>
+              <a:buChar char="•"/>
+              <a:defRPr/>
+            </a:pPr>
+            <a:r>
+              <a:rPr lang="en-US" sz="3200" kern="1200" dirty="0">
+                <a:solidFill>
+                  <a:prstClr val="white"/>
+                </a:solidFill>
+                <a:latin typeface="Calibri"/>
+                <a:ea typeface="+mn-ea"/>
+                <a:cs typeface="+mn-cs"/>
+              </a:rPr>
+              <a:t>Regional Speakers / Open Spaces</a:t>
+            </a:r>
+          </a:p>
+          <a:p>
+            <a:pPr marL="342900" indent="-342900" algn="l" rtl="0">
+              <a:spcBef>
+                <a:spcPct val="20000"/>
+              </a:spcBef>
+              <a:buFont typeface="Arial" pitchFamily="34" charset="0"/>
+              <a:buChar char="•"/>
+              <a:defRPr/>
+            </a:pPr>
+            <a:r>
+              <a:rPr lang="en-US" sz="3200" kern="1200" dirty="0">
+                <a:solidFill>
+                  <a:prstClr val="white"/>
+                </a:solidFill>
+                <a:latin typeface="Calibri"/>
+                <a:ea typeface="+mn-ea"/>
+                <a:cs typeface="+mn-cs"/>
+              </a:rPr>
+              <a:t>.NET, Java, Ruby, </a:t>
+            </a:r>
+            <a:r>
+              <a:rPr lang="en-US" sz="3200" kern="1200" dirty="0" err="1">
+                <a:solidFill>
+                  <a:prstClr val="white"/>
+                </a:solidFill>
+                <a:latin typeface="Calibri"/>
+                <a:ea typeface="+mn-ea"/>
+                <a:cs typeface="+mn-cs"/>
+              </a:rPr>
+              <a:t>Erlang</a:t>
+            </a:r>
+            <a:r>
+              <a:rPr lang="en-US" sz="3200" kern="1200" dirty="0">
+                <a:solidFill>
+                  <a:prstClr val="white"/>
+                </a:solidFill>
+                <a:latin typeface="Calibri"/>
+                <a:ea typeface="+mn-ea"/>
+                <a:cs typeface="+mn-cs"/>
+              </a:rPr>
+              <a:t>, more</a:t>
+            </a:r>
+          </a:p>
+          <a:p>
+            <a:pPr marL="342900" indent="-342900" algn="l" rtl="0">
+              <a:spcBef>
+                <a:spcPct val="20000"/>
+              </a:spcBef>
+              <a:buFont typeface="Arial" pitchFamily="34" charset="0"/>
+              <a:buChar char="•"/>
+              <a:defRPr/>
+            </a:pPr>
+            <a:r>
+              <a:rPr lang="en-US" sz="3200" kern="1200" dirty="0">
+                <a:solidFill>
+                  <a:prstClr val="white"/>
+                </a:solidFill>
+                <a:latin typeface="Calibri"/>
+                <a:ea typeface="+mn-ea"/>
+                <a:cs typeface="+mn-cs"/>
+              </a:rPr>
+              <a:t>Call for speakers – March 31</a:t>
+            </a:r>
+          </a:p>
+          <a:p>
+            <a:pPr marL="742950" lvl="1" indent="-285750" algn="l" rtl="0">
+              <a:spcBef>
+                <a:spcPct val="20000"/>
+              </a:spcBef>
+              <a:buFont typeface="Arial" pitchFamily="34" charset="0"/>
+              <a:buChar char="–"/>
+              <a:defRPr/>
+            </a:pPr>
+            <a:r>
+              <a:rPr lang="en-US" sz="2800" kern="1200" dirty="0">
+                <a:solidFill>
+                  <a:prstClr val="white"/>
+                </a:solidFill>
+                <a:latin typeface="Calibri"/>
+                <a:ea typeface="+mn-ea"/>
+                <a:cs typeface="+mn-cs"/>
+              </a:rPr>
+              <a:t>3 &amp; 6 hour sessions on Friday</a:t>
+            </a:r>
+          </a:p>
+          <a:p>
+            <a:pPr marL="742950" lvl="1" indent="-285750" algn="l" rtl="0">
+              <a:spcBef>
+                <a:spcPct val="20000"/>
+              </a:spcBef>
+              <a:buFont typeface="Arial" pitchFamily="34" charset="0"/>
+              <a:buChar char="–"/>
+              <a:defRPr/>
+            </a:pPr>
+            <a:r>
+              <a:rPr lang="en-US" sz="2800" kern="1200" dirty="0">
+                <a:solidFill>
+                  <a:prstClr val="white"/>
+                </a:solidFill>
+                <a:latin typeface="Calibri"/>
+                <a:ea typeface="+mn-ea"/>
+                <a:cs typeface="+mn-cs"/>
+              </a:rPr>
+              <a:t>1 hour sessions on Saturday</a:t>
+            </a:r>
+          </a:p>
+          <a:p>
+            <a:pPr marL="342900" indent="-342900" algn="l" rtl="0">
+              <a:spcBef>
+                <a:spcPct val="20000"/>
+              </a:spcBef>
+              <a:buFont typeface="Arial" pitchFamily="34" charset="0"/>
+              <a:buChar char="•"/>
+              <a:defRPr/>
+            </a:pPr>
+            <a:r>
+              <a:rPr lang="en-US" sz="3200" kern="1200" dirty="0">
+                <a:solidFill>
+                  <a:prstClr val="white"/>
+                </a:solidFill>
+                <a:latin typeface="Calibri"/>
+                <a:ea typeface="+mn-ea"/>
+                <a:cs typeface="+mn-cs"/>
+              </a:rPr>
+              <a:t>http://CodeStock.org</a:t>
+            </a:r>
+          </a:p>
+          <a:p>
+            <a:pPr marL="342900" indent="-342900" algn="l" rtl="0">
+              <a:spcBef>
+                <a:spcPct val="20000"/>
+              </a:spcBef>
+              <a:buFont typeface="Arial" pitchFamily="34" charset="0"/>
+              <a:buChar char="•"/>
+              <a:defRPr/>
+            </a:pPr>
+            <a:r>
+              <a:rPr lang="en-US" sz="3200" kern="1200" dirty="0">
+                <a:solidFill>
+                  <a:prstClr val="white"/>
+                </a:solidFill>
+                <a:latin typeface="Calibri"/>
+                <a:ea typeface="+mn-ea"/>
+                <a:cs typeface="+mn-cs"/>
+              </a:rPr>
+              <a:t>http://twitter.com/CodeStock</a:t>
+            </a:r>
+          </a:p>
+          <a:p>
+            <a:pPr marL="342900" indent="-342900" algn="l" rtl="0">
+              <a:spcBef>
+                <a:spcPct val="20000"/>
+              </a:spcBef>
+              <a:buFont typeface="Arial" pitchFamily="34" charset="0"/>
+              <a:buChar char="•"/>
+              <a:defRPr/>
+            </a:pPr>
+            <a:endParaRPr lang="en-US" sz="3200" kern="1200" dirty="0">
+              <a:solidFill>
+                <a:prstClr val="white"/>
+              </a:solidFill>
+              <a:latin typeface="Calibri"/>
+              <a:ea typeface="+mn-ea"/>
+              <a:cs typeface="+mn-cs"/>
+            </a:endParaRPr>
+          </a:p>
+        </p:txBody>
+      </p:sp>
+    </p:spTree>
+  </p:cSld>
+  <p:clrMapOvr>
+    <a:masterClrMapping/>
+  </p:clrMapOvr>
+  <p:transition/>
+  <p:timing>
+    <p:tnLst>
+      <p:par>
+        <p:cTn id="1" dur="indefinite" restart="never" nodeType="tmRoot"/>
+      </p:par>
+    </p:tnLst>
+  </p:timing>
+</p:sld>
+</file>
+
+<file path=ppt/slides/slide3.xml><?xml version="1.0" encoding="utf-8"?>
 <p:sld xmlns:a="http://schemas.openxmlformats.org/drawingml/2006/main" xmlns:r="http://schemas.openxmlformats.org/officeDocument/2006/relationships" xmlns:p="http://schemas.openxmlformats.org/presentationml/2006/main">
   <p:cSld>
     <p:bg>
@@ -10561,7 +14398,7 @@
 </p:sld>
 </file>
 
-<file path=ppt/slides/slide3.xml><?xml version="1.0" encoding="utf-8"?>
+<file path=ppt/slides/slide4.xml><?xml version="1.0" encoding="utf-8"?>
 <p:sld xmlns:a="http://schemas.openxmlformats.org/drawingml/2006/main" xmlns:r="http://schemas.openxmlformats.org/officeDocument/2006/relationships" xmlns:p="http://schemas.openxmlformats.org/presentationml/2006/main">
   <p:cSld>
     <p:bg>
@@ -10634,7 +14471,7 @@
 </p:sld>
 </file>
 
-<file path=ppt/slides/slide4.xml><?xml version="1.0" encoding="utf-8"?>
+<file path=ppt/slides/slide5.xml><?xml version="1.0" encoding="utf-8"?>
 <p:sld xmlns:a="http://schemas.openxmlformats.org/drawingml/2006/main" xmlns:r="http://schemas.openxmlformats.org/officeDocument/2006/relationships" xmlns:p="http://schemas.openxmlformats.org/presentationml/2006/main">
   <p:cSld>
     <p:bg>
@@ -10772,7 +14609,7 @@
 </p:sld>
 </file>
 
-<file path=ppt/slides/slide5.xml><?xml version="1.0" encoding="utf-8"?>
+<file path=ppt/slides/slide6.xml><?xml version="1.0" encoding="utf-8"?>
 <p:sld xmlns:a="http://schemas.openxmlformats.org/drawingml/2006/main" xmlns:r="http://schemas.openxmlformats.org/officeDocument/2006/relationships" xmlns:p="http://schemas.openxmlformats.org/presentationml/2006/main">
   <p:cSld>
     <p:spTree>
@@ -11016,7 +14853,7 @@
 </p:sld>
 </file>
 
-<file path=ppt/slides/slide6.xml><?xml version="1.0" encoding="utf-8"?>
+<file path=ppt/slides/slide7.xml><?xml version="1.0" encoding="utf-8"?>
 <p:sld xmlns:a="http://schemas.openxmlformats.org/drawingml/2006/main" xmlns:r="http://schemas.openxmlformats.org/officeDocument/2006/relationships" xmlns:p="http://schemas.openxmlformats.org/presentationml/2006/main">
   <p:cSld>
     <p:spTree>
@@ -12090,4 +15927,287 @@
   <a:objectDefaults/>
   <a:extraClrSchemeLst/>
 </a:theme>
+</file>
+
+<file path=ppt/theme/theme4.xml><?xml version="1.0" encoding="utf-8"?>
+<a:theme xmlns:a="http://schemas.openxmlformats.org/drawingml/2006/main" name="3_Office Theme">
+  <a:themeElements>
+    <a:clrScheme name="Office">
+      <a:dk1>
+        <a:sysClr val="windowText" lastClr="000000"/>
+      </a:dk1>
+      <a:lt1>
+        <a:sysClr val="window" lastClr="FFFFFF"/>
+      </a:lt1>
+      <a:dk2>
+        <a:srgbClr val="1F497D"/>
+      </a:dk2>
+      <a:lt2>
+        <a:srgbClr val="EEECE1"/>
+      </a:lt2>
+      <a:accent1>
+        <a:srgbClr val="4F81BD"/>
+      </a:accent1>
+      <a:accent2>
+        <a:srgbClr val="C0504D"/>
+      </a:accent2>
+      <a:accent3>
+        <a:srgbClr val="9BBB59"/>
+      </a:accent3>
+      <a:accent4>
+        <a:srgbClr val="8064A2"/>
+      </a:accent4>
+      <a:accent5>
+        <a:srgbClr val="4BACC6"/>
+      </a:accent5>
+      <a:accent6>
+        <a:srgbClr val="F79646"/>
+      </a:accent6>
+      <a:hlink>
+        <a:srgbClr val="0000FF"/>
+      </a:hlink>
+      <a:folHlink>
+        <a:srgbClr val="800080"/>
+      </a:folHlink>
+    </a:clrScheme>
+    <a:fontScheme name="Office">
+      <a:majorFont>
+        <a:latin typeface="Calibri"/>
+        <a:ea typeface=""/>
+        <a:cs typeface=""/>
+        <a:font script="Jpan" typeface="ＭＳ Ｐゴシック"/>
+        <a:font script="Hang" typeface="맑은 고딕"/>
+        <a:font script="Hans" typeface="宋体"/>
+        <a:font script="Hant" typeface="新細明體"/>
+        <a:font script="Arab" typeface="Times New Roman"/>
+        <a:font script="Hebr" typeface="Times New Roman"/>
+        <a:font script="Thai" typeface="Angsana New"/>
+        <a:font script="Ethi" typeface="Nyala"/>
+        <a:font script="Beng" typeface="Vrinda"/>
+        <a:font script="Gujr" typeface="Shruti"/>
+        <a:font script="Khmr" typeface="MoolBoran"/>
+        <a:font script="Knda" typeface="Tunga"/>
+        <a:font script="Guru" typeface="Raavi"/>
+        <a:font script="Cans" typeface="Euphemia"/>
+        <a:font script="Cher" typeface="Plantagenet Cherokee"/>
+        <a:font script="Yiii" typeface="Microsoft Yi Baiti"/>
+        <a:font script="Tibt" typeface="Microsoft Himalaya"/>
+        <a:font script="Thaa" typeface="MV Boli"/>
+        <a:font script="Deva" typeface="Mangal"/>
+        <a:font script="Telu" typeface="Gautami"/>
+        <a:font script="Taml" typeface="Latha"/>
+        <a:font script="Syrc" typeface="Estrangelo Edessa"/>
+        <a:font script="Orya" typeface="Kalinga"/>
+        <a:font script="Mlym" typeface="Kartika"/>
+        <a:font script="Laoo" typeface="DokChampa"/>
+        <a:font script="Sinh" typeface="Iskoola Pota"/>
+        <a:font script="Mong" typeface="Mongolian Baiti"/>
+        <a:font script="Viet" typeface="Times New Roman"/>
+        <a:font script="Uigh" typeface="Microsoft Uighur"/>
+      </a:majorFont>
+      <a:minorFont>
+        <a:latin typeface="Calibri"/>
+        <a:ea typeface=""/>
+        <a:cs typeface=""/>
+        <a:font script="Jpan" typeface="ＭＳ Ｐゴシック"/>
+        <a:font script="Hang" typeface="맑은 고딕"/>
+        <a:font script="Hans" typeface="宋体"/>
+        <a:font script="Hant" typeface="新細明體"/>
+        <a:font script="Arab" typeface="Arial"/>
+        <a:font script="Hebr" typeface="Arial"/>
+        <a:font script="Thai" typeface="Cordia New"/>
+        <a:font script="Ethi" typeface="Nyala"/>
+        <a:font script="Beng" typeface="Vrinda"/>
+        <a:font script="Gujr" typeface="Shruti"/>
+        <a:font script="Khmr" typeface="DaunPenh"/>
+        <a:font script="Knda" typeface="Tunga"/>
+        <a:font script="Guru" typeface="Raavi"/>
+        <a:font script="Cans" typeface="Euphemia"/>
+        <a:font script="Cher" typeface="Plantagenet Cherokee"/>
+        <a:font script="Yiii" typeface="Microsoft Yi Baiti"/>
+        <a:font script="Tibt" typeface="Microsoft Himalaya"/>
+        <a:font script="Thaa" typeface="MV Boli"/>
+        <a:font script="Deva" typeface="Mangal"/>
+        <a:font script="Telu" typeface="Gautami"/>
+        <a:font script="Taml" typeface="Latha"/>
+        <a:font script="Syrc" typeface="Estrangelo Edessa"/>
+        <a:font script="Orya" typeface="Kalinga"/>
+        <a:font script="Mlym" typeface="Kartika"/>
+        <a:font script="Laoo" typeface="DokChampa"/>
+        <a:font script="Sinh" typeface="Iskoola Pota"/>
+        <a:font script="Mong" typeface="Mongolian Baiti"/>
+        <a:font script="Viet" typeface="Arial"/>
+        <a:font script="Uigh" typeface="Microsoft Uighur"/>
+      </a:minorFont>
+    </a:fontScheme>
+    <a:fmtScheme name="Office">
+      <a:fillStyleLst>
+        <a:solidFill>
+          <a:schemeClr val="phClr"/>
+        </a:solidFill>
+        <a:gradFill rotWithShape="1">
+          <a:gsLst>
+            <a:gs pos="0">
+              <a:schemeClr val="phClr">
+                <a:tint val="50000"/>
+                <a:satMod val="300000"/>
+              </a:schemeClr>
+            </a:gs>
+            <a:gs pos="35000">
+              <a:schemeClr val="phClr">
+                <a:tint val="37000"/>
+                <a:satMod val="300000"/>
+              </a:schemeClr>
+            </a:gs>
+            <a:gs pos="100000">
+              <a:schemeClr val="phClr">
+                <a:tint val="15000"/>
+                <a:satMod val="350000"/>
+              </a:schemeClr>
+            </a:gs>
+          </a:gsLst>
+          <a:lin ang="16200000" scaled="1"/>
+        </a:gradFill>
+        <a:gradFill rotWithShape="1">
+          <a:gsLst>
+            <a:gs pos="0">
+              <a:schemeClr val="phClr">
+                <a:shade val="51000"/>
+                <a:satMod val="130000"/>
+              </a:schemeClr>
+            </a:gs>
+            <a:gs pos="80000">
+              <a:schemeClr val="phClr">
+                <a:shade val="93000"/>
+                <a:satMod val="130000"/>
+              </a:schemeClr>
+            </a:gs>
+            <a:gs pos="100000">
+              <a:schemeClr val="phClr">
+                <a:shade val="94000"/>
+                <a:satMod val="135000"/>
+              </a:schemeClr>
+            </a:gs>
+          </a:gsLst>
+          <a:lin ang="16200000" scaled="0"/>
+        </a:gradFill>
+      </a:fillStyleLst>
+      <a:lnStyleLst>
+        <a:ln w="9525" cap="flat" cmpd="sng" algn="ctr">
+          <a:solidFill>
+            <a:schemeClr val="phClr">
+              <a:shade val="95000"/>
+              <a:satMod val="105000"/>
+            </a:schemeClr>
+          </a:solidFill>
+          <a:prstDash val="solid"/>
+        </a:ln>
+        <a:ln w="25400" cap="flat" cmpd="sng" algn="ctr">
+          <a:solidFill>
+            <a:schemeClr val="phClr"/>
+          </a:solidFill>
+          <a:prstDash val="solid"/>
+        </a:ln>
+        <a:ln w="38100" cap="flat" cmpd="sng" algn="ctr">
+          <a:solidFill>
+            <a:schemeClr val="phClr"/>
+          </a:solidFill>
+          <a:prstDash val="solid"/>
+        </a:ln>
+      </a:lnStyleLst>
+      <a:effectStyleLst>
+        <a:effectStyle>
+          <a:effectLst>
+            <a:outerShdw blurRad="40000" dist="20000" dir="5400000" rotWithShape="0">
+              <a:srgbClr val="000000">
+                <a:alpha val="38000"/>
+              </a:srgbClr>
+            </a:outerShdw>
+          </a:effectLst>
+        </a:effectStyle>
+        <a:effectStyle>
+          <a:effectLst>
+            <a:outerShdw blurRad="40000" dist="23000" dir="5400000" rotWithShape="0">
+              <a:srgbClr val="000000">
+                <a:alpha val="35000"/>
+              </a:srgbClr>
+            </a:outerShdw>
+          </a:effectLst>
+        </a:effectStyle>
+        <a:effectStyle>
+          <a:effectLst>
+            <a:outerShdw blurRad="40000" dist="23000" dir="5400000" rotWithShape="0">
+              <a:srgbClr val="000000">
+                <a:alpha val="35000"/>
+              </a:srgbClr>
+            </a:outerShdw>
+          </a:effectLst>
+          <a:scene3d>
+            <a:camera prst="orthographicFront">
+              <a:rot lat="0" lon="0" rev="0"/>
+            </a:camera>
+            <a:lightRig rig="threePt" dir="t">
+              <a:rot lat="0" lon="0" rev="1200000"/>
+            </a:lightRig>
+          </a:scene3d>
+          <a:sp3d>
+            <a:bevelT w="63500" h="25400"/>
+          </a:sp3d>
+        </a:effectStyle>
+      </a:effectStyleLst>
+      <a:bgFillStyleLst>
+        <a:solidFill>
+          <a:schemeClr val="phClr"/>
+        </a:solidFill>
+        <a:gradFill rotWithShape="1">
+          <a:gsLst>
+            <a:gs pos="0">
+              <a:schemeClr val="phClr">
+                <a:tint val="40000"/>
+                <a:satMod val="350000"/>
+              </a:schemeClr>
+            </a:gs>
+            <a:gs pos="40000">
+              <a:schemeClr val="phClr">
+                <a:tint val="45000"/>
+                <a:shade val="99000"/>
+                <a:satMod val="350000"/>
+              </a:schemeClr>
+            </a:gs>
+            <a:gs pos="100000">
+              <a:schemeClr val="phClr">
+                <a:shade val="20000"/>
+                <a:satMod val="255000"/>
+              </a:schemeClr>
+            </a:gs>
+          </a:gsLst>
+          <a:path path="circle">
+            <a:fillToRect l="50000" t="-80000" r="50000" b="180000"/>
+          </a:path>
+        </a:gradFill>
+        <a:gradFill rotWithShape="1">
+          <a:gsLst>
+            <a:gs pos="0">
+              <a:schemeClr val="phClr">
+                <a:tint val="80000"/>
+                <a:satMod val="300000"/>
+              </a:schemeClr>
+            </a:gs>
+            <a:gs pos="100000">
+              <a:schemeClr val="phClr">
+                <a:shade val="30000"/>
+                <a:satMod val="200000"/>
+              </a:schemeClr>
+            </a:gs>
+          </a:gsLst>
+          <a:path path="circle">
+            <a:fillToRect l="50000" t="50000" r="50000" b="50000"/>
+          </a:path>
+        </a:gradFill>
+      </a:bgFillStyleLst>
+    </a:fmtScheme>
+  </a:themeElements>
+  <a:objectDefaults/>
+  <a:extraClrSchemeLst/>
+</a:theme>
 </file>
--- a/Presentations/Lucene/Lucene.pptx
+++ b/Presentations/Lucene/Lucene.pptx
@@ -7,14 +7,33 @@
     <p:sldMasterId id="2147483672" r:id="rId3"/>
     <p:sldMasterId id="2147483684" r:id="rId4"/>
   </p:sldMasterIdLst>
+  <p:notesMasterIdLst>
+    <p:notesMasterId r:id="rId28"/>
+  </p:notesMasterIdLst>
   <p:sldIdLst>
     <p:sldId id="256" r:id="rId5"/>
     <p:sldId id="262" r:id="rId6"/>
-    <p:sldId id="257" r:id="rId7"/>
-    <p:sldId id="258" r:id="rId8"/>
-    <p:sldId id="259" r:id="rId9"/>
-    <p:sldId id="260" r:id="rId10"/>
-    <p:sldId id="261" r:id="rId11"/>
+    <p:sldId id="263" r:id="rId7"/>
+    <p:sldId id="261" r:id="rId8"/>
+    <p:sldId id="265" r:id="rId9"/>
+    <p:sldId id="266" r:id="rId10"/>
+    <p:sldId id="264" r:id="rId11"/>
+    <p:sldId id="257" r:id="rId12"/>
+    <p:sldId id="258" r:id="rId13"/>
+    <p:sldId id="259" r:id="rId14"/>
+    <p:sldId id="260" r:id="rId15"/>
+    <p:sldId id="267" r:id="rId16"/>
+    <p:sldId id="268" r:id="rId17"/>
+    <p:sldId id="269" r:id="rId18"/>
+    <p:sldId id="270" r:id="rId19"/>
+    <p:sldId id="271" r:id="rId20"/>
+    <p:sldId id="272" r:id="rId21"/>
+    <p:sldId id="273" r:id="rId22"/>
+    <p:sldId id="274" r:id="rId23"/>
+    <p:sldId id="275" r:id="rId24"/>
+    <p:sldId id="276" r:id="rId25"/>
+    <p:sldId id="277" r:id="rId26"/>
+    <p:sldId id="278" r:id="rId27"/>
   </p:sldIdLst>
   <p:sldSz cx="9144000" cy="6858000" type="screen4x3"/>
   <p:notesSz cx="6858000" cy="9144000"/>
@@ -116,6 +135,1033 @@
 </p:presentation>
 </file>
 
+<file path=ppt/notesMasters/notesMaster1.xml><?xml version="1.0" encoding="utf-8"?>
+<p:notesMaster xmlns:a="http://schemas.openxmlformats.org/drawingml/2006/main" xmlns:r="http://schemas.openxmlformats.org/officeDocument/2006/relationships" xmlns:p="http://schemas.openxmlformats.org/presentationml/2006/main">
+  <p:cSld>
+    <p:bg>
+      <p:bgRef idx="1001">
+        <a:schemeClr val="bg1"/>
+      </p:bgRef>
+    </p:bg>
+    <p:spTree>
+      <p:nvGrpSpPr>
+        <p:cNvPr id="1" name=""/>
+        <p:cNvGrpSpPr/>
+        <p:nvPr/>
+      </p:nvGrpSpPr>
+      <p:grpSpPr>
+        <a:xfrm>
+          <a:off x="0" y="0"/>
+          <a:ext cx="0" cy="0"/>
+          <a:chOff x="0" y="0"/>
+          <a:chExt cx="0" cy="0"/>
+        </a:xfrm>
+      </p:grpSpPr>
+      <p:sp>
+        <p:nvSpPr>
+          <p:cNvPr id="2" name="Header Placeholder 1"/>
+          <p:cNvSpPr>
+            <a:spLocks noGrp="1"/>
+          </p:cNvSpPr>
+          <p:nvPr>
+            <p:ph type="hdr" sz="quarter"/>
+          </p:nvPr>
+        </p:nvSpPr>
+        <p:spPr>
+          <a:xfrm>
+            <a:off x="0" y="0"/>
+            <a:ext cx="2971800" cy="457200"/>
+          </a:xfrm>
+          <a:prstGeom prst="rect">
+            <a:avLst/>
+          </a:prstGeom>
+        </p:spPr>
+        <p:txBody>
+          <a:bodyPr vert="horz" lIns="91440" tIns="45720" rIns="91440" bIns="45720" rtlCol="0"/>
+          <a:lstStyle>
+            <a:lvl1pPr algn="l">
+              <a:defRPr sz="1200"/>
+            </a:lvl1pPr>
+          </a:lstStyle>
+          <a:p>
+            <a:endParaRPr lang="en-US"/>
+          </a:p>
+        </p:txBody>
+      </p:sp>
+      <p:sp>
+        <p:nvSpPr>
+          <p:cNvPr id="3" name="Date Placeholder 2"/>
+          <p:cNvSpPr>
+            <a:spLocks noGrp="1"/>
+          </p:cNvSpPr>
+          <p:nvPr>
+            <p:ph type="dt" idx="1"/>
+          </p:nvPr>
+        </p:nvSpPr>
+        <p:spPr>
+          <a:xfrm>
+            <a:off x="3884613" y="0"/>
+            <a:ext cx="2971800" cy="457200"/>
+          </a:xfrm>
+          <a:prstGeom prst="rect">
+            <a:avLst/>
+          </a:prstGeom>
+        </p:spPr>
+        <p:txBody>
+          <a:bodyPr vert="horz" lIns="91440" tIns="45720" rIns="91440" bIns="45720" rtlCol="0"/>
+          <a:lstStyle>
+            <a:lvl1pPr algn="r">
+              <a:defRPr sz="1200"/>
+            </a:lvl1pPr>
+          </a:lstStyle>
+          <a:p>
+            <a:fld id="{878CC6A9-C346-43E8-88E8-972ACEDA072F}" type="datetimeFigureOut">
+              <a:rPr lang="en-US" smtClean="0"/>
+              <a:t>8/9/2009</a:t>
+            </a:fld>
+            <a:endParaRPr lang="en-US"/>
+          </a:p>
+        </p:txBody>
+      </p:sp>
+      <p:sp>
+        <p:nvSpPr>
+          <p:cNvPr id="4" name="Slide Image Placeholder 3"/>
+          <p:cNvSpPr>
+            <a:spLocks noGrp="1" noRot="1" noChangeAspect="1"/>
+          </p:cNvSpPr>
+          <p:nvPr>
+            <p:ph type="sldImg" idx="2"/>
+          </p:nvPr>
+        </p:nvSpPr>
+        <p:spPr>
+          <a:xfrm>
+            <a:off x="1143000" y="685800"/>
+            <a:ext cx="4572000" cy="3429000"/>
+          </a:xfrm>
+          <a:prstGeom prst="rect">
+            <a:avLst/>
+          </a:prstGeom>
+          <a:noFill/>
+          <a:ln w="12700">
+            <a:solidFill>
+              <a:prstClr val="black"/>
+            </a:solidFill>
+          </a:ln>
+        </p:spPr>
+        <p:txBody>
+          <a:bodyPr vert="horz" lIns="91440" tIns="45720" rIns="91440" bIns="45720" rtlCol="0" anchor="ctr"/>
+          <a:lstStyle/>
+          <a:p>
+            <a:endParaRPr lang="en-US"/>
+          </a:p>
+        </p:txBody>
+      </p:sp>
+      <p:sp>
+        <p:nvSpPr>
+          <p:cNvPr id="5" name="Notes Placeholder 4"/>
+          <p:cNvSpPr>
+            <a:spLocks noGrp="1"/>
+          </p:cNvSpPr>
+          <p:nvPr>
+            <p:ph type="body" sz="quarter" idx="3"/>
+          </p:nvPr>
+        </p:nvSpPr>
+        <p:spPr>
+          <a:xfrm>
+            <a:off x="685800" y="4343400"/>
+            <a:ext cx="5486400" cy="4114800"/>
+          </a:xfrm>
+          <a:prstGeom prst="rect">
+            <a:avLst/>
+          </a:prstGeom>
+        </p:spPr>
+        <p:txBody>
+          <a:bodyPr vert="horz" lIns="91440" tIns="45720" rIns="91440" bIns="45720" rtlCol="0">
+            <a:normAutofit/>
+          </a:bodyPr>
+          <a:lstStyle/>
+          <a:p>
+            <a:pPr lvl="0"/>
+            <a:r>
+              <a:rPr lang="en-US" smtClean="0"/>
+              <a:t>Click to edit Master text styles</a:t>
+            </a:r>
+          </a:p>
+          <a:p>
+            <a:pPr lvl="1"/>
+            <a:r>
+              <a:rPr lang="en-US" smtClean="0"/>
+              <a:t>Second level</a:t>
+            </a:r>
+          </a:p>
+          <a:p>
+            <a:pPr lvl="2"/>
+            <a:r>
+              <a:rPr lang="en-US" smtClean="0"/>
+              <a:t>Third level</a:t>
+            </a:r>
+          </a:p>
+          <a:p>
+            <a:pPr lvl="3"/>
+            <a:r>
+              <a:rPr lang="en-US" smtClean="0"/>
+              <a:t>Fourth level</a:t>
+            </a:r>
+          </a:p>
+          <a:p>
+            <a:pPr lvl="4"/>
+            <a:r>
+              <a:rPr lang="en-US" smtClean="0"/>
+              <a:t>Fifth level</a:t>
+            </a:r>
+            <a:endParaRPr lang="en-US"/>
+          </a:p>
+        </p:txBody>
+      </p:sp>
+      <p:sp>
+        <p:nvSpPr>
+          <p:cNvPr id="6" name="Footer Placeholder 5"/>
+          <p:cNvSpPr>
+            <a:spLocks noGrp="1"/>
+          </p:cNvSpPr>
+          <p:nvPr>
+            <p:ph type="ftr" sz="quarter" idx="4"/>
+          </p:nvPr>
+        </p:nvSpPr>
+        <p:spPr>
+          <a:xfrm>
+            <a:off x="0" y="8685213"/>
+            <a:ext cx="2971800" cy="457200"/>
+          </a:xfrm>
+          <a:prstGeom prst="rect">
+            <a:avLst/>
+          </a:prstGeom>
+        </p:spPr>
+        <p:txBody>
+          <a:bodyPr vert="horz" lIns="91440" tIns="45720" rIns="91440" bIns="45720" rtlCol="0" anchor="b"/>
+          <a:lstStyle>
+            <a:lvl1pPr algn="l">
+              <a:defRPr sz="1200"/>
+            </a:lvl1pPr>
+          </a:lstStyle>
+          <a:p>
+            <a:endParaRPr lang="en-US"/>
+          </a:p>
+        </p:txBody>
+      </p:sp>
+      <p:sp>
+        <p:nvSpPr>
+          <p:cNvPr id="7" name="Slide Number Placeholder 6"/>
+          <p:cNvSpPr>
+            <a:spLocks noGrp="1"/>
+          </p:cNvSpPr>
+          <p:nvPr>
+            <p:ph type="sldNum" sz="quarter" idx="5"/>
+          </p:nvPr>
+        </p:nvSpPr>
+        <p:spPr>
+          <a:xfrm>
+            <a:off x="3884613" y="8685213"/>
+            <a:ext cx="2971800" cy="457200"/>
+          </a:xfrm>
+          <a:prstGeom prst="rect">
+            <a:avLst/>
+          </a:prstGeom>
+        </p:spPr>
+        <p:txBody>
+          <a:bodyPr vert="horz" lIns="91440" tIns="45720" rIns="91440" bIns="45720" rtlCol="0" anchor="b"/>
+          <a:lstStyle>
+            <a:lvl1pPr algn="r">
+              <a:defRPr sz="1200"/>
+            </a:lvl1pPr>
+          </a:lstStyle>
+          <a:p>
+            <a:fld id="{B19664B0-23B4-41CC-9F1C-E5FBE5F6B69C}" type="slidenum">
+              <a:rPr lang="en-US" smtClean="0"/>
+              <a:t>‹#›</a:t>
+            </a:fld>
+            <a:endParaRPr lang="en-US"/>
+          </a:p>
+        </p:txBody>
+      </p:sp>
+    </p:spTree>
+  </p:cSld>
+  <p:clrMap bg1="lt1" tx1="dk1" bg2="lt2" tx2="dk2" accent1="accent1" accent2="accent2" accent3="accent3" accent4="accent4" accent5="accent5" accent6="accent6" hlink="hlink" folHlink="folHlink"/>
+  <p:notesStyle>
+    <a:lvl1pPr marL="0" algn="l" defTabSz="914400" rtl="0" eaLnBrk="1" latinLnBrk="0" hangingPunct="1">
+      <a:defRPr sz="1200" kern="1200">
+        <a:solidFill>
+          <a:schemeClr val="tx1"/>
+        </a:solidFill>
+        <a:latin typeface="+mn-lt"/>
+        <a:ea typeface="+mn-ea"/>
+        <a:cs typeface="+mn-cs"/>
+      </a:defRPr>
+    </a:lvl1pPr>
+    <a:lvl2pPr marL="457200" algn="l" defTabSz="914400" rtl="0" eaLnBrk="1" latinLnBrk="0" hangingPunct="1">
+      <a:defRPr sz="1200" kern="1200">
+        <a:solidFill>
+          <a:schemeClr val="tx1"/>
+        </a:solidFill>
+        <a:latin typeface="+mn-lt"/>
+        <a:ea typeface="+mn-ea"/>
+        <a:cs typeface="+mn-cs"/>
+      </a:defRPr>
+    </a:lvl2pPr>
+    <a:lvl3pPr marL="914400" algn="l" defTabSz="914400" rtl="0" eaLnBrk="1" latinLnBrk="0" hangingPunct="1">
+      <a:defRPr sz="1200" kern="1200">
+        <a:solidFill>
+          <a:schemeClr val="tx1"/>
+        </a:solidFill>
+        <a:latin typeface="+mn-lt"/>
+        <a:ea typeface="+mn-ea"/>
+        <a:cs typeface="+mn-cs"/>
+      </a:defRPr>
+    </a:lvl3pPr>
+    <a:lvl4pPr marL="1371600" algn="l" defTabSz="914400" rtl="0" eaLnBrk="1" latinLnBrk="0" hangingPunct="1">
+      <a:defRPr sz="1200" kern="1200">
+        <a:solidFill>
+          <a:schemeClr val="tx1"/>
+        </a:solidFill>
+        <a:latin typeface="+mn-lt"/>
+        <a:ea typeface="+mn-ea"/>
+        <a:cs typeface="+mn-cs"/>
+      </a:defRPr>
+    </a:lvl4pPr>
+    <a:lvl5pPr marL="1828800" algn="l" defTabSz="914400" rtl="0" eaLnBrk="1" latinLnBrk="0" hangingPunct="1">
+      <a:defRPr sz="1200" kern="1200">
+        <a:solidFill>
+          <a:schemeClr val="tx1"/>
+        </a:solidFill>
+        <a:latin typeface="+mn-lt"/>
+        <a:ea typeface="+mn-ea"/>
+        <a:cs typeface="+mn-cs"/>
+      </a:defRPr>
+    </a:lvl5pPr>
+    <a:lvl6pPr marL="2286000" algn="l" defTabSz="914400" rtl="0" eaLnBrk="1" latinLnBrk="0" hangingPunct="1">
+      <a:defRPr sz="1200" kern="1200">
+        <a:solidFill>
+          <a:schemeClr val="tx1"/>
+        </a:solidFill>
+        <a:latin typeface="+mn-lt"/>
+        <a:ea typeface="+mn-ea"/>
+        <a:cs typeface="+mn-cs"/>
+      </a:defRPr>
+    </a:lvl6pPr>
+    <a:lvl7pPr marL="2743200" algn="l" defTabSz="914400" rtl="0" eaLnBrk="1" latinLnBrk="0" hangingPunct="1">
+      <a:defRPr sz="1200" kern="1200">
+        <a:solidFill>
+          <a:schemeClr val="tx1"/>
+        </a:solidFill>
+        <a:latin typeface="+mn-lt"/>
+        <a:ea typeface="+mn-ea"/>
+        <a:cs typeface="+mn-cs"/>
+      </a:defRPr>
+    </a:lvl7pPr>
+    <a:lvl8pPr marL="3200400" algn="l" defTabSz="914400" rtl="0" eaLnBrk="1" latinLnBrk="0" hangingPunct="1">
+      <a:defRPr sz="1200" kern="1200">
+        <a:solidFill>
+          <a:schemeClr val="tx1"/>
+        </a:solidFill>
+        <a:latin typeface="+mn-lt"/>
+        <a:ea typeface="+mn-ea"/>
+        <a:cs typeface="+mn-cs"/>
+      </a:defRPr>
+    </a:lvl8pPr>
+    <a:lvl9pPr marL="3657600" algn="l" defTabSz="914400" rtl="0" eaLnBrk="1" latinLnBrk="0" hangingPunct="1">
+      <a:defRPr sz="1200" kern="1200">
+        <a:solidFill>
+          <a:schemeClr val="tx1"/>
+        </a:solidFill>
+        <a:latin typeface="+mn-lt"/>
+        <a:ea typeface="+mn-ea"/>
+        <a:cs typeface="+mn-cs"/>
+      </a:defRPr>
+    </a:lvl9pPr>
+  </p:notesStyle>
+</p:notesMaster>
+</file>
+
+<file path=ppt/notesSlides/notesSlide1.xml><?xml version="1.0" encoding="utf-8"?>
+<p:notes xmlns:a="http://schemas.openxmlformats.org/drawingml/2006/main" xmlns:r="http://schemas.openxmlformats.org/officeDocument/2006/relationships" xmlns:p="http://schemas.openxmlformats.org/presentationml/2006/main">
+  <p:cSld>
+    <p:spTree>
+      <p:nvGrpSpPr>
+        <p:cNvPr id="1" name=""/>
+        <p:cNvGrpSpPr/>
+        <p:nvPr/>
+      </p:nvGrpSpPr>
+      <p:grpSpPr>
+        <a:xfrm>
+          <a:off x="0" y="0"/>
+          <a:ext cx="0" cy="0"/>
+          <a:chOff x="0" y="0"/>
+          <a:chExt cx="0" cy="0"/>
+        </a:xfrm>
+      </p:grpSpPr>
+      <p:sp>
+        <p:nvSpPr>
+          <p:cNvPr id="2" name="Slide Image Placeholder 1"/>
+          <p:cNvSpPr>
+            <a:spLocks noGrp="1" noRot="1" noChangeAspect="1"/>
+          </p:cNvSpPr>
+          <p:nvPr>
+            <p:ph type="sldImg"/>
+          </p:nvPr>
+        </p:nvSpPr>
+        <p:spPr/>
+      </p:sp>
+      <p:sp>
+        <p:nvSpPr>
+          <p:cNvPr id="3" name="Notes Placeholder 2"/>
+          <p:cNvSpPr>
+            <a:spLocks noGrp="1"/>
+          </p:cNvSpPr>
+          <p:nvPr>
+            <p:ph type="body" idx="1"/>
+          </p:nvPr>
+        </p:nvSpPr>
+        <p:spPr/>
+        <p:txBody>
+          <a:bodyPr>
+            <a:normAutofit/>
+          </a:bodyPr>
+          <a:lstStyle/>
+          <a:p>
+            <a:r>
+              <a:rPr lang="en-US" dirty="0" smtClean="0"/>
+              <a:t>http://www.flickr.com/photos/macieklew/415909370/</a:t>
+            </a:r>
+            <a:endParaRPr lang="en-US" dirty="0"/>
+          </a:p>
+        </p:txBody>
+      </p:sp>
+      <p:sp>
+        <p:nvSpPr>
+          <p:cNvPr id="4" name="Slide Number Placeholder 3"/>
+          <p:cNvSpPr>
+            <a:spLocks noGrp="1"/>
+          </p:cNvSpPr>
+          <p:nvPr>
+            <p:ph type="sldNum" sz="quarter" idx="10"/>
+          </p:nvPr>
+        </p:nvSpPr>
+        <p:spPr/>
+        <p:txBody>
+          <a:bodyPr/>
+          <a:lstStyle/>
+          <a:p>
+            <a:fld id="{B19664B0-23B4-41CC-9F1C-E5FBE5F6B69C}" type="slidenum">
+              <a:rPr lang="en-US" smtClean="0"/>
+              <a:t>5</a:t>
+            </a:fld>
+            <a:endParaRPr lang="en-US"/>
+          </a:p>
+        </p:txBody>
+      </p:sp>
+    </p:spTree>
+  </p:cSld>
+  <p:clrMapOvr>
+    <a:masterClrMapping/>
+  </p:clrMapOvr>
+</p:notes>
+</file>
+
+<file path=ppt/notesSlides/notesSlide2.xml><?xml version="1.0" encoding="utf-8"?>
+<p:notes xmlns:a="http://schemas.openxmlformats.org/drawingml/2006/main" xmlns:r="http://schemas.openxmlformats.org/officeDocument/2006/relationships" xmlns:p="http://schemas.openxmlformats.org/presentationml/2006/main">
+  <p:cSld>
+    <p:spTree>
+      <p:nvGrpSpPr>
+        <p:cNvPr id="1" name=""/>
+        <p:cNvGrpSpPr/>
+        <p:nvPr/>
+      </p:nvGrpSpPr>
+      <p:grpSpPr>
+        <a:xfrm>
+          <a:off x="0" y="0"/>
+          <a:ext cx="0" cy="0"/>
+          <a:chOff x="0" y="0"/>
+          <a:chExt cx="0" cy="0"/>
+        </a:xfrm>
+      </p:grpSpPr>
+      <p:sp>
+        <p:nvSpPr>
+          <p:cNvPr id="2" name="Slide Image Placeholder 1"/>
+          <p:cNvSpPr>
+            <a:spLocks noGrp="1" noRot="1" noChangeAspect="1"/>
+          </p:cNvSpPr>
+          <p:nvPr>
+            <p:ph type="sldImg"/>
+          </p:nvPr>
+        </p:nvSpPr>
+        <p:spPr/>
+      </p:sp>
+      <p:sp>
+        <p:nvSpPr>
+          <p:cNvPr id="3" name="Notes Placeholder 2"/>
+          <p:cNvSpPr>
+            <a:spLocks noGrp="1"/>
+          </p:cNvSpPr>
+          <p:nvPr>
+            <p:ph type="body" idx="1"/>
+          </p:nvPr>
+        </p:nvSpPr>
+        <p:spPr/>
+        <p:txBody>
+          <a:bodyPr>
+            <a:normAutofit/>
+          </a:bodyPr>
+          <a:lstStyle/>
+          <a:p>
+            <a:r>
+              <a:rPr lang="en-US" dirty="0" smtClean="0"/>
+              <a:t>http://www.flickr.com/photos/oberazzi/318947873/</a:t>
+            </a:r>
+            <a:endParaRPr lang="en-US" dirty="0"/>
+          </a:p>
+        </p:txBody>
+      </p:sp>
+      <p:sp>
+        <p:nvSpPr>
+          <p:cNvPr id="4" name="Slide Number Placeholder 3"/>
+          <p:cNvSpPr>
+            <a:spLocks noGrp="1"/>
+          </p:cNvSpPr>
+          <p:nvPr>
+            <p:ph type="sldNum" sz="quarter" idx="10"/>
+          </p:nvPr>
+        </p:nvSpPr>
+        <p:spPr/>
+        <p:txBody>
+          <a:bodyPr/>
+          <a:lstStyle/>
+          <a:p>
+            <a:fld id="{B19664B0-23B4-41CC-9F1C-E5FBE5F6B69C}" type="slidenum">
+              <a:rPr lang="en-US" smtClean="0"/>
+              <a:t>7</a:t>
+            </a:fld>
+            <a:endParaRPr lang="en-US"/>
+          </a:p>
+        </p:txBody>
+      </p:sp>
+    </p:spTree>
+  </p:cSld>
+  <p:clrMapOvr>
+    <a:masterClrMapping/>
+  </p:clrMapOvr>
+</p:notes>
+</file>
+
+<file path=ppt/notesSlides/notesSlide3.xml><?xml version="1.0" encoding="utf-8"?>
+<p:notes xmlns:a="http://schemas.openxmlformats.org/drawingml/2006/main" xmlns:r="http://schemas.openxmlformats.org/officeDocument/2006/relationships" xmlns:p="http://schemas.openxmlformats.org/presentationml/2006/main">
+  <p:cSld>
+    <p:spTree>
+      <p:nvGrpSpPr>
+        <p:cNvPr id="1" name=""/>
+        <p:cNvGrpSpPr/>
+        <p:nvPr/>
+      </p:nvGrpSpPr>
+      <p:grpSpPr>
+        <a:xfrm>
+          <a:off x="0" y="0"/>
+          <a:ext cx="0" cy="0"/>
+          <a:chOff x="0" y="0"/>
+          <a:chExt cx="0" cy="0"/>
+        </a:xfrm>
+      </p:grpSpPr>
+      <p:sp>
+        <p:nvSpPr>
+          <p:cNvPr id="2" name="Slide Image Placeholder 1"/>
+          <p:cNvSpPr>
+            <a:spLocks noGrp="1" noRot="1" noChangeAspect="1"/>
+          </p:cNvSpPr>
+          <p:nvPr>
+            <p:ph type="sldImg"/>
+          </p:nvPr>
+        </p:nvSpPr>
+        <p:spPr/>
+      </p:sp>
+      <p:sp>
+        <p:nvSpPr>
+          <p:cNvPr id="3" name="Notes Placeholder 2"/>
+          <p:cNvSpPr>
+            <a:spLocks noGrp="1"/>
+          </p:cNvSpPr>
+          <p:nvPr>
+            <p:ph type="body" idx="1"/>
+          </p:nvPr>
+        </p:nvSpPr>
+        <p:spPr/>
+        <p:txBody>
+          <a:bodyPr>
+            <a:normAutofit/>
+          </a:bodyPr>
+          <a:lstStyle/>
+          <a:p>
+            <a:r>
+              <a:rPr lang="en-US" dirty="0" smtClean="0"/>
+              <a:t>http://www.flickr.com/photos/gadl/110845690/</a:t>
+            </a:r>
+            <a:endParaRPr lang="en-US" dirty="0"/>
+          </a:p>
+        </p:txBody>
+      </p:sp>
+      <p:sp>
+        <p:nvSpPr>
+          <p:cNvPr id="4" name="Slide Number Placeholder 3"/>
+          <p:cNvSpPr>
+            <a:spLocks noGrp="1"/>
+          </p:cNvSpPr>
+          <p:nvPr>
+            <p:ph type="sldNum" sz="quarter" idx="10"/>
+          </p:nvPr>
+        </p:nvSpPr>
+        <p:spPr/>
+        <p:txBody>
+          <a:bodyPr/>
+          <a:lstStyle/>
+          <a:p>
+            <a:fld id="{B19664B0-23B4-41CC-9F1C-E5FBE5F6B69C}" type="slidenum">
+              <a:rPr lang="en-US" smtClean="0"/>
+              <a:t>15</a:t>
+            </a:fld>
+            <a:endParaRPr lang="en-US"/>
+          </a:p>
+        </p:txBody>
+      </p:sp>
+    </p:spTree>
+  </p:cSld>
+  <p:clrMapOvr>
+    <a:masterClrMapping/>
+  </p:clrMapOvr>
+</p:notes>
+</file>
+
+<file path=ppt/notesSlides/notesSlide4.xml><?xml version="1.0" encoding="utf-8"?>
+<p:notes xmlns:a="http://schemas.openxmlformats.org/drawingml/2006/main" xmlns:r="http://schemas.openxmlformats.org/officeDocument/2006/relationships" xmlns:p="http://schemas.openxmlformats.org/presentationml/2006/main">
+  <p:cSld>
+    <p:spTree>
+      <p:nvGrpSpPr>
+        <p:cNvPr id="1" name=""/>
+        <p:cNvGrpSpPr/>
+        <p:nvPr/>
+      </p:nvGrpSpPr>
+      <p:grpSpPr>
+        <a:xfrm>
+          <a:off x="0" y="0"/>
+          <a:ext cx="0" cy="0"/>
+          <a:chOff x="0" y="0"/>
+          <a:chExt cx="0" cy="0"/>
+        </a:xfrm>
+      </p:grpSpPr>
+      <p:sp>
+        <p:nvSpPr>
+          <p:cNvPr id="2" name="Slide Image Placeholder 1"/>
+          <p:cNvSpPr>
+            <a:spLocks noGrp="1" noRot="1" noChangeAspect="1"/>
+          </p:cNvSpPr>
+          <p:nvPr>
+            <p:ph type="sldImg"/>
+          </p:nvPr>
+        </p:nvSpPr>
+        <p:spPr/>
+      </p:sp>
+      <p:sp>
+        <p:nvSpPr>
+          <p:cNvPr id="3" name="Notes Placeholder 2"/>
+          <p:cNvSpPr>
+            <a:spLocks noGrp="1"/>
+          </p:cNvSpPr>
+          <p:nvPr>
+            <p:ph type="body" idx="1"/>
+          </p:nvPr>
+        </p:nvSpPr>
+        <p:spPr/>
+        <p:txBody>
+          <a:bodyPr>
+            <a:normAutofit/>
+          </a:bodyPr>
+          <a:lstStyle/>
+          <a:p>
+            <a:r>
+              <a:rPr lang="en-US" dirty="0" smtClean="0"/>
+              <a:t>http://www.flickr.com/photos/alaskanlibrarian/198050336/</a:t>
+            </a:r>
+            <a:endParaRPr lang="en-US" dirty="0"/>
+          </a:p>
+        </p:txBody>
+      </p:sp>
+      <p:sp>
+        <p:nvSpPr>
+          <p:cNvPr id="4" name="Slide Number Placeholder 3"/>
+          <p:cNvSpPr>
+            <a:spLocks noGrp="1"/>
+          </p:cNvSpPr>
+          <p:nvPr>
+            <p:ph type="sldNum" sz="quarter" idx="10"/>
+          </p:nvPr>
+        </p:nvSpPr>
+        <p:spPr/>
+        <p:txBody>
+          <a:bodyPr/>
+          <a:lstStyle/>
+          <a:p>
+            <a:fld id="{B19664B0-23B4-41CC-9F1C-E5FBE5F6B69C}" type="slidenum">
+              <a:rPr lang="en-US" smtClean="0"/>
+              <a:t>19</a:t>
+            </a:fld>
+            <a:endParaRPr lang="en-US"/>
+          </a:p>
+        </p:txBody>
+      </p:sp>
+    </p:spTree>
+  </p:cSld>
+  <p:clrMapOvr>
+    <a:masterClrMapping/>
+  </p:clrMapOvr>
+</p:notes>
+</file>
+
+<file path=ppt/notesSlides/notesSlide5.xml><?xml version="1.0" encoding="utf-8"?>
+<p:notes xmlns:a="http://schemas.openxmlformats.org/drawingml/2006/main" xmlns:r="http://schemas.openxmlformats.org/officeDocument/2006/relationships" xmlns:p="http://schemas.openxmlformats.org/presentationml/2006/main">
+  <p:cSld>
+    <p:spTree>
+      <p:nvGrpSpPr>
+        <p:cNvPr id="1" name=""/>
+        <p:cNvGrpSpPr/>
+        <p:nvPr/>
+      </p:nvGrpSpPr>
+      <p:grpSpPr>
+        <a:xfrm>
+          <a:off x="0" y="0"/>
+          <a:ext cx="0" cy="0"/>
+          <a:chOff x="0" y="0"/>
+          <a:chExt cx="0" cy="0"/>
+        </a:xfrm>
+      </p:grpSpPr>
+      <p:sp>
+        <p:nvSpPr>
+          <p:cNvPr id="2" name="Slide Image Placeholder 1"/>
+          <p:cNvSpPr>
+            <a:spLocks noGrp="1" noRot="1" noChangeAspect="1"/>
+          </p:cNvSpPr>
+          <p:nvPr>
+            <p:ph type="sldImg"/>
+          </p:nvPr>
+        </p:nvSpPr>
+        <p:spPr/>
+      </p:sp>
+      <p:sp>
+        <p:nvSpPr>
+          <p:cNvPr id="3" name="Notes Placeholder 2"/>
+          <p:cNvSpPr>
+            <a:spLocks noGrp="1"/>
+          </p:cNvSpPr>
+          <p:nvPr>
+            <p:ph type="body" idx="1"/>
+          </p:nvPr>
+        </p:nvSpPr>
+        <p:spPr/>
+        <p:txBody>
+          <a:bodyPr>
+            <a:normAutofit/>
+          </a:bodyPr>
+          <a:lstStyle/>
+          <a:p>
+            <a:r>
+              <a:rPr lang="en-US" dirty="0" smtClean="0"/>
+              <a:t>http://www.flickr.com/photos/donsolo/3706017309/</a:t>
+            </a:r>
+            <a:endParaRPr lang="en-US" dirty="0"/>
+          </a:p>
+        </p:txBody>
+      </p:sp>
+      <p:sp>
+        <p:nvSpPr>
+          <p:cNvPr id="4" name="Slide Number Placeholder 3"/>
+          <p:cNvSpPr>
+            <a:spLocks noGrp="1"/>
+          </p:cNvSpPr>
+          <p:nvPr>
+            <p:ph type="sldNum" sz="quarter" idx="10"/>
+          </p:nvPr>
+        </p:nvSpPr>
+        <p:spPr/>
+        <p:txBody>
+          <a:bodyPr/>
+          <a:lstStyle/>
+          <a:p>
+            <a:fld id="{B19664B0-23B4-41CC-9F1C-E5FBE5F6B69C}" type="slidenum">
+              <a:rPr lang="en-US" smtClean="0"/>
+              <a:t>20</a:t>
+            </a:fld>
+            <a:endParaRPr lang="en-US"/>
+          </a:p>
+        </p:txBody>
+      </p:sp>
+    </p:spTree>
+  </p:cSld>
+  <p:clrMapOvr>
+    <a:masterClrMapping/>
+  </p:clrMapOvr>
+</p:notes>
+</file>
+
+<file path=ppt/notesSlides/notesSlide6.xml><?xml version="1.0" encoding="utf-8"?>
+<p:notes xmlns:a="http://schemas.openxmlformats.org/drawingml/2006/main" xmlns:r="http://schemas.openxmlformats.org/officeDocument/2006/relationships" xmlns:p="http://schemas.openxmlformats.org/presentationml/2006/main">
+  <p:cSld>
+    <p:spTree>
+      <p:nvGrpSpPr>
+        <p:cNvPr id="1" name=""/>
+        <p:cNvGrpSpPr/>
+        <p:nvPr/>
+      </p:nvGrpSpPr>
+      <p:grpSpPr>
+        <a:xfrm>
+          <a:off x="0" y="0"/>
+          <a:ext cx="0" cy="0"/>
+          <a:chOff x="0" y="0"/>
+          <a:chExt cx="0" cy="0"/>
+        </a:xfrm>
+      </p:grpSpPr>
+      <p:sp>
+        <p:nvSpPr>
+          <p:cNvPr id="2" name="Slide Image Placeholder 1"/>
+          <p:cNvSpPr>
+            <a:spLocks noGrp="1" noRot="1" noChangeAspect="1"/>
+          </p:cNvSpPr>
+          <p:nvPr>
+            <p:ph type="sldImg"/>
+          </p:nvPr>
+        </p:nvSpPr>
+        <p:spPr/>
+      </p:sp>
+      <p:sp>
+        <p:nvSpPr>
+          <p:cNvPr id="3" name="Notes Placeholder 2"/>
+          <p:cNvSpPr>
+            <a:spLocks noGrp="1"/>
+          </p:cNvSpPr>
+          <p:nvPr>
+            <p:ph type="body" idx="1"/>
+          </p:nvPr>
+        </p:nvSpPr>
+        <p:spPr/>
+        <p:txBody>
+          <a:bodyPr>
+            <a:normAutofit/>
+          </a:bodyPr>
+          <a:lstStyle/>
+          <a:p>
+            <a:r>
+              <a:rPr lang="en-US" dirty="0" smtClean="0"/>
+              <a:t>http://www.flickr.com/photos/curiousyellow/11868876/</a:t>
+            </a:r>
+            <a:endParaRPr lang="en-US" dirty="0"/>
+          </a:p>
+        </p:txBody>
+      </p:sp>
+      <p:sp>
+        <p:nvSpPr>
+          <p:cNvPr id="4" name="Slide Number Placeholder 3"/>
+          <p:cNvSpPr>
+            <a:spLocks noGrp="1"/>
+          </p:cNvSpPr>
+          <p:nvPr>
+            <p:ph type="sldNum" sz="quarter" idx="10"/>
+          </p:nvPr>
+        </p:nvSpPr>
+        <p:spPr/>
+        <p:txBody>
+          <a:bodyPr/>
+          <a:lstStyle/>
+          <a:p>
+            <a:fld id="{B19664B0-23B4-41CC-9F1C-E5FBE5F6B69C}" type="slidenum">
+              <a:rPr lang="en-US" smtClean="0"/>
+              <a:t>21</a:t>
+            </a:fld>
+            <a:endParaRPr lang="en-US"/>
+          </a:p>
+        </p:txBody>
+      </p:sp>
+    </p:spTree>
+  </p:cSld>
+  <p:clrMapOvr>
+    <a:masterClrMapping/>
+  </p:clrMapOvr>
+</p:notes>
+</file>
+
+<file path=ppt/notesSlides/notesSlide7.xml><?xml version="1.0" encoding="utf-8"?>
+<p:notes xmlns:a="http://schemas.openxmlformats.org/drawingml/2006/main" xmlns:r="http://schemas.openxmlformats.org/officeDocument/2006/relationships" xmlns:p="http://schemas.openxmlformats.org/presentationml/2006/main">
+  <p:cSld>
+    <p:spTree>
+      <p:nvGrpSpPr>
+        <p:cNvPr id="1" name=""/>
+        <p:cNvGrpSpPr/>
+        <p:nvPr/>
+      </p:nvGrpSpPr>
+      <p:grpSpPr>
+        <a:xfrm>
+          <a:off x="0" y="0"/>
+          <a:ext cx="0" cy="0"/>
+          <a:chOff x="0" y="0"/>
+          <a:chExt cx="0" cy="0"/>
+        </a:xfrm>
+      </p:grpSpPr>
+      <p:sp>
+        <p:nvSpPr>
+          <p:cNvPr id="2" name="Slide Image Placeholder 1"/>
+          <p:cNvSpPr>
+            <a:spLocks noGrp="1" noRot="1" noChangeAspect="1"/>
+          </p:cNvSpPr>
+          <p:nvPr>
+            <p:ph type="sldImg"/>
+          </p:nvPr>
+        </p:nvSpPr>
+        <p:spPr/>
+      </p:sp>
+      <p:sp>
+        <p:nvSpPr>
+          <p:cNvPr id="3" name="Notes Placeholder 2"/>
+          <p:cNvSpPr>
+            <a:spLocks noGrp="1"/>
+          </p:cNvSpPr>
+          <p:nvPr>
+            <p:ph type="body" idx="1"/>
+          </p:nvPr>
+        </p:nvSpPr>
+        <p:spPr/>
+        <p:txBody>
+          <a:bodyPr>
+            <a:normAutofit/>
+          </a:bodyPr>
+          <a:lstStyle/>
+          <a:p>
+            <a:r>
+              <a:rPr lang="en-US" dirty="0" smtClean="0"/>
+              <a:t>http://www.flickr.com/photos/nickwheeleroz/2166124358/</a:t>
+            </a:r>
+            <a:endParaRPr lang="en-US" dirty="0"/>
+          </a:p>
+        </p:txBody>
+      </p:sp>
+      <p:sp>
+        <p:nvSpPr>
+          <p:cNvPr id="4" name="Slide Number Placeholder 3"/>
+          <p:cNvSpPr>
+            <a:spLocks noGrp="1"/>
+          </p:cNvSpPr>
+          <p:nvPr>
+            <p:ph type="sldNum" sz="quarter" idx="10"/>
+          </p:nvPr>
+        </p:nvSpPr>
+        <p:spPr/>
+        <p:txBody>
+          <a:bodyPr/>
+          <a:lstStyle/>
+          <a:p>
+            <a:fld id="{B19664B0-23B4-41CC-9F1C-E5FBE5F6B69C}" type="slidenum">
+              <a:rPr lang="en-US" smtClean="0"/>
+              <a:t>22</a:t>
+            </a:fld>
+            <a:endParaRPr lang="en-US"/>
+          </a:p>
+        </p:txBody>
+      </p:sp>
+    </p:spTree>
+  </p:cSld>
+  <p:clrMapOvr>
+    <a:masterClrMapping/>
+  </p:clrMapOvr>
+</p:notes>
+</file>
+
+<file path=ppt/notesSlides/notesSlide8.xml><?xml version="1.0" encoding="utf-8"?>
+<p:notes xmlns:a="http://schemas.openxmlformats.org/drawingml/2006/main" xmlns:r="http://schemas.openxmlformats.org/officeDocument/2006/relationships" xmlns:p="http://schemas.openxmlformats.org/presentationml/2006/main">
+  <p:cSld>
+    <p:spTree>
+      <p:nvGrpSpPr>
+        <p:cNvPr id="1" name=""/>
+        <p:cNvGrpSpPr/>
+        <p:nvPr/>
+      </p:nvGrpSpPr>
+      <p:grpSpPr>
+        <a:xfrm>
+          <a:off x="0" y="0"/>
+          <a:ext cx="0" cy="0"/>
+          <a:chOff x="0" y="0"/>
+          <a:chExt cx="0" cy="0"/>
+        </a:xfrm>
+      </p:grpSpPr>
+      <p:sp>
+        <p:nvSpPr>
+          <p:cNvPr id="2" name="Slide Image Placeholder 1"/>
+          <p:cNvSpPr>
+            <a:spLocks noGrp="1" noRot="1" noChangeAspect="1"/>
+          </p:cNvSpPr>
+          <p:nvPr>
+            <p:ph type="sldImg"/>
+          </p:nvPr>
+        </p:nvSpPr>
+        <p:spPr/>
+      </p:sp>
+      <p:sp>
+        <p:nvSpPr>
+          <p:cNvPr id="3" name="Notes Placeholder 2"/>
+          <p:cNvSpPr>
+            <a:spLocks noGrp="1"/>
+          </p:cNvSpPr>
+          <p:nvPr>
+            <p:ph type="body" idx="1"/>
+          </p:nvPr>
+        </p:nvSpPr>
+        <p:spPr/>
+        <p:txBody>
+          <a:bodyPr>
+            <a:normAutofit/>
+          </a:bodyPr>
+          <a:lstStyle/>
+          <a:p>
+            <a:r>
+              <a:rPr lang="en-US" dirty="0" smtClean="0"/>
+              <a:t>http://www.flickr.com/photos/visualarts/2317632657/</a:t>
+            </a:r>
+            <a:endParaRPr lang="en-US" dirty="0"/>
+          </a:p>
+        </p:txBody>
+      </p:sp>
+      <p:sp>
+        <p:nvSpPr>
+          <p:cNvPr id="4" name="Slide Number Placeholder 3"/>
+          <p:cNvSpPr>
+            <a:spLocks noGrp="1"/>
+          </p:cNvSpPr>
+          <p:nvPr>
+            <p:ph type="sldNum" sz="quarter" idx="10"/>
+          </p:nvPr>
+        </p:nvSpPr>
+        <p:spPr/>
+        <p:txBody>
+          <a:bodyPr/>
+          <a:lstStyle/>
+          <a:p>
+            <a:fld id="{B19664B0-23B4-41CC-9F1C-E5FBE5F6B69C}" type="slidenum">
+              <a:rPr lang="en-US" smtClean="0"/>
+              <a:t>23</a:t>
+            </a:fld>
+            <a:endParaRPr lang="en-US"/>
+          </a:p>
+        </p:txBody>
+      </p:sp>
+    </p:spTree>
+  </p:cSld>
+  <p:clrMapOvr>
+    <a:masterClrMapping/>
+  </p:clrMapOvr>
+</p:notes>
+</file>
+
 <file path=ppt/slideLayouts/slideLayout1.xml><?xml version="1.0" encoding="utf-8"?>
 <p:sldLayout xmlns:a="http://schemas.openxmlformats.org/drawingml/2006/main" xmlns:r="http://schemas.openxmlformats.org/officeDocument/2006/relationships" xmlns:p="http://schemas.openxmlformats.org/presentationml/2006/main" type="title" preserve="1">
   <p:cSld name="Title Slide">
@@ -298,7 +1344,7 @@
             <a:fld id="{3541C51D-28AE-4E03-B530-D8520D9050CD}" type="datetimeFigureOut">
               <a:rPr lang="en-US" smtClean="0"/>
               <a:pPr/>
-              <a:t>3/12/2009</a:t>
+              <a:t>8/9/2009</a:t>
             </a:fld>
             <a:endParaRPr lang="en-US"/>
           </a:p>
@@ -465,7 +1511,7 @@
             <a:fld id="{3541C51D-28AE-4E03-B530-D8520D9050CD}" type="datetimeFigureOut">
               <a:rPr lang="en-US" smtClean="0"/>
               <a:pPr/>
-              <a:t>3/12/2009</a:t>
+              <a:t>8/9/2009</a:t>
             </a:fld>
             <a:endParaRPr lang="en-US"/>
           </a:p>
@@ -642,7 +1688,7 @@
             <a:fld id="{3541C51D-28AE-4E03-B530-D8520D9050CD}" type="datetimeFigureOut">
               <a:rPr lang="en-US" smtClean="0"/>
               <a:pPr/>
-              <a:t>3/12/2009</a:t>
+              <a:t>8/9/2009</a:t>
             </a:fld>
             <a:endParaRPr lang="en-US"/>
           </a:p>
@@ -891,7 +1937,7 @@
                 <a:cs typeface="+mn-cs"/>
               </a:rPr>
               <a:pPr algn="l" rtl="0"/>
-              <a:t>3/12/2009</a:t>
+              <a:t>8/9/2009</a:t>
             </a:fld>
             <a:endParaRPr lang="en-US" sz="1200" kern="1200">
               <a:solidFill>
@@ -1106,7 +2152,7 @@
                 <a:cs typeface="+mn-cs"/>
               </a:rPr>
               <a:pPr algn="l" rtl="0"/>
-              <a:t>3/12/2009</a:t>
+              <a:t>8/9/2009</a:t>
             </a:fld>
             <a:endParaRPr lang="en-US" sz="1200" kern="1200">
               <a:solidFill>
@@ -1397,7 +2443,7 @@
                 <a:cs typeface="+mn-cs"/>
               </a:rPr>
               <a:pPr algn="l" rtl="0"/>
-              <a:t>3/12/2009</a:t>
+              <a:t>8/9/2009</a:t>
             </a:fld>
             <a:endParaRPr lang="en-US" sz="1200" kern="1200">
               <a:solidFill>
@@ -1730,7 +2776,7 @@
                 <a:cs typeface="+mn-cs"/>
               </a:rPr>
               <a:pPr algn="l" rtl="0"/>
-              <a:t>3/12/2009</a:t>
+              <a:t>8/9/2009</a:t>
             </a:fld>
             <a:endParaRPr lang="en-US" sz="1200" kern="1200">
               <a:solidFill>
@@ -2197,7 +3243,7 @@
                 <a:cs typeface="+mn-cs"/>
               </a:rPr>
               <a:pPr algn="l" rtl="0"/>
-              <a:t>3/12/2009</a:t>
+              <a:t>8/9/2009</a:t>
             </a:fld>
             <a:endParaRPr lang="en-US" sz="1200" kern="1200">
               <a:solidFill>
@@ -2360,7 +3406,7 @@
                 <a:cs typeface="+mn-cs"/>
               </a:rPr>
               <a:pPr algn="l" rtl="0"/>
-              <a:t>3/12/2009</a:t>
+              <a:t>8/9/2009</a:t>
             </a:fld>
             <a:endParaRPr lang="en-US" sz="1200" kern="1200">
               <a:solidFill>
@@ -2500,7 +3546,7 @@
                 <a:cs typeface="+mn-cs"/>
               </a:rPr>
               <a:pPr algn="l" rtl="0"/>
-              <a:t>3/12/2009</a:t>
+              <a:t>8/9/2009</a:t>
             </a:fld>
             <a:endParaRPr lang="en-US" sz="1200" kern="1200">
               <a:solidFill>
@@ -2822,7 +3868,7 @@
                 <a:cs typeface="+mn-cs"/>
               </a:rPr>
               <a:pPr algn="l" rtl="0"/>
-              <a:t>3/12/2009</a:t>
+              <a:t>8/9/2009</a:t>
             </a:fld>
             <a:endParaRPr lang="en-US" sz="1200" kern="1200">
               <a:solidFill>
@@ -3027,7 +4073,7 @@
             <a:fld id="{3541C51D-28AE-4E03-B530-D8520D9050CD}" type="datetimeFigureOut">
               <a:rPr lang="en-US" smtClean="0"/>
               <a:pPr/>
-              <a:t>3/12/2009</a:t>
+              <a:t>8/9/2009</a:t>
             </a:fld>
             <a:endParaRPr lang="en-US"/>
           </a:p>
@@ -3287,7 +4333,7 @@
                 <a:cs typeface="+mn-cs"/>
               </a:rPr>
               <a:pPr algn="l" rtl="0"/>
-              <a:t>3/12/2009</a:t>
+              <a:t>8/9/2009</a:t>
             </a:fld>
             <a:endParaRPr lang="en-US" sz="1200" kern="1200">
               <a:solidFill>
@@ -3502,7 +4548,7 @@
                 <a:cs typeface="+mn-cs"/>
               </a:rPr>
               <a:pPr algn="l" rtl="0"/>
-              <a:t>3/12/2009</a:t>
+              <a:t>8/9/2009</a:t>
             </a:fld>
             <a:endParaRPr lang="en-US" sz="1200" kern="1200">
               <a:solidFill>
@@ -3727,7 +4773,7 @@
                 <a:cs typeface="+mn-cs"/>
               </a:rPr>
               <a:pPr algn="l" rtl="0"/>
-              <a:t>3/12/2009</a:t>
+              <a:t>8/9/2009</a:t>
             </a:fld>
             <a:endParaRPr lang="en-US" sz="1200" kern="1200">
               <a:solidFill>
@@ -4014,7 +5060,7 @@
                 <a:cs typeface="+mn-cs"/>
               </a:rPr>
               <a:pPr algn="l" rtl="0"/>
-              <a:t>3/12/2009</a:t>
+              <a:t>8/9/2009</a:t>
             </a:fld>
             <a:endParaRPr lang="en-US" sz="1200" kern="1200">
               <a:solidFill>
@@ -4229,7 +5275,7 @@
                 <a:cs typeface="+mn-cs"/>
               </a:rPr>
               <a:pPr algn="l" rtl="0"/>
-              <a:t>3/12/2009</a:t>
+              <a:t>8/9/2009</a:t>
             </a:fld>
             <a:endParaRPr lang="en-US" sz="1200" kern="1200">
               <a:solidFill>
@@ -4520,7 +5566,7 @@
                 <a:cs typeface="+mn-cs"/>
               </a:rPr>
               <a:pPr algn="l" rtl="0"/>
-              <a:t>3/12/2009</a:t>
+              <a:t>8/9/2009</a:t>
             </a:fld>
             <a:endParaRPr lang="en-US" sz="1200" kern="1200">
               <a:solidFill>
@@ -4853,7 +5899,7 @@
                 <a:cs typeface="+mn-cs"/>
               </a:rPr>
               <a:pPr algn="l" rtl="0"/>
-              <a:t>3/12/2009</a:t>
+              <a:t>8/9/2009</a:t>
             </a:fld>
             <a:endParaRPr lang="en-US" sz="1200" kern="1200">
               <a:solidFill>
@@ -5320,7 +6366,7 @@
                 <a:cs typeface="+mn-cs"/>
               </a:rPr>
               <a:pPr algn="l" rtl="0"/>
-              <a:t>3/12/2009</a:t>
+              <a:t>8/9/2009</a:t>
             </a:fld>
             <a:endParaRPr lang="en-US" sz="1200" kern="1200">
               <a:solidFill>
@@ -5483,7 +6529,7 @@
                 <a:cs typeface="+mn-cs"/>
               </a:rPr>
               <a:pPr algn="l" rtl="0"/>
-              <a:t>3/12/2009</a:t>
+              <a:t>8/9/2009</a:t>
             </a:fld>
             <a:endParaRPr lang="en-US" sz="1200" kern="1200">
               <a:solidFill>
@@ -5623,7 +6669,7 @@
                 <a:cs typeface="+mn-cs"/>
               </a:rPr>
               <a:pPr algn="l" rtl="0"/>
-              <a:t>3/12/2009</a:t>
+              <a:t>8/9/2009</a:t>
             </a:fld>
             <a:endParaRPr lang="en-US" sz="1200" kern="1200">
               <a:solidFill>
@@ -5904,7 +6950,7 @@
             <a:fld id="{3541C51D-28AE-4E03-B530-D8520D9050CD}" type="datetimeFigureOut">
               <a:rPr lang="en-US" smtClean="0"/>
               <a:pPr/>
-              <a:t>3/12/2009</a:t>
+              <a:t>8/9/2009</a:t>
             </a:fld>
             <a:endParaRPr lang="en-US"/>
           </a:p>
@@ -6188,7 +7234,7 @@
                 <a:cs typeface="+mn-cs"/>
               </a:rPr>
               <a:pPr algn="l" rtl="0"/>
-              <a:t>3/12/2009</a:t>
+              <a:t>8/9/2009</a:t>
             </a:fld>
             <a:endParaRPr lang="en-US" sz="1200" kern="1200">
               <a:solidFill>
@@ -6486,7 +7532,7 @@
                 <a:cs typeface="+mn-cs"/>
               </a:rPr>
               <a:pPr algn="l" rtl="0"/>
-              <a:t>3/12/2009</a:t>
+              <a:t>8/9/2009</a:t>
             </a:fld>
             <a:endParaRPr lang="en-US" sz="1200" kern="1200">
               <a:solidFill>
@@ -6701,7 +7747,7 @@
                 <a:cs typeface="+mn-cs"/>
               </a:rPr>
               <a:pPr algn="l" rtl="0"/>
-              <a:t>3/12/2009</a:t>
+              <a:t>8/9/2009</a:t>
             </a:fld>
             <a:endParaRPr lang="en-US" sz="1200" kern="1200">
               <a:solidFill>
@@ -6926,7 +7972,7 @@
                 <a:cs typeface="+mn-cs"/>
               </a:rPr>
               <a:pPr algn="l" rtl="0"/>
-              <a:t>3/12/2009</a:t>
+              <a:t>8/9/2009</a:t>
             </a:fld>
             <a:endParaRPr lang="en-US" sz="1200" kern="1200">
               <a:solidFill>
@@ -7213,7 +8259,7 @@
                 <a:cs typeface="+mn-cs"/>
               </a:rPr>
               <a:pPr algn="l" rtl="0"/>
-              <a:t>3/12/2009</a:t>
+              <a:t>8/9/2009</a:t>
             </a:fld>
             <a:endParaRPr lang="en-US" sz="1200" kern="1200">
               <a:solidFill>
@@ -7428,7 +8474,7 @@
                 <a:cs typeface="+mn-cs"/>
               </a:rPr>
               <a:pPr algn="l" rtl="0"/>
-              <a:t>3/12/2009</a:t>
+              <a:t>8/9/2009</a:t>
             </a:fld>
             <a:endParaRPr lang="en-US" sz="1200" kern="1200">
               <a:solidFill>
@@ -7719,7 +8765,7 @@
                 <a:cs typeface="+mn-cs"/>
               </a:rPr>
               <a:pPr algn="l" rtl="0"/>
-              <a:t>3/12/2009</a:t>
+              <a:t>8/9/2009</a:t>
             </a:fld>
             <a:endParaRPr lang="en-US" sz="1200" kern="1200">
               <a:solidFill>
@@ -8052,7 +9098,7 @@
                 <a:cs typeface="+mn-cs"/>
               </a:rPr>
               <a:pPr algn="l" rtl="0"/>
-              <a:t>3/12/2009</a:t>
+              <a:t>8/9/2009</a:t>
             </a:fld>
             <a:endParaRPr lang="en-US" sz="1200" kern="1200">
               <a:solidFill>
@@ -8519,7 +9565,7 @@
                 <a:cs typeface="+mn-cs"/>
               </a:rPr>
               <a:pPr algn="l" rtl="0"/>
-              <a:t>3/12/2009</a:t>
+              <a:t>8/9/2009</a:t>
             </a:fld>
             <a:endParaRPr lang="en-US" sz="1200" kern="1200">
               <a:solidFill>
@@ -8682,7 +9728,7 @@
                 <a:cs typeface="+mn-cs"/>
               </a:rPr>
               <a:pPr algn="l" rtl="0"/>
-              <a:t>3/12/2009</a:t>
+              <a:t>8/9/2009</a:t>
             </a:fld>
             <a:endParaRPr lang="en-US" sz="1200" kern="1200">
               <a:solidFill>
@@ -9005,7 +10051,7 @@
             <a:fld id="{3541C51D-28AE-4E03-B530-D8520D9050CD}" type="datetimeFigureOut">
               <a:rPr lang="en-US" smtClean="0"/>
               <a:pPr/>
-              <a:t>3/12/2009</a:t>
+              <a:t>8/9/2009</a:t>
             </a:fld>
             <a:endParaRPr lang="en-US"/>
           </a:p>
@@ -9107,7 +10153,7 @@
                 <a:cs typeface="+mn-cs"/>
               </a:rPr>
               <a:pPr algn="l" rtl="0"/>
-              <a:t>3/12/2009</a:t>
+              <a:t>8/9/2009</a:t>
             </a:fld>
             <a:endParaRPr lang="en-US" sz="1200" kern="1200">
               <a:solidFill>
@@ -9429,7 +10475,7 @@
                 <a:cs typeface="+mn-cs"/>
               </a:rPr>
               <a:pPr algn="l" rtl="0"/>
-              <a:t>3/12/2009</a:t>
+              <a:t>8/9/2009</a:t>
             </a:fld>
             <a:endParaRPr lang="en-US" sz="1200" kern="1200">
               <a:solidFill>
@@ -9727,7 +10773,7 @@
                 <a:cs typeface="+mn-cs"/>
               </a:rPr>
               <a:pPr algn="l" rtl="0"/>
-              <a:t>3/12/2009</a:t>
+              <a:t>8/9/2009</a:t>
             </a:fld>
             <a:endParaRPr lang="en-US" sz="1200" kern="1200">
               <a:solidFill>
@@ -9942,7 +10988,7 @@
                 <a:cs typeface="+mn-cs"/>
               </a:rPr>
               <a:pPr algn="l" rtl="0"/>
-              <a:t>3/12/2009</a:t>
+              <a:t>8/9/2009</a:t>
             </a:fld>
             <a:endParaRPr lang="en-US" sz="1200" kern="1200">
               <a:solidFill>
@@ -10167,7 +11213,7 @@
                 <a:cs typeface="+mn-cs"/>
               </a:rPr>
               <a:pPr algn="l" rtl="0"/>
-              <a:t>3/12/2009</a:t>
+              <a:t>8/9/2009</a:t>
             </a:fld>
             <a:endParaRPr lang="en-US" sz="1200" kern="1200">
               <a:solidFill>
@@ -10624,7 +11670,7 @@
             <a:fld id="{3541C51D-28AE-4E03-B530-D8520D9050CD}" type="datetimeFigureOut">
               <a:rPr lang="en-US" smtClean="0"/>
               <a:pPr/>
-              <a:t>3/12/2009</a:t>
+              <a:t>8/9/2009</a:t>
             </a:fld>
             <a:endParaRPr lang="en-US"/>
           </a:p>
@@ -10739,7 +11785,7 @@
             <a:fld id="{3541C51D-28AE-4E03-B530-D8520D9050CD}" type="datetimeFigureOut">
               <a:rPr lang="en-US" smtClean="0"/>
               <a:pPr/>
-              <a:t>3/12/2009</a:t>
+              <a:t>8/9/2009</a:t>
             </a:fld>
             <a:endParaRPr lang="en-US"/>
           </a:p>
@@ -10831,7 +11877,7 @@
             <a:fld id="{3541C51D-28AE-4E03-B530-D8520D9050CD}" type="datetimeFigureOut">
               <a:rPr lang="en-US" smtClean="0"/>
               <a:pPr/>
-              <a:t>3/12/2009</a:t>
+              <a:t>8/9/2009</a:t>
             </a:fld>
             <a:endParaRPr lang="en-US"/>
           </a:p>
@@ -11105,7 +12151,7 @@
             <a:fld id="{3541C51D-28AE-4E03-B530-D8520D9050CD}" type="datetimeFigureOut">
               <a:rPr lang="en-US" smtClean="0"/>
               <a:pPr/>
-              <a:t>3/12/2009</a:t>
+              <a:t>8/9/2009</a:t>
             </a:fld>
             <a:endParaRPr lang="en-US"/>
           </a:p>
@@ -11355,7 +12401,7 @@
             <a:fld id="{3541C51D-28AE-4E03-B530-D8520D9050CD}" type="datetimeFigureOut">
               <a:rPr lang="en-US" smtClean="0"/>
               <a:pPr/>
-              <a:t>3/12/2009</a:t>
+              <a:t>8/9/2009</a:t>
             </a:fld>
             <a:endParaRPr lang="en-US"/>
           </a:p>
@@ -11565,7 +12611,7 @@
             <a:fld id="{3541C51D-28AE-4E03-B530-D8520D9050CD}" type="datetimeFigureOut">
               <a:rPr lang="en-US" smtClean="0"/>
               <a:pPr/>
-              <a:t>3/12/2009</a:t>
+              <a:t>8/9/2009</a:t>
             </a:fld>
             <a:endParaRPr lang="en-US"/>
           </a:p>
@@ -12082,7 +13128,7 @@
                 <a:cs typeface="+mn-cs"/>
               </a:rPr>
               <a:pPr rtl="0"/>
-              <a:t>3/12/2009</a:t>
+              <a:t>8/9/2009</a:t>
             </a:fld>
             <a:endParaRPr lang="en-US" kern="1200">
               <a:solidFill>
@@ -12637,7 +13683,7 @@
                 <a:cs typeface="+mn-cs"/>
               </a:rPr>
               <a:pPr rtl="0"/>
-              <a:t>3/12/2009</a:t>
+              <a:t>8/9/2009</a:t>
             </a:fld>
             <a:endParaRPr lang="en-US" kern="1200">
               <a:solidFill>
@@ -13192,7 +14238,7 @@
                 <a:cs typeface="+mn-cs"/>
               </a:rPr>
               <a:pPr rtl="0"/>
-              <a:t>3/12/2009</a:t>
+              <a:t>8/9/2009</a:t>
             </a:fld>
             <a:endParaRPr lang="en-US" kern="1200">
               <a:solidFill>
@@ -13589,9 +14635,15 @@
   <p:cSld>
     <p:bg>
       <p:bgPr>
-        <a:solidFill>
-          <a:schemeClr val="tx1"/>
-        </a:solidFill>
+        <a:blipFill dpi="0" rotWithShape="1">
+          <a:blip r:embed="rId2" cstate="print">
+            <a:lum/>
+          </a:blip>
+          <a:srcRect/>
+          <a:stretch>
+            <a:fillRect/>
+          </a:stretch>
+        </a:blipFill>
         <a:effectLst/>
       </p:bgPr>
     </p:bg>
@@ -13611,13 +14663,59 @@
       </p:grpSpPr>
       <p:sp>
         <p:nvSpPr>
+          <p:cNvPr id="6" name="Rectangle 5"/>
+          <p:cNvSpPr/>
+          <p:nvPr/>
+        </p:nvSpPr>
+        <p:spPr>
+          <a:xfrm>
+            <a:off x="0" y="1295400"/>
+            <a:ext cx="9144000" cy="5562600"/>
+          </a:xfrm>
+          <a:prstGeom prst="rect">
+            <a:avLst/>
+          </a:prstGeom>
+          <a:solidFill>
+            <a:schemeClr val="tx1"/>
+          </a:solidFill>
+          <a:ln>
+            <a:noFill/>
+          </a:ln>
+        </p:spPr>
+        <p:style>
+          <a:lnRef idx="2">
+            <a:schemeClr val="accent1">
+              <a:shade val="50000"/>
+            </a:schemeClr>
+          </a:lnRef>
+          <a:fillRef idx="1">
+            <a:schemeClr val="accent1"/>
+          </a:fillRef>
+          <a:effectRef idx="0">
+            <a:schemeClr val="accent1"/>
+          </a:effectRef>
+          <a:fontRef idx="minor">
+            <a:schemeClr val="lt1"/>
+          </a:fontRef>
+        </p:style>
+        <p:txBody>
+          <a:bodyPr rtlCol="0" anchor="ctr"/>
+          <a:lstStyle/>
+          <a:p>
+            <a:pPr algn="ctr"/>
+            <a:endParaRPr lang="en-US"/>
+          </a:p>
+        </p:txBody>
+      </p:sp>
+      <p:sp>
+        <p:nvSpPr>
           <p:cNvPr id="4" name="Rectangle 3"/>
           <p:cNvSpPr/>
           <p:nvPr/>
         </p:nvSpPr>
         <p:spPr>
           <a:xfrm>
-            <a:off x="147295" y="457200"/>
+            <a:off x="147295" y="1542633"/>
             <a:ext cx="8849410" cy="2800767"/>
           </a:xfrm>
           <a:prstGeom prst="rect">
@@ -13779,8 +14877,8 @@
         </p:nvSpPr>
         <p:spPr>
           <a:xfrm>
-            <a:off x="1405909" y="4191000"/>
-            <a:ext cx="6332183" cy="2154436"/>
+            <a:off x="1405909" y="5325070"/>
+            <a:ext cx="6332182" cy="923330"/>
           </a:xfrm>
           <a:prstGeom prst="rect">
             <a:avLst/>
@@ -13819,13 +14917,10 @@
                   </a:innerShdw>
                 </a:effectLst>
               </a:rPr>
-              <a:t>Michael C. Neel MVP</a:t>
-            </a:r>
-          </a:p>
-          <a:p>
-            <a:pPr algn="ctr"/>
-            <a:r>
-              <a:rPr lang="en-US" sz="4000" b="1" spc="50" dirty="0">
+              <a:t>Michael C. Neel </a:t>
+            </a:r>
+            <a:r>
+              <a:rPr lang="en-US" sz="5400" b="1" cap="none" spc="50" dirty="0" smtClean="0">
                 <a:ln w="13500">
                   <a:solidFill>
                     <a:schemeClr val="accent1">
@@ -13849,66 +14944,9 @@
                   </a:innerShdw>
                 </a:effectLst>
               </a:rPr>
-              <a:t>m</a:t>
-            </a:r>
-            <a:r>
-              <a:rPr lang="en-US" sz="4000" b="1" spc="50" dirty="0" smtClean="0">
-                <a:ln w="13500">
-                  <a:solidFill>
-                    <a:schemeClr val="accent1">
-                      <a:shade val="2500"/>
-                      <a:alpha val="6500"/>
-                    </a:schemeClr>
-                  </a:solidFill>
-                  <a:prstDash val="solid"/>
-                </a:ln>
-                <a:solidFill>
-                  <a:schemeClr val="accent1">
-                    <a:tint val="3000"/>
-                    <a:alpha val="95000"/>
-                  </a:schemeClr>
-                </a:solidFill>
-                <a:effectLst>
-                  <a:innerShdw blurRad="50900" dist="38500" dir="13500000">
-                    <a:srgbClr val="000000">
-                      <a:alpha val="60000"/>
-                    </a:srgbClr>
-                  </a:innerShdw>
-                </a:effectLst>
-              </a:rPr>
-              <a:t>ichael.neel@gmail.com</a:t>
-            </a:r>
-          </a:p>
-          <a:p>
-            <a:pPr algn="ctr"/>
-            <a:r>
-              <a:rPr lang="en-US" sz="4000" b="1" cap="none" spc="50" dirty="0" smtClean="0">
-                <a:ln w="13500">
-                  <a:solidFill>
-                    <a:schemeClr val="accent1">
-                      <a:shade val="2500"/>
-                      <a:alpha val="6500"/>
-                    </a:schemeClr>
-                  </a:solidFill>
-                  <a:prstDash val="solid"/>
-                </a:ln>
-                <a:solidFill>
-                  <a:schemeClr val="accent1">
-                    <a:tint val="3000"/>
-                    <a:alpha val="95000"/>
-                  </a:schemeClr>
-                </a:solidFill>
-                <a:effectLst>
-                  <a:innerShdw blurRad="50900" dist="38500" dir="13500000">
-                    <a:srgbClr val="000000">
-                      <a:alpha val="60000"/>
-                    </a:srgbClr>
-                  </a:innerShdw>
-                </a:effectLst>
-              </a:rPr>
-              <a:t>http://www.vinull.com</a:t>
-            </a:r>
-            <a:endParaRPr lang="en-US" sz="4000" b="1" cap="none" spc="50" dirty="0">
+              <a:t>MVP</a:t>
+            </a:r>
+            <a:endParaRPr lang="en-US" sz="5400" b="1" cap="none" spc="50" dirty="0" smtClean="0">
               <a:ln w="13500">
                 <a:solidFill>
                   <a:schemeClr val="accent1">
@@ -13950,528 +14988,7 @@
 </p:sld>
 </file>
 
-<file path=ppt/slides/slide2.xml><?xml version="1.0" encoding="utf-8"?>
-<p:sld xmlns:a="http://schemas.openxmlformats.org/drawingml/2006/main" xmlns:r="http://schemas.openxmlformats.org/officeDocument/2006/relationships" xmlns:p="http://schemas.openxmlformats.org/presentationml/2006/main">
-  <p:cSld>
-    <p:spTree>
-      <p:nvGrpSpPr>
-        <p:cNvPr id="1" name=""/>
-        <p:cNvGrpSpPr/>
-        <p:nvPr/>
-      </p:nvGrpSpPr>
-      <p:grpSpPr>
-        <a:xfrm>
-          <a:off x="0" y="0"/>
-          <a:ext cx="0" cy="0"/>
-          <a:chOff x="0" y="0"/>
-          <a:chExt cx="0" cy="0"/>
-        </a:xfrm>
-      </p:grpSpPr>
-      <p:sp>
-        <p:nvSpPr>
-          <p:cNvPr id="2" name="Title 1"/>
-          <p:cNvSpPr>
-            <a:spLocks noGrp="1"/>
-          </p:cNvSpPr>
-          <p:nvPr>
-            <p:ph type="title"/>
-          </p:nvPr>
-        </p:nvSpPr>
-        <p:spPr>
-          <a:xfrm>
-            <a:off x="3505200" y="274638"/>
-            <a:ext cx="5181600" cy="1143000"/>
-          </a:xfrm>
-        </p:spPr>
-        <p:txBody>
-          <a:bodyPr/>
-          <a:lstStyle/>
-          <a:p>
-            <a:r>
-              <a:rPr lang="en-US" dirty="0" smtClean="0"/>
-              <a:t>June 26</a:t>
-            </a:r>
-            <a:r>
-              <a:rPr lang="en-US" baseline="30000" dirty="0" smtClean="0"/>
-              <a:t>th</a:t>
-            </a:r>
-            <a:r>
-              <a:rPr lang="en-US" dirty="0" smtClean="0"/>
-              <a:t> – 27</a:t>
-            </a:r>
-            <a:r>
-              <a:rPr lang="en-US" baseline="30000" dirty="0" smtClean="0"/>
-              <a:t>th</a:t>
-            </a:r>
-            <a:r>
-              <a:rPr lang="en-US" dirty="0" smtClean="0"/>
-              <a:t> 2009</a:t>
-            </a:r>
-            <a:endParaRPr lang="en-US" dirty="0"/>
-          </a:p>
-        </p:txBody>
-      </p:sp>
-      <p:pic>
-        <p:nvPicPr>
-          <p:cNvPr id="1028" name="Picture 4"/>
-          <p:cNvPicPr>
-            <a:picLocks noChangeAspect="1" noChangeArrowheads="1"/>
-          </p:cNvPicPr>
-          <p:nvPr/>
-        </p:nvPicPr>
-        <p:blipFill>
-          <a:blip r:embed="rId2"/>
-          <a:srcRect/>
-          <a:stretch>
-            <a:fillRect/>
-          </a:stretch>
-        </p:blipFill>
-        <p:spPr bwMode="auto">
-          <a:xfrm>
-            <a:off x="5791200" y="1524000"/>
-            <a:ext cx="3100594" cy="4908168"/>
-          </a:xfrm>
-          <a:prstGeom prst="rect">
-            <a:avLst/>
-          </a:prstGeom>
-          <a:noFill/>
-          <a:ln w="9525">
-            <a:noFill/>
-            <a:miter lim="800000"/>
-            <a:headEnd/>
-            <a:tailEnd/>
-          </a:ln>
-          <a:effectLst/>
-        </p:spPr>
-      </p:pic>
-      <p:pic>
-        <p:nvPicPr>
-          <p:cNvPr id="2050" name="Picture 2"/>
-          <p:cNvPicPr>
-            <a:picLocks noChangeAspect="1" noChangeArrowheads="1"/>
-          </p:cNvPicPr>
-          <p:nvPr/>
-        </p:nvPicPr>
-        <p:blipFill>
-          <a:blip r:embed="rId3"/>
-          <a:srcRect/>
-          <a:stretch>
-            <a:fillRect/>
-          </a:stretch>
-        </p:blipFill>
-        <p:spPr bwMode="auto">
-          <a:xfrm>
-            <a:off x="152400" y="152400"/>
-            <a:ext cx="3390900" cy="1803400"/>
-          </a:xfrm>
-          <a:prstGeom prst="rect">
-            <a:avLst/>
-          </a:prstGeom>
-          <a:noFill/>
-          <a:ln w="9525">
-            <a:noFill/>
-            <a:miter lim="800000"/>
-            <a:headEnd/>
-            <a:tailEnd/>
-          </a:ln>
-          <a:effectLst/>
-        </p:spPr>
-      </p:pic>
-      <p:sp>
-        <p:nvSpPr>
-          <p:cNvPr id="9" name="Content Placeholder 2"/>
-          <p:cNvSpPr txBox="1">
-            <a:spLocks/>
-          </p:cNvSpPr>
-          <p:nvPr/>
-        </p:nvSpPr>
-        <p:spPr>
-          <a:xfrm>
-            <a:off x="457200" y="1981200"/>
-            <a:ext cx="5715000" cy="4572000"/>
-          </a:xfrm>
-          <a:prstGeom prst="rect">
-            <a:avLst/>
-          </a:prstGeom>
-        </p:spPr>
-        <p:txBody>
-          <a:bodyPr vert="horz" lIns="91440" tIns="45720" rIns="91440" bIns="45720" rtlCol="0">
-            <a:normAutofit fontScale="92500"/>
-          </a:bodyPr>
-          <a:lstStyle/>
-          <a:p>
-            <a:pPr marL="342900" indent="-342900" algn="l" rtl="0">
-              <a:spcBef>
-                <a:spcPct val="20000"/>
-              </a:spcBef>
-              <a:buFont typeface="Arial" pitchFamily="34" charset="0"/>
-              <a:buChar char="•"/>
-              <a:defRPr/>
-            </a:pPr>
-            <a:r>
-              <a:rPr lang="en-US" sz="3200" kern="1200" dirty="0">
-                <a:solidFill>
-                  <a:prstClr val="white"/>
-                </a:solidFill>
-                <a:latin typeface="Calibri"/>
-                <a:ea typeface="+mn-ea"/>
-                <a:cs typeface="+mn-cs"/>
-              </a:rPr>
-              <a:t>Knoxville, TN</a:t>
-            </a:r>
-          </a:p>
-          <a:p>
-            <a:pPr marL="342900" indent="-342900" algn="l" rtl="0">
-              <a:spcBef>
-                <a:spcPct val="20000"/>
-              </a:spcBef>
-              <a:buFont typeface="Arial" pitchFamily="34" charset="0"/>
-              <a:buChar char="•"/>
-              <a:defRPr/>
-            </a:pPr>
-            <a:r>
-              <a:rPr lang="en-US" sz="3200" kern="1200" dirty="0">
-                <a:solidFill>
-                  <a:prstClr val="white"/>
-                </a:solidFill>
-                <a:latin typeface="Calibri"/>
-                <a:ea typeface="+mn-ea"/>
-                <a:cs typeface="+mn-cs"/>
-              </a:rPr>
-              <a:t>Regional Speakers / Open Spaces</a:t>
-            </a:r>
-          </a:p>
-          <a:p>
-            <a:pPr marL="342900" indent="-342900" algn="l" rtl="0">
-              <a:spcBef>
-                <a:spcPct val="20000"/>
-              </a:spcBef>
-              <a:buFont typeface="Arial" pitchFamily="34" charset="0"/>
-              <a:buChar char="•"/>
-              <a:defRPr/>
-            </a:pPr>
-            <a:r>
-              <a:rPr lang="en-US" sz="3200" kern="1200" dirty="0">
-                <a:solidFill>
-                  <a:prstClr val="white"/>
-                </a:solidFill>
-                <a:latin typeface="Calibri"/>
-                <a:ea typeface="+mn-ea"/>
-                <a:cs typeface="+mn-cs"/>
-              </a:rPr>
-              <a:t>.NET, Java, Ruby, </a:t>
-            </a:r>
-            <a:r>
-              <a:rPr lang="en-US" sz="3200" kern="1200" dirty="0" err="1">
-                <a:solidFill>
-                  <a:prstClr val="white"/>
-                </a:solidFill>
-                <a:latin typeface="Calibri"/>
-                <a:ea typeface="+mn-ea"/>
-                <a:cs typeface="+mn-cs"/>
-              </a:rPr>
-              <a:t>Erlang</a:t>
-            </a:r>
-            <a:r>
-              <a:rPr lang="en-US" sz="3200" kern="1200" dirty="0">
-                <a:solidFill>
-                  <a:prstClr val="white"/>
-                </a:solidFill>
-                <a:latin typeface="Calibri"/>
-                <a:ea typeface="+mn-ea"/>
-                <a:cs typeface="+mn-cs"/>
-              </a:rPr>
-              <a:t>, more</a:t>
-            </a:r>
-          </a:p>
-          <a:p>
-            <a:pPr marL="342900" indent="-342900" algn="l" rtl="0">
-              <a:spcBef>
-                <a:spcPct val="20000"/>
-              </a:spcBef>
-              <a:buFont typeface="Arial" pitchFamily="34" charset="0"/>
-              <a:buChar char="•"/>
-              <a:defRPr/>
-            </a:pPr>
-            <a:r>
-              <a:rPr lang="en-US" sz="3200" kern="1200" dirty="0">
-                <a:solidFill>
-                  <a:prstClr val="white"/>
-                </a:solidFill>
-                <a:latin typeface="Calibri"/>
-                <a:ea typeface="+mn-ea"/>
-                <a:cs typeface="+mn-cs"/>
-              </a:rPr>
-              <a:t>Call for speakers – March 31</a:t>
-            </a:r>
-          </a:p>
-          <a:p>
-            <a:pPr marL="742950" lvl="1" indent="-285750" algn="l" rtl="0">
-              <a:spcBef>
-                <a:spcPct val="20000"/>
-              </a:spcBef>
-              <a:buFont typeface="Arial" pitchFamily="34" charset="0"/>
-              <a:buChar char="–"/>
-              <a:defRPr/>
-            </a:pPr>
-            <a:r>
-              <a:rPr lang="en-US" sz="2800" kern="1200" dirty="0">
-                <a:solidFill>
-                  <a:prstClr val="white"/>
-                </a:solidFill>
-                <a:latin typeface="Calibri"/>
-                <a:ea typeface="+mn-ea"/>
-                <a:cs typeface="+mn-cs"/>
-              </a:rPr>
-              <a:t>3 &amp; 6 hour sessions on Friday</a:t>
-            </a:r>
-          </a:p>
-          <a:p>
-            <a:pPr marL="742950" lvl="1" indent="-285750" algn="l" rtl="0">
-              <a:spcBef>
-                <a:spcPct val="20000"/>
-              </a:spcBef>
-              <a:buFont typeface="Arial" pitchFamily="34" charset="0"/>
-              <a:buChar char="–"/>
-              <a:defRPr/>
-            </a:pPr>
-            <a:r>
-              <a:rPr lang="en-US" sz="2800" kern="1200" dirty="0">
-                <a:solidFill>
-                  <a:prstClr val="white"/>
-                </a:solidFill>
-                <a:latin typeface="Calibri"/>
-                <a:ea typeface="+mn-ea"/>
-                <a:cs typeface="+mn-cs"/>
-              </a:rPr>
-              <a:t>1 hour sessions on Saturday</a:t>
-            </a:r>
-          </a:p>
-          <a:p>
-            <a:pPr marL="342900" indent="-342900" algn="l" rtl="0">
-              <a:spcBef>
-                <a:spcPct val="20000"/>
-              </a:spcBef>
-              <a:buFont typeface="Arial" pitchFamily="34" charset="0"/>
-              <a:buChar char="•"/>
-              <a:defRPr/>
-            </a:pPr>
-            <a:r>
-              <a:rPr lang="en-US" sz="3200" kern="1200" dirty="0">
-                <a:solidFill>
-                  <a:prstClr val="white"/>
-                </a:solidFill>
-                <a:latin typeface="Calibri"/>
-                <a:ea typeface="+mn-ea"/>
-                <a:cs typeface="+mn-cs"/>
-              </a:rPr>
-              <a:t>http://CodeStock.org</a:t>
-            </a:r>
-          </a:p>
-          <a:p>
-            <a:pPr marL="342900" indent="-342900" algn="l" rtl="0">
-              <a:spcBef>
-                <a:spcPct val="20000"/>
-              </a:spcBef>
-              <a:buFont typeface="Arial" pitchFamily="34" charset="0"/>
-              <a:buChar char="•"/>
-              <a:defRPr/>
-            </a:pPr>
-            <a:r>
-              <a:rPr lang="en-US" sz="3200" kern="1200" dirty="0">
-                <a:solidFill>
-                  <a:prstClr val="white"/>
-                </a:solidFill>
-                <a:latin typeface="Calibri"/>
-                <a:ea typeface="+mn-ea"/>
-                <a:cs typeface="+mn-cs"/>
-              </a:rPr>
-              <a:t>http://twitter.com/CodeStock</a:t>
-            </a:r>
-          </a:p>
-          <a:p>
-            <a:pPr marL="342900" indent="-342900" algn="l" rtl="0">
-              <a:spcBef>
-                <a:spcPct val="20000"/>
-              </a:spcBef>
-              <a:buFont typeface="Arial" pitchFamily="34" charset="0"/>
-              <a:buChar char="•"/>
-              <a:defRPr/>
-            </a:pPr>
-            <a:endParaRPr lang="en-US" sz="3200" kern="1200" dirty="0">
-              <a:solidFill>
-                <a:prstClr val="white"/>
-              </a:solidFill>
-              <a:latin typeface="Calibri"/>
-              <a:ea typeface="+mn-ea"/>
-              <a:cs typeface="+mn-cs"/>
-            </a:endParaRPr>
-          </a:p>
-        </p:txBody>
-      </p:sp>
-    </p:spTree>
-  </p:cSld>
-  <p:clrMapOvr>
-    <a:masterClrMapping/>
-  </p:clrMapOvr>
-  <p:transition/>
-  <p:timing>
-    <p:tnLst>
-      <p:par>
-        <p:cTn id="1" dur="indefinite" restart="never" nodeType="tmRoot"/>
-      </p:par>
-    </p:tnLst>
-  </p:timing>
-</p:sld>
-</file>
-
-<file path=ppt/slides/slide3.xml><?xml version="1.0" encoding="utf-8"?>
-<p:sld xmlns:a="http://schemas.openxmlformats.org/drawingml/2006/main" xmlns:r="http://schemas.openxmlformats.org/officeDocument/2006/relationships" xmlns:p="http://schemas.openxmlformats.org/presentationml/2006/main">
-  <p:cSld>
-    <p:bg>
-      <p:bgPr>
-        <a:solidFill>
-          <a:schemeClr val="tx1"/>
-        </a:solidFill>
-        <a:effectLst/>
-      </p:bgPr>
-    </p:bg>
-    <p:spTree>
-      <p:nvGrpSpPr>
-        <p:cNvPr id="1" name=""/>
-        <p:cNvGrpSpPr/>
-        <p:nvPr/>
-      </p:nvGrpSpPr>
-      <p:grpSpPr>
-        <a:xfrm>
-          <a:off x="0" y="0"/>
-          <a:ext cx="0" cy="0"/>
-          <a:chOff x="0" y="0"/>
-          <a:chExt cx="0" cy="0"/>
-        </a:xfrm>
-      </p:grpSpPr>
-      <p:pic>
-        <p:nvPicPr>
-          <p:cNvPr id="1028" name="Picture 4"/>
-          <p:cNvPicPr>
-            <a:picLocks noChangeAspect="1" noChangeArrowheads="1"/>
-          </p:cNvPicPr>
-          <p:nvPr/>
-        </p:nvPicPr>
-        <p:blipFill>
-          <a:blip r:embed="rId2"/>
-          <a:srcRect/>
-          <a:stretch>
-            <a:fillRect/>
-          </a:stretch>
-        </p:blipFill>
-        <p:spPr bwMode="auto">
-          <a:xfrm>
-            <a:off x="783152" y="1295400"/>
-            <a:ext cx="7577697" cy="4267200"/>
-          </a:xfrm>
-          <a:prstGeom prst="rect">
-            <a:avLst/>
-          </a:prstGeom>
-          <a:noFill/>
-          <a:ln w="9525">
-            <a:noFill/>
-            <a:miter lim="800000"/>
-            <a:headEnd/>
-            <a:tailEnd/>
-          </a:ln>
-          <a:effectLst/>
-        </p:spPr>
-      </p:pic>
-    </p:spTree>
-  </p:cSld>
-  <p:clrMapOvr>
-    <a:masterClrMapping/>
-  </p:clrMapOvr>
-  <p:timing>
-    <p:tnLst>
-      <p:par>
-        <p:cTn id="1" dur="indefinite" restart="never" nodeType="tmRoot"/>
-      </p:par>
-    </p:tnLst>
-  </p:timing>
-</p:sld>
-</file>
-
-<file path=ppt/slides/slide4.xml><?xml version="1.0" encoding="utf-8"?>
-<p:sld xmlns:a="http://schemas.openxmlformats.org/drawingml/2006/main" xmlns:r="http://schemas.openxmlformats.org/officeDocument/2006/relationships" xmlns:p="http://schemas.openxmlformats.org/presentationml/2006/main">
-  <p:cSld>
-    <p:bg>
-      <p:bgPr>
-        <a:solidFill>
-          <a:schemeClr val="tx1"/>
-        </a:solidFill>
-        <a:effectLst/>
-      </p:bgPr>
-    </p:bg>
-    <p:spTree>
-      <p:nvGrpSpPr>
-        <p:cNvPr id="1" name=""/>
-        <p:cNvGrpSpPr/>
-        <p:nvPr/>
-      </p:nvGrpSpPr>
-      <p:grpSpPr>
-        <a:xfrm>
-          <a:off x="0" y="0"/>
-          <a:ext cx="0" cy="0"/>
-          <a:chOff x="0" y="0"/>
-          <a:chExt cx="0" cy="0"/>
-        </a:xfrm>
-      </p:grpSpPr>
-      <p:pic>
-        <p:nvPicPr>
-          <p:cNvPr id="2050" name="Picture 2"/>
-          <p:cNvPicPr>
-            <a:picLocks noChangeAspect="1" noChangeArrowheads="1"/>
-          </p:cNvPicPr>
-          <p:nvPr/>
-        </p:nvPicPr>
-        <p:blipFill>
-          <a:blip r:embed="rId2"/>
-          <a:srcRect/>
-          <a:stretch>
-            <a:fillRect/>
-          </a:stretch>
-        </p:blipFill>
-        <p:spPr bwMode="auto">
-          <a:xfrm>
-            <a:off x="480035" y="952500"/>
-            <a:ext cx="8183930" cy="4953000"/>
-          </a:xfrm>
-          <a:prstGeom prst="rect">
-            <a:avLst/>
-          </a:prstGeom>
-          <a:noFill/>
-          <a:ln w="9525">
-            <a:noFill/>
-            <a:miter lim="800000"/>
-            <a:headEnd/>
-            <a:tailEnd/>
-          </a:ln>
-          <a:effectLst/>
-        </p:spPr>
-      </p:pic>
-    </p:spTree>
-  </p:cSld>
-  <p:clrMapOvr>
-    <a:masterClrMapping/>
-  </p:clrMapOvr>
-  <p:timing>
-    <p:tnLst>
-      <p:par>
-        <p:cTn id="1" dur="indefinite" restart="never" nodeType="tmRoot"/>
-      </p:par>
-    </p:tnLst>
-  </p:timing>
-</p:sld>
-</file>
-
-<file path=ppt/slides/slide5.xml><?xml version="1.0" encoding="utf-8"?>
+<file path=ppt/slides/slide10.xml><?xml version="1.0" encoding="utf-8"?>
 <p:sld xmlns:a="http://schemas.openxmlformats.org/drawingml/2006/main" xmlns:r="http://schemas.openxmlformats.org/officeDocument/2006/relationships" xmlns:p="http://schemas.openxmlformats.org/presentationml/2006/main">
   <p:cSld>
     <p:bg>
@@ -14505,7 +15022,7 @@
           <p:nvPr/>
         </p:nvPicPr>
         <p:blipFill>
-          <a:blip r:embed="rId2"/>
+          <a:blip r:embed="rId2" cstate="print"/>
           <a:srcRect/>
           <a:stretch>
             <a:fillRect/>
@@ -14609,7 +15126,7 @@
 </p:sld>
 </file>
 
-<file path=ppt/slides/slide6.xml><?xml version="1.0" encoding="utf-8"?>
+<file path=ppt/slides/slide11.xml><?xml version="1.0" encoding="utf-8"?>
 <p:sld xmlns:a="http://schemas.openxmlformats.org/drawingml/2006/main" xmlns:r="http://schemas.openxmlformats.org/officeDocument/2006/relationships" xmlns:p="http://schemas.openxmlformats.org/presentationml/2006/main">
   <p:cSld>
     <p:spTree>
@@ -14635,7 +15152,7 @@
           <p:nvPr/>
         </p:nvPicPr>
         <p:blipFill>
-          <a:blip r:embed="rId2"/>
+          <a:blip r:embed="rId2" cstate="print"/>
           <a:srcRect/>
           <a:stretch>
             <a:fillRect/>
@@ -14853,7 +15370,7 @@
 </p:sld>
 </file>
 
-<file path=ppt/slides/slide7.xml><?xml version="1.0" encoding="utf-8"?>
+<file path=ppt/slides/slide12.xml><?xml version="1.0" encoding="utf-8"?>
 <p:sld xmlns:a="http://schemas.openxmlformats.org/drawingml/2006/main" xmlns:r="http://schemas.openxmlformats.org/officeDocument/2006/relationships" xmlns:p="http://schemas.openxmlformats.org/presentationml/2006/main">
   <p:cSld>
     <p:spTree>
@@ -14872,14 +15389,2822 @@
       </p:grpSpPr>
       <p:sp>
         <p:nvSpPr>
-          <p:cNvPr id="6" name="Rectangle 5"/>
-          <p:cNvSpPr/>
-          <p:nvPr/>
+          <p:cNvPr id="2" name="Title 1"/>
+          <p:cNvSpPr>
+            <a:spLocks noGrp="1"/>
+          </p:cNvSpPr>
+          <p:nvPr>
+            <p:ph type="title"/>
+          </p:nvPr>
         </p:nvSpPr>
         <p:spPr>
           <a:xfrm>
-            <a:off x="228600" y="381000"/>
-            <a:ext cx="4618893" cy="923330"/>
+            <a:off x="457200" y="0"/>
+            <a:ext cx="8229600" cy="1143000"/>
+          </a:xfrm>
+        </p:spPr>
+        <p:txBody>
+          <a:bodyPr/>
+          <a:lstStyle/>
+          <a:p>
+            <a:pPr algn="l"/>
+            <a:r>
+              <a:rPr lang="en-US" dirty="0" err="1" smtClean="0"/>
+              <a:t>Lucene</a:t>
+            </a:r>
+            <a:r>
+              <a:rPr lang="en-US" dirty="0" smtClean="0"/>
+              <a:t> Search Examples</a:t>
+            </a:r>
+            <a:endParaRPr lang="en-US" dirty="0"/>
+          </a:p>
+        </p:txBody>
+      </p:sp>
+      <p:sp>
+        <p:nvSpPr>
+          <p:cNvPr id="3" name="Content Placeholder 2"/>
+          <p:cNvSpPr>
+            <a:spLocks noGrp="1"/>
+          </p:cNvSpPr>
+          <p:nvPr>
+            <p:ph idx="1"/>
+          </p:nvPr>
+        </p:nvSpPr>
+        <p:spPr>
+          <a:xfrm>
+            <a:off x="457200" y="1295400"/>
+            <a:ext cx="8229600" cy="5105400"/>
+          </a:xfrm>
+        </p:spPr>
+        <p:txBody>
+          <a:bodyPr/>
+          <a:lstStyle/>
+          <a:p>
+            <a:r>
+              <a:rPr lang="en-US" dirty="0" smtClean="0"/>
+              <a:t>Red bike</a:t>
+            </a:r>
+          </a:p>
+          <a:p>
+            <a:r>
+              <a:rPr lang="en-US" dirty="0" smtClean="0"/>
+              <a:t>“Red bike”</a:t>
+            </a:r>
+          </a:p>
+          <a:p>
+            <a:r>
+              <a:rPr lang="en-US" dirty="0" smtClean="0"/>
+              <a:t>Red OR Blue bike </a:t>
+            </a:r>
+            <a:r>
+              <a:rPr lang="en-US" i="1" dirty="0" smtClean="0"/>
+              <a:t>(also AND)</a:t>
+            </a:r>
+            <a:endParaRPr lang="en-US" dirty="0" smtClean="0"/>
+          </a:p>
+          <a:p>
+            <a:r>
+              <a:rPr lang="en-US" dirty="0" smtClean="0"/>
+              <a:t>(red OR blue) bike</a:t>
+            </a:r>
+          </a:p>
+          <a:p>
+            <a:r>
+              <a:rPr lang="en-US" dirty="0" smtClean="0"/>
+              <a:t>Red -blue bike </a:t>
+            </a:r>
+            <a:r>
+              <a:rPr lang="en-US" i="1" dirty="0" smtClean="0"/>
+              <a:t>(also NOT, !)</a:t>
+            </a:r>
+          </a:p>
+          <a:p>
+            <a:r>
+              <a:rPr lang="en-US" dirty="0" smtClean="0"/>
+              <a:t>Red +bike</a:t>
+            </a:r>
+          </a:p>
+          <a:p>
+            <a:r>
+              <a:rPr lang="en-US" dirty="0" smtClean="0"/>
+              <a:t>color: red product: bike</a:t>
+            </a:r>
+          </a:p>
+        </p:txBody>
+      </p:sp>
+    </p:spTree>
+  </p:cSld>
+  <p:clrMapOvr>
+    <a:masterClrMapping/>
+  </p:clrMapOvr>
+  <p:timing>
+    <p:tnLst>
+      <p:par>
+        <p:cTn id="1" dur="indefinite" restart="never" nodeType="tmRoot">
+          <p:childTnLst>
+            <p:seq concurrent="1" nextAc="seek">
+              <p:cTn id="2" dur="indefinite" nodeType="mainSeq">
+                <p:childTnLst>
+                  <p:par>
+                    <p:cTn id="3" fill="hold">
+                      <p:stCondLst>
+                        <p:cond delay="indefinite"/>
+                      </p:stCondLst>
+                      <p:childTnLst>
+                        <p:par>
+                          <p:cTn id="4" fill="hold">
+                            <p:stCondLst>
+                              <p:cond delay="0"/>
+                            </p:stCondLst>
+                            <p:childTnLst>
+                              <p:par>
+                                <p:cTn id="5" presetID="1" presetClass="entr" presetSubtype="0" fill="hold" grpId="0" nodeType="clickEffect">
+                                  <p:stCondLst>
+                                    <p:cond delay="0"/>
+                                  </p:stCondLst>
+                                  <p:childTnLst>
+                                    <p:set>
+                                      <p:cBhvr>
+                                        <p:cTn id="6" dur="1" fill="hold">
+                                          <p:stCondLst>
+                                            <p:cond delay="0"/>
+                                          </p:stCondLst>
+                                        </p:cTn>
+                                        <p:tgtEl>
+                                          <p:spTgt spid="3">
+                                            <p:txEl>
+                                              <p:pRg st="0" end="0"/>
+                                            </p:txEl>
+                                          </p:spTgt>
+                                        </p:tgtEl>
+                                        <p:attrNameLst>
+                                          <p:attrName>style.visibility</p:attrName>
+                                        </p:attrNameLst>
+                                      </p:cBhvr>
+                                      <p:to>
+                                        <p:strVal val="visible"/>
+                                      </p:to>
+                                    </p:set>
+                                  </p:childTnLst>
+                                </p:cTn>
+                              </p:par>
+                            </p:childTnLst>
+                          </p:cTn>
+                        </p:par>
+                      </p:childTnLst>
+                    </p:cTn>
+                  </p:par>
+                  <p:par>
+                    <p:cTn id="7" fill="hold">
+                      <p:stCondLst>
+                        <p:cond delay="indefinite"/>
+                      </p:stCondLst>
+                      <p:childTnLst>
+                        <p:par>
+                          <p:cTn id="8" fill="hold">
+                            <p:stCondLst>
+                              <p:cond delay="0"/>
+                            </p:stCondLst>
+                            <p:childTnLst>
+                              <p:par>
+                                <p:cTn id="9" presetID="1" presetClass="entr" presetSubtype="0" fill="hold" grpId="0" nodeType="clickEffect">
+                                  <p:stCondLst>
+                                    <p:cond delay="0"/>
+                                  </p:stCondLst>
+                                  <p:childTnLst>
+                                    <p:set>
+                                      <p:cBhvr>
+                                        <p:cTn id="10" dur="1" fill="hold">
+                                          <p:stCondLst>
+                                            <p:cond delay="0"/>
+                                          </p:stCondLst>
+                                        </p:cTn>
+                                        <p:tgtEl>
+                                          <p:spTgt spid="3">
+                                            <p:txEl>
+                                              <p:pRg st="1" end="1"/>
+                                            </p:txEl>
+                                          </p:spTgt>
+                                        </p:tgtEl>
+                                        <p:attrNameLst>
+                                          <p:attrName>style.visibility</p:attrName>
+                                        </p:attrNameLst>
+                                      </p:cBhvr>
+                                      <p:to>
+                                        <p:strVal val="visible"/>
+                                      </p:to>
+                                    </p:set>
+                                  </p:childTnLst>
+                                </p:cTn>
+                              </p:par>
+                            </p:childTnLst>
+                          </p:cTn>
+                        </p:par>
+                      </p:childTnLst>
+                    </p:cTn>
+                  </p:par>
+                  <p:par>
+                    <p:cTn id="11" fill="hold">
+                      <p:stCondLst>
+                        <p:cond delay="indefinite"/>
+                      </p:stCondLst>
+                      <p:childTnLst>
+                        <p:par>
+                          <p:cTn id="12" fill="hold">
+                            <p:stCondLst>
+                              <p:cond delay="0"/>
+                            </p:stCondLst>
+                            <p:childTnLst>
+                              <p:par>
+                                <p:cTn id="13" presetID="1" presetClass="entr" presetSubtype="0" fill="hold" grpId="0" nodeType="clickEffect">
+                                  <p:stCondLst>
+                                    <p:cond delay="0"/>
+                                  </p:stCondLst>
+                                  <p:childTnLst>
+                                    <p:set>
+                                      <p:cBhvr>
+                                        <p:cTn id="14" dur="1" fill="hold">
+                                          <p:stCondLst>
+                                            <p:cond delay="0"/>
+                                          </p:stCondLst>
+                                        </p:cTn>
+                                        <p:tgtEl>
+                                          <p:spTgt spid="3">
+                                            <p:txEl>
+                                              <p:pRg st="2" end="2"/>
+                                            </p:txEl>
+                                          </p:spTgt>
+                                        </p:tgtEl>
+                                        <p:attrNameLst>
+                                          <p:attrName>style.visibility</p:attrName>
+                                        </p:attrNameLst>
+                                      </p:cBhvr>
+                                      <p:to>
+                                        <p:strVal val="visible"/>
+                                      </p:to>
+                                    </p:set>
+                                  </p:childTnLst>
+                                </p:cTn>
+                              </p:par>
+                            </p:childTnLst>
+                          </p:cTn>
+                        </p:par>
+                      </p:childTnLst>
+                    </p:cTn>
+                  </p:par>
+                  <p:par>
+                    <p:cTn id="15" fill="hold">
+                      <p:stCondLst>
+                        <p:cond delay="indefinite"/>
+                      </p:stCondLst>
+                      <p:childTnLst>
+                        <p:par>
+                          <p:cTn id="16" fill="hold">
+                            <p:stCondLst>
+                              <p:cond delay="0"/>
+                            </p:stCondLst>
+                            <p:childTnLst>
+                              <p:par>
+                                <p:cTn id="17" presetID="1" presetClass="entr" presetSubtype="0" fill="hold" grpId="0" nodeType="clickEffect">
+                                  <p:stCondLst>
+                                    <p:cond delay="0"/>
+                                  </p:stCondLst>
+                                  <p:childTnLst>
+                                    <p:set>
+                                      <p:cBhvr>
+                                        <p:cTn id="18" dur="1" fill="hold">
+                                          <p:stCondLst>
+                                            <p:cond delay="0"/>
+                                          </p:stCondLst>
+                                        </p:cTn>
+                                        <p:tgtEl>
+                                          <p:spTgt spid="3">
+                                            <p:txEl>
+                                              <p:pRg st="3" end="3"/>
+                                            </p:txEl>
+                                          </p:spTgt>
+                                        </p:tgtEl>
+                                        <p:attrNameLst>
+                                          <p:attrName>style.visibility</p:attrName>
+                                        </p:attrNameLst>
+                                      </p:cBhvr>
+                                      <p:to>
+                                        <p:strVal val="visible"/>
+                                      </p:to>
+                                    </p:set>
+                                  </p:childTnLst>
+                                </p:cTn>
+                              </p:par>
+                            </p:childTnLst>
+                          </p:cTn>
+                        </p:par>
+                      </p:childTnLst>
+                    </p:cTn>
+                  </p:par>
+                  <p:par>
+                    <p:cTn id="19" fill="hold">
+                      <p:stCondLst>
+                        <p:cond delay="indefinite"/>
+                      </p:stCondLst>
+                      <p:childTnLst>
+                        <p:par>
+                          <p:cTn id="20" fill="hold">
+                            <p:stCondLst>
+                              <p:cond delay="0"/>
+                            </p:stCondLst>
+                            <p:childTnLst>
+                              <p:par>
+                                <p:cTn id="21" presetID="1" presetClass="entr" presetSubtype="0" fill="hold" grpId="0" nodeType="clickEffect">
+                                  <p:stCondLst>
+                                    <p:cond delay="0"/>
+                                  </p:stCondLst>
+                                  <p:childTnLst>
+                                    <p:set>
+                                      <p:cBhvr>
+                                        <p:cTn id="22" dur="1" fill="hold">
+                                          <p:stCondLst>
+                                            <p:cond delay="0"/>
+                                          </p:stCondLst>
+                                        </p:cTn>
+                                        <p:tgtEl>
+                                          <p:spTgt spid="3">
+                                            <p:txEl>
+                                              <p:pRg st="4" end="4"/>
+                                            </p:txEl>
+                                          </p:spTgt>
+                                        </p:tgtEl>
+                                        <p:attrNameLst>
+                                          <p:attrName>style.visibility</p:attrName>
+                                        </p:attrNameLst>
+                                      </p:cBhvr>
+                                      <p:to>
+                                        <p:strVal val="visible"/>
+                                      </p:to>
+                                    </p:set>
+                                  </p:childTnLst>
+                                </p:cTn>
+                              </p:par>
+                            </p:childTnLst>
+                          </p:cTn>
+                        </p:par>
+                      </p:childTnLst>
+                    </p:cTn>
+                  </p:par>
+                  <p:par>
+                    <p:cTn id="23" fill="hold">
+                      <p:stCondLst>
+                        <p:cond delay="indefinite"/>
+                      </p:stCondLst>
+                      <p:childTnLst>
+                        <p:par>
+                          <p:cTn id="24" fill="hold">
+                            <p:stCondLst>
+                              <p:cond delay="0"/>
+                            </p:stCondLst>
+                            <p:childTnLst>
+                              <p:par>
+                                <p:cTn id="25" presetID="1" presetClass="entr" presetSubtype="0" fill="hold" grpId="0" nodeType="clickEffect">
+                                  <p:stCondLst>
+                                    <p:cond delay="0"/>
+                                  </p:stCondLst>
+                                  <p:childTnLst>
+                                    <p:set>
+                                      <p:cBhvr>
+                                        <p:cTn id="26" dur="1" fill="hold">
+                                          <p:stCondLst>
+                                            <p:cond delay="0"/>
+                                          </p:stCondLst>
+                                        </p:cTn>
+                                        <p:tgtEl>
+                                          <p:spTgt spid="3">
+                                            <p:txEl>
+                                              <p:pRg st="5" end="5"/>
+                                            </p:txEl>
+                                          </p:spTgt>
+                                        </p:tgtEl>
+                                        <p:attrNameLst>
+                                          <p:attrName>style.visibility</p:attrName>
+                                        </p:attrNameLst>
+                                      </p:cBhvr>
+                                      <p:to>
+                                        <p:strVal val="visible"/>
+                                      </p:to>
+                                    </p:set>
+                                  </p:childTnLst>
+                                </p:cTn>
+                              </p:par>
+                            </p:childTnLst>
+                          </p:cTn>
+                        </p:par>
+                      </p:childTnLst>
+                    </p:cTn>
+                  </p:par>
+                  <p:par>
+                    <p:cTn id="27" fill="hold">
+                      <p:stCondLst>
+                        <p:cond delay="indefinite"/>
+                      </p:stCondLst>
+                      <p:childTnLst>
+                        <p:par>
+                          <p:cTn id="28" fill="hold">
+                            <p:stCondLst>
+                              <p:cond delay="0"/>
+                            </p:stCondLst>
+                            <p:childTnLst>
+                              <p:par>
+                                <p:cTn id="29" presetID="1" presetClass="entr" presetSubtype="0" fill="hold" grpId="0" nodeType="clickEffect">
+                                  <p:stCondLst>
+                                    <p:cond delay="0"/>
+                                  </p:stCondLst>
+                                  <p:childTnLst>
+                                    <p:set>
+                                      <p:cBhvr>
+                                        <p:cTn id="30" dur="1" fill="hold">
+                                          <p:stCondLst>
+                                            <p:cond delay="0"/>
+                                          </p:stCondLst>
+                                        </p:cTn>
+                                        <p:tgtEl>
+                                          <p:spTgt spid="3">
+                                            <p:txEl>
+                                              <p:pRg st="6" end="6"/>
+                                            </p:txEl>
+                                          </p:spTgt>
+                                        </p:tgtEl>
+                                        <p:attrNameLst>
+                                          <p:attrName>style.visibility</p:attrName>
+                                        </p:attrNameLst>
+                                      </p:cBhvr>
+                                      <p:to>
+                                        <p:strVal val="visible"/>
+                                      </p:to>
+                                    </p:set>
+                                  </p:childTnLst>
+                                </p:cTn>
+                              </p:par>
+                            </p:childTnLst>
+                          </p:cTn>
+                        </p:par>
+                      </p:childTnLst>
+                    </p:cTn>
+                  </p:par>
+                </p:childTnLst>
+              </p:cTn>
+              <p:prevCondLst>
+                <p:cond evt="onPrev" delay="0">
+                  <p:tgtEl>
+                    <p:sldTgt/>
+                  </p:tgtEl>
+                </p:cond>
+              </p:prevCondLst>
+              <p:nextCondLst>
+                <p:cond evt="onNext" delay="0">
+                  <p:tgtEl>
+                    <p:sldTgt/>
+                  </p:tgtEl>
+                </p:cond>
+              </p:nextCondLst>
+            </p:seq>
+          </p:childTnLst>
+        </p:cTn>
+      </p:par>
+    </p:tnLst>
+    <p:bldLst>
+      <p:bldP spid="3" grpId="0" build="p"/>
+    </p:bldLst>
+  </p:timing>
+</p:sld>
+</file>
+
+<file path=ppt/slides/slide13.xml><?xml version="1.0" encoding="utf-8"?>
+<p:sld xmlns:a="http://schemas.openxmlformats.org/drawingml/2006/main" xmlns:r="http://schemas.openxmlformats.org/officeDocument/2006/relationships" xmlns:p="http://schemas.openxmlformats.org/presentationml/2006/main">
+  <p:cSld>
+    <p:spTree>
+      <p:nvGrpSpPr>
+        <p:cNvPr id="1" name=""/>
+        <p:cNvGrpSpPr/>
+        <p:nvPr/>
+      </p:nvGrpSpPr>
+      <p:grpSpPr>
+        <a:xfrm>
+          <a:off x="0" y="0"/>
+          <a:ext cx="0" cy="0"/>
+          <a:chOff x="0" y="0"/>
+          <a:chExt cx="0" cy="0"/>
+        </a:xfrm>
+      </p:grpSpPr>
+      <p:sp>
+        <p:nvSpPr>
+          <p:cNvPr id="2" name="Title 1"/>
+          <p:cNvSpPr>
+            <a:spLocks noGrp="1"/>
+          </p:cNvSpPr>
+          <p:nvPr>
+            <p:ph type="title"/>
+          </p:nvPr>
+        </p:nvSpPr>
+        <p:spPr>
+          <a:xfrm>
+            <a:off x="457200" y="0"/>
+            <a:ext cx="8229600" cy="1143000"/>
+          </a:xfrm>
+        </p:spPr>
+        <p:txBody>
+          <a:bodyPr/>
+          <a:lstStyle/>
+          <a:p>
+            <a:pPr algn="l"/>
+            <a:r>
+              <a:rPr lang="en-US" dirty="0" err="1" smtClean="0"/>
+              <a:t>Lucene</a:t>
+            </a:r>
+            <a:r>
+              <a:rPr lang="en-US" dirty="0" smtClean="0"/>
+              <a:t> </a:t>
+            </a:r>
+            <a:r>
+              <a:rPr lang="en-US" dirty="0" smtClean="0"/>
+              <a:t>Advanced Search </a:t>
+            </a:r>
+            <a:r>
+              <a:rPr lang="en-US" dirty="0" smtClean="0"/>
+              <a:t>Examples</a:t>
+            </a:r>
+            <a:endParaRPr lang="en-US" dirty="0"/>
+          </a:p>
+        </p:txBody>
+      </p:sp>
+      <p:sp>
+        <p:nvSpPr>
+          <p:cNvPr id="3" name="Content Placeholder 2"/>
+          <p:cNvSpPr>
+            <a:spLocks noGrp="1"/>
+          </p:cNvSpPr>
+          <p:nvPr>
+            <p:ph idx="1"/>
+          </p:nvPr>
+        </p:nvSpPr>
+        <p:spPr>
+          <a:xfrm>
+            <a:off x="457200" y="1143000"/>
+            <a:ext cx="8229600" cy="5334000"/>
+          </a:xfrm>
+        </p:spPr>
+        <p:txBody>
+          <a:bodyPr>
+            <a:normAutofit fontScale="77500" lnSpcReduction="20000"/>
+          </a:bodyPr>
+          <a:lstStyle/>
+          <a:p>
+            <a:r>
+              <a:rPr lang="en-US" dirty="0" smtClean="0"/>
+              <a:t>Wildcard</a:t>
+            </a:r>
+          </a:p>
+          <a:p>
+            <a:pPr lvl="1"/>
+            <a:r>
+              <a:rPr lang="en-US" dirty="0" smtClean="0"/>
+              <a:t>Re*</a:t>
+            </a:r>
+          </a:p>
+          <a:p>
+            <a:pPr lvl="1"/>
+            <a:r>
+              <a:rPr lang="en-US" dirty="0" err="1" smtClean="0"/>
+              <a:t>Bl?e</a:t>
+            </a:r>
+            <a:endParaRPr lang="en-US" dirty="0" smtClean="0"/>
+          </a:p>
+          <a:p>
+            <a:r>
+              <a:rPr lang="en-US" dirty="0" smtClean="0"/>
+              <a:t>Fuzzy</a:t>
+            </a:r>
+          </a:p>
+          <a:p>
+            <a:pPr lvl="1"/>
+            <a:r>
+              <a:rPr lang="en-US" dirty="0" smtClean="0"/>
+              <a:t>Red~</a:t>
+            </a:r>
+          </a:p>
+          <a:p>
+            <a:pPr lvl="1"/>
+            <a:r>
+              <a:rPr lang="en-US" dirty="0" smtClean="0"/>
+              <a:t>Red~0.8</a:t>
+            </a:r>
+          </a:p>
+          <a:p>
+            <a:r>
+              <a:rPr lang="en-US" dirty="0" smtClean="0"/>
+              <a:t>Proximity</a:t>
+            </a:r>
+          </a:p>
+          <a:p>
+            <a:pPr lvl="1"/>
+            <a:r>
+              <a:rPr lang="en-US" dirty="0" smtClean="0"/>
+              <a:t>“red bike”~10</a:t>
+            </a:r>
+          </a:p>
+          <a:p>
+            <a:r>
+              <a:rPr lang="en-US" dirty="0" smtClean="0"/>
+              <a:t>Range</a:t>
+            </a:r>
+          </a:p>
+          <a:p>
+            <a:pPr lvl="1"/>
+            <a:r>
+              <a:rPr lang="en-US" dirty="0" err="1" smtClean="0"/>
+              <a:t>Pubdate</a:t>
+            </a:r>
+            <a:r>
+              <a:rPr lang="en-US" dirty="0" smtClean="0"/>
+              <a:t>: [20090501 TO 20090531]</a:t>
+            </a:r>
+          </a:p>
+          <a:p>
+            <a:pPr lvl="1"/>
+            <a:r>
+              <a:rPr lang="en-US" dirty="0" smtClean="0"/>
+              <a:t>Author: {McClure TO </a:t>
+            </a:r>
+            <a:r>
+              <a:rPr lang="en-US" dirty="0" err="1" smtClean="0"/>
+              <a:t>Petzold</a:t>
+            </a:r>
+            <a:r>
+              <a:rPr lang="en-US" dirty="0" smtClean="0"/>
+              <a:t>}</a:t>
+            </a:r>
+          </a:p>
+          <a:p>
+            <a:r>
+              <a:rPr lang="en-US" dirty="0" smtClean="0"/>
+              <a:t>Term Weight</a:t>
+            </a:r>
+          </a:p>
+          <a:p>
+            <a:pPr lvl="1"/>
+            <a:r>
+              <a:rPr lang="en-US" dirty="0" smtClean="0"/>
+              <a:t>Red Bike^4</a:t>
+            </a:r>
+          </a:p>
+          <a:p>
+            <a:pPr lvl="1"/>
+            <a:r>
+              <a:rPr lang="en-US" dirty="0" smtClean="0"/>
+              <a:t>Red^0.2 Bike</a:t>
+            </a:r>
+          </a:p>
+          <a:p>
+            <a:r>
+              <a:rPr lang="en-US" dirty="0" smtClean="0"/>
+              <a:t>Escaping - \</a:t>
+            </a:r>
+            <a:endParaRPr lang="en-US" dirty="0"/>
+          </a:p>
+        </p:txBody>
+      </p:sp>
+    </p:spTree>
+  </p:cSld>
+  <p:clrMapOvr>
+    <a:masterClrMapping/>
+  </p:clrMapOvr>
+  <p:timing>
+    <p:tnLst>
+      <p:par>
+        <p:cTn id="1" dur="indefinite" restart="never" nodeType="tmRoot">
+          <p:childTnLst>
+            <p:seq concurrent="1" nextAc="seek">
+              <p:cTn id="2" dur="indefinite" nodeType="mainSeq">
+                <p:childTnLst>
+                  <p:par>
+                    <p:cTn id="3" fill="hold">
+                      <p:stCondLst>
+                        <p:cond delay="indefinite"/>
+                      </p:stCondLst>
+                      <p:childTnLst>
+                        <p:par>
+                          <p:cTn id="4" fill="hold">
+                            <p:stCondLst>
+                              <p:cond delay="0"/>
+                            </p:stCondLst>
+                            <p:childTnLst>
+                              <p:par>
+                                <p:cTn id="5" presetID="1" presetClass="entr" presetSubtype="0" fill="hold" grpId="0" nodeType="clickEffect">
+                                  <p:stCondLst>
+                                    <p:cond delay="0"/>
+                                  </p:stCondLst>
+                                  <p:childTnLst>
+                                    <p:set>
+                                      <p:cBhvr>
+                                        <p:cTn id="6" dur="1" fill="hold">
+                                          <p:stCondLst>
+                                            <p:cond delay="0"/>
+                                          </p:stCondLst>
+                                        </p:cTn>
+                                        <p:tgtEl>
+                                          <p:spTgt spid="3">
+                                            <p:txEl>
+                                              <p:pRg st="0" end="0"/>
+                                            </p:txEl>
+                                          </p:spTgt>
+                                        </p:tgtEl>
+                                        <p:attrNameLst>
+                                          <p:attrName>style.visibility</p:attrName>
+                                        </p:attrNameLst>
+                                      </p:cBhvr>
+                                      <p:to>
+                                        <p:strVal val="visible"/>
+                                      </p:to>
+                                    </p:set>
+                                  </p:childTnLst>
+                                </p:cTn>
+                              </p:par>
+                              <p:par>
+                                <p:cTn id="7" presetID="1" presetClass="entr" presetSubtype="0" fill="hold" grpId="0" nodeType="withEffect">
+                                  <p:stCondLst>
+                                    <p:cond delay="0"/>
+                                  </p:stCondLst>
+                                  <p:childTnLst>
+                                    <p:set>
+                                      <p:cBhvr>
+                                        <p:cTn id="8" dur="1" fill="hold">
+                                          <p:stCondLst>
+                                            <p:cond delay="0"/>
+                                          </p:stCondLst>
+                                        </p:cTn>
+                                        <p:tgtEl>
+                                          <p:spTgt spid="3">
+                                            <p:txEl>
+                                              <p:pRg st="1" end="1"/>
+                                            </p:txEl>
+                                          </p:spTgt>
+                                        </p:tgtEl>
+                                        <p:attrNameLst>
+                                          <p:attrName>style.visibility</p:attrName>
+                                        </p:attrNameLst>
+                                      </p:cBhvr>
+                                      <p:to>
+                                        <p:strVal val="visible"/>
+                                      </p:to>
+                                    </p:set>
+                                  </p:childTnLst>
+                                </p:cTn>
+                              </p:par>
+                              <p:par>
+                                <p:cTn id="9" presetID="1" presetClass="entr" presetSubtype="0" fill="hold" grpId="0" nodeType="withEffect">
+                                  <p:stCondLst>
+                                    <p:cond delay="0"/>
+                                  </p:stCondLst>
+                                  <p:childTnLst>
+                                    <p:set>
+                                      <p:cBhvr>
+                                        <p:cTn id="10" dur="1" fill="hold">
+                                          <p:stCondLst>
+                                            <p:cond delay="0"/>
+                                          </p:stCondLst>
+                                        </p:cTn>
+                                        <p:tgtEl>
+                                          <p:spTgt spid="3">
+                                            <p:txEl>
+                                              <p:pRg st="2" end="2"/>
+                                            </p:txEl>
+                                          </p:spTgt>
+                                        </p:tgtEl>
+                                        <p:attrNameLst>
+                                          <p:attrName>style.visibility</p:attrName>
+                                        </p:attrNameLst>
+                                      </p:cBhvr>
+                                      <p:to>
+                                        <p:strVal val="visible"/>
+                                      </p:to>
+                                    </p:set>
+                                  </p:childTnLst>
+                                </p:cTn>
+                              </p:par>
+                            </p:childTnLst>
+                          </p:cTn>
+                        </p:par>
+                      </p:childTnLst>
+                    </p:cTn>
+                  </p:par>
+                  <p:par>
+                    <p:cTn id="11" fill="hold">
+                      <p:stCondLst>
+                        <p:cond delay="indefinite"/>
+                      </p:stCondLst>
+                      <p:childTnLst>
+                        <p:par>
+                          <p:cTn id="12" fill="hold">
+                            <p:stCondLst>
+                              <p:cond delay="0"/>
+                            </p:stCondLst>
+                            <p:childTnLst>
+                              <p:par>
+                                <p:cTn id="13" presetID="1" presetClass="entr" presetSubtype="0" fill="hold" grpId="0" nodeType="clickEffect">
+                                  <p:stCondLst>
+                                    <p:cond delay="0"/>
+                                  </p:stCondLst>
+                                  <p:childTnLst>
+                                    <p:set>
+                                      <p:cBhvr>
+                                        <p:cTn id="14" dur="1" fill="hold">
+                                          <p:stCondLst>
+                                            <p:cond delay="0"/>
+                                          </p:stCondLst>
+                                        </p:cTn>
+                                        <p:tgtEl>
+                                          <p:spTgt spid="3">
+                                            <p:txEl>
+                                              <p:pRg st="3" end="3"/>
+                                            </p:txEl>
+                                          </p:spTgt>
+                                        </p:tgtEl>
+                                        <p:attrNameLst>
+                                          <p:attrName>style.visibility</p:attrName>
+                                        </p:attrNameLst>
+                                      </p:cBhvr>
+                                      <p:to>
+                                        <p:strVal val="visible"/>
+                                      </p:to>
+                                    </p:set>
+                                  </p:childTnLst>
+                                </p:cTn>
+                              </p:par>
+                              <p:par>
+                                <p:cTn id="15" presetID="1" presetClass="entr" presetSubtype="0" fill="hold" grpId="0" nodeType="withEffect">
+                                  <p:stCondLst>
+                                    <p:cond delay="0"/>
+                                  </p:stCondLst>
+                                  <p:childTnLst>
+                                    <p:set>
+                                      <p:cBhvr>
+                                        <p:cTn id="16" dur="1" fill="hold">
+                                          <p:stCondLst>
+                                            <p:cond delay="0"/>
+                                          </p:stCondLst>
+                                        </p:cTn>
+                                        <p:tgtEl>
+                                          <p:spTgt spid="3">
+                                            <p:txEl>
+                                              <p:pRg st="4" end="4"/>
+                                            </p:txEl>
+                                          </p:spTgt>
+                                        </p:tgtEl>
+                                        <p:attrNameLst>
+                                          <p:attrName>style.visibility</p:attrName>
+                                        </p:attrNameLst>
+                                      </p:cBhvr>
+                                      <p:to>
+                                        <p:strVal val="visible"/>
+                                      </p:to>
+                                    </p:set>
+                                  </p:childTnLst>
+                                </p:cTn>
+                              </p:par>
+                              <p:par>
+                                <p:cTn id="17" presetID="1" presetClass="entr" presetSubtype="0" fill="hold" grpId="0" nodeType="withEffect">
+                                  <p:stCondLst>
+                                    <p:cond delay="0"/>
+                                  </p:stCondLst>
+                                  <p:childTnLst>
+                                    <p:set>
+                                      <p:cBhvr>
+                                        <p:cTn id="18" dur="1" fill="hold">
+                                          <p:stCondLst>
+                                            <p:cond delay="0"/>
+                                          </p:stCondLst>
+                                        </p:cTn>
+                                        <p:tgtEl>
+                                          <p:spTgt spid="3">
+                                            <p:txEl>
+                                              <p:pRg st="5" end="5"/>
+                                            </p:txEl>
+                                          </p:spTgt>
+                                        </p:tgtEl>
+                                        <p:attrNameLst>
+                                          <p:attrName>style.visibility</p:attrName>
+                                        </p:attrNameLst>
+                                      </p:cBhvr>
+                                      <p:to>
+                                        <p:strVal val="visible"/>
+                                      </p:to>
+                                    </p:set>
+                                  </p:childTnLst>
+                                </p:cTn>
+                              </p:par>
+                            </p:childTnLst>
+                          </p:cTn>
+                        </p:par>
+                      </p:childTnLst>
+                    </p:cTn>
+                  </p:par>
+                  <p:par>
+                    <p:cTn id="19" fill="hold">
+                      <p:stCondLst>
+                        <p:cond delay="indefinite"/>
+                      </p:stCondLst>
+                      <p:childTnLst>
+                        <p:par>
+                          <p:cTn id="20" fill="hold">
+                            <p:stCondLst>
+                              <p:cond delay="0"/>
+                            </p:stCondLst>
+                            <p:childTnLst>
+                              <p:par>
+                                <p:cTn id="21" presetID="1" presetClass="entr" presetSubtype="0" fill="hold" grpId="0" nodeType="clickEffect">
+                                  <p:stCondLst>
+                                    <p:cond delay="0"/>
+                                  </p:stCondLst>
+                                  <p:childTnLst>
+                                    <p:set>
+                                      <p:cBhvr>
+                                        <p:cTn id="22" dur="1" fill="hold">
+                                          <p:stCondLst>
+                                            <p:cond delay="0"/>
+                                          </p:stCondLst>
+                                        </p:cTn>
+                                        <p:tgtEl>
+                                          <p:spTgt spid="3">
+                                            <p:txEl>
+                                              <p:pRg st="6" end="6"/>
+                                            </p:txEl>
+                                          </p:spTgt>
+                                        </p:tgtEl>
+                                        <p:attrNameLst>
+                                          <p:attrName>style.visibility</p:attrName>
+                                        </p:attrNameLst>
+                                      </p:cBhvr>
+                                      <p:to>
+                                        <p:strVal val="visible"/>
+                                      </p:to>
+                                    </p:set>
+                                  </p:childTnLst>
+                                </p:cTn>
+                              </p:par>
+                              <p:par>
+                                <p:cTn id="23" presetID="1" presetClass="entr" presetSubtype="0" fill="hold" grpId="0" nodeType="withEffect">
+                                  <p:stCondLst>
+                                    <p:cond delay="0"/>
+                                  </p:stCondLst>
+                                  <p:childTnLst>
+                                    <p:set>
+                                      <p:cBhvr>
+                                        <p:cTn id="24" dur="1" fill="hold">
+                                          <p:stCondLst>
+                                            <p:cond delay="0"/>
+                                          </p:stCondLst>
+                                        </p:cTn>
+                                        <p:tgtEl>
+                                          <p:spTgt spid="3">
+                                            <p:txEl>
+                                              <p:pRg st="7" end="7"/>
+                                            </p:txEl>
+                                          </p:spTgt>
+                                        </p:tgtEl>
+                                        <p:attrNameLst>
+                                          <p:attrName>style.visibility</p:attrName>
+                                        </p:attrNameLst>
+                                      </p:cBhvr>
+                                      <p:to>
+                                        <p:strVal val="visible"/>
+                                      </p:to>
+                                    </p:set>
+                                  </p:childTnLst>
+                                </p:cTn>
+                              </p:par>
+                            </p:childTnLst>
+                          </p:cTn>
+                        </p:par>
+                      </p:childTnLst>
+                    </p:cTn>
+                  </p:par>
+                  <p:par>
+                    <p:cTn id="25" fill="hold">
+                      <p:stCondLst>
+                        <p:cond delay="indefinite"/>
+                      </p:stCondLst>
+                      <p:childTnLst>
+                        <p:par>
+                          <p:cTn id="26" fill="hold">
+                            <p:stCondLst>
+                              <p:cond delay="0"/>
+                            </p:stCondLst>
+                            <p:childTnLst>
+                              <p:par>
+                                <p:cTn id="27" presetID="1" presetClass="entr" presetSubtype="0" fill="hold" grpId="0" nodeType="clickEffect">
+                                  <p:stCondLst>
+                                    <p:cond delay="0"/>
+                                  </p:stCondLst>
+                                  <p:childTnLst>
+                                    <p:set>
+                                      <p:cBhvr>
+                                        <p:cTn id="28" dur="1" fill="hold">
+                                          <p:stCondLst>
+                                            <p:cond delay="0"/>
+                                          </p:stCondLst>
+                                        </p:cTn>
+                                        <p:tgtEl>
+                                          <p:spTgt spid="3">
+                                            <p:txEl>
+                                              <p:pRg st="8" end="8"/>
+                                            </p:txEl>
+                                          </p:spTgt>
+                                        </p:tgtEl>
+                                        <p:attrNameLst>
+                                          <p:attrName>style.visibility</p:attrName>
+                                        </p:attrNameLst>
+                                      </p:cBhvr>
+                                      <p:to>
+                                        <p:strVal val="visible"/>
+                                      </p:to>
+                                    </p:set>
+                                  </p:childTnLst>
+                                </p:cTn>
+                              </p:par>
+                              <p:par>
+                                <p:cTn id="29" presetID="1" presetClass="entr" presetSubtype="0" fill="hold" grpId="0" nodeType="withEffect">
+                                  <p:stCondLst>
+                                    <p:cond delay="0"/>
+                                  </p:stCondLst>
+                                  <p:childTnLst>
+                                    <p:set>
+                                      <p:cBhvr>
+                                        <p:cTn id="30" dur="1" fill="hold">
+                                          <p:stCondLst>
+                                            <p:cond delay="0"/>
+                                          </p:stCondLst>
+                                        </p:cTn>
+                                        <p:tgtEl>
+                                          <p:spTgt spid="3">
+                                            <p:txEl>
+                                              <p:pRg st="9" end="9"/>
+                                            </p:txEl>
+                                          </p:spTgt>
+                                        </p:tgtEl>
+                                        <p:attrNameLst>
+                                          <p:attrName>style.visibility</p:attrName>
+                                        </p:attrNameLst>
+                                      </p:cBhvr>
+                                      <p:to>
+                                        <p:strVal val="visible"/>
+                                      </p:to>
+                                    </p:set>
+                                  </p:childTnLst>
+                                </p:cTn>
+                              </p:par>
+                              <p:par>
+                                <p:cTn id="31" presetID="1" presetClass="entr" presetSubtype="0" fill="hold" grpId="0" nodeType="withEffect">
+                                  <p:stCondLst>
+                                    <p:cond delay="0"/>
+                                  </p:stCondLst>
+                                  <p:childTnLst>
+                                    <p:set>
+                                      <p:cBhvr>
+                                        <p:cTn id="32" dur="1" fill="hold">
+                                          <p:stCondLst>
+                                            <p:cond delay="0"/>
+                                          </p:stCondLst>
+                                        </p:cTn>
+                                        <p:tgtEl>
+                                          <p:spTgt spid="3">
+                                            <p:txEl>
+                                              <p:pRg st="10" end="10"/>
+                                            </p:txEl>
+                                          </p:spTgt>
+                                        </p:tgtEl>
+                                        <p:attrNameLst>
+                                          <p:attrName>style.visibility</p:attrName>
+                                        </p:attrNameLst>
+                                      </p:cBhvr>
+                                      <p:to>
+                                        <p:strVal val="visible"/>
+                                      </p:to>
+                                    </p:set>
+                                  </p:childTnLst>
+                                </p:cTn>
+                              </p:par>
+                            </p:childTnLst>
+                          </p:cTn>
+                        </p:par>
+                      </p:childTnLst>
+                    </p:cTn>
+                  </p:par>
+                  <p:par>
+                    <p:cTn id="33" fill="hold">
+                      <p:stCondLst>
+                        <p:cond delay="indefinite"/>
+                      </p:stCondLst>
+                      <p:childTnLst>
+                        <p:par>
+                          <p:cTn id="34" fill="hold">
+                            <p:stCondLst>
+                              <p:cond delay="0"/>
+                            </p:stCondLst>
+                            <p:childTnLst>
+                              <p:par>
+                                <p:cTn id="35" presetID="1" presetClass="entr" presetSubtype="0" fill="hold" grpId="0" nodeType="clickEffect">
+                                  <p:stCondLst>
+                                    <p:cond delay="0"/>
+                                  </p:stCondLst>
+                                  <p:childTnLst>
+                                    <p:set>
+                                      <p:cBhvr>
+                                        <p:cTn id="36" dur="1" fill="hold">
+                                          <p:stCondLst>
+                                            <p:cond delay="0"/>
+                                          </p:stCondLst>
+                                        </p:cTn>
+                                        <p:tgtEl>
+                                          <p:spTgt spid="3">
+                                            <p:txEl>
+                                              <p:pRg st="11" end="11"/>
+                                            </p:txEl>
+                                          </p:spTgt>
+                                        </p:tgtEl>
+                                        <p:attrNameLst>
+                                          <p:attrName>style.visibility</p:attrName>
+                                        </p:attrNameLst>
+                                      </p:cBhvr>
+                                      <p:to>
+                                        <p:strVal val="visible"/>
+                                      </p:to>
+                                    </p:set>
+                                  </p:childTnLst>
+                                </p:cTn>
+                              </p:par>
+                              <p:par>
+                                <p:cTn id="37" presetID="1" presetClass="entr" presetSubtype="0" fill="hold" grpId="0" nodeType="withEffect">
+                                  <p:stCondLst>
+                                    <p:cond delay="0"/>
+                                  </p:stCondLst>
+                                  <p:childTnLst>
+                                    <p:set>
+                                      <p:cBhvr>
+                                        <p:cTn id="38" dur="1" fill="hold">
+                                          <p:stCondLst>
+                                            <p:cond delay="0"/>
+                                          </p:stCondLst>
+                                        </p:cTn>
+                                        <p:tgtEl>
+                                          <p:spTgt spid="3">
+                                            <p:txEl>
+                                              <p:pRg st="12" end="12"/>
+                                            </p:txEl>
+                                          </p:spTgt>
+                                        </p:tgtEl>
+                                        <p:attrNameLst>
+                                          <p:attrName>style.visibility</p:attrName>
+                                        </p:attrNameLst>
+                                      </p:cBhvr>
+                                      <p:to>
+                                        <p:strVal val="visible"/>
+                                      </p:to>
+                                    </p:set>
+                                  </p:childTnLst>
+                                </p:cTn>
+                              </p:par>
+                              <p:par>
+                                <p:cTn id="39" presetID="1" presetClass="entr" presetSubtype="0" fill="hold" grpId="0" nodeType="withEffect">
+                                  <p:stCondLst>
+                                    <p:cond delay="0"/>
+                                  </p:stCondLst>
+                                  <p:childTnLst>
+                                    <p:set>
+                                      <p:cBhvr>
+                                        <p:cTn id="40" dur="1" fill="hold">
+                                          <p:stCondLst>
+                                            <p:cond delay="0"/>
+                                          </p:stCondLst>
+                                        </p:cTn>
+                                        <p:tgtEl>
+                                          <p:spTgt spid="3">
+                                            <p:txEl>
+                                              <p:pRg st="13" end="13"/>
+                                            </p:txEl>
+                                          </p:spTgt>
+                                        </p:tgtEl>
+                                        <p:attrNameLst>
+                                          <p:attrName>style.visibility</p:attrName>
+                                        </p:attrNameLst>
+                                      </p:cBhvr>
+                                      <p:to>
+                                        <p:strVal val="visible"/>
+                                      </p:to>
+                                    </p:set>
+                                  </p:childTnLst>
+                                </p:cTn>
+                              </p:par>
+                            </p:childTnLst>
+                          </p:cTn>
+                        </p:par>
+                      </p:childTnLst>
+                    </p:cTn>
+                  </p:par>
+                  <p:par>
+                    <p:cTn id="41" fill="hold">
+                      <p:stCondLst>
+                        <p:cond delay="indefinite"/>
+                      </p:stCondLst>
+                      <p:childTnLst>
+                        <p:par>
+                          <p:cTn id="42" fill="hold">
+                            <p:stCondLst>
+                              <p:cond delay="0"/>
+                            </p:stCondLst>
+                            <p:childTnLst>
+                              <p:par>
+                                <p:cTn id="43" presetID="1" presetClass="entr" presetSubtype="0" fill="hold" grpId="0" nodeType="clickEffect">
+                                  <p:stCondLst>
+                                    <p:cond delay="0"/>
+                                  </p:stCondLst>
+                                  <p:childTnLst>
+                                    <p:set>
+                                      <p:cBhvr>
+                                        <p:cTn id="44" dur="1" fill="hold">
+                                          <p:stCondLst>
+                                            <p:cond delay="0"/>
+                                          </p:stCondLst>
+                                        </p:cTn>
+                                        <p:tgtEl>
+                                          <p:spTgt spid="3">
+                                            <p:txEl>
+                                              <p:pRg st="14" end="14"/>
+                                            </p:txEl>
+                                          </p:spTgt>
+                                        </p:tgtEl>
+                                        <p:attrNameLst>
+                                          <p:attrName>style.visibility</p:attrName>
+                                        </p:attrNameLst>
+                                      </p:cBhvr>
+                                      <p:to>
+                                        <p:strVal val="visible"/>
+                                      </p:to>
+                                    </p:set>
+                                  </p:childTnLst>
+                                </p:cTn>
+                              </p:par>
+                            </p:childTnLst>
+                          </p:cTn>
+                        </p:par>
+                      </p:childTnLst>
+                    </p:cTn>
+                  </p:par>
+                </p:childTnLst>
+              </p:cTn>
+              <p:prevCondLst>
+                <p:cond evt="onPrev" delay="0">
+                  <p:tgtEl>
+                    <p:sldTgt/>
+                  </p:tgtEl>
+                </p:cond>
+              </p:prevCondLst>
+              <p:nextCondLst>
+                <p:cond evt="onNext" delay="0">
+                  <p:tgtEl>
+                    <p:sldTgt/>
+                  </p:tgtEl>
+                </p:cond>
+              </p:nextCondLst>
+            </p:seq>
+          </p:childTnLst>
+        </p:cTn>
+      </p:par>
+    </p:tnLst>
+    <p:bldLst>
+      <p:bldP spid="3" grpId="0" build="p"/>
+    </p:bldLst>
+  </p:timing>
+</p:sld>
+</file>
+
+<file path=ppt/slides/slide14.xml><?xml version="1.0" encoding="utf-8"?>
+<p:sld xmlns:a="http://schemas.openxmlformats.org/drawingml/2006/main" xmlns:r="http://schemas.openxmlformats.org/officeDocument/2006/relationships" xmlns:p="http://schemas.openxmlformats.org/presentationml/2006/main">
+  <p:cSld>
+    <p:spTree>
+      <p:nvGrpSpPr>
+        <p:cNvPr id="1" name=""/>
+        <p:cNvGrpSpPr/>
+        <p:nvPr/>
+      </p:nvGrpSpPr>
+      <p:grpSpPr>
+        <a:xfrm>
+          <a:off x="0" y="0"/>
+          <a:ext cx="0" cy="0"/>
+          <a:chOff x="0" y="0"/>
+          <a:chExt cx="0" cy="0"/>
+        </a:xfrm>
+      </p:grpSpPr>
+      <p:sp>
+        <p:nvSpPr>
+          <p:cNvPr id="2" name="Title 1"/>
+          <p:cNvSpPr>
+            <a:spLocks noGrp="1"/>
+          </p:cNvSpPr>
+          <p:nvPr>
+            <p:ph type="title"/>
+          </p:nvPr>
+        </p:nvSpPr>
+        <p:spPr/>
+        <p:txBody>
+          <a:bodyPr/>
+          <a:lstStyle/>
+          <a:p>
+            <a:r>
+              <a:rPr lang="en-US" dirty="0" err="1" smtClean="0"/>
+              <a:t>Lucene</a:t>
+            </a:r>
+            <a:r>
+              <a:rPr lang="en-US" dirty="0" smtClean="0"/>
+              <a:t> </a:t>
+            </a:r>
+            <a:r>
+              <a:rPr lang="en-US" dirty="0" err="1" smtClean="0"/>
+              <a:t>Gotchas</a:t>
+            </a:r>
+            <a:endParaRPr lang="en-US" dirty="0"/>
+          </a:p>
+        </p:txBody>
+      </p:sp>
+      <p:sp>
+        <p:nvSpPr>
+          <p:cNvPr id="3" name="Content Placeholder 2"/>
+          <p:cNvSpPr>
+            <a:spLocks noGrp="1"/>
+          </p:cNvSpPr>
+          <p:nvPr>
+            <p:ph idx="1"/>
+          </p:nvPr>
+        </p:nvSpPr>
+        <p:spPr/>
+        <p:txBody>
+          <a:bodyPr>
+            <a:normAutofit lnSpcReduction="10000"/>
+          </a:bodyPr>
+          <a:lstStyle/>
+          <a:p>
+            <a:r>
+              <a:rPr lang="en-US" dirty="0" err="1" smtClean="0"/>
+              <a:t>Lucene</a:t>
+            </a:r>
+            <a:r>
+              <a:rPr lang="en-US" dirty="0" smtClean="0"/>
+              <a:t> Only Searches TEXT!</a:t>
+            </a:r>
+          </a:p>
+          <a:p>
+            <a:pPr lvl="1"/>
+            <a:r>
+              <a:rPr lang="en-US" dirty="0" smtClean="0"/>
+              <a:t>Encode dates / numbers in a text format</a:t>
+            </a:r>
+          </a:p>
+          <a:p>
+            <a:pPr lvl="1"/>
+            <a:r>
+              <a:rPr lang="en-US" dirty="0" smtClean="0"/>
+              <a:t>May 31, 2009 : 20090531</a:t>
+            </a:r>
+          </a:p>
+          <a:p>
+            <a:pPr lvl="1"/>
+            <a:r>
+              <a:rPr lang="en-US" dirty="0" smtClean="0"/>
+              <a:t>99.95 : 00000099.95</a:t>
+            </a:r>
+          </a:p>
+          <a:p>
+            <a:r>
+              <a:rPr lang="en-US" dirty="0" err="1" smtClean="0"/>
+              <a:t>Lucene</a:t>
+            </a:r>
+            <a:r>
+              <a:rPr lang="en-US" dirty="0" smtClean="0"/>
+              <a:t> Index Writing is I/O intensive</a:t>
+            </a:r>
+          </a:p>
+          <a:p>
+            <a:pPr lvl="1"/>
+            <a:r>
+              <a:rPr lang="en-US" dirty="0" smtClean="0"/>
+              <a:t>Turn off OS level search</a:t>
+            </a:r>
+          </a:p>
+          <a:p>
+            <a:pPr lvl="1"/>
+            <a:r>
+              <a:rPr lang="en-US" dirty="0" smtClean="0"/>
+              <a:t>Turn off Virus scanners</a:t>
+            </a:r>
+          </a:p>
+          <a:p>
+            <a:r>
+              <a:rPr lang="en-US" dirty="0" err="1" smtClean="0"/>
+              <a:t>Lucene</a:t>
+            </a:r>
+            <a:r>
+              <a:rPr lang="en-US" dirty="0" smtClean="0"/>
+              <a:t> is a Search Engine, not a Database!</a:t>
+            </a:r>
+          </a:p>
+          <a:p>
+            <a:r>
+              <a:rPr lang="en-US" dirty="0" smtClean="0"/>
+              <a:t>You can sort with </a:t>
+            </a:r>
+            <a:r>
+              <a:rPr lang="en-US" dirty="0" err="1" smtClean="0"/>
+              <a:t>Lucene</a:t>
+            </a:r>
+            <a:r>
+              <a:rPr lang="en-US" dirty="0" smtClean="0"/>
+              <a:t> – but WHY?!?</a:t>
+            </a:r>
+            <a:endParaRPr lang="en-US" dirty="0"/>
+          </a:p>
+        </p:txBody>
+      </p:sp>
+    </p:spTree>
+  </p:cSld>
+  <p:clrMapOvr>
+    <a:masterClrMapping/>
+  </p:clrMapOvr>
+  <p:timing>
+    <p:tnLst>
+      <p:par>
+        <p:cTn id="1" dur="indefinite" restart="never" nodeType="tmRoot">
+          <p:childTnLst>
+            <p:seq concurrent="1" nextAc="seek">
+              <p:cTn id="2" dur="indefinite" nodeType="mainSeq">
+                <p:childTnLst>
+                  <p:par>
+                    <p:cTn id="3" fill="hold">
+                      <p:stCondLst>
+                        <p:cond delay="indefinite"/>
+                      </p:stCondLst>
+                      <p:childTnLst>
+                        <p:par>
+                          <p:cTn id="4" fill="hold">
+                            <p:stCondLst>
+                              <p:cond delay="0"/>
+                            </p:stCondLst>
+                            <p:childTnLst>
+                              <p:par>
+                                <p:cTn id="5" presetID="1" presetClass="entr" presetSubtype="0" fill="hold" grpId="0" nodeType="clickEffect">
+                                  <p:stCondLst>
+                                    <p:cond delay="0"/>
+                                  </p:stCondLst>
+                                  <p:childTnLst>
+                                    <p:set>
+                                      <p:cBhvr>
+                                        <p:cTn id="6" dur="1" fill="hold">
+                                          <p:stCondLst>
+                                            <p:cond delay="0"/>
+                                          </p:stCondLst>
+                                        </p:cTn>
+                                        <p:tgtEl>
+                                          <p:spTgt spid="3">
+                                            <p:txEl>
+                                              <p:pRg st="0" end="0"/>
+                                            </p:txEl>
+                                          </p:spTgt>
+                                        </p:tgtEl>
+                                        <p:attrNameLst>
+                                          <p:attrName>style.visibility</p:attrName>
+                                        </p:attrNameLst>
+                                      </p:cBhvr>
+                                      <p:to>
+                                        <p:strVal val="visible"/>
+                                      </p:to>
+                                    </p:set>
+                                  </p:childTnLst>
+                                </p:cTn>
+                              </p:par>
+                              <p:par>
+                                <p:cTn id="7" presetID="1" presetClass="entr" presetSubtype="0" fill="hold" grpId="0" nodeType="withEffect">
+                                  <p:stCondLst>
+                                    <p:cond delay="0"/>
+                                  </p:stCondLst>
+                                  <p:childTnLst>
+                                    <p:set>
+                                      <p:cBhvr>
+                                        <p:cTn id="8" dur="1" fill="hold">
+                                          <p:stCondLst>
+                                            <p:cond delay="0"/>
+                                          </p:stCondLst>
+                                        </p:cTn>
+                                        <p:tgtEl>
+                                          <p:spTgt spid="3">
+                                            <p:txEl>
+                                              <p:pRg st="1" end="1"/>
+                                            </p:txEl>
+                                          </p:spTgt>
+                                        </p:tgtEl>
+                                        <p:attrNameLst>
+                                          <p:attrName>style.visibility</p:attrName>
+                                        </p:attrNameLst>
+                                      </p:cBhvr>
+                                      <p:to>
+                                        <p:strVal val="visible"/>
+                                      </p:to>
+                                    </p:set>
+                                  </p:childTnLst>
+                                </p:cTn>
+                              </p:par>
+                              <p:par>
+                                <p:cTn id="9" presetID="1" presetClass="entr" presetSubtype="0" fill="hold" grpId="0" nodeType="withEffect">
+                                  <p:stCondLst>
+                                    <p:cond delay="0"/>
+                                  </p:stCondLst>
+                                  <p:childTnLst>
+                                    <p:set>
+                                      <p:cBhvr>
+                                        <p:cTn id="10" dur="1" fill="hold">
+                                          <p:stCondLst>
+                                            <p:cond delay="0"/>
+                                          </p:stCondLst>
+                                        </p:cTn>
+                                        <p:tgtEl>
+                                          <p:spTgt spid="3">
+                                            <p:txEl>
+                                              <p:pRg st="2" end="2"/>
+                                            </p:txEl>
+                                          </p:spTgt>
+                                        </p:tgtEl>
+                                        <p:attrNameLst>
+                                          <p:attrName>style.visibility</p:attrName>
+                                        </p:attrNameLst>
+                                      </p:cBhvr>
+                                      <p:to>
+                                        <p:strVal val="visible"/>
+                                      </p:to>
+                                    </p:set>
+                                  </p:childTnLst>
+                                </p:cTn>
+                              </p:par>
+                              <p:par>
+                                <p:cTn id="11" presetID="1" presetClass="entr" presetSubtype="0" fill="hold" grpId="0" nodeType="withEffect">
+                                  <p:stCondLst>
+                                    <p:cond delay="0"/>
+                                  </p:stCondLst>
+                                  <p:childTnLst>
+                                    <p:set>
+                                      <p:cBhvr>
+                                        <p:cTn id="12" dur="1" fill="hold">
+                                          <p:stCondLst>
+                                            <p:cond delay="0"/>
+                                          </p:stCondLst>
+                                        </p:cTn>
+                                        <p:tgtEl>
+                                          <p:spTgt spid="3">
+                                            <p:txEl>
+                                              <p:pRg st="3" end="3"/>
+                                            </p:txEl>
+                                          </p:spTgt>
+                                        </p:tgtEl>
+                                        <p:attrNameLst>
+                                          <p:attrName>style.visibility</p:attrName>
+                                        </p:attrNameLst>
+                                      </p:cBhvr>
+                                      <p:to>
+                                        <p:strVal val="visible"/>
+                                      </p:to>
+                                    </p:set>
+                                  </p:childTnLst>
+                                </p:cTn>
+                              </p:par>
+                            </p:childTnLst>
+                          </p:cTn>
+                        </p:par>
+                      </p:childTnLst>
+                    </p:cTn>
+                  </p:par>
+                  <p:par>
+                    <p:cTn id="13" fill="hold">
+                      <p:stCondLst>
+                        <p:cond delay="indefinite"/>
+                      </p:stCondLst>
+                      <p:childTnLst>
+                        <p:par>
+                          <p:cTn id="14" fill="hold">
+                            <p:stCondLst>
+                              <p:cond delay="0"/>
+                            </p:stCondLst>
+                            <p:childTnLst>
+                              <p:par>
+                                <p:cTn id="15" presetID="1" presetClass="entr" presetSubtype="0" fill="hold" grpId="0" nodeType="clickEffect">
+                                  <p:stCondLst>
+                                    <p:cond delay="0"/>
+                                  </p:stCondLst>
+                                  <p:childTnLst>
+                                    <p:set>
+                                      <p:cBhvr>
+                                        <p:cTn id="16" dur="1" fill="hold">
+                                          <p:stCondLst>
+                                            <p:cond delay="0"/>
+                                          </p:stCondLst>
+                                        </p:cTn>
+                                        <p:tgtEl>
+                                          <p:spTgt spid="3">
+                                            <p:txEl>
+                                              <p:pRg st="4" end="4"/>
+                                            </p:txEl>
+                                          </p:spTgt>
+                                        </p:tgtEl>
+                                        <p:attrNameLst>
+                                          <p:attrName>style.visibility</p:attrName>
+                                        </p:attrNameLst>
+                                      </p:cBhvr>
+                                      <p:to>
+                                        <p:strVal val="visible"/>
+                                      </p:to>
+                                    </p:set>
+                                  </p:childTnLst>
+                                </p:cTn>
+                              </p:par>
+                              <p:par>
+                                <p:cTn id="17" presetID="1" presetClass="entr" presetSubtype="0" fill="hold" grpId="0" nodeType="withEffect">
+                                  <p:stCondLst>
+                                    <p:cond delay="0"/>
+                                  </p:stCondLst>
+                                  <p:childTnLst>
+                                    <p:set>
+                                      <p:cBhvr>
+                                        <p:cTn id="18" dur="1" fill="hold">
+                                          <p:stCondLst>
+                                            <p:cond delay="0"/>
+                                          </p:stCondLst>
+                                        </p:cTn>
+                                        <p:tgtEl>
+                                          <p:spTgt spid="3">
+                                            <p:txEl>
+                                              <p:pRg st="5" end="5"/>
+                                            </p:txEl>
+                                          </p:spTgt>
+                                        </p:tgtEl>
+                                        <p:attrNameLst>
+                                          <p:attrName>style.visibility</p:attrName>
+                                        </p:attrNameLst>
+                                      </p:cBhvr>
+                                      <p:to>
+                                        <p:strVal val="visible"/>
+                                      </p:to>
+                                    </p:set>
+                                  </p:childTnLst>
+                                </p:cTn>
+                              </p:par>
+                              <p:par>
+                                <p:cTn id="19" presetID="1" presetClass="entr" presetSubtype="0" fill="hold" grpId="0" nodeType="withEffect">
+                                  <p:stCondLst>
+                                    <p:cond delay="0"/>
+                                  </p:stCondLst>
+                                  <p:childTnLst>
+                                    <p:set>
+                                      <p:cBhvr>
+                                        <p:cTn id="20" dur="1" fill="hold">
+                                          <p:stCondLst>
+                                            <p:cond delay="0"/>
+                                          </p:stCondLst>
+                                        </p:cTn>
+                                        <p:tgtEl>
+                                          <p:spTgt spid="3">
+                                            <p:txEl>
+                                              <p:pRg st="6" end="6"/>
+                                            </p:txEl>
+                                          </p:spTgt>
+                                        </p:tgtEl>
+                                        <p:attrNameLst>
+                                          <p:attrName>style.visibility</p:attrName>
+                                        </p:attrNameLst>
+                                      </p:cBhvr>
+                                      <p:to>
+                                        <p:strVal val="visible"/>
+                                      </p:to>
+                                    </p:set>
+                                  </p:childTnLst>
+                                </p:cTn>
+                              </p:par>
+                            </p:childTnLst>
+                          </p:cTn>
+                        </p:par>
+                      </p:childTnLst>
+                    </p:cTn>
+                  </p:par>
+                  <p:par>
+                    <p:cTn id="21" fill="hold">
+                      <p:stCondLst>
+                        <p:cond delay="indefinite"/>
+                      </p:stCondLst>
+                      <p:childTnLst>
+                        <p:par>
+                          <p:cTn id="22" fill="hold">
+                            <p:stCondLst>
+                              <p:cond delay="0"/>
+                            </p:stCondLst>
+                            <p:childTnLst>
+                              <p:par>
+                                <p:cTn id="23" presetID="1" presetClass="entr" presetSubtype="0" fill="hold" grpId="0" nodeType="clickEffect">
+                                  <p:stCondLst>
+                                    <p:cond delay="0"/>
+                                  </p:stCondLst>
+                                  <p:childTnLst>
+                                    <p:set>
+                                      <p:cBhvr>
+                                        <p:cTn id="24" dur="1" fill="hold">
+                                          <p:stCondLst>
+                                            <p:cond delay="0"/>
+                                          </p:stCondLst>
+                                        </p:cTn>
+                                        <p:tgtEl>
+                                          <p:spTgt spid="3">
+                                            <p:txEl>
+                                              <p:pRg st="7" end="7"/>
+                                            </p:txEl>
+                                          </p:spTgt>
+                                        </p:tgtEl>
+                                        <p:attrNameLst>
+                                          <p:attrName>style.visibility</p:attrName>
+                                        </p:attrNameLst>
+                                      </p:cBhvr>
+                                      <p:to>
+                                        <p:strVal val="visible"/>
+                                      </p:to>
+                                    </p:set>
+                                  </p:childTnLst>
+                                </p:cTn>
+                              </p:par>
+                            </p:childTnLst>
+                          </p:cTn>
+                        </p:par>
+                      </p:childTnLst>
+                    </p:cTn>
+                  </p:par>
+                  <p:par>
+                    <p:cTn id="25" fill="hold">
+                      <p:stCondLst>
+                        <p:cond delay="indefinite"/>
+                      </p:stCondLst>
+                      <p:childTnLst>
+                        <p:par>
+                          <p:cTn id="26" fill="hold">
+                            <p:stCondLst>
+                              <p:cond delay="0"/>
+                            </p:stCondLst>
+                            <p:childTnLst>
+                              <p:par>
+                                <p:cTn id="27" presetID="1" presetClass="entr" presetSubtype="0" fill="hold" grpId="0" nodeType="clickEffect">
+                                  <p:stCondLst>
+                                    <p:cond delay="0"/>
+                                  </p:stCondLst>
+                                  <p:childTnLst>
+                                    <p:set>
+                                      <p:cBhvr>
+                                        <p:cTn id="28" dur="1" fill="hold">
+                                          <p:stCondLst>
+                                            <p:cond delay="0"/>
+                                          </p:stCondLst>
+                                        </p:cTn>
+                                        <p:tgtEl>
+                                          <p:spTgt spid="3">
+                                            <p:txEl>
+                                              <p:pRg st="8" end="8"/>
+                                            </p:txEl>
+                                          </p:spTgt>
+                                        </p:tgtEl>
+                                        <p:attrNameLst>
+                                          <p:attrName>style.visibility</p:attrName>
+                                        </p:attrNameLst>
+                                      </p:cBhvr>
+                                      <p:to>
+                                        <p:strVal val="visible"/>
+                                      </p:to>
+                                    </p:set>
+                                  </p:childTnLst>
+                                </p:cTn>
+                              </p:par>
+                            </p:childTnLst>
+                          </p:cTn>
+                        </p:par>
+                      </p:childTnLst>
+                    </p:cTn>
+                  </p:par>
+                </p:childTnLst>
+              </p:cTn>
+              <p:prevCondLst>
+                <p:cond evt="onPrev" delay="0">
+                  <p:tgtEl>
+                    <p:sldTgt/>
+                  </p:tgtEl>
+                </p:cond>
+              </p:prevCondLst>
+              <p:nextCondLst>
+                <p:cond evt="onNext" delay="0">
+                  <p:tgtEl>
+                    <p:sldTgt/>
+                  </p:tgtEl>
+                </p:cond>
+              </p:nextCondLst>
+            </p:seq>
+          </p:childTnLst>
+        </p:cTn>
+      </p:par>
+    </p:tnLst>
+    <p:bldLst>
+      <p:bldP spid="3" grpId="0" build="p"/>
+    </p:bldLst>
+  </p:timing>
+</p:sld>
+</file>
+
+<file path=ppt/slides/slide15.xml><?xml version="1.0" encoding="utf-8"?>
+<p:sld xmlns:a="http://schemas.openxmlformats.org/drawingml/2006/main" xmlns:r="http://schemas.openxmlformats.org/officeDocument/2006/relationships" xmlns:p="http://schemas.openxmlformats.org/presentationml/2006/main">
+  <p:cSld>
+    <p:spTree>
+      <p:nvGrpSpPr>
+        <p:cNvPr id="1" name=""/>
+        <p:cNvGrpSpPr/>
+        <p:nvPr/>
+      </p:nvGrpSpPr>
+      <p:grpSpPr>
+        <a:xfrm>
+          <a:off x="0" y="0"/>
+          <a:ext cx="0" cy="0"/>
+          <a:chOff x="0" y="0"/>
+          <a:chExt cx="0" cy="0"/>
+        </a:xfrm>
+      </p:grpSpPr>
+      <p:sp>
+        <p:nvSpPr>
+          <p:cNvPr id="2" name="Title 1"/>
+          <p:cNvSpPr>
+            <a:spLocks noGrp="1"/>
+          </p:cNvSpPr>
+          <p:nvPr>
+            <p:ph type="title"/>
+          </p:nvPr>
+        </p:nvSpPr>
+        <p:spPr/>
+        <p:txBody>
+          <a:bodyPr/>
+          <a:lstStyle/>
+          <a:p>
+            <a:r>
+              <a:rPr lang="en-US" dirty="0" smtClean="0"/>
+              <a:t>Using </a:t>
+            </a:r>
+            <a:r>
+              <a:rPr lang="en-US" dirty="0" err="1" smtClean="0"/>
+              <a:t>Lucene</a:t>
+            </a:r>
+            <a:endParaRPr lang="en-US" dirty="0"/>
+          </a:p>
+        </p:txBody>
+      </p:sp>
+      <p:pic>
+        <p:nvPicPr>
+          <p:cNvPr id="6146" name="Picture 2"/>
+          <p:cNvPicPr>
+            <a:picLocks noChangeAspect="1" noChangeArrowheads="1"/>
+          </p:cNvPicPr>
+          <p:nvPr/>
+        </p:nvPicPr>
+        <p:blipFill>
+          <a:blip r:embed="rId3" cstate="print"/>
+          <a:srcRect/>
+          <a:stretch>
+            <a:fillRect/>
+          </a:stretch>
+        </p:blipFill>
+        <p:spPr bwMode="auto">
+          <a:xfrm>
+            <a:off x="1371600" y="1447800"/>
+            <a:ext cx="6183548" cy="4650028"/>
+          </a:xfrm>
+          <a:prstGeom prst="rect">
+            <a:avLst/>
+          </a:prstGeom>
+          <a:noFill/>
+          <a:ln w="9525">
+            <a:noFill/>
+            <a:miter lim="800000"/>
+            <a:headEnd/>
+            <a:tailEnd/>
+          </a:ln>
+        </p:spPr>
+      </p:pic>
+    </p:spTree>
+  </p:cSld>
+  <p:clrMapOvr>
+    <a:masterClrMapping/>
+  </p:clrMapOvr>
+  <p:timing>
+    <p:tnLst>
+      <p:par>
+        <p:cTn id="1" dur="indefinite" restart="never" nodeType="tmRoot"/>
+      </p:par>
+    </p:tnLst>
+  </p:timing>
+</p:sld>
+</file>
+
+<file path=ppt/slides/slide16.xml><?xml version="1.0" encoding="utf-8"?>
+<p:sld xmlns:a="http://schemas.openxmlformats.org/drawingml/2006/main" xmlns:r="http://schemas.openxmlformats.org/officeDocument/2006/relationships" xmlns:p="http://schemas.openxmlformats.org/presentationml/2006/main">
+  <p:cSld>
+    <p:spTree>
+      <p:nvGrpSpPr>
+        <p:cNvPr id="1" name=""/>
+        <p:cNvGrpSpPr/>
+        <p:nvPr/>
+      </p:nvGrpSpPr>
+      <p:grpSpPr>
+        <a:xfrm>
+          <a:off x="0" y="0"/>
+          <a:ext cx="0" cy="0"/>
+          <a:chOff x="0" y="0"/>
+          <a:chExt cx="0" cy="0"/>
+        </a:xfrm>
+      </p:grpSpPr>
+      <p:sp>
+        <p:nvSpPr>
+          <p:cNvPr id="2" name="Title 1"/>
+          <p:cNvSpPr>
+            <a:spLocks noGrp="1"/>
+          </p:cNvSpPr>
+          <p:nvPr>
+            <p:ph type="title"/>
+          </p:nvPr>
+        </p:nvSpPr>
+        <p:spPr/>
+        <p:txBody>
+          <a:bodyPr/>
+          <a:lstStyle/>
+          <a:p>
+            <a:r>
+              <a:rPr lang="en-US" dirty="0" err="1" smtClean="0"/>
+              <a:t>Lucene</a:t>
+            </a:r>
+            <a:r>
+              <a:rPr lang="en-US" dirty="0" smtClean="0"/>
+              <a:t> Structure</a:t>
+            </a:r>
+            <a:endParaRPr lang="en-US" dirty="0"/>
+          </a:p>
+        </p:txBody>
+      </p:sp>
+      <p:sp>
+        <p:nvSpPr>
+          <p:cNvPr id="3" name="Content Placeholder 2"/>
+          <p:cNvSpPr>
+            <a:spLocks noGrp="1"/>
+          </p:cNvSpPr>
+          <p:nvPr>
+            <p:ph idx="1"/>
+          </p:nvPr>
+        </p:nvSpPr>
+        <p:spPr>
+          <a:xfrm>
+            <a:off x="457200" y="1600200"/>
+            <a:ext cx="8229600" cy="4876800"/>
+          </a:xfrm>
+        </p:spPr>
+        <p:txBody>
+          <a:bodyPr>
+            <a:normAutofit fontScale="92500" lnSpcReduction="20000"/>
+          </a:bodyPr>
+          <a:lstStyle/>
+          <a:p>
+            <a:r>
+              <a:rPr lang="en-US" sz="6000" dirty="0" smtClean="0"/>
+              <a:t>Store</a:t>
+            </a:r>
+          </a:p>
+          <a:p>
+            <a:pPr lvl="1">
+              <a:buFont typeface="Arial" pitchFamily="34" charset="0"/>
+              <a:buChar char="•"/>
+            </a:pPr>
+            <a:r>
+              <a:rPr lang="en-US" sz="5600" dirty="0" smtClean="0"/>
+              <a:t>Index</a:t>
+            </a:r>
+          </a:p>
+          <a:p>
+            <a:pPr lvl="2"/>
+            <a:r>
+              <a:rPr lang="en-US" sz="5000" dirty="0" smtClean="0"/>
+              <a:t>Document</a:t>
+            </a:r>
+          </a:p>
+          <a:p>
+            <a:pPr lvl="3">
+              <a:buFont typeface="Arial" pitchFamily="34" charset="0"/>
+              <a:buChar char="•"/>
+            </a:pPr>
+            <a:r>
+              <a:rPr lang="en-US" sz="4400" dirty="0" smtClean="0"/>
+              <a:t>Field</a:t>
+            </a:r>
+          </a:p>
+          <a:p>
+            <a:pPr lvl="4">
+              <a:buFont typeface="Arial" pitchFamily="34" charset="0"/>
+              <a:buChar char="•"/>
+            </a:pPr>
+            <a:r>
+              <a:rPr lang="en-US" sz="4400" dirty="0" smtClean="0"/>
+              <a:t>Content</a:t>
+            </a:r>
+            <a:br>
+              <a:rPr lang="en-US" sz="4400" dirty="0" smtClean="0"/>
+            </a:br>
+            <a:endParaRPr lang="en-US" sz="4400" dirty="0" smtClean="0"/>
+          </a:p>
+          <a:p>
+            <a:pPr>
+              <a:buNone/>
+            </a:pPr>
+            <a:r>
+              <a:rPr lang="en-US" sz="5600" dirty="0" smtClean="0"/>
+              <a:t>Not a DATABASE!</a:t>
+            </a:r>
+            <a:endParaRPr lang="en-US" sz="5600" dirty="0"/>
+          </a:p>
+        </p:txBody>
+      </p:sp>
+    </p:spTree>
+  </p:cSld>
+  <p:clrMapOvr>
+    <a:masterClrMapping/>
+  </p:clrMapOvr>
+  <p:timing>
+    <p:tnLst>
+      <p:par>
+        <p:cTn id="1" dur="indefinite" restart="never" nodeType="tmRoot">
+          <p:childTnLst>
+            <p:seq concurrent="1" nextAc="seek">
+              <p:cTn id="2" dur="indefinite" nodeType="mainSeq">
+                <p:childTnLst>
+                  <p:par>
+                    <p:cTn id="3" fill="hold">
+                      <p:stCondLst>
+                        <p:cond delay="indefinite"/>
+                      </p:stCondLst>
+                      <p:childTnLst>
+                        <p:par>
+                          <p:cTn id="4" fill="hold">
+                            <p:stCondLst>
+                              <p:cond delay="0"/>
+                            </p:stCondLst>
+                            <p:childTnLst>
+                              <p:par>
+                                <p:cTn id="5" presetID="1" presetClass="entr" presetSubtype="0" fill="hold" grpId="0" nodeType="clickEffect">
+                                  <p:stCondLst>
+                                    <p:cond delay="0"/>
+                                  </p:stCondLst>
+                                  <p:childTnLst>
+                                    <p:set>
+                                      <p:cBhvr>
+                                        <p:cTn id="6" dur="1" fill="hold">
+                                          <p:stCondLst>
+                                            <p:cond delay="0"/>
+                                          </p:stCondLst>
+                                        </p:cTn>
+                                        <p:tgtEl>
+                                          <p:spTgt spid="3">
+                                            <p:txEl>
+                                              <p:pRg st="0" end="0"/>
+                                            </p:txEl>
+                                          </p:spTgt>
+                                        </p:tgtEl>
+                                        <p:attrNameLst>
+                                          <p:attrName>style.visibility</p:attrName>
+                                        </p:attrNameLst>
+                                      </p:cBhvr>
+                                      <p:to>
+                                        <p:strVal val="visible"/>
+                                      </p:to>
+                                    </p:set>
+                                  </p:childTnLst>
+                                </p:cTn>
+                              </p:par>
+                            </p:childTnLst>
+                          </p:cTn>
+                        </p:par>
+                      </p:childTnLst>
+                    </p:cTn>
+                  </p:par>
+                  <p:par>
+                    <p:cTn id="7" fill="hold">
+                      <p:stCondLst>
+                        <p:cond delay="indefinite"/>
+                      </p:stCondLst>
+                      <p:childTnLst>
+                        <p:par>
+                          <p:cTn id="8" fill="hold">
+                            <p:stCondLst>
+                              <p:cond delay="0"/>
+                            </p:stCondLst>
+                            <p:childTnLst>
+                              <p:par>
+                                <p:cTn id="9" presetID="1" presetClass="entr" presetSubtype="0" fill="hold" grpId="0" nodeType="clickEffect">
+                                  <p:stCondLst>
+                                    <p:cond delay="0"/>
+                                  </p:stCondLst>
+                                  <p:childTnLst>
+                                    <p:set>
+                                      <p:cBhvr>
+                                        <p:cTn id="10" dur="1" fill="hold">
+                                          <p:stCondLst>
+                                            <p:cond delay="0"/>
+                                          </p:stCondLst>
+                                        </p:cTn>
+                                        <p:tgtEl>
+                                          <p:spTgt spid="3">
+                                            <p:txEl>
+                                              <p:pRg st="1" end="1"/>
+                                            </p:txEl>
+                                          </p:spTgt>
+                                        </p:tgtEl>
+                                        <p:attrNameLst>
+                                          <p:attrName>style.visibility</p:attrName>
+                                        </p:attrNameLst>
+                                      </p:cBhvr>
+                                      <p:to>
+                                        <p:strVal val="visible"/>
+                                      </p:to>
+                                    </p:set>
+                                  </p:childTnLst>
+                                </p:cTn>
+                              </p:par>
+                            </p:childTnLst>
+                          </p:cTn>
+                        </p:par>
+                      </p:childTnLst>
+                    </p:cTn>
+                  </p:par>
+                  <p:par>
+                    <p:cTn id="11" fill="hold">
+                      <p:stCondLst>
+                        <p:cond delay="indefinite"/>
+                      </p:stCondLst>
+                      <p:childTnLst>
+                        <p:par>
+                          <p:cTn id="12" fill="hold">
+                            <p:stCondLst>
+                              <p:cond delay="0"/>
+                            </p:stCondLst>
+                            <p:childTnLst>
+                              <p:par>
+                                <p:cTn id="13" presetID="1" presetClass="entr" presetSubtype="0" fill="hold" grpId="0" nodeType="clickEffect">
+                                  <p:stCondLst>
+                                    <p:cond delay="0"/>
+                                  </p:stCondLst>
+                                  <p:childTnLst>
+                                    <p:set>
+                                      <p:cBhvr>
+                                        <p:cTn id="14" dur="1" fill="hold">
+                                          <p:stCondLst>
+                                            <p:cond delay="0"/>
+                                          </p:stCondLst>
+                                        </p:cTn>
+                                        <p:tgtEl>
+                                          <p:spTgt spid="3">
+                                            <p:txEl>
+                                              <p:pRg st="2" end="2"/>
+                                            </p:txEl>
+                                          </p:spTgt>
+                                        </p:tgtEl>
+                                        <p:attrNameLst>
+                                          <p:attrName>style.visibility</p:attrName>
+                                        </p:attrNameLst>
+                                      </p:cBhvr>
+                                      <p:to>
+                                        <p:strVal val="visible"/>
+                                      </p:to>
+                                    </p:set>
+                                  </p:childTnLst>
+                                </p:cTn>
+                              </p:par>
+                            </p:childTnLst>
+                          </p:cTn>
+                        </p:par>
+                      </p:childTnLst>
+                    </p:cTn>
+                  </p:par>
+                  <p:par>
+                    <p:cTn id="15" fill="hold">
+                      <p:stCondLst>
+                        <p:cond delay="indefinite"/>
+                      </p:stCondLst>
+                      <p:childTnLst>
+                        <p:par>
+                          <p:cTn id="16" fill="hold">
+                            <p:stCondLst>
+                              <p:cond delay="0"/>
+                            </p:stCondLst>
+                            <p:childTnLst>
+                              <p:par>
+                                <p:cTn id="17" presetID="1" presetClass="entr" presetSubtype="0" fill="hold" grpId="0" nodeType="clickEffect">
+                                  <p:stCondLst>
+                                    <p:cond delay="0"/>
+                                  </p:stCondLst>
+                                  <p:childTnLst>
+                                    <p:set>
+                                      <p:cBhvr>
+                                        <p:cTn id="18" dur="1" fill="hold">
+                                          <p:stCondLst>
+                                            <p:cond delay="0"/>
+                                          </p:stCondLst>
+                                        </p:cTn>
+                                        <p:tgtEl>
+                                          <p:spTgt spid="3">
+                                            <p:txEl>
+                                              <p:pRg st="3" end="3"/>
+                                            </p:txEl>
+                                          </p:spTgt>
+                                        </p:tgtEl>
+                                        <p:attrNameLst>
+                                          <p:attrName>style.visibility</p:attrName>
+                                        </p:attrNameLst>
+                                      </p:cBhvr>
+                                      <p:to>
+                                        <p:strVal val="visible"/>
+                                      </p:to>
+                                    </p:set>
+                                  </p:childTnLst>
+                                </p:cTn>
+                              </p:par>
+                            </p:childTnLst>
+                          </p:cTn>
+                        </p:par>
+                      </p:childTnLst>
+                    </p:cTn>
+                  </p:par>
+                  <p:par>
+                    <p:cTn id="19" fill="hold">
+                      <p:stCondLst>
+                        <p:cond delay="indefinite"/>
+                      </p:stCondLst>
+                      <p:childTnLst>
+                        <p:par>
+                          <p:cTn id="20" fill="hold">
+                            <p:stCondLst>
+                              <p:cond delay="0"/>
+                            </p:stCondLst>
+                            <p:childTnLst>
+                              <p:par>
+                                <p:cTn id="21" presetID="1" presetClass="entr" presetSubtype="0" fill="hold" grpId="0" nodeType="clickEffect">
+                                  <p:stCondLst>
+                                    <p:cond delay="0"/>
+                                  </p:stCondLst>
+                                  <p:childTnLst>
+                                    <p:set>
+                                      <p:cBhvr>
+                                        <p:cTn id="22" dur="1" fill="hold">
+                                          <p:stCondLst>
+                                            <p:cond delay="0"/>
+                                          </p:stCondLst>
+                                        </p:cTn>
+                                        <p:tgtEl>
+                                          <p:spTgt spid="3">
+                                            <p:txEl>
+                                              <p:pRg st="4" end="4"/>
+                                            </p:txEl>
+                                          </p:spTgt>
+                                        </p:tgtEl>
+                                        <p:attrNameLst>
+                                          <p:attrName>style.visibility</p:attrName>
+                                        </p:attrNameLst>
+                                      </p:cBhvr>
+                                      <p:to>
+                                        <p:strVal val="visible"/>
+                                      </p:to>
+                                    </p:set>
+                                  </p:childTnLst>
+                                </p:cTn>
+                              </p:par>
+                            </p:childTnLst>
+                          </p:cTn>
+                        </p:par>
+                      </p:childTnLst>
+                    </p:cTn>
+                  </p:par>
+                  <p:par>
+                    <p:cTn id="23" fill="hold">
+                      <p:stCondLst>
+                        <p:cond delay="indefinite"/>
+                      </p:stCondLst>
+                      <p:childTnLst>
+                        <p:par>
+                          <p:cTn id="24" fill="hold">
+                            <p:stCondLst>
+                              <p:cond delay="0"/>
+                            </p:stCondLst>
+                            <p:childTnLst>
+                              <p:par>
+                                <p:cTn id="25" presetID="1" presetClass="entr" presetSubtype="0" fill="hold" grpId="0" nodeType="clickEffect">
+                                  <p:stCondLst>
+                                    <p:cond delay="0"/>
+                                  </p:stCondLst>
+                                  <p:childTnLst>
+                                    <p:set>
+                                      <p:cBhvr>
+                                        <p:cTn id="26" dur="1" fill="hold">
+                                          <p:stCondLst>
+                                            <p:cond delay="0"/>
+                                          </p:stCondLst>
+                                        </p:cTn>
+                                        <p:tgtEl>
+                                          <p:spTgt spid="3">
+                                            <p:txEl>
+                                              <p:pRg st="5" end="5"/>
+                                            </p:txEl>
+                                          </p:spTgt>
+                                        </p:tgtEl>
+                                        <p:attrNameLst>
+                                          <p:attrName>style.visibility</p:attrName>
+                                        </p:attrNameLst>
+                                      </p:cBhvr>
+                                      <p:to>
+                                        <p:strVal val="visible"/>
+                                      </p:to>
+                                    </p:set>
+                                  </p:childTnLst>
+                                </p:cTn>
+                              </p:par>
+                            </p:childTnLst>
+                          </p:cTn>
+                        </p:par>
+                      </p:childTnLst>
+                    </p:cTn>
+                  </p:par>
+                </p:childTnLst>
+              </p:cTn>
+              <p:prevCondLst>
+                <p:cond evt="onPrev" delay="0">
+                  <p:tgtEl>
+                    <p:sldTgt/>
+                  </p:tgtEl>
+                </p:cond>
+              </p:prevCondLst>
+              <p:nextCondLst>
+                <p:cond evt="onNext" delay="0">
+                  <p:tgtEl>
+                    <p:sldTgt/>
+                  </p:tgtEl>
+                </p:cond>
+              </p:nextCondLst>
+            </p:seq>
+          </p:childTnLst>
+        </p:cTn>
+      </p:par>
+    </p:tnLst>
+    <p:bldLst>
+      <p:bldP spid="3" grpId="0" build="p" bldLvl="5"/>
+    </p:bldLst>
+  </p:timing>
+</p:sld>
+</file>
+
+<file path=ppt/slides/slide17.xml><?xml version="1.0" encoding="utf-8"?>
+<p:sld xmlns:a="http://schemas.openxmlformats.org/drawingml/2006/main" xmlns:r="http://schemas.openxmlformats.org/officeDocument/2006/relationships" xmlns:p="http://schemas.openxmlformats.org/presentationml/2006/main">
+  <p:cSld>
+    <p:spTree>
+      <p:nvGrpSpPr>
+        <p:cNvPr id="1" name=""/>
+        <p:cNvGrpSpPr/>
+        <p:nvPr/>
+      </p:nvGrpSpPr>
+      <p:grpSpPr>
+        <a:xfrm>
+          <a:off x="0" y="0"/>
+          <a:ext cx="0" cy="0"/>
+          <a:chOff x="0" y="0"/>
+          <a:chExt cx="0" cy="0"/>
+        </a:xfrm>
+      </p:grpSpPr>
+      <p:sp>
+        <p:nvSpPr>
+          <p:cNvPr id="2" name="Title 1"/>
+          <p:cNvSpPr>
+            <a:spLocks noGrp="1"/>
+          </p:cNvSpPr>
+          <p:nvPr>
+            <p:ph type="title"/>
+          </p:nvPr>
+        </p:nvSpPr>
+        <p:spPr/>
+        <p:txBody>
+          <a:bodyPr/>
+          <a:lstStyle/>
+          <a:p>
+            <a:r>
+              <a:rPr lang="en-US" dirty="0" smtClean="0"/>
+              <a:t>Field Questions?</a:t>
+            </a:r>
+            <a:endParaRPr lang="en-US" dirty="0"/>
+          </a:p>
+        </p:txBody>
+      </p:sp>
+      <p:sp>
+        <p:nvSpPr>
+          <p:cNvPr id="3" name="Content Placeholder 2"/>
+          <p:cNvSpPr>
+            <a:spLocks noGrp="1"/>
+          </p:cNvSpPr>
+          <p:nvPr>
+            <p:ph idx="1"/>
+          </p:nvPr>
+        </p:nvSpPr>
+        <p:spPr>
+          <a:xfrm>
+            <a:off x="381000" y="1600200"/>
+            <a:ext cx="4267200" cy="4525963"/>
+          </a:xfrm>
+        </p:spPr>
+        <p:txBody>
+          <a:bodyPr>
+            <a:normAutofit fontScale="92500" lnSpcReduction="10000"/>
+          </a:bodyPr>
+          <a:lstStyle/>
+          <a:p>
+            <a:r>
+              <a:rPr lang="en-US" sz="4000" dirty="0" smtClean="0"/>
+              <a:t>To STORE or not</a:t>
+            </a:r>
+            <a:br>
+              <a:rPr lang="en-US" sz="4000" dirty="0" smtClean="0"/>
+            </a:br>
+            <a:r>
+              <a:rPr lang="en-US" sz="4000" dirty="0" smtClean="0"/>
+              <a:t>to STORE?</a:t>
+            </a:r>
+            <a:br>
+              <a:rPr lang="en-US" sz="4000" dirty="0" smtClean="0"/>
+            </a:br>
+            <a:endParaRPr lang="en-US" sz="4000" dirty="0" smtClean="0"/>
+          </a:p>
+          <a:p>
+            <a:r>
+              <a:rPr lang="en-US" sz="4000" dirty="0" smtClean="0"/>
+              <a:t>To TOKENIZE or not to TOKENIZE?</a:t>
+            </a:r>
+            <a:br>
+              <a:rPr lang="en-US" sz="4000" dirty="0" smtClean="0"/>
+            </a:br>
+            <a:endParaRPr lang="en-US" sz="4000" dirty="0" smtClean="0"/>
+          </a:p>
+          <a:p>
+            <a:r>
+              <a:rPr lang="en-US" sz="4000" dirty="0" smtClean="0"/>
+              <a:t>To INDEX or not</a:t>
+            </a:r>
+            <a:br>
+              <a:rPr lang="en-US" sz="4000" dirty="0" smtClean="0"/>
+            </a:br>
+            <a:r>
+              <a:rPr lang="en-US" sz="4000" dirty="0" smtClean="0"/>
+              <a:t>to INDEX?</a:t>
+            </a:r>
+          </a:p>
+        </p:txBody>
+      </p:sp>
+      <p:pic>
+        <p:nvPicPr>
+          <p:cNvPr id="7170" name="Picture 2"/>
+          <p:cNvPicPr>
+            <a:picLocks noChangeAspect="1" noChangeArrowheads="1"/>
+          </p:cNvPicPr>
+          <p:nvPr/>
+        </p:nvPicPr>
+        <p:blipFill>
+          <a:blip r:embed="rId2" cstate="print"/>
+          <a:srcRect/>
+          <a:stretch>
+            <a:fillRect/>
+          </a:stretch>
+        </p:blipFill>
+        <p:spPr bwMode="auto">
+          <a:xfrm>
+            <a:off x="4953000" y="1371600"/>
+            <a:ext cx="3571875" cy="4762500"/>
+          </a:xfrm>
+          <a:prstGeom prst="rect">
+            <a:avLst/>
+          </a:prstGeom>
+          <a:noFill/>
+          <a:ln w="9525">
+            <a:noFill/>
+            <a:miter lim="800000"/>
+            <a:headEnd/>
+            <a:tailEnd/>
+          </a:ln>
+        </p:spPr>
+      </p:pic>
+    </p:spTree>
+  </p:cSld>
+  <p:clrMapOvr>
+    <a:masterClrMapping/>
+  </p:clrMapOvr>
+  <p:timing>
+    <p:tnLst>
+      <p:par>
+        <p:cTn id="1" dur="indefinite" restart="never" nodeType="tmRoot">
+          <p:childTnLst>
+            <p:seq concurrent="1" nextAc="seek">
+              <p:cTn id="2" dur="indefinite" nodeType="mainSeq">
+                <p:childTnLst>
+                  <p:par>
+                    <p:cTn id="3" fill="hold">
+                      <p:stCondLst>
+                        <p:cond delay="indefinite"/>
+                      </p:stCondLst>
+                      <p:childTnLst>
+                        <p:par>
+                          <p:cTn id="4" fill="hold">
+                            <p:stCondLst>
+                              <p:cond delay="0"/>
+                            </p:stCondLst>
+                            <p:childTnLst>
+                              <p:par>
+                                <p:cTn id="5" presetID="1" presetClass="entr" presetSubtype="0" fill="hold" grpId="0" nodeType="clickEffect">
+                                  <p:stCondLst>
+                                    <p:cond delay="0"/>
+                                  </p:stCondLst>
+                                  <p:childTnLst>
+                                    <p:set>
+                                      <p:cBhvr>
+                                        <p:cTn id="6" dur="1" fill="hold">
+                                          <p:stCondLst>
+                                            <p:cond delay="0"/>
+                                          </p:stCondLst>
+                                        </p:cTn>
+                                        <p:tgtEl>
+                                          <p:spTgt spid="3">
+                                            <p:txEl>
+                                              <p:pRg st="0" end="0"/>
+                                            </p:txEl>
+                                          </p:spTgt>
+                                        </p:tgtEl>
+                                        <p:attrNameLst>
+                                          <p:attrName>style.visibility</p:attrName>
+                                        </p:attrNameLst>
+                                      </p:cBhvr>
+                                      <p:to>
+                                        <p:strVal val="visible"/>
+                                      </p:to>
+                                    </p:set>
+                                  </p:childTnLst>
+                                </p:cTn>
+                              </p:par>
+                            </p:childTnLst>
+                          </p:cTn>
+                        </p:par>
+                      </p:childTnLst>
+                    </p:cTn>
+                  </p:par>
+                  <p:par>
+                    <p:cTn id="7" fill="hold">
+                      <p:stCondLst>
+                        <p:cond delay="indefinite"/>
+                      </p:stCondLst>
+                      <p:childTnLst>
+                        <p:par>
+                          <p:cTn id="8" fill="hold">
+                            <p:stCondLst>
+                              <p:cond delay="0"/>
+                            </p:stCondLst>
+                            <p:childTnLst>
+                              <p:par>
+                                <p:cTn id="9" presetID="1" presetClass="entr" presetSubtype="0" fill="hold" grpId="0" nodeType="clickEffect">
+                                  <p:stCondLst>
+                                    <p:cond delay="0"/>
+                                  </p:stCondLst>
+                                  <p:childTnLst>
+                                    <p:set>
+                                      <p:cBhvr>
+                                        <p:cTn id="10" dur="1" fill="hold">
+                                          <p:stCondLst>
+                                            <p:cond delay="0"/>
+                                          </p:stCondLst>
+                                        </p:cTn>
+                                        <p:tgtEl>
+                                          <p:spTgt spid="3">
+                                            <p:txEl>
+                                              <p:pRg st="1" end="1"/>
+                                            </p:txEl>
+                                          </p:spTgt>
+                                        </p:tgtEl>
+                                        <p:attrNameLst>
+                                          <p:attrName>style.visibility</p:attrName>
+                                        </p:attrNameLst>
+                                      </p:cBhvr>
+                                      <p:to>
+                                        <p:strVal val="visible"/>
+                                      </p:to>
+                                    </p:set>
+                                  </p:childTnLst>
+                                </p:cTn>
+                              </p:par>
+                            </p:childTnLst>
+                          </p:cTn>
+                        </p:par>
+                      </p:childTnLst>
+                    </p:cTn>
+                  </p:par>
+                  <p:par>
+                    <p:cTn id="11" fill="hold">
+                      <p:stCondLst>
+                        <p:cond delay="indefinite"/>
+                      </p:stCondLst>
+                      <p:childTnLst>
+                        <p:par>
+                          <p:cTn id="12" fill="hold">
+                            <p:stCondLst>
+                              <p:cond delay="0"/>
+                            </p:stCondLst>
+                            <p:childTnLst>
+                              <p:par>
+                                <p:cTn id="13" presetID="1" presetClass="entr" presetSubtype="0" fill="hold" grpId="0" nodeType="clickEffect">
+                                  <p:stCondLst>
+                                    <p:cond delay="0"/>
+                                  </p:stCondLst>
+                                  <p:childTnLst>
+                                    <p:set>
+                                      <p:cBhvr>
+                                        <p:cTn id="14" dur="1" fill="hold">
+                                          <p:stCondLst>
+                                            <p:cond delay="0"/>
+                                          </p:stCondLst>
+                                        </p:cTn>
+                                        <p:tgtEl>
+                                          <p:spTgt spid="3">
+                                            <p:txEl>
+                                              <p:pRg st="2" end="2"/>
+                                            </p:txEl>
+                                          </p:spTgt>
+                                        </p:tgtEl>
+                                        <p:attrNameLst>
+                                          <p:attrName>style.visibility</p:attrName>
+                                        </p:attrNameLst>
+                                      </p:cBhvr>
+                                      <p:to>
+                                        <p:strVal val="visible"/>
+                                      </p:to>
+                                    </p:set>
+                                  </p:childTnLst>
+                                </p:cTn>
+                              </p:par>
+                            </p:childTnLst>
+                          </p:cTn>
+                        </p:par>
+                      </p:childTnLst>
+                    </p:cTn>
+                  </p:par>
+                </p:childTnLst>
+              </p:cTn>
+              <p:prevCondLst>
+                <p:cond evt="onPrev" delay="0">
+                  <p:tgtEl>
+                    <p:sldTgt/>
+                  </p:tgtEl>
+                </p:cond>
+              </p:prevCondLst>
+              <p:nextCondLst>
+                <p:cond evt="onNext" delay="0">
+                  <p:tgtEl>
+                    <p:sldTgt/>
+                  </p:tgtEl>
+                </p:cond>
+              </p:nextCondLst>
+            </p:seq>
+          </p:childTnLst>
+        </p:cTn>
+      </p:par>
+    </p:tnLst>
+    <p:bldLst>
+      <p:bldP spid="3" grpId="0" build="p"/>
+    </p:bldLst>
+  </p:timing>
+</p:sld>
+</file>
+
+<file path=ppt/slides/slide18.xml><?xml version="1.0" encoding="utf-8"?>
+<p:sld xmlns:a="http://schemas.openxmlformats.org/drawingml/2006/main" xmlns:r="http://schemas.openxmlformats.org/officeDocument/2006/relationships" xmlns:p="http://schemas.openxmlformats.org/presentationml/2006/main">
+  <p:cSld>
+    <p:spTree>
+      <p:nvGrpSpPr>
+        <p:cNvPr id="1" name=""/>
+        <p:cNvGrpSpPr/>
+        <p:nvPr/>
+      </p:nvGrpSpPr>
+      <p:grpSpPr>
+        <a:xfrm>
+          <a:off x="0" y="0"/>
+          <a:ext cx="0" cy="0"/>
+          <a:chOff x="0" y="0"/>
+          <a:chExt cx="0" cy="0"/>
+        </a:xfrm>
+      </p:grpSpPr>
+      <p:sp>
+        <p:nvSpPr>
+          <p:cNvPr id="2" name="Title 1"/>
+          <p:cNvSpPr>
+            <a:spLocks noGrp="1"/>
+          </p:cNvSpPr>
+          <p:nvPr>
+            <p:ph type="title"/>
+          </p:nvPr>
+        </p:nvSpPr>
+        <p:spPr>
+          <a:xfrm>
+            <a:off x="457200" y="0"/>
+            <a:ext cx="8229600" cy="1143000"/>
+          </a:xfrm>
+        </p:spPr>
+        <p:txBody>
+          <a:bodyPr/>
+          <a:lstStyle/>
+          <a:p>
+            <a:r>
+              <a:rPr lang="en-US" dirty="0" smtClean="0"/>
+              <a:t>Field Answers*</a:t>
+            </a:r>
+            <a:endParaRPr lang="en-US" dirty="0"/>
+          </a:p>
+        </p:txBody>
+      </p:sp>
+      <p:sp>
+        <p:nvSpPr>
+          <p:cNvPr id="3" name="Content Placeholder 2"/>
+          <p:cNvSpPr>
+            <a:spLocks noGrp="1"/>
+          </p:cNvSpPr>
+          <p:nvPr>
+            <p:ph idx="1"/>
+          </p:nvPr>
+        </p:nvSpPr>
+        <p:spPr>
+          <a:xfrm>
+            <a:off x="457200" y="1143000"/>
+            <a:ext cx="8229600" cy="4572001"/>
+          </a:xfrm>
+        </p:spPr>
+        <p:txBody>
+          <a:bodyPr/>
+          <a:lstStyle/>
+          <a:p>
+            <a:r>
+              <a:rPr lang="en-US" dirty="0" smtClean="0"/>
+              <a:t>TOKENIZE, do not STORE content</a:t>
+            </a:r>
+          </a:p>
+          <a:p>
+            <a:r>
+              <a:rPr lang="en-US" dirty="0" smtClean="0"/>
+              <a:t>Do not TOKENIZE, but STORE document keys</a:t>
+            </a:r>
+          </a:p>
+          <a:p>
+            <a:r>
+              <a:rPr lang="en-US" dirty="0" smtClean="0"/>
+              <a:t>Do not INDEX, but STORE short descriptions</a:t>
+            </a:r>
+          </a:p>
+          <a:p>
+            <a:endParaRPr lang="en-US" dirty="0" smtClean="0"/>
+          </a:p>
+          <a:p>
+            <a:r>
+              <a:rPr lang="en-US" dirty="0" smtClean="0"/>
+              <a:t>Do not TOKENIZE numbers, dates, or other formatted data like phone numbers (normally)</a:t>
+            </a:r>
+          </a:p>
+          <a:p>
+            <a:r>
+              <a:rPr lang="en-US" dirty="0" smtClean="0"/>
+              <a:t>Do not STORE any data that isn’t shown on a search results view</a:t>
+            </a:r>
+            <a:endParaRPr lang="en-US" dirty="0"/>
+          </a:p>
+        </p:txBody>
+      </p:sp>
+      <p:sp>
+        <p:nvSpPr>
+          <p:cNvPr id="4" name="TextBox 3"/>
+          <p:cNvSpPr txBox="1"/>
+          <p:nvPr/>
+        </p:nvSpPr>
+        <p:spPr>
+          <a:xfrm>
+            <a:off x="152400" y="5791200"/>
+            <a:ext cx="8839200" cy="923330"/>
           </a:xfrm>
           <a:prstGeom prst="rect">
             <a:avLst/>
@@ -14887,12 +18212,3104 @@
           <a:noFill/>
         </p:spPr>
         <p:txBody>
+          <a:bodyPr wrap="square" rtlCol="0">
+            <a:spAutoFit/>
+          </a:bodyPr>
+          <a:lstStyle/>
+          <a:p>
+            <a:r>
+              <a:rPr lang="en-US" dirty="0" smtClean="0"/>
+              <a:t>* This slide contains opinions of Michael C. Neel, and does not represent or is endorsed by the Apache Software Foundation, </a:t>
+            </a:r>
+            <a:r>
+              <a:rPr lang="en-US" dirty="0" err="1" smtClean="0"/>
+              <a:t>Lucene</a:t>
+            </a:r>
+            <a:r>
+              <a:rPr lang="en-US" dirty="0" smtClean="0"/>
+              <a:t> Project, or the National Football League.  Any use of this slide without the NFL’s express, written consent is prohibited.</a:t>
+            </a:r>
+            <a:endParaRPr lang="en-US" dirty="0"/>
+          </a:p>
+        </p:txBody>
+      </p:sp>
+    </p:spTree>
+  </p:cSld>
+  <p:clrMapOvr>
+    <a:masterClrMapping/>
+  </p:clrMapOvr>
+  <p:timing>
+    <p:tnLst>
+      <p:par>
+        <p:cTn id="1" dur="indefinite" restart="never" nodeType="tmRoot">
+          <p:childTnLst>
+            <p:seq concurrent="1" nextAc="seek">
+              <p:cTn id="2" dur="indefinite" nodeType="mainSeq">
+                <p:childTnLst>
+                  <p:par>
+                    <p:cTn id="3" fill="hold">
+                      <p:stCondLst>
+                        <p:cond delay="indefinite"/>
+                      </p:stCondLst>
+                      <p:childTnLst>
+                        <p:par>
+                          <p:cTn id="4" fill="hold">
+                            <p:stCondLst>
+                              <p:cond delay="0"/>
+                            </p:stCondLst>
+                            <p:childTnLst>
+                              <p:par>
+                                <p:cTn id="5" presetID="1" presetClass="entr" presetSubtype="0" fill="hold" grpId="0" nodeType="clickEffect">
+                                  <p:stCondLst>
+                                    <p:cond delay="0"/>
+                                  </p:stCondLst>
+                                  <p:childTnLst>
+                                    <p:set>
+                                      <p:cBhvr>
+                                        <p:cTn id="6" dur="1" fill="hold">
+                                          <p:stCondLst>
+                                            <p:cond delay="0"/>
+                                          </p:stCondLst>
+                                        </p:cTn>
+                                        <p:tgtEl>
+                                          <p:spTgt spid="3">
+                                            <p:txEl>
+                                              <p:pRg st="0" end="0"/>
+                                            </p:txEl>
+                                          </p:spTgt>
+                                        </p:tgtEl>
+                                        <p:attrNameLst>
+                                          <p:attrName>style.visibility</p:attrName>
+                                        </p:attrNameLst>
+                                      </p:cBhvr>
+                                      <p:to>
+                                        <p:strVal val="visible"/>
+                                      </p:to>
+                                    </p:set>
+                                  </p:childTnLst>
+                                </p:cTn>
+                              </p:par>
+                            </p:childTnLst>
+                          </p:cTn>
+                        </p:par>
+                      </p:childTnLst>
+                    </p:cTn>
+                  </p:par>
+                  <p:par>
+                    <p:cTn id="7" fill="hold">
+                      <p:stCondLst>
+                        <p:cond delay="indefinite"/>
+                      </p:stCondLst>
+                      <p:childTnLst>
+                        <p:par>
+                          <p:cTn id="8" fill="hold">
+                            <p:stCondLst>
+                              <p:cond delay="0"/>
+                            </p:stCondLst>
+                            <p:childTnLst>
+                              <p:par>
+                                <p:cTn id="9" presetID="1" presetClass="entr" presetSubtype="0" fill="hold" grpId="0" nodeType="clickEffect">
+                                  <p:stCondLst>
+                                    <p:cond delay="0"/>
+                                  </p:stCondLst>
+                                  <p:childTnLst>
+                                    <p:set>
+                                      <p:cBhvr>
+                                        <p:cTn id="10" dur="1" fill="hold">
+                                          <p:stCondLst>
+                                            <p:cond delay="0"/>
+                                          </p:stCondLst>
+                                        </p:cTn>
+                                        <p:tgtEl>
+                                          <p:spTgt spid="3">
+                                            <p:txEl>
+                                              <p:pRg st="1" end="1"/>
+                                            </p:txEl>
+                                          </p:spTgt>
+                                        </p:tgtEl>
+                                        <p:attrNameLst>
+                                          <p:attrName>style.visibility</p:attrName>
+                                        </p:attrNameLst>
+                                      </p:cBhvr>
+                                      <p:to>
+                                        <p:strVal val="visible"/>
+                                      </p:to>
+                                    </p:set>
+                                  </p:childTnLst>
+                                </p:cTn>
+                              </p:par>
+                            </p:childTnLst>
+                          </p:cTn>
+                        </p:par>
+                      </p:childTnLst>
+                    </p:cTn>
+                  </p:par>
+                  <p:par>
+                    <p:cTn id="11" fill="hold">
+                      <p:stCondLst>
+                        <p:cond delay="indefinite"/>
+                      </p:stCondLst>
+                      <p:childTnLst>
+                        <p:par>
+                          <p:cTn id="12" fill="hold">
+                            <p:stCondLst>
+                              <p:cond delay="0"/>
+                            </p:stCondLst>
+                            <p:childTnLst>
+                              <p:par>
+                                <p:cTn id="13" presetID="1" presetClass="entr" presetSubtype="0" fill="hold" grpId="0" nodeType="clickEffect">
+                                  <p:stCondLst>
+                                    <p:cond delay="0"/>
+                                  </p:stCondLst>
+                                  <p:childTnLst>
+                                    <p:set>
+                                      <p:cBhvr>
+                                        <p:cTn id="14" dur="1" fill="hold">
+                                          <p:stCondLst>
+                                            <p:cond delay="0"/>
+                                          </p:stCondLst>
+                                        </p:cTn>
+                                        <p:tgtEl>
+                                          <p:spTgt spid="3">
+                                            <p:txEl>
+                                              <p:pRg st="2" end="2"/>
+                                            </p:txEl>
+                                          </p:spTgt>
+                                        </p:tgtEl>
+                                        <p:attrNameLst>
+                                          <p:attrName>style.visibility</p:attrName>
+                                        </p:attrNameLst>
+                                      </p:cBhvr>
+                                      <p:to>
+                                        <p:strVal val="visible"/>
+                                      </p:to>
+                                    </p:set>
+                                  </p:childTnLst>
+                                </p:cTn>
+                              </p:par>
+                            </p:childTnLst>
+                          </p:cTn>
+                        </p:par>
+                      </p:childTnLst>
+                    </p:cTn>
+                  </p:par>
+                  <p:par>
+                    <p:cTn id="15" fill="hold">
+                      <p:stCondLst>
+                        <p:cond delay="indefinite"/>
+                      </p:stCondLst>
+                      <p:childTnLst>
+                        <p:par>
+                          <p:cTn id="16" fill="hold">
+                            <p:stCondLst>
+                              <p:cond delay="0"/>
+                            </p:stCondLst>
+                            <p:childTnLst>
+                              <p:par>
+                                <p:cTn id="17" presetID="1" presetClass="entr" presetSubtype="0" fill="hold" grpId="0" nodeType="clickEffect">
+                                  <p:stCondLst>
+                                    <p:cond delay="0"/>
+                                  </p:stCondLst>
+                                  <p:childTnLst>
+                                    <p:set>
+                                      <p:cBhvr>
+                                        <p:cTn id="18" dur="1" fill="hold">
+                                          <p:stCondLst>
+                                            <p:cond delay="0"/>
+                                          </p:stCondLst>
+                                        </p:cTn>
+                                        <p:tgtEl>
+                                          <p:spTgt spid="3">
+                                            <p:txEl>
+                                              <p:pRg st="4" end="4"/>
+                                            </p:txEl>
+                                          </p:spTgt>
+                                        </p:tgtEl>
+                                        <p:attrNameLst>
+                                          <p:attrName>style.visibility</p:attrName>
+                                        </p:attrNameLst>
+                                      </p:cBhvr>
+                                      <p:to>
+                                        <p:strVal val="visible"/>
+                                      </p:to>
+                                    </p:set>
+                                  </p:childTnLst>
+                                </p:cTn>
+                              </p:par>
+                            </p:childTnLst>
+                          </p:cTn>
+                        </p:par>
+                      </p:childTnLst>
+                    </p:cTn>
+                  </p:par>
+                  <p:par>
+                    <p:cTn id="19" fill="hold">
+                      <p:stCondLst>
+                        <p:cond delay="indefinite"/>
+                      </p:stCondLst>
+                      <p:childTnLst>
+                        <p:par>
+                          <p:cTn id="20" fill="hold">
+                            <p:stCondLst>
+                              <p:cond delay="0"/>
+                            </p:stCondLst>
+                            <p:childTnLst>
+                              <p:par>
+                                <p:cTn id="21" presetID="1" presetClass="entr" presetSubtype="0" fill="hold" grpId="0" nodeType="clickEffect">
+                                  <p:stCondLst>
+                                    <p:cond delay="0"/>
+                                  </p:stCondLst>
+                                  <p:childTnLst>
+                                    <p:set>
+                                      <p:cBhvr>
+                                        <p:cTn id="22" dur="1" fill="hold">
+                                          <p:stCondLst>
+                                            <p:cond delay="0"/>
+                                          </p:stCondLst>
+                                        </p:cTn>
+                                        <p:tgtEl>
+                                          <p:spTgt spid="3">
+                                            <p:txEl>
+                                              <p:pRg st="5" end="5"/>
+                                            </p:txEl>
+                                          </p:spTgt>
+                                        </p:tgtEl>
+                                        <p:attrNameLst>
+                                          <p:attrName>style.visibility</p:attrName>
+                                        </p:attrNameLst>
+                                      </p:cBhvr>
+                                      <p:to>
+                                        <p:strVal val="visible"/>
+                                      </p:to>
+                                    </p:set>
+                                  </p:childTnLst>
+                                </p:cTn>
+                              </p:par>
+                            </p:childTnLst>
+                          </p:cTn>
+                        </p:par>
+                      </p:childTnLst>
+                    </p:cTn>
+                  </p:par>
+                </p:childTnLst>
+              </p:cTn>
+              <p:prevCondLst>
+                <p:cond evt="onPrev" delay="0">
+                  <p:tgtEl>
+                    <p:sldTgt/>
+                  </p:tgtEl>
+                </p:cond>
+              </p:prevCondLst>
+              <p:nextCondLst>
+                <p:cond evt="onNext" delay="0">
+                  <p:tgtEl>
+                    <p:sldTgt/>
+                  </p:tgtEl>
+                </p:cond>
+              </p:nextCondLst>
+            </p:seq>
+          </p:childTnLst>
+        </p:cTn>
+      </p:par>
+    </p:tnLst>
+    <p:bldLst>
+      <p:bldP spid="3" grpId="0" build="p"/>
+    </p:bldLst>
+  </p:timing>
+</p:sld>
+</file>
+
+<file path=ppt/slides/slide19.xml><?xml version="1.0" encoding="utf-8"?>
+<p:sld xmlns:a="http://schemas.openxmlformats.org/drawingml/2006/main" xmlns:r="http://schemas.openxmlformats.org/officeDocument/2006/relationships" xmlns:p="http://schemas.openxmlformats.org/presentationml/2006/main">
+  <p:cSld>
+    <p:spTree>
+      <p:nvGrpSpPr>
+        <p:cNvPr id="1" name=""/>
+        <p:cNvGrpSpPr/>
+        <p:nvPr/>
+      </p:nvGrpSpPr>
+      <p:grpSpPr>
+        <a:xfrm>
+          <a:off x="0" y="0"/>
+          <a:ext cx="0" cy="0"/>
+          <a:chOff x="0" y="0"/>
+          <a:chExt cx="0" cy="0"/>
+        </a:xfrm>
+      </p:grpSpPr>
+      <p:sp>
+        <p:nvSpPr>
+          <p:cNvPr id="2" name="Title 1"/>
+          <p:cNvSpPr>
+            <a:spLocks noGrp="1"/>
+          </p:cNvSpPr>
+          <p:nvPr>
+            <p:ph type="title"/>
+          </p:nvPr>
+        </p:nvSpPr>
+        <p:spPr/>
+        <p:txBody>
+          <a:bodyPr/>
+          <a:lstStyle/>
+          <a:p>
+            <a:r>
+              <a:rPr lang="en-US" dirty="0" smtClean="0"/>
+              <a:t>Legal Documents</a:t>
+            </a:r>
+            <a:endParaRPr lang="en-US" dirty="0"/>
+          </a:p>
+        </p:txBody>
+      </p:sp>
+      <p:sp>
+        <p:nvSpPr>
+          <p:cNvPr id="3" name="Content Placeholder 2"/>
+          <p:cNvSpPr>
+            <a:spLocks noGrp="1"/>
+          </p:cNvSpPr>
+          <p:nvPr>
+            <p:ph idx="1"/>
+          </p:nvPr>
+        </p:nvSpPr>
+        <p:spPr>
+          <a:xfrm>
+            <a:off x="457200" y="1600200"/>
+            <a:ext cx="4114800" cy="4876800"/>
+          </a:xfrm>
+        </p:spPr>
+        <p:txBody>
+          <a:bodyPr>
+            <a:normAutofit/>
+          </a:bodyPr>
+          <a:lstStyle/>
+          <a:p>
+            <a:r>
+              <a:rPr lang="en-US" dirty="0" smtClean="0"/>
+              <a:t>Do not need to contain the same Fields</a:t>
+            </a:r>
+            <a:br>
+              <a:rPr lang="en-US" dirty="0" smtClean="0"/>
+            </a:br>
+            <a:r>
+              <a:rPr lang="en-US" dirty="0" smtClean="0"/>
+              <a:t>(in fact, this is very common and useful)</a:t>
+            </a:r>
+          </a:p>
+          <a:p>
+            <a:r>
+              <a:rPr lang="en-US" dirty="0" smtClean="0"/>
+              <a:t>Cannot be updated – delete and add</a:t>
+            </a:r>
+          </a:p>
+          <a:p>
+            <a:r>
+              <a:rPr lang="en-US" dirty="0" smtClean="0"/>
+              <a:t>Returned from searches</a:t>
+            </a:r>
+            <a:endParaRPr lang="en-US" dirty="0"/>
+          </a:p>
+        </p:txBody>
+      </p:sp>
+      <p:pic>
+        <p:nvPicPr>
+          <p:cNvPr id="8194" name="Picture 2"/>
+          <p:cNvPicPr>
+            <a:picLocks noChangeAspect="1" noChangeArrowheads="1"/>
+          </p:cNvPicPr>
+          <p:nvPr/>
+        </p:nvPicPr>
+        <p:blipFill>
+          <a:blip r:embed="rId3" cstate="print"/>
+          <a:srcRect/>
+          <a:stretch>
+            <a:fillRect/>
+          </a:stretch>
+        </p:blipFill>
+        <p:spPr bwMode="auto">
+          <a:xfrm>
+            <a:off x="5105400" y="1676400"/>
+            <a:ext cx="3505200" cy="4531723"/>
+          </a:xfrm>
+          <a:prstGeom prst="rect">
+            <a:avLst/>
+          </a:prstGeom>
+          <a:noFill/>
+          <a:ln w="9525">
+            <a:noFill/>
+            <a:miter lim="800000"/>
+            <a:headEnd/>
+            <a:tailEnd/>
+          </a:ln>
+        </p:spPr>
+      </p:pic>
+    </p:spTree>
+  </p:cSld>
+  <p:clrMapOvr>
+    <a:masterClrMapping/>
+  </p:clrMapOvr>
+  <p:timing>
+    <p:tnLst>
+      <p:par>
+        <p:cTn id="1" dur="indefinite" restart="never" nodeType="tmRoot">
+          <p:childTnLst>
+            <p:seq concurrent="1" nextAc="seek">
+              <p:cTn id="2" dur="indefinite" nodeType="mainSeq">
+                <p:childTnLst>
+                  <p:par>
+                    <p:cTn id="3" fill="hold">
+                      <p:stCondLst>
+                        <p:cond delay="indefinite"/>
+                      </p:stCondLst>
+                      <p:childTnLst>
+                        <p:par>
+                          <p:cTn id="4" fill="hold">
+                            <p:stCondLst>
+                              <p:cond delay="0"/>
+                            </p:stCondLst>
+                            <p:childTnLst>
+                              <p:par>
+                                <p:cTn id="5" presetID="1" presetClass="entr" presetSubtype="0" fill="hold" grpId="0" nodeType="clickEffect">
+                                  <p:stCondLst>
+                                    <p:cond delay="0"/>
+                                  </p:stCondLst>
+                                  <p:childTnLst>
+                                    <p:set>
+                                      <p:cBhvr>
+                                        <p:cTn id="6" dur="1" fill="hold">
+                                          <p:stCondLst>
+                                            <p:cond delay="0"/>
+                                          </p:stCondLst>
+                                        </p:cTn>
+                                        <p:tgtEl>
+                                          <p:spTgt spid="3">
+                                            <p:txEl>
+                                              <p:pRg st="0" end="0"/>
+                                            </p:txEl>
+                                          </p:spTgt>
+                                        </p:tgtEl>
+                                        <p:attrNameLst>
+                                          <p:attrName>style.visibility</p:attrName>
+                                        </p:attrNameLst>
+                                      </p:cBhvr>
+                                      <p:to>
+                                        <p:strVal val="visible"/>
+                                      </p:to>
+                                    </p:set>
+                                  </p:childTnLst>
+                                </p:cTn>
+                              </p:par>
+                            </p:childTnLst>
+                          </p:cTn>
+                        </p:par>
+                      </p:childTnLst>
+                    </p:cTn>
+                  </p:par>
+                  <p:par>
+                    <p:cTn id="7" fill="hold">
+                      <p:stCondLst>
+                        <p:cond delay="indefinite"/>
+                      </p:stCondLst>
+                      <p:childTnLst>
+                        <p:par>
+                          <p:cTn id="8" fill="hold">
+                            <p:stCondLst>
+                              <p:cond delay="0"/>
+                            </p:stCondLst>
+                            <p:childTnLst>
+                              <p:par>
+                                <p:cTn id="9" presetID="1" presetClass="entr" presetSubtype="0" fill="hold" grpId="0" nodeType="clickEffect">
+                                  <p:stCondLst>
+                                    <p:cond delay="0"/>
+                                  </p:stCondLst>
+                                  <p:childTnLst>
+                                    <p:set>
+                                      <p:cBhvr>
+                                        <p:cTn id="10" dur="1" fill="hold">
+                                          <p:stCondLst>
+                                            <p:cond delay="0"/>
+                                          </p:stCondLst>
+                                        </p:cTn>
+                                        <p:tgtEl>
+                                          <p:spTgt spid="3">
+                                            <p:txEl>
+                                              <p:pRg st="1" end="1"/>
+                                            </p:txEl>
+                                          </p:spTgt>
+                                        </p:tgtEl>
+                                        <p:attrNameLst>
+                                          <p:attrName>style.visibility</p:attrName>
+                                        </p:attrNameLst>
+                                      </p:cBhvr>
+                                      <p:to>
+                                        <p:strVal val="visible"/>
+                                      </p:to>
+                                    </p:set>
+                                  </p:childTnLst>
+                                </p:cTn>
+                              </p:par>
+                            </p:childTnLst>
+                          </p:cTn>
+                        </p:par>
+                      </p:childTnLst>
+                    </p:cTn>
+                  </p:par>
+                  <p:par>
+                    <p:cTn id="11" fill="hold">
+                      <p:stCondLst>
+                        <p:cond delay="indefinite"/>
+                      </p:stCondLst>
+                      <p:childTnLst>
+                        <p:par>
+                          <p:cTn id="12" fill="hold">
+                            <p:stCondLst>
+                              <p:cond delay="0"/>
+                            </p:stCondLst>
+                            <p:childTnLst>
+                              <p:par>
+                                <p:cTn id="13" presetID="1" presetClass="entr" presetSubtype="0" fill="hold" grpId="0" nodeType="clickEffect">
+                                  <p:stCondLst>
+                                    <p:cond delay="0"/>
+                                  </p:stCondLst>
+                                  <p:childTnLst>
+                                    <p:set>
+                                      <p:cBhvr>
+                                        <p:cTn id="14" dur="1" fill="hold">
+                                          <p:stCondLst>
+                                            <p:cond delay="0"/>
+                                          </p:stCondLst>
+                                        </p:cTn>
+                                        <p:tgtEl>
+                                          <p:spTgt spid="3">
+                                            <p:txEl>
+                                              <p:pRg st="2" end="2"/>
+                                            </p:txEl>
+                                          </p:spTgt>
+                                        </p:tgtEl>
+                                        <p:attrNameLst>
+                                          <p:attrName>style.visibility</p:attrName>
+                                        </p:attrNameLst>
+                                      </p:cBhvr>
+                                      <p:to>
+                                        <p:strVal val="visible"/>
+                                      </p:to>
+                                    </p:set>
+                                  </p:childTnLst>
+                                </p:cTn>
+                              </p:par>
+                            </p:childTnLst>
+                          </p:cTn>
+                        </p:par>
+                      </p:childTnLst>
+                    </p:cTn>
+                  </p:par>
+                </p:childTnLst>
+              </p:cTn>
+              <p:prevCondLst>
+                <p:cond evt="onPrev" delay="0">
+                  <p:tgtEl>
+                    <p:sldTgt/>
+                  </p:tgtEl>
+                </p:cond>
+              </p:prevCondLst>
+              <p:nextCondLst>
+                <p:cond evt="onNext" delay="0">
+                  <p:tgtEl>
+                    <p:sldTgt/>
+                  </p:tgtEl>
+                </p:cond>
+              </p:nextCondLst>
+            </p:seq>
+          </p:childTnLst>
+        </p:cTn>
+      </p:par>
+    </p:tnLst>
+    <p:bldLst>
+      <p:bldP spid="3" grpId="0" build="p"/>
+    </p:bldLst>
+  </p:timing>
+</p:sld>
+</file>
+
+<file path=ppt/slides/slide2.xml><?xml version="1.0" encoding="utf-8"?>
+<p:sld xmlns:a="http://schemas.openxmlformats.org/drawingml/2006/main" xmlns:r="http://schemas.openxmlformats.org/officeDocument/2006/relationships" xmlns:p="http://schemas.openxmlformats.org/presentationml/2006/main">
+  <p:cSld>
+    <p:spTree>
+      <p:nvGrpSpPr>
+        <p:cNvPr id="1" name=""/>
+        <p:cNvGrpSpPr/>
+        <p:nvPr/>
+      </p:nvGrpSpPr>
+      <p:grpSpPr>
+        <a:xfrm>
+          <a:off x="0" y="0"/>
+          <a:ext cx="0" cy="0"/>
+          <a:chOff x="0" y="0"/>
+          <a:chExt cx="0" cy="0"/>
+        </a:xfrm>
+      </p:grpSpPr>
+      <p:sp>
+        <p:nvSpPr>
+          <p:cNvPr id="7" name="Rectangle 6"/>
+          <p:cNvSpPr/>
+          <p:nvPr/>
+        </p:nvSpPr>
+        <p:spPr>
+          <a:xfrm>
+            <a:off x="3421857" y="4795897"/>
+            <a:ext cx="5722143" cy="2062103"/>
+          </a:xfrm>
+          <a:prstGeom prst="rect">
+            <a:avLst/>
+          </a:prstGeom>
+          <a:noFill/>
+        </p:spPr>
+        <p:txBody>
           <a:bodyPr wrap="none" lIns="91440" tIns="45720" rIns="91440" bIns="45720">
             <a:spAutoFit/>
           </a:bodyPr>
           <a:lstStyle/>
           <a:p>
+            <a:pPr algn="r"/>
+            <a:r>
+              <a:rPr lang="en-US" sz="4400" b="1" cap="none" spc="50" dirty="0" smtClean="0">
+                <a:ln w="13500">
+                  <a:solidFill>
+                    <a:schemeClr val="accent1">
+                      <a:shade val="2500"/>
+                      <a:alpha val="6500"/>
+                    </a:schemeClr>
+                  </a:solidFill>
+                  <a:prstDash val="solid"/>
+                </a:ln>
+                <a:solidFill>
+                  <a:schemeClr val="accent1">
+                    <a:tint val="3000"/>
+                    <a:alpha val="95000"/>
+                  </a:schemeClr>
+                </a:solidFill>
+                <a:effectLst>
+                  <a:innerShdw blurRad="50900" dist="38500" dir="13500000">
+                    <a:srgbClr val="000000">
+                      <a:alpha val="60000"/>
+                    </a:srgbClr>
+                  </a:innerShdw>
+                </a:effectLst>
+              </a:rPr>
+              <a:t>@</a:t>
+            </a:r>
+            <a:r>
+              <a:rPr lang="en-US" sz="4400" b="1" cap="none" spc="50" dirty="0" err="1" smtClean="0">
+                <a:ln w="13500">
+                  <a:solidFill>
+                    <a:schemeClr val="accent1">
+                      <a:shade val="2500"/>
+                      <a:alpha val="6500"/>
+                    </a:schemeClr>
+                  </a:solidFill>
+                  <a:prstDash val="solid"/>
+                </a:ln>
+                <a:solidFill>
+                  <a:schemeClr val="accent1">
+                    <a:tint val="3000"/>
+                    <a:alpha val="95000"/>
+                  </a:schemeClr>
+                </a:solidFill>
+                <a:effectLst>
+                  <a:innerShdw blurRad="50900" dist="38500" dir="13500000">
+                    <a:srgbClr val="000000">
+                      <a:alpha val="60000"/>
+                    </a:srgbClr>
+                  </a:innerShdw>
+                </a:effectLst>
+              </a:rPr>
+              <a:t>ViNull</a:t>
+            </a:r>
+            <a:endParaRPr lang="en-US" sz="4400" b="1" cap="none" spc="50" dirty="0" smtClean="0">
+              <a:ln w="13500">
+                <a:solidFill>
+                  <a:schemeClr val="accent1">
+                    <a:shade val="2500"/>
+                    <a:alpha val="6500"/>
+                  </a:schemeClr>
+                </a:solidFill>
+                <a:prstDash val="solid"/>
+              </a:ln>
+              <a:solidFill>
+                <a:schemeClr val="accent1">
+                  <a:tint val="3000"/>
+                  <a:alpha val="95000"/>
+                </a:schemeClr>
+              </a:solidFill>
+              <a:effectLst>
+                <a:innerShdw blurRad="50900" dist="38500" dir="13500000">
+                  <a:srgbClr val="000000">
+                    <a:alpha val="60000"/>
+                  </a:srgbClr>
+                </a:innerShdw>
+              </a:effectLst>
+            </a:endParaRPr>
+          </a:p>
+          <a:p>
+            <a:pPr algn="r"/>
+            <a:r>
+              <a:rPr lang="en-US" sz="4000" b="1" spc="50" dirty="0">
+                <a:ln w="13500">
+                  <a:solidFill>
+                    <a:schemeClr val="accent1">
+                      <a:shade val="2500"/>
+                      <a:alpha val="6500"/>
+                    </a:schemeClr>
+                  </a:solidFill>
+                  <a:prstDash val="solid"/>
+                </a:ln>
+                <a:solidFill>
+                  <a:schemeClr val="accent1">
+                    <a:tint val="3000"/>
+                    <a:alpha val="95000"/>
+                  </a:schemeClr>
+                </a:solidFill>
+                <a:effectLst>
+                  <a:innerShdw blurRad="50900" dist="38500" dir="13500000">
+                    <a:srgbClr val="000000">
+                      <a:alpha val="60000"/>
+                    </a:srgbClr>
+                  </a:innerShdw>
+                </a:effectLst>
+              </a:rPr>
+              <a:t>m</a:t>
+            </a:r>
+            <a:r>
+              <a:rPr lang="en-US" sz="4000" b="1" spc="50" dirty="0" smtClean="0">
+                <a:ln w="13500">
+                  <a:solidFill>
+                    <a:schemeClr val="accent1">
+                      <a:shade val="2500"/>
+                      <a:alpha val="6500"/>
+                    </a:schemeClr>
+                  </a:solidFill>
+                  <a:prstDash val="solid"/>
+                </a:ln>
+                <a:solidFill>
+                  <a:schemeClr val="accent1">
+                    <a:tint val="3000"/>
+                    <a:alpha val="95000"/>
+                  </a:schemeClr>
+                </a:solidFill>
+                <a:effectLst>
+                  <a:innerShdw blurRad="50900" dist="38500" dir="13500000">
+                    <a:srgbClr val="000000">
+                      <a:alpha val="60000"/>
+                    </a:srgbClr>
+                  </a:innerShdw>
+                </a:effectLst>
+              </a:rPr>
+              <a:t>ichael.neel@gmail.com</a:t>
+            </a:r>
+          </a:p>
+          <a:p>
+            <a:pPr algn="r"/>
+            <a:r>
+              <a:rPr lang="en-US" sz="4000" b="1" cap="none" spc="50" dirty="0" smtClean="0">
+                <a:ln w="13500">
+                  <a:solidFill>
+                    <a:schemeClr val="accent1">
+                      <a:shade val="2500"/>
+                      <a:alpha val="6500"/>
+                    </a:schemeClr>
+                  </a:solidFill>
+                  <a:prstDash val="solid"/>
+                </a:ln>
+                <a:solidFill>
+                  <a:schemeClr val="accent1">
+                    <a:tint val="3000"/>
+                    <a:alpha val="95000"/>
+                  </a:schemeClr>
+                </a:solidFill>
+                <a:effectLst>
+                  <a:innerShdw blurRad="50900" dist="38500" dir="13500000">
+                    <a:srgbClr val="000000">
+                      <a:alpha val="60000"/>
+                    </a:srgbClr>
+                  </a:innerShdw>
+                </a:effectLst>
+              </a:rPr>
+              <a:t>www.vinull.com</a:t>
+            </a:r>
+            <a:endParaRPr lang="en-US" sz="4000" b="1" cap="none" spc="50" dirty="0">
+              <a:ln w="13500">
+                <a:solidFill>
+                  <a:schemeClr val="accent1">
+                    <a:shade val="2500"/>
+                    <a:alpha val="6500"/>
+                  </a:schemeClr>
+                </a:solidFill>
+                <a:prstDash val="solid"/>
+              </a:ln>
+              <a:solidFill>
+                <a:schemeClr val="accent1">
+                  <a:tint val="3000"/>
+                  <a:alpha val="95000"/>
+                </a:schemeClr>
+              </a:solidFill>
+              <a:effectLst>
+                <a:innerShdw blurRad="50900" dist="38500" dir="13500000">
+                  <a:srgbClr val="000000">
+                    <a:alpha val="60000"/>
+                  </a:srgbClr>
+                </a:innerShdw>
+              </a:effectLst>
+            </a:endParaRPr>
+          </a:p>
+        </p:txBody>
+      </p:sp>
+      <p:pic>
+        <p:nvPicPr>
+          <p:cNvPr id="1027" name="Picture 3"/>
+          <p:cNvPicPr>
+            <a:picLocks noChangeAspect="1" noChangeArrowheads="1"/>
+          </p:cNvPicPr>
+          <p:nvPr/>
+        </p:nvPicPr>
+        <p:blipFill>
+          <a:blip r:embed="rId2" cstate="print"/>
+          <a:srcRect/>
+          <a:stretch>
+            <a:fillRect/>
+          </a:stretch>
+        </p:blipFill>
+        <p:spPr bwMode="auto">
+          <a:xfrm>
+            <a:off x="152400" y="76200"/>
+            <a:ext cx="2819400" cy="1486400"/>
+          </a:xfrm>
+          <a:prstGeom prst="rect">
+            <a:avLst/>
+          </a:prstGeom>
+          <a:noFill/>
+          <a:ln w="9525">
+            <a:noFill/>
+            <a:miter lim="800000"/>
+            <a:headEnd/>
+            <a:tailEnd/>
+          </a:ln>
+          <a:effectLst/>
+        </p:spPr>
+      </p:pic>
+      <p:pic>
+        <p:nvPicPr>
+          <p:cNvPr id="3" name="Picture 4"/>
+          <p:cNvPicPr>
+            <a:picLocks noChangeAspect="1" noChangeArrowheads="1"/>
+          </p:cNvPicPr>
+          <p:nvPr/>
+        </p:nvPicPr>
+        <p:blipFill>
+          <a:blip r:embed="rId3" cstate="print"/>
+          <a:srcRect/>
+          <a:stretch>
+            <a:fillRect/>
+          </a:stretch>
+        </p:blipFill>
+        <p:spPr bwMode="auto">
+          <a:xfrm>
+            <a:off x="3599657" y="349315"/>
+            <a:ext cx="2325687" cy="940171"/>
+          </a:xfrm>
+          <a:prstGeom prst="rect">
+            <a:avLst/>
+          </a:prstGeom>
+          <a:noFill/>
+          <a:ln w="9525">
+            <a:noFill/>
+            <a:miter lim="800000"/>
+            <a:headEnd/>
+            <a:tailEnd/>
+          </a:ln>
+          <a:effectLst/>
+        </p:spPr>
+      </p:pic>
+      <p:pic>
+        <p:nvPicPr>
+          <p:cNvPr id="1033" name="Picture 9" descr="C:\Users\Mike\Desktop\insiders.png"/>
+          <p:cNvPicPr>
+            <a:picLocks noChangeAspect="1" noChangeArrowheads="1"/>
+          </p:cNvPicPr>
+          <p:nvPr/>
+        </p:nvPicPr>
+        <p:blipFill>
+          <a:blip r:embed="rId4" cstate="print"/>
+          <a:srcRect/>
+          <a:stretch>
+            <a:fillRect/>
+          </a:stretch>
+        </p:blipFill>
+        <p:spPr bwMode="auto">
+          <a:xfrm>
+            <a:off x="6553200" y="393950"/>
+            <a:ext cx="2214274" cy="850900"/>
+          </a:xfrm>
+          <a:prstGeom prst="rect">
+            <a:avLst/>
+          </a:prstGeom>
+          <a:noFill/>
+        </p:spPr>
+      </p:pic>
+      <p:pic>
+        <p:nvPicPr>
+          <p:cNvPr id="1034" name="Picture 10"/>
+          <p:cNvPicPr>
+            <a:picLocks noChangeAspect="1" noChangeArrowheads="1"/>
+          </p:cNvPicPr>
+          <p:nvPr/>
+        </p:nvPicPr>
+        <p:blipFill>
+          <a:blip r:embed="rId5" cstate="print"/>
+          <a:srcRect/>
+          <a:stretch>
+            <a:fillRect/>
+          </a:stretch>
+        </p:blipFill>
+        <p:spPr bwMode="auto">
+          <a:xfrm rot="21238161">
+            <a:off x="228600" y="2266349"/>
+            <a:ext cx="1981200" cy="4358289"/>
+          </a:xfrm>
+          <a:prstGeom prst="rect">
+            <a:avLst/>
+          </a:prstGeom>
+          <a:noFill/>
+          <a:ln w="9525">
+            <a:noFill/>
+            <a:miter lim="800000"/>
+            <a:headEnd/>
+            <a:tailEnd/>
+          </a:ln>
+          <a:effectLst/>
+        </p:spPr>
+      </p:pic>
+      <p:sp>
+        <p:nvSpPr>
+          <p:cNvPr id="18" name="Rectangle 17"/>
+          <p:cNvSpPr/>
+          <p:nvPr/>
+        </p:nvSpPr>
+        <p:spPr>
+          <a:xfrm>
+            <a:off x="2362200" y="2057400"/>
+            <a:ext cx="5945090" cy="2339102"/>
+          </a:xfrm>
+          <a:prstGeom prst="rect">
+            <a:avLst/>
+          </a:prstGeom>
+          <a:noFill/>
+        </p:spPr>
+        <p:txBody>
+          <a:bodyPr wrap="none" lIns="91440" tIns="45720" rIns="91440" bIns="45720">
+            <a:spAutoFit/>
+          </a:bodyPr>
+          <a:lstStyle/>
+          <a:p>
             <a:pPr algn="ctr"/>
+            <a:r>
+              <a:rPr lang="en-US" sz="6600" b="1" cap="none" spc="50" dirty="0" err="1" smtClean="0">
+                <a:ln w="13500">
+                  <a:solidFill>
+                    <a:schemeClr val="accent1">
+                      <a:shade val="2500"/>
+                      <a:alpha val="6500"/>
+                    </a:schemeClr>
+                  </a:solidFill>
+                  <a:prstDash val="solid"/>
+                </a:ln>
+                <a:solidFill>
+                  <a:schemeClr val="accent1">
+                    <a:tint val="3000"/>
+                    <a:alpha val="95000"/>
+                  </a:schemeClr>
+                </a:solidFill>
+                <a:effectLst>
+                  <a:innerShdw blurRad="50900" dist="38500" dir="13500000">
+                    <a:srgbClr val="000000">
+                      <a:alpha val="60000"/>
+                    </a:srgbClr>
+                  </a:innerShdw>
+                </a:effectLst>
+              </a:rPr>
+              <a:t>FuncWorks</a:t>
+            </a:r>
+            <a:r>
+              <a:rPr lang="en-US" sz="6600" b="1" cap="none" spc="50" dirty="0" smtClean="0">
+                <a:ln w="13500">
+                  <a:solidFill>
+                    <a:schemeClr val="accent1">
+                      <a:shade val="2500"/>
+                      <a:alpha val="6500"/>
+                    </a:schemeClr>
+                  </a:solidFill>
+                  <a:prstDash val="solid"/>
+                </a:ln>
+                <a:solidFill>
+                  <a:schemeClr val="accent1">
+                    <a:tint val="3000"/>
+                    <a:alpha val="95000"/>
+                  </a:schemeClr>
+                </a:solidFill>
+                <a:effectLst>
+                  <a:innerShdw blurRad="50900" dist="38500" dir="13500000">
+                    <a:srgbClr val="000000">
+                      <a:alpha val="60000"/>
+                    </a:srgbClr>
+                  </a:innerShdw>
+                </a:effectLst>
+              </a:rPr>
+              <a:t>, LLC.</a:t>
+            </a:r>
+          </a:p>
+          <a:p>
+            <a:pPr algn="ctr"/>
+            <a:r>
+              <a:rPr lang="en-US" sz="4000" b="1" spc="50" dirty="0" smtClean="0">
+                <a:ln w="13500">
+                  <a:solidFill>
+                    <a:schemeClr val="accent1">
+                      <a:shade val="2500"/>
+                      <a:alpha val="6500"/>
+                    </a:schemeClr>
+                  </a:solidFill>
+                  <a:prstDash val="solid"/>
+                </a:ln>
+                <a:solidFill>
+                  <a:schemeClr val="accent1">
+                    <a:tint val="3000"/>
+                    <a:alpha val="95000"/>
+                  </a:schemeClr>
+                </a:solidFill>
+                <a:effectLst>
+                  <a:innerShdw blurRad="50900" dist="38500" dir="13500000">
+                    <a:srgbClr val="000000">
+                      <a:alpha val="60000"/>
+                    </a:srgbClr>
+                  </a:innerShdw>
+                </a:effectLst>
+              </a:rPr>
+              <a:t>Feel The </a:t>
+            </a:r>
+            <a:r>
+              <a:rPr lang="en-US" sz="4000" b="1" spc="50" dirty="0" err="1" smtClean="0">
+                <a:ln w="13500">
+                  <a:solidFill>
+                    <a:schemeClr val="accent1">
+                      <a:shade val="2500"/>
+                      <a:alpha val="6500"/>
+                    </a:schemeClr>
+                  </a:solidFill>
+                  <a:prstDash val="solid"/>
+                </a:ln>
+                <a:solidFill>
+                  <a:schemeClr val="accent1">
+                    <a:tint val="3000"/>
+                    <a:alpha val="95000"/>
+                  </a:schemeClr>
+                </a:solidFill>
+                <a:effectLst>
+                  <a:innerShdw blurRad="50900" dist="38500" dir="13500000">
+                    <a:srgbClr val="000000">
+                      <a:alpha val="60000"/>
+                    </a:srgbClr>
+                  </a:innerShdw>
+                </a:effectLst>
+              </a:rPr>
+              <a:t>Func</a:t>
+            </a:r>
+            <a:r>
+              <a:rPr lang="en-US" sz="4000" b="1" spc="50" dirty="0" smtClean="0">
+                <a:ln w="13500">
+                  <a:solidFill>
+                    <a:schemeClr val="accent1">
+                      <a:shade val="2500"/>
+                      <a:alpha val="6500"/>
+                    </a:schemeClr>
+                  </a:solidFill>
+                  <a:prstDash val="solid"/>
+                </a:ln>
+                <a:solidFill>
+                  <a:schemeClr val="accent1">
+                    <a:tint val="3000"/>
+                    <a:alpha val="95000"/>
+                  </a:schemeClr>
+                </a:solidFill>
+                <a:effectLst>
+                  <a:innerShdw blurRad="50900" dist="38500" dir="13500000">
+                    <a:srgbClr val="000000">
+                      <a:alpha val="60000"/>
+                    </a:srgbClr>
+                  </a:innerShdw>
+                </a:effectLst>
+              </a:rPr>
+              <a:t> Podcast</a:t>
+            </a:r>
+          </a:p>
+          <a:p>
+            <a:pPr algn="ctr"/>
+            <a:r>
+              <a:rPr lang="en-US" sz="4000" b="1" spc="50" dirty="0" smtClean="0">
+                <a:ln w="13500">
+                  <a:solidFill>
+                    <a:schemeClr val="accent1">
+                      <a:shade val="2500"/>
+                      <a:alpha val="6500"/>
+                    </a:schemeClr>
+                  </a:solidFill>
+                  <a:prstDash val="solid"/>
+                </a:ln>
+                <a:solidFill>
+                  <a:schemeClr val="accent1">
+                    <a:tint val="3000"/>
+                    <a:alpha val="95000"/>
+                  </a:schemeClr>
+                </a:solidFill>
+                <a:effectLst>
+                  <a:innerShdw blurRad="50900" dist="38500" dir="13500000">
+                    <a:srgbClr val="000000">
+                      <a:alpha val="60000"/>
+                    </a:srgbClr>
+                  </a:innerShdw>
+                </a:effectLst>
+              </a:rPr>
+              <a:t>F</a:t>
+            </a:r>
+            <a:r>
+              <a:rPr lang="en-US" sz="4000" b="1" cap="none" spc="50" dirty="0" smtClean="0">
+                <a:ln w="13500">
+                  <a:solidFill>
+                    <a:schemeClr val="accent1">
+                      <a:shade val="2500"/>
+                      <a:alpha val="6500"/>
+                    </a:schemeClr>
+                  </a:solidFill>
+                  <a:prstDash val="solid"/>
+                </a:ln>
+                <a:solidFill>
+                  <a:schemeClr val="accent1">
+                    <a:tint val="3000"/>
+                    <a:alpha val="95000"/>
+                  </a:schemeClr>
+                </a:solidFill>
+                <a:effectLst>
+                  <a:innerShdw blurRad="50900" dist="38500" dir="13500000">
+                    <a:srgbClr val="000000">
+                      <a:alpha val="60000"/>
+                    </a:srgbClr>
+                  </a:innerShdw>
+                </a:effectLst>
+              </a:rPr>
+              <a:t>eelTheFunc.com</a:t>
+            </a:r>
+            <a:endParaRPr lang="en-US" sz="2800" b="1" cap="none" spc="50" dirty="0">
+              <a:ln w="13500">
+                <a:solidFill>
+                  <a:schemeClr val="accent1">
+                    <a:shade val="2500"/>
+                    <a:alpha val="6500"/>
+                  </a:schemeClr>
+                </a:solidFill>
+                <a:prstDash val="solid"/>
+              </a:ln>
+              <a:solidFill>
+                <a:schemeClr val="accent1">
+                  <a:tint val="3000"/>
+                  <a:alpha val="95000"/>
+                </a:schemeClr>
+              </a:solidFill>
+              <a:effectLst>
+                <a:innerShdw blurRad="50900" dist="38500" dir="13500000">
+                  <a:srgbClr val="000000">
+                    <a:alpha val="60000"/>
+                  </a:srgbClr>
+                </a:innerShdw>
+              </a:effectLst>
+            </a:endParaRPr>
+          </a:p>
+        </p:txBody>
+      </p:sp>
+    </p:spTree>
+  </p:cSld>
+  <p:clrMapOvr>
+    <a:masterClrMapping/>
+  </p:clrMapOvr>
+  <p:transition/>
+  <p:timing>
+    <p:tnLst>
+      <p:par>
+        <p:cTn id="1" dur="indefinite" restart="never" nodeType="tmRoot"/>
+      </p:par>
+    </p:tnLst>
+  </p:timing>
+</p:sld>
+</file>
+
+<file path=ppt/slides/slide20.xml><?xml version="1.0" encoding="utf-8"?>
+<p:sld xmlns:a="http://schemas.openxmlformats.org/drawingml/2006/main" xmlns:r="http://schemas.openxmlformats.org/officeDocument/2006/relationships" xmlns:p="http://schemas.openxmlformats.org/presentationml/2006/main">
+  <p:cSld>
+    <p:spTree>
+      <p:nvGrpSpPr>
+        <p:cNvPr id="1" name=""/>
+        <p:cNvGrpSpPr/>
+        <p:nvPr/>
+      </p:nvGrpSpPr>
+      <p:grpSpPr>
+        <a:xfrm>
+          <a:off x="0" y="0"/>
+          <a:ext cx="0" cy="0"/>
+          <a:chOff x="0" y="0"/>
+          <a:chExt cx="0" cy="0"/>
+        </a:xfrm>
+      </p:grpSpPr>
+      <p:sp>
+        <p:nvSpPr>
+          <p:cNvPr id="2" name="Title 1"/>
+          <p:cNvSpPr>
+            <a:spLocks noGrp="1"/>
+          </p:cNvSpPr>
+          <p:nvPr>
+            <p:ph type="title"/>
+          </p:nvPr>
+        </p:nvSpPr>
+        <p:spPr/>
+        <p:txBody>
+          <a:bodyPr/>
+          <a:lstStyle/>
+          <a:p>
+            <a:r>
+              <a:rPr lang="en-US" dirty="0" smtClean="0"/>
+              <a:t>More than one way to Index</a:t>
+            </a:r>
+            <a:endParaRPr lang="en-US" dirty="0"/>
+          </a:p>
+        </p:txBody>
+      </p:sp>
+      <p:sp>
+        <p:nvSpPr>
+          <p:cNvPr id="3" name="Content Placeholder 2"/>
+          <p:cNvSpPr>
+            <a:spLocks noGrp="1"/>
+          </p:cNvSpPr>
+          <p:nvPr>
+            <p:ph idx="1"/>
+          </p:nvPr>
+        </p:nvSpPr>
+        <p:spPr>
+          <a:xfrm>
+            <a:off x="457200" y="1600200"/>
+            <a:ext cx="4114800" cy="4525963"/>
+          </a:xfrm>
+        </p:spPr>
+        <p:txBody>
+          <a:bodyPr>
+            <a:normAutofit fontScale="92500" lnSpcReduction="10000"/>
+          </a:bodyPr>
+          <a:lstStyle/>
+          <a:p>
+            <a:r>
+              <a:rPr lang="en-US" dirty="0" err="1" smtClean="0"/>
+              <a:t>IndexWriter</a:t>
+            </a:r>
+            <a:endParaRPr lang="en-US" dirty="0" smtClean="0"/>
+          </a:p>
+          <a:p>
+            <a:r>
+              <a:rPr lang="en-US" dirty="0" err="1" smtClean="0"/>
+              <a:t>IndexReader</a:t>
+            </a:r>
+            <a:endParaRPr lang="en-US" dirty="0" smtClean="0"/>
+          </a:p>
+          <a:p>
+            <a:r>
+              <a:rPr lang="en-US" dirty="0" err="1" smtClean="0"/>
+              <a:t>IndexModifer</a:t>
+            </a:r>
+            <a:r>
+              <a:rPr lang="en-US" dirty="0" smtClean="0"/>
+              <a:t/>
+            </a:r>
+            <a:br>
+              <a:rPr lang="en-US" dirty="0" smtClean="0"/>
+            </a:br>
+            <a:r>
+              <a:rPr lang="en-US" dirty="0" smtClean="0"/>
+              <a:t/>
+            </a:r>
+            <a:br>
+              <a:rPr lang="en-US" dirty="0" smtClean="0"/>
+            </a:br>
+            <a:r>
+              <a:rPr lang="en-US" dirty="0" smtClean="0"/>
+              <a:t>Set Analyzer</a:t>
+            </a:r>
+            <a:br>
+              <a:rPr lang="en-US" dirty="0" smtClean="0"/>
+            </a:br>
+            <a:r>
+              <a:rPr lang="en-US" dirty="0" smtClean="0"/>
+              <a:t>Use Optimize()</a:t>
+            </a:r>
+            <a:br>
+              <a:rPr lang="en-US" dirty="0" smtClean="0"/>
+            </a:br>
+            <a:r>
+              <a:rPr lang="en-US" dirty="0" smtClean="0"/>
+              <a:t>Always Close()</a:t>
+            </a:r>
+            <a:br>
+              <a:rPr lang="en-US" dirty="0" smtClean="0"/>
+            </a:br>
+            <a:r>
+              <a:rPr lang="en-US" dirty="0" smtClean="0"/>
+              <a:t>Reload for Changes</a:t>
+            </a:r>
+            <a:br>
+              <a:rPr lang="en-US" dirty="0" smtClean="0"/>
+            </a:br>
+            <a:endParaRPr lang="en-US" dirty="0" smtClean="0"/>
+          </a:p>
+          <a:p>
+            <a:r>
+              <a:rPr lang="en-US" dirty="0" err="1" smtClean="0"/>
+              <a:t>IndexSearcher</a:t>
+            </a:r>
+            <a:endParaRPr lang="en-US" dirty="0" smtClean="0"/>
+          </a:p>
+          <a:p>
+            <a:endParaRPr lang="en-US" dirty="0"/>
+          </a:p>
+        </p:txBody>
+      </p:sp>
+      <p:pic>
+        <p:nvPicPr>
+          <p:cNvPr id="9218" name="Picture 2"/>
+          <p:cNvPicPr>
+            <a:picLocks noChangeAspect="1" noChangeArrowheads="1"/>
+          </p:cNvPicPr>
+          <p:nvPr/>
+        </p:nvPicPr>
+        <p:blipFill>
+          <a:blip r:embed="rId3" cstate="print"/>
+          <a:srcRect/>
+          <a:stretch>
+            <a:fillRect/>
+          </a:stretch>
+        </p:blipFill>
+        <p:spPr bwMode="auto">
+          <a:xfrm>
+            <a:off x="5105400" y="1447800"/>
+            <a:ext cx="3171825" cy="4762500"/>
+          </a:xfrm>
+          <a:prstGeom prst="rect">
+            <a:avLst/>
+          </a:prstGeom>
+          <a:noFill/>
+          <a:ln w="9525">
+            <a:noFill/>
+            <a:miter lim="800000"/>
+            <a:headEnd/>
+            <a:tailEnd/>
+          </a:ln>
+        </p:spPr>
+      </p:pic>
+    </p:spTree>
+  </p:cSld>
+  <p:clrMapOvr>
+    <a:masterClrMapping/>
+  </p:clrMapOvr>
+  <p:timing>
+    <p:tnLst>
+      <p:par>
+        <p:cTn id="1" dur="indefinite" restart="never" nodeType="tmRoot">
+          <p:childTnLst>
+            <p:seq concurrent="1" nextAc="seek">
+              <p:cTn id="2" dur="indefinite" nodeType="mainSeq">
+                <p:childTnLst>
+                  <p:par>
+                    <p:cTn id="3" fill="hold">
+                      <p:stCondLst>
+                        <p:cond delay="indefinite"/>
+                      </p:stCondLst>
+                      <p:childTnLst>
+                        <p:par>
+                          <p:cTn id="4" fill="hold">
+                            <p:stCondLst>
+                              <p:cond delay="0"/>
+                            </p:stCondLst>
+                            <p:childTnLst>
+                              <p:par>
+                                <p:cTn id="5" presetID="1" presetClass="entr" presetSubtype="0" fill="hold" grpId="0" nodeType="clickEffect">
+                                  <p:stCondLst>
+                                    <p:cond delay="0"/>
+                                  </p:stCondLst>
+                                  <p:childTnLst>
+                                    <p:set>
+                                      <p:cBhvr>
+                                        <p:cTn id="6" dur="1" fill="hold">
+                                          <p:stCondLst>
+                                            <p:cond delay="0"/>
+                                          </p:stCondLst>
+                                        </p:cTn>
+                                        <p:tgtEl>
+                                          <p:spTgt spid="3">
+                                            <p:txEl>
+                                              <p:pRg st="0" end="0"/>
+                                            </p:txEl>
+                                          </p:spTgt>
+                                        </p:tgtEl>
+                                        <p:attrNameLst>
+                                          <p:attrName>style.visibility</p:attrName>
+                                        </p:attrNameLst>
+                                      </p:cBhvr>
+                                      <p:to>
+                                        <p:strVal val="visible"/>
+                                      </p:to>
+                                    </p:set>
+                                  </p:childTnLst>
+                                </p:cTn>
+                              </p:par>
+                            </p:childTnLst>
+                          </p:cTn>
+                        </p:par>
+                      </p:childTnLst>
+                    </p:cTn>
+                  </p:par>
+                  <p:par>
+                    <p:cTn id="7" fill="hold">
+                      <p:stCondLst>
+                        <p:cond delay="indefinite"/>
+                      </p:stCondLst>
+                      <p:childTnLst>
+                        <p:par>
+                          <p:cTn id="8" fill="hold">
+                            <p:stCondLst>
+                              <p:cond delay="0"/>
+                            </p:stCondLst>
+                            <p:childTnLst>
+                              <p:par>
+                                <p:cTn id="9" presetID="1" presetClass="entr" presetSubtype="0" fill="hold" grpId="0" nodeType="clickEffect">
+                                  <p:stCondLst>
+                                    <p:cond delay="0"/>
+                                  </p:stCondLst>
+                                  <p:childTnLst>
+                                    <p:set>
+                                      <p:cBhvr>
+                                        <p:cTn id="10" dur="1" fill="hold">
+                                          <p:stCondLst>
+                                            <p:cond delay="0"/>
+                                          </p:stCondLst>
+                                        </p:cTn>
+                                        <p:tgtEl>
+                                          <p:spTgt spid="3">
+                                            <p:txEl>
+                                              <p:pRg st="1" end="1"/>
+                                            </p:txEl>
+                                          </p:spTgt>
+                                        </p:tgtEl>
+                                        <p:attrNameLst>
+                                          <p:attrName>style.visibility</p:attrName>
+                                        </p:attrNameLst>
+                                      </p:cBhvr>
+                                      <p:to>
+                                        <p:strVal val="visible"/>
+                                      </p:to>
+                                    </p:set>
+                                  </p:childTnLst>
+                                </p:cTn>
+                              </p:par>
+                            </p:childTnLst>
+                          </p:cTn>
+                        </p:par>
+                      </p:childTnLst>
+                    </p:cTn>
+                  </p:par>
+                  <p:par>
+                    <p:cTn id="11" fill="hold">
+                      <p:stCondLst>
+                        <p:cond delay="indefinite"/>
+                      </p:stCondLst>
+                      <p:childTnLst>
+                        <p:par>
+                          <p:cTn id="12" fill="hold">
+                            <p:stCondLst>
+                              <p:cond delay="0"/>
+                            </p:stCondLst>
+                            <p:childTnLst>
+                              <p:par>
+                                <p:cTn id="13" presetID="1" presetClass="entr" presetSubtype="0" fill="hold" grpId="0" nodeType="clickEffect">
+                                  <p:stCondLst>
+                                    <p:cond delay="0"/>
+                                  </p:stCondLst>
+                                  <p:childTnLst>
+                                    <p:set>
+                                      <p:cBhvr>
+                                        <p:cTn id="14" dur="1" fill="hold">
+                                          <p:stCondLst>
+                                            <p:cond delay="0"/>
+                                          </p:stCondLst>
+                                        </p:cTn>
+                                        <p:tgtEl>
+                                          <p:spTgt spid="3">
+                                            <p:txEl>
+                                              <p:pRg st="2" end="2"/>
+                                            </p:txEl>
+                                          </p:spTgt>
+                                        </p:tgtEl>
+                                        <p:attrNameLst>
+                                          <p:attrName>style.visibility</p:attrName>
+                                        </p:attrNameLst>
+                                      </p:cBhvr>
+                                      <p:to>
+                                        <p:strVal val="visible"/>
+                                      </p:to>
+                                    </p:set>
+                                  </p:childTnLst>
+                                </p:cTn>
+                              </p:par>
+                            </p:childTnLst>
+                          </p:cTn>
+                        </p:par>
+                      </p:childTnLst>
+                    </p:cTn>
+                  </p:par>
+                  <p:par>
+                    <p:cTn id="15" fill="hold">
+                      <p:stCondLst>
+                        <p:cond delay="indefinite"/>
+                      </p:stCondLst>
+                      <p:childTnLst>
+                        <p:par>
+                          <p:cTn id="16" fill="hold">
+                            <p:stCondLst>
+                              <p:cond delay="0"/>
+                            </p:stCondLst>
+                            <p:childTnLst>
+                              <p:par>
+                                <p:cTn id="17" presetID="1" presetClass="entr" presetSubtype="0" fill="hold" grpId="0" nodeType="clickEffect">
+                                  <p:stCondLst>
+                                    <p:cond delay="0"/>
+                                  </p:stCondLst>
+                                  <p:childTnLst>
+                                    <p:set>
+                                      <p:cBhvr>
+                                        <p:cTn id="18" dur="1" fill="hold">
+                                          <p:stCondLst>
+                                            <p:cond delay="0"/>
+                                          </p:stCondLst>
+                                        </p:cTn>
+                                        <p:tgtEl>
+                                          <p:spTgt spid="3">
+                                            <p:txEl>
+                                              <p:pRg st="3" end="3"/>
+                                            </p:txEl>
+                                          </p:spTgt>
+                                        </p:tgtEl>
+                                        <p:attrNameLst>
+                                          <p:attrName>style.visibility</p:attrName>
+                                        </p:attrNameLst>
+                                      </p:cBhvr>
+                                      <p:to>
+                                        <p:strVal val="visible"/>
+                                      </p:to>
+                                    </p:set>
+                                  </p:childTnLst>
+                                </p:cTn>
+                              </p:par>
+                            </p:childTnLst>
+                          </p:cTn>
+                        </p:par>
+                      </p:childTnLst>
+                    </p:cTn>
+                  </p:par>
+                </p:childTnLst>
+              </p:cTn>
+              <p:prevCondLst>
+                <p:cond evt="onPrev" delay="0">
+                  <p:tgtEl>
+                    <p:sldTgt/>
+                  </p:tgtEl>
+                </p:cond>
+              </p:prevCondLst>
+              <p:nextCondLst>
+                <p:cond evt="onNext" delay="0">
+                  <p:tgtEl>
+                    <p:sldTgt/>
+                  </p:tgtEl>
+                </p:cond>
+              </p:nextCondLst>
+            </p:seq>
+          </p:childTnLst>
+        </p:cTn>
+      </p:par>
+    </p:tnLst>
+    <p:bldLst>
+      <p:bldP spid="3" grpId="0" build="p"/>
+    </p:bldLst>
+  </p:timing>
+</p:sld>
+</file>
+
+<file path=ppt/slides/slide21.xml><?xml version="1.0" encoding="utf-8"?>
+<p:sld xmlns:a="http://schemas.openxmlformats.org/drawingml/2006/main" xmlns:r="http://schemas.openxmlformats.org/officeDocument/2006/relationships" xmlns:p="http://schemas.openxmlformats.org/presentationml/2006/main">
+  <p:cSld>
+    <p:spTree>
+      <p:nvGrpSpPr>
+        <p:cNvPr id="1" name=""/>
+        <p:cNvGrpSpPr/>
+        <p:nvPr/>
+      </p:nvGrpSpPr>
+      <p:grpSpPr>
+        <a:xfrm>
+          <a:off x="0" y="0"/>
+          <a:ext cx="0" cy="0"/>
+          <a:chOff x="0" y="0"/>
+          <a:chExt cx="0" cy="0"/>
+        </a:xfrm>
+      </p:grpSpPr>
+      <p:sp>
+        <p:nvSpPr>
+          <p:cNvPr id="2" name="Title 1"/>
+          <p:cNvSpPr>
+            <a:spLocks noGrp="1"/>
+          </p:cNvSpPr>
+          <p:nvPr>
+            <p:ph type="title"/>
+          </p:nvPr>
+        </p:nvSpPr>
+        <p:spPr/>
+        <p:txBody>
+          <a:bodyPr/>
+          <a:lstStyle/>
+          <a:p>
+            <a:r>
+              <a:rPr lang="en-US" dirty="0" smtClean="0"/>
+              <a:t>Store it somewhere</a:t>
+            </a:r>
+            <a:endParaRPr lang="en-US" dirty="0"/>
+          </a:p>
+        </p:txBody>
+      </p:sp>
+      <p:sp>
+        <p:nvSpPr>
+          <p:cNvPr id="3" name="Content Placeholder 2"/>
+          <p:cNvSpPr>
+            <a:spLocks noGrp="1"/>
+          </p:cNvSpPr>
+          <p:nvPr>
+            <p:ph idx="1"/>
+          </p:nvPr>
+        </p:nvSpPr>
+        <p:spPr>
+          <a:xfrm>
+            <a:off x="457200" y="1676400"/>
+            <a:ext cx="4114800" cy="4525963"/>
+          </a:xfrm>
+        </p:spPr>
+        <p:txBody>
+          <a:bodyPr/>
+          <a:lstStyle/>
+          <a:p>
+            <a:r>
+              <a:rPr lang="en-US" dirty="0" err="1" smtClean="0"/>
+              <a:t>FSDirectory</a:t>
+            </a:r>
+            <a:endParaRPr lang="en-US" dirty="0" smtClean="0"/>
+          </a:p>
+          <a:p>
+            <a:r>
+              <a:rPr lang="en-US" dirty="0" err="1" smtClean="0"/>
+              <a:t>RAMDirectory</a:t>
+            </a:r>
+            <a:endParaRPr lang="en-US" dirty="0" smtClean="0"/>
+          </a:p>
+          <a:p>
+            <a:r>
+              <a:rPr lang="en-US" dirty="0" smtClean="0"/>
+              <a:t>Your Own Store</a:t>
+            </a:r>
+          </a:p>
+          <a:p>
+            <a:pPr lvl="1"/>
+            <a:r>
+              <a:rPr lang="en-US" dirty="0" smtClean="0"/>
+              <a:t>SQL Database</a:t>
+            </a:r>
+          </a:p>
+          <a:p>
+            <a:pPr lvl="1"/>
+            <a:r>
+              <a:rPr lang="en-US" dirty="0" err="1" smtClean="0"/>
+              <a:t>Memcached</a:t>
+            </a:r>
+            <a:endParaRPr lang="en-US" dirty="0" smtClean="0"/>
+          </a:p>
+          <a:p>
+            <a:pPr lvl="1"/>
+            <a:r>
+              <a:rPr lang="en-US" dirty="0" smtClean="0"/>
+              <a:t>Velocity</a:t>
+            </a:r>
+            <a:endParaRPr lang="en-US" dirty="0"/>
+          </a:p>
+        </p:txBody>
+      </p:sp>
+      <p:pic>
+        <p:nvPicPr>
+          <p:cNvPr id="10242" name="Picture 2"/>
+          <p:cNvPicPr>
+            <a:picLocks noChangeAspect="1" noChangeArrowheads="1"/>
+          </p:cNvPicPr>
+          <p:nvPr/>
+        </p:nvPicPr>
+        <p:blipFill>
+          <a:blip r:embed="rId3" cstate="print"/>
+          <a:srcRect/>
+          <a:stretch>
+            <a:fillRect/>
+          </a:stretch>
+        </p:blipFill>
+        <p:spPr bwMode="auto">
+          <a:xfrm>
+            <a:off x="5105400" y="1524000"/>
+            <a:ext cx="3571875" cy="4762500"/>
+          </a:xfrm>
+          <a:prstGeom prst="rect">
+            <a:avLst/>
+          </a:prstGeom>
+          <a:noFill/>
+          <a:ln w="9525">
+            <a:noFill/>
+            <a:miter lim="800000"/>
+            <a:headEnd/>
+            <a:tailEnd/>
+          </a:ln>
+        </p:spPr>
+      </p:pic>
+    </p:spTree>
+  </p:cSld>
+  <p:clrMapOvr>
+    <a:masterClrMapping/>
+  </p:clrMapOvr>
+  <p:timing>
+    <p:tnLst>
+      <p:par>
+        <p:cTn id="1" dur="indefinite" restart="never" nodeType="tmRoot">
+          <p:childTnLst>
+            <p:seq concurrent="1" nextAc="seek">
+              <p:cTn id="2" dur="indefinite" nodeType="mainSeq">
+                <p:childTnLst>
+                  <p:par>
+                    <p:cTn id="3" fill="hold">
+                      <p:stCondLst>
+                        <p:cond delay="indefinite"/>
+                      </p:stCondLst>
+                      <p:childTnLst>
+                        <p:par>
+                          <p:cTn id="4" fill="hold">
+                            <p:stCondLst>
+                              <p:cond delay="0"/>
+                            </p:stCondLst>
+                            <p:childTnLst>
+                              <p:par>
+                                <p:cTn id="5" presetID="1" presetClass="entr" presetSubtype="0" fill="hold" grpId="0" nodeType="clickEffect">
+                                  <p:stCondLst>
+                                    <p:cond delay="0"/>
+                                  </p:stCondLst>
+                                  <p:childTnLst>
+                                    <p:set>
+                                      <p:cBhvr>
+                                        <p:cTn id="6" dur="1" fill="hold">
+                                          <p:stCondLst>
+                                            <p:cond delay="0"/>
+                                          </p:stCondLst>
+                                        </p:cTn>
+                                        <p:tgtEl>
+                                          <p:spTgt spid="3">
+                                            <p:txEl>
+                                              <p:pRg st="0" end="0"/>
+                                            </p:txEl>
+                                          </p:spTgt>
+                                        </p:tgtEl>
+                                        <p:attrNameLst>
+                                          <p:attrName>style.visibility</p:attrName>
+                                        </p:attrNameLst>
+                                      </p:cBhvr>
+                                      <p:to>
+                                        <p:strVal val="visible"/>
+                                      </p:to>
+                                    </p:set>
+                                  </p:childTnLst>
+                                </p:cTn>
+                              </p:par>
+                            </p:childTnLst>
+                          </p:cTn>
+                        </p:par>
+                      </p:childTnLst>
+                    </p:cTn>
+                  </p:par>
+                  <p:par>
+                    <p:cTn id="7" fill="hold">
+                      <p:stCondLst>
+                        <p:cond delay="indefinite"/>
+                      </p:stCondLst>
+                      <p:childTnLst>
+                        <p:par>
+                          <p:cTn id="8" fill="hold">
+                            <p:stCondLst>
+                              <p:cond delay="0"/>
+                            </p:stCondLst>
+                            <p:childTnLst>
+                              <p:par>
+                                <p:cTn id="9" presetID="1" presetClass="entr" presetSubtype="0" fill="hold" grpId="0" nodeType="clickEffect">
+                                  <p:stCondLst>
+                                    <p:cond delay="0"/>
+                                  </p:stCondLst>
+                                  <p:childTnLst>
+                                    <p:set>
+                                      <p:cBhvr>
+                                        <p:cTn id="10" dur="1" fill="hold">
+                                          <p:stCondLst>
+                                            <p:cond delay="0"/>
+                                          </p:stCondLst>
+                                        </p:cTn>
+                                        <p:tgtEl>
+                                          <p:spTgt spid="3">
+                                            <p:txEl>
+                                              <p:pRg st="1" end="1"/>
+                                            </p:txEl>
+                                          </p:spTgt>
+                                        </p:tgtEl>
+                                        <p:attrNameLst>
+                                          <p:attrName>style.visibility</p:attrName>
+                                        </p:attrNameLst>
+                                      </p:cBhvr>
+                                      <p:to>
+                                        <p:strVal val="visible"/>
+                                      </p:to>
+                                    </p:set>
+                                  </p:childTnLst>
+                                </p:cTn>
+                              </p:par>
+                            </p:childTnLst>
+                          </p:cTn>
+                        </p:par>
+                      </p:childTnLst>
+                    </p:cTn>
+                  </p:par>
+                  <p:par>
+                    <p:cTn id="11" fill="hold">
+                      <p:stCondLst>
+                        <p:cond delay="indefinite"/>
+                      </p:stCondLst>
+                      <p:childTnLst>
+                        <p:par>
+                          <p:cTn id="12" fill="hold">
+                            <p:stCondLst>
+                              <p:cond delay="0"/>
+                            </p:stCondLst>
+                            <p:childTnLst>
+                              <p:par>
+                                <p:cTn id="13" presetID="1" presetClass="entr" presetSubtype="0" fill="hold" grpId="0" nodeType="clickEffect">
+                                  <p:stCondLst>
+                                    <p:cond delay="0"/>
+                                  </p:stCondLst>
+                                  <p:childTnLst>
+                                    <p:set>
+                                      <p:cBhvr>
+                                        <p:cTn id="14" dur="1" fill="hold">
+                                          <p:stCondLst>
+                                            <p:cond delay="0"/>
+                                          </p:stCondLst>
+                                        </p:cTn>
+                                        <p:tgtEl>
+                                          <p:spTgt spid="3">
+                                            <p:txEl>
+                                              <p:pRg st="2" end="2"/>
+                                            </p:txEl>
+                                          </p:spTgt>
+                                        </p:tgtEl>
+                                        <p:attrNameLst>
+                                          <p:attrName>style.visibility</p:attrName>
+                                        </p:attrNameLst>
+                                      </p:cBhvr>
+                                      <p:to>
+                                        <p:strVal val="visible"/>
+                                      </p:to>
+                                    </p:set>
+                                  </p:childTnLst>
+                                </p:cTn>
+                              </p:par>
+                              <p:par>
+                                <p:cTn id="15" presetID="1" presetClass="entr" presetSubtype="0" fill="hold" grpId="0" nodeType="withEffect">
+                                  <p:stCondLst>
+                                    <p:cond delay="0"/>
+                                  </p:stCondLst>
+                                  <p:childTnLst>
+                                    <p:set>
+                                      <p:cBhvr>
+                                        <p:cTn id="16" dur="1" fill="hold">
+                                          <p:stCondLst>
+                                            <p:cond delay="0"/>
+                                          </p:stCondLst>
+                                        </p:cTn>
+                                        <p:tgtEl>
+                                          <p:spTgt spid="3">
+                                            <p:txEl>
+                                              <p:pRg st="3" end="3"/>
+                                            </p:txEl>
+                                          </p:spTgt>
+                                        </p:tgtEl>
+                                        <p:attrNameLst>
+                                          <p:attrName>style.visibility</p:attrName>
+                                        </p:attrNameLst>
+                                      </p:cBhvr>
+                                      <p:to>
+                                        <p:strVal val="visible"/>
+                                      </p:to>
+                                    </p:set>
+                                  </p:childTnLst>
+                                </p:cTn>
+                              </p:par>
+                              <p:par>
+                                <p:cTn id="17" presetID="1" presetClass="entr" presetSubtype="0" fill="hold" grpId="0" nodeType="withEffect">
+                                  <p:stCondLst>
+                                    <p:cond delay="0"/>
+                                  </p:stCondLst>
+                                  <p:childTnLst>
+                                    <p:set>
+                                      <p:cBhvr>
+                                        <p:cTn id="18" dur="1" fill="hold">
+                                          <p:stCondLst>
+                                            <p:cond delay="0"/>
+                                          </p:stCondLst>
+                                        </p:cTn>
+                                        <p:tgtEl>
+                                          <p:spTgt spid="3">
+                                            <p:txEl>
+                                              <p:pRg st="4" end="4"/>
+                                            </p:txEl>
+                                          </p:spTgt>
+                                        </p:tgtEl>
+                                        <p:attrNameLst>
+                                          <p:attrName>style.visibility</p:attrName>
+                                        </p:attrNameLst>
+                                      </p:cBhvr>
+                                      <p:to>
+                                        <p:strVal val="visible"/>
+                                      </p:to>
+                                    </p:set>
+                                  </p:childTnLst>
+                                </p:cTn>
+                              </p:par>
+                              <p:par>
+                                <p:cTn id="19" presetID="1" presetClass="entr" presetSubtype="0" fill="hold" grpId="0" nodeType="withEffect">
+                                  <p:stCondLst>
+                                    <p:cond delay="0"/>
+                                  </p:stCondLst>
+                                  <p:childTnLst>
+                                    <p:set>
+                                      <p:cBhvr>
+                                        <p:cTn id="20" dur="1" fill="hold">
+                                          <p:stCondLst>
+                                            <p:cond delay="0"/>
+                                          </p:stCondLst>
+                                        </p:cTn>
+                                        <p:tgtEl>
+                                          <p:spTgt spid="3">
+                                            <p:txEl>
+                                              <p:pRg st="5" end="5"/>
+                                            </p:txEl>
+                                          </p:spTgt>
+                                        </p:tgtEl>
+                                        <p:attrNameLst>
+                                          <p:attrName>style.visibility</p:attrName>
+                                        </p:attrNameLst>
+                                      </p:cBhvr>
+                                      <p:to>
+                                        <p:strVal val="visible"/>
+                                      </p:to>
+                                    </p:set>
+                                  </p:childTnLst>
+                                </p:cTn>
+                              </p:par>
+                            </p:childTnLst>
+                          </p:cTn>
+                        </p:par>
+                      </p:childTnLst>
+                    </p:cTn>
+                  </p:par>
+                </p:childTnLst>
+              </p:cTn>
+              <p:prevCondLst>
+                <p:cond evt="onPrev" delay="0">
+                  <p:tgtEl>
+                    <p:sldTgt/>
+                  </p:tgtEl>
+                </p:cond>
+              </p:prevCondLst>
+              <p:nextCondLst>
+                <p:cond evt="onNext" delay="0">
+                  <p:tgtEl>
+                    <p:sldTgt/>
+                  </p:tgtEl>
+                </p:cond>
+              </p:nextCondLst>
+            </p:seq>
+          </p:childTnLst>
+        </p:cTn>
+      </p:par>
+    </p:tnLst>
+    <p:bldLst>
+      <p:bldP spid="3" grpId="0" build="p"/>
+    </p:bldLst>
+  </p:timing>
+</p:sld>
+</file>
+
+<file path=ppt/slides/slide22.xml><?xml version="1.0" encoding="utf-8"?>
+<p:sld xmlns:a="http://schemas.openxmlformats.org/drawingml/2006/main" xmlns:r="http://schemas.openxmlformats.org/officeDocument/2006/relationships" xmlns:p="http://schemas.openxmlformats.org/presentationml/2006/main">
+  <p:cSld>
+    <p:spTree>
+      <p:nvGrpSpPr>
+        <p:cNvPr id="1" name=""/>
+        <p:cNvGrpSpPr/>
+        <p:nvPr/>
+      </p:nvGrpSpPr>
+      <p:grpSpPr>
+        <a:xfrm>
+          <a:off x="0" y="0"/>
+          <a:ext cx="0" cy="0"/>
+          <a:chOff x="0" y="0"/>
+          <a:chExt cx="0" cy="0"/>
+        </a:xfrm>
+      </p:grpSpPr>
+      <p:sp>
+        <p:nvSpPr>
+          <p:cNvPr id="2" name="Title 1"/>
+          <p:cNvSpPr>
+            <a:spLocks noGrp="1"/>
+          </p:cNvSpPr>
+          <p:nvPr>
+            <p:ph type="title"/>
+          </p:nvPr>
+        </p:nvSpPr>
+        <p:spPr/>
+        <p:txBody>
+          <a:bodyPr/>
+          <a:lstStyle/>
+          <a:p>
+            <a:r>
+              <a:rPr lang="en-US" dirty="0" smtClean="0"/>
+              <a:t>Searching</a:t>
+            </a:r>
+            <a:endParaRPr lang="en-US" dirty="0"/>
+          </a:p>
+        </p:txBody>
+      </p:sp>
+      <p:sp>
+        <p:nvSpPr>
+          <p:cNvPr id="3" name="Content Placeholder 2"/>
+          <p:cNvSpPr>
+            <a:spLocks noGrp="1"/>
+          </p:cNvSpPr>
+          <p:nvPr>
+            <p:ph idx="1"/>
+          </p:nvPr>
+        </p:nvSpPr>
+        <p:spPr>
+          <a:xfrm>
+            <a:off x="457200" y="1600200"/>
+            <a:ext cx="5029200" cy="4525963"/>
+          </a:xfrm>
+        </p:spPr>
+        <p:txBody>
+          <a:bodyPr>
+            <a:normAutofit fontScale="92500" lnSpcReduction="20000"/>
+          </a:bodyPr>
+          <a:lstStyle/>
+          <a:p>
+            <a:r>
+              <a:rPr lang="en-US" dirty="0" err="1" smtClean="0"/>
+              <a:t>IndexSearcher</a:t>
+            </a:r>
+            <a:endParaRPr lang="en-US" dirty="0" smtClean="0"/>
+          </a:p>
+          <a:p>
+            <a:r>
+              <a:rPr lang="en-US" dirty="0" err="1" smtClean="0"/>
+              <a:t>QueryParser</a:t>
+            </a:r>
+            <a:endParaRPr lang="en-US" dirty="0" smtClean="0"/>
+          </a:p>
+          <a:p>
+            <a:pPr lvl="1"/>
+            <a:r>
+              <a:rPr lang="en-US" dirty="0" smtClean="0"/>
+              <a:t>Set Analyzer (same as Index)</a:t>
+            </a:r>
+          </a:p>
+          <a:p>
+            <a:pPr lvl="1"/>
+            <a:r>
+              <a:rPr lang="en-US" dirty="0" smtClean="0"/>
+              <a:t>Parse / Use Terms</a:t>
+            </a:r>
+          </a:p>
+          <a:p>
+            <a:r>
+              <a:rPr lang="en-US" dirty="0" err="1" smtClean="0"/>
+              <a:t>Index.Search</a:t>
+            </a:r>
+            <a:r>
+              <a:rPr lang="en-US" dirty="0" smtClean="0"/>
+              <a:t>()</a:t>
+            </a:r>
+          </a:p>
+          <a:p>
+            <a:pPr lvl="1"/>
+            <a:r>
+              <a:rPr lang="en-US" dirty="0" err="1" smtClean="0"/>
+              <a:t>QueryParser</a:t>
+            </a:r>
+            <a:endParaRPr lang="en-US" dirty="0" smtClean="0"/>
+          </a:p>
+          <a:p>
+            <a:pPr lvl="1"/>
+            <a:r>
+              <a:rPr lang="en-US" dirty="0" smtClean="0"/>
+              <a:t>Sort</a:t>
+            </a:r>
+          </a:p>
+          <a:p>
+            <a:pPr lvl="1"/>
+            <a:r>
+              <a:rPr lang="en-US" dirty="0" smtClean="0"/>
+              <a:t>Filter</a:t>
+            </a:r>
+          </a:p>
+          <a:p>
+            <a:r>
+              <a:rPr lang="en-US" dirty="0" smtClean="0"/>
+              <a:t>Iteration over Hits</a:t>
+            </a:r>
+          </a:p>
+          <a:p>
+            <a:pPr lvl="1"/>
+            <a:r>
+              <a:rPr lang="en-US" dirty="0" err="1" smtClean="0"/>
+              <a:t>Hits.Doc</a:t>
+            </a:r>
+            <a:r>
+              <a:rPr lang="en-US" dirty="0" smtClean="0"/>
+              <a:t>(</a:t>
+            </a:r>
+            <a:r>
+              <a:rPr lang="en-US" dirty="0" err="1" smtClean="0"/>
+              <a:t>i</a:t>
+            </a:r>
+            <a:r>
+              <a:rPr lang="en-US" dirty="0" smtClean="0"/>
+              <a:t>)</a:t>
+            </a:r>
+          </a:p>
+          <a:p>
+            <a:pPr lvl="1"/>
+            <a:endParaRPr lang="en-US" dirty="0" smtClean="0"/>
+          </a:p>
+          <a:p>
+            <a:endParaRPr lang="en-US" dirty="0"/>
+          </a:p>
+        </p:txBody>
+      </p:sp>
+      <p:pic>
+        <p:nvPicPr>
+          <p:cNvPr id="11267" name="Picture 3"/>
+          <p:cNvPicPr>
+            <a:picLocks noChangeAspect="1" noChangeArrowheads="1"/>
+          </p:cNvPicPr>
+          <p:nvPr/>
+        </p:nvPicPr>
+        <p:blipFill>
+          <a:blip r:embed="rId3" cstate="print"/>
+          <a:srcRect/>
+          <a:stretch>
+            <a:fillRect/>
+          </a:stretch>
+        </p:blipFill>
+        <p:spPr bwMode="auto">
+          <a:xfrm>
+            <a:off x="6096000" y="1485900"/>
+            <a:ext cx="2943225" cy="4762500"/>
+          </a:xfrm>
+          <a:prstGeom prst="rect">
+            <a:avLst/>
+          </a:prstGeom>
+          <a:noFill/>
+          <a:ln w="9525">
+            <a:noFill/>
+            <a:miter lim="800000"/>
+            <a:headEnd/>
+            <a:tailEnd/>
+          </a:ln>
+        </p:spPr>
+      </p:pic>
+    </p:spTree>
+  </p:cSld>
+  <p:clrMapOvr>
+    <a:masterClrMapping/>
+  </p:clrMapOvr>
+  <p:timing>
+    <p:tnLst>
+      <p:par>
+        <p:cTn id="1" dur="indefinite" restart="never" nodeType="tmRoot">
+          <p:childTnLst>
+            <p:seq concurrent="1" nextAc="seek">
+              <p:cTn id="2" dur="indefinite" nodeType="mainSeq">
+                <p:childTnLst>
+                  <p:par>
+                    <p:cTn id="3" fill="hold">
+                      <p:stCondLst>
+                        <p:cond delay="indefinite"/>
+                      </p:stCondLst>
+                      <p:childTnLst>
+                        <p:par>
+                          <p:cTn id="4" fill="hold">
+                            <p:stCondLst>
+                              <p:cond delay="0"/>
+                            </p:stCondLst>
+                            <p:childTnLst>
+                              <p:par>
+                                <p:cTn id="5" presetID="1" presetClass="entr" presetSubtype="0" fill="hold" grpId="0" nodeType="clickEffect">
+                                  <p:stCondLst>
+                                    <p:cond delay="0"/>
+                                  </p:stCondLst>
+                                  <p:childTnLst>
+                                    <p:set>
+                                      <p:cBhvr>
+                                        <p:cTn id="6" dur="1" fill="hold">
+                                          <p:stCondLst>
+                                            <p:cond delay="0"/>
+                                          </p:stCondLst>
+                                        </p:cTn>
+                                        <p:tgtEl>
+                                          <p:spTgt spid="3">
+                                            <p:txEl>
+                                              <p:pRg st="0" end="0"/>
+                                            </p:txEl>
+                                          </p:spTgt>
+                                        </p:tgtEl>
+                                        <p:attrNameLst>
+                                          <p:attrName>style.visibility</p:attrName>
+                                        </p:attrNameLst>
+                                      </p:cBhvr>
+                                      <p:to>
+                                        <p:strVal val="visible"/>
+                                      </p:to>
+                                    </p:set>
+                                  </p:childTnLst>
+                                </p:cTn>
+                              </p:par>
+                            </p:childTnLst>
+                          </p:cTn>
+                        </p:par>
+                      </p:childTnLst>
+                    </p:cTn>
+                  </p:par>
+                  <p:par>
+                    <p:cTn id="7" fill="hold">
+                      <p:stCondLst>
+                        <p:cond delay="indefinite"/>
+                      </p:stCondLst>
+                      <p:childTnLst>
+                        <p:par>
+                          <p:cTn id="8" fill="hold">
+                            <p:stCondLst>
+                              <p:cond delay="0"/>
+                            </p:stCondLst>
+                            <p:childTnLst>
+                              <p:par>
+                                <p:cTn id="9" presetID="1" presetClass="entr" presetSubtype="0" fill="hold" grpId="0" nodeType="clickEffect">
+                                  <p:stCondLst>
+                                    <p:cond delay="0"/>
+                                  </p:stCondLst>
+                                  <p:childTnLst>
+                                    <p:set>
+                                      <p:cBhvr>
+                                        <p:cTn id="10" dur="1" fill="hold">
+                                          <p:stCondLst>
+                                            <p:cond delay="0"/>
+                                          </p:stCondLst>
+                                        </p:cTn>
+                                        <p:tgtEl>
+                                          <p:spTgt spid="3">
+                                            <p:txEl>
+                                              <p:pRg st="1" end="1"/>
+                                            </p:txEl>
+                                          </p:spTgt>
+                                        </p:tgtEl>
+                                        <p:attrNameLst>
+                                          <p:attrName>style.visibility</p:attrName>
+                                        </p:attrNameLst>
+                                      </p:cBhvr>
+                                      <p:to>
+                                        <p:strVal val="visible"/>
+                                      </p:to>
+                                    </p:set>
+                                  </p:childTnLst>
+                                </p:cTn>
+                              </p:par>
+                              <p:par>
+                                <p:cTn id="11" presetID="1" presetClass="entr" presetSubtype="0" fill="hold" grpId="0" nodeType="withEffect">
+                                  <p:stCondLst>
+                                    <p:cond delay="0"/>
+                                  </p:stCondLst>
+                                  <p:childTnLst>
+                                    <p:set>
+                                      <p:cBhvr>
+                                        <p:cTn id="12" dur="1" fill="hold">
+                                          <p:stCondLst>
+                                            <p:cond delay="0"/>
+                                          </p:stCondLst>
+                                        </p:cTn>
+                                        <p:tgtEl>
+                                          <p:spTgt spid="3">
+                                            <p:txEl>
+                                              <p:pRg st="2" end="2"/>
+                                            </p:txEl>
+                                          </p:spTgt>
+                                        </p:tgtEl>
+                                        <p:attrNameLst>
+                                          <p:attrName>style.visibility</p:attrName>
+                                        </p:attrNameLst>
+                                      </p:cBhvr>
+                                      <p:to>
+                                        <p:strVal val="visible"/>
+                                      </p:to>
+                                    </p:set>
+                                  </p:childTnLst>
+                                </p:cTn>
+                              </p:par>
+                              <p:par>
+                                <p:cTn id="13" presetID="1" presetClass="entr" presetSubtype="0" fill="hold" grpId="0" nodeType="withEffect">
+                                  <p:stCondLst>
+                                    <p:cond delay="0"/>
+                                  </p:stCondLst>
+                                  <p:childTnLst>
+                                    <p:set>
+                                      <p:cBhvr>
+                                        <p:cTn id="14" dur="1" fill="hold">
+                                          <p:stCondLst>
+                                            <p:cond delay="0"/>
+                                          </p:stCondLst>
+                                        </p:cTn>
+                                        <p:tgtEl>
+                                          <p:spTgt spid="3">
+                                            <p:txEl>
+                                              <p:pRg st="3" end="3"/>
+                                            </p:txEl>
+                                          </p:spTgt>
+                                        </p:tgtEl>
+                                        <p:attrNameLst>
+                                          <p:attrName>style.visibility</p:attrName>
+                                        </p:attrNameLst>
+                                      </p:cBhvr>
+                                      <p:to>
+                                        <p:strVal val="visible"/>
+                                      </p:to>
+                                    </p:set>
+                                  </p:childTnLst>
+                                </p:cTn>
+                              </p:par>
+                            </p:childTnLst>
+                          </p:cTn>
+                        </p:par>
+                      </p:childTnLst>
+                    </p:cTn>
+                  </p:par>
+                  <p:par>
+                    <p:cTn id="15" fill="hold">
+                      <p:stCondLst>
+                        <p:cond delay="indefinite"/>
+                      </p:stCondLst>
+                      <p:childTnLst>
+                        <p:par>
+                          <p:cTn id="16" fill="hold">
+                            <p:stCondLst>
+                              <p:cond delay="0"/>
+                            </p:stCondLst>
+                            <p:childTnLst>
+                              <p:par>
+                                <p:cTn id="17" presetID="1" presetClass="entr" presetSubtype="0" fill="hold" grpId="0" nodeType="clickEffect">
+                                  <p:stCondLst>
+                                    <p:cond delay="0"/>
+                                  </p:stCondLst>
+                                  <p:childTnLst>
+                                    <p:set>
+                                      <p:cBhvr>
+                                        <p:cTn id="18" dur="1" fill="hold">
+                                          <p:stCondLst>
+                                            <p:cond delay="0"/>
+                                          </p:stCondLst>
+                                        </p:cTn>
+                                        <p:tgtEl>
+                                          <p:spTgt spid="3">
+                                            <p:txEl>
+                                              <p:pRg st="4" end="4"/>
+                                            </p:txEl>
+                                          </p:spTgt>
+                                        </p:tgtEl>
+                                        <p:attrNameLst>
+                                          <p:attrName>style.visibility</p:attrName>
+                                        </p:attrNameLst>
+                                      </p:cBhvr>
+                                      <p:to>
+                                        <p:strVal val="visible"/>
+                                      </p:to>
+                                    </p:set>
+                                  </p:childTnLst>
+                                </p:cTn>
+                              </p:par>
+                              <p:par>
+                                <p:cTn id="19" presetID="1" presetClass="entr" presetSubtype="0" fill="hold" grpId="0" nodeType="withEffect">
+                                  <p:stCondLst>
+                                    <p:cond delay="0"/>
+                                  </p:stCondLst>
+                                  <p:childTnLst>
+                                    <p:set>
+                                      <p:cBhvr>
+                                        <p:cTn id="20" dur="1" fill="hold">
+                                          <p:stCondLst>
+                                            <p:cond delay="0"/>
+                                          </p:stCondLst>
+                                        </p:cTn>
+                                        <p:tgtEl>
+                                          <p:spTgt spid="3">
+                                            <p:txEl>
+                                              <p:pRg st="5" end="5"/>
+                                            </p:txEl>
+                                          </p:spTgt>
+                                        </p:tgtEl>
+                                        <p:attrNameLst>
+                                          <p:attrName>style.visibility</p:attrName>
+                                        </p:attrNameLst>
+                                      </p:cBhvr>
+                                      <p:to>
+                                        <p:strVal val="visible"/>
+                                      </p:to>
+                                    </p:set>
+                                  </p:childTnLst>
+                                </p:cTn>
+                              </p:par>
+                              <p:par>
+                                <p:cTn id="21" presetID="1" presetClass="entr" presetSubtype="0" fill="hold" grpId="0" nodeType="withEffect">
+                                  <p:stCondLst>
+                                    <p:cond delay="0"/>
+                                  </p:stCondLst>
+                                  <p:childTnLst>
+                                    <p:set>
+                                      <p:cBhvr>
+                                        <p:cTn id="22" dur="1" fill="hold">
+                                          <p:stCondLst>
+                                            <p:cond delay="0"/>
+                                          </p:stCondLst>
+                                        </p:cTn>
+                                        <p:tgtEl>
+                                          <p:spTgt spid="3">
+                                            <p:txEl>
+                                              <p:pRg st="6" end="6"/>
+                                            </p:txEl>
+                                          </p:spTgt>
+                                        </p:tgtEl>
+                                        <p:attrNameLst>
+                                          <p:attrName>style.visibility</p:attrName>
+                                        </p:attrNameLst>
+                                      </p:cBhvr>
+                                      <p:to>
+                                        <p:strVal val="visible"/>
+                                      </p:to>
+                                    </p:set>
+                                  </p:childTnLst>
+                                </p:cTn>
+                              </p:par>
+                              <p:par>
+                                <p:cTn id="23" presetID="1" presetClass="entr" presetSubtype="0" fill="hold" grpId="0" nodeType="withEffect">
+                                  <p:stCondLst>
+                                    <p:cond delay="0"/>
+                                  </p:stCondLst>
+                                  <p:childTnLst>
+                                    <p:set>
+                                      <p:cBhvr>
+                                        <p:cTn id="24" dur="1" fill="hold">
+                                          <p:stCondLst>
+                                            <p:cond delay="0"/>
+                                          </p:stCondLst>
+                                        </p:cTn>
+                                        <p:tgtEl>
+                                          <p:spTgt spid="3">
+                                            <p:txEl>
+                                              <p:pRg st="7" end="7"/>
+                                            </p:txEl>
+                                          </p:spTgt>
+                                        </p:tgtEl>
+                                        <p:attrNameLst>
+                                          <p:attrName>style.visibility</p:attrName>
+                                        </p:attrNameLst>
+                                      </p:cBhvr>
+                                      <p:to>
+                                        <p:strVal val="visible"/>
+                                      </p:to>
+                                    </p:set>
+                                  </p:childTnLst>
+                                </p:cTn>
+                              </p:par>
+                            </p:childTnLst>
+                          </p:cTn>
+                        </p:par>
+                      </p:childTnLst>
+                    </p:cTn>
+                  </p:par>
+                  <p:par>
+                    <p:cTn id="25" fill="hold">
+                      <p:stCondLst>
+                        <p:cond delay="indefinite"/>
+                      </p:stCondLst>
+                      <p:childTnLst>
+                        <p:par>
+                          <p:cTn id="26" fill="hold">
+                            <p:stCondLst>
+                              <p:cond delay="0"/>
+                            </p:stCondLst>
+                            <p:childTnLst>
+                              <p:par>
+                                <p:cTn id="27" presetID="1" presetClass="entr" presetSubtype="0" fill="hold" grpId="0" nodeType="clickEffect">
+                                  <p:stCondLst>
+                                    <p:cond delay="0"/>
+                                  </p:stCondLst>
+                                  <p:childTnLst>
+                                    <p:set>
+                                      <p:cBhvr>
+                                        <p:cTn id="28" dur="1" fill="hold">
+                                          <p:stCondLst>
+                                            <p:cond delay="0"/>
+                                          </p:stCondLst>
+                                        </p:cTn>
+                                        <p:tgtEl>
+                                          <p:spTgt spid="3">
+                                            <p:txEl>
+                                              <p:pRg st="8" end="8"/>
+                                            </p:txEl>
+                                          </p:spTgt>
+                                        </p:tgtEl>
+                                        <p:attrNameLst>
+                                          <p:attrName>style.visibility</p:attrName>
+                                        </p:attrNameLst>
+                                      </p:cBhvr>
+                                      <p:to>
+                                        <p:strVal val="visible"/>
+                                      </p:to>
+                                    </p:set>
+                                  </p:childTnLst>
+                                </p:cTn>
+                              </p:par>
+                              <p:par>
+                                <p:cTn id="29" presetID="1" presetClass="entr" presetSubtype="0" fill="hold" grpId="0" nodeType="withEffect">
+                                  <p:stCondLst>
+                                    <p:cond delay="0"/>
+                                  </p:stCondLst>
+                                  <p:childTnLst>
+                                    <p:set>
+                                      <p:cBhvr>
+                                        <p:cTn id="30" dur="1" fill="hold">
+                                          <p:stCondLst>
+                                            <p:cond delay="0"/>
+                                          </p:stCondLst>
+                                        </p:cTn>
+                                        <p:tgtEl>
+                                          <p:spTgt spid="3">
+                                            <p:txEl>
+                                              <p:pRg st="9" end="9"/>
+                                            </p:txEl>
+                                          </p:spTgt>
+                                        </p:tgtEl>
+                                        <p:attrNameLst>
+                                          <p:attrName>style.visibility</p:attrName>
+                                        </p:attrNameLst>
+                                      </p:cBhvr>
+                                      <p:to>
+                                        <p:strVal val="visible"/>
+                                      </p:to>
+                                    </p:set>
+                                  </p:childTnLst>
+                                </p:cTn>
+                              </p:par>
+                            </p:childTnLst>
+                          </p:cTn>
+                        </p:par>
+                      </p:childTnLst>
+                    </p:cTn>
+                  </p:par>
+                </p:childTnLst>
+              </p:cTn>
+              <p:prevCondLst>
+                <p:cond evt="onPrev" delay="0">
+                  <p:tgtEl>
+                    <p:sldTgt/>
+                  </p:tgtEl>
+                </p:cond>
+              </p:prevCondLst>
+              <p:nextCondLst>
+                <p:cond evt="onNext" delay="0">
+                  <p:tgtEl>
+                    <p:sldTgt/>
+                  </p:tgtEl>
+                </p:cond>
+              </p:nextCondLst>
+            </p:seq>
+          </p:childTnLst>
+        </p:cTn>
+      </p:par>
+    </p:tnLst>
+    <p:bldLst>
+      <p:bldP spid="3" grpId="0" build="p"/>
+    </p:bldLst>
+  </p:timing>
+</p:sld>
+</file>
+
+<file path=ppt/slides/slide23.xml><?xml version="1.0" encoding="utf-8"?>
+<p:sld xmlns:a="http://schemas.openxmlformats.org/drawingml/2006/main" xmlns:r="http://schemas.openxmlformats.org/officeDocument/2006/relationships" xmlns:p="http://schemas.openxmlformats.org/presentationml/2006/main">
+  <p:cSld>
+    <p:spTree>
+      <p:nvGrpSpPr>
+        <p:cNvPr id="1" name=""/>
+        <p:cNvGrpSpPr/>
+        <p:nvPr/>
+      </p:nvGrpSpPr>
+      <p:grpSpPr>
+        <a:xfrm>
+          <a:off x="0" y="0"/>
+          <a:ext cx="0" cy="0"/>
+          <a:chOff x="0" y="0"/>
+          <a:chExt cx="0" cy="0"/>
+        </a:xfrm>
+      </p:grpSpPr>
+      <p:pic>
+        <p:nvPicPr>
+          <p:cNvPr id="12290" name="Picture 2"/>
+          <p:cNvPicPr>
+            <a:picLocks noChangeAspect="1" noChangeArrowheads="1"/>
+          </p:cNvPicPr>
+          <p:nvPr/>
+        </p:nvPicPr>
+        <p:blipFill>
+          <a:blip r:embed="rId3" cstate="print"/>
+          <a:srcRect/>
+          <a:stretch>
+            <a:fillRect/>
+          </a:stretch>
+        </p:blipFill>
+        <p:spPr bwMode="auto">
+          <a:xfrm>
+            <a:off x="2190750" y="1447800"/>
+            <a:ext cx="4762500" cy="4714875"/>
+          </a:xfrm>
+          <a:prstGeom prst="rect">
+            <a:avLst/>
+          </a:prstGeom>
+          <a:noFill/>
+          <a:ln w="9525">
+            <a:noFill/>
+            <a:miter lim="800000"/>
+            <a:headEnd/>
+            <a:tailEnd/>
+          </a:ln>
+        </p:spPr>
+      </p:pic>
+      <p:sp>
+        <p:nvSpPr>
+          <p:cNvPr id="2" name="Title 1"/>
+          <p:cNvSpPr>
+            <a:spLocks noGrp="1"/>
+          </p:cNvSpPr>
+          <p:nvPr>
+            <p:ph type="title"/>
+          </p:nvPr>
+        </p:nvSpPr>
+        <p:spPr>
+          <a:xfrm>
+            <a:off x="457200" y="274638"/>
+            <a:ext cx="8229600" cy="1143000"/>
+          </a:xfrm>
+        </p:spPr>
+        <p:txBody>
+          <a:bodyPr/>
+          <a:lstStyle/>
+          <a:p>
+            <a:r>
+              <a:rPr lang="en-US" dirty="0" err="1" smtClean="0"/>
+              <a:t>Lucene.Net</a:t>
+            </a:r>
+            <a:r>
+              <a:rPr lang="en-US" dirty="0" smtClean="0"/>
+              <a:t> Example</a:t>
+            </a:r>
+            <a:endParaRPr lang="en-US" dirty="0"/>
+          </a:p>
+        </p:txBody>
+      </p:sp>
+      <p:sp>
+        <p:nvSpPr>
+          <p:cNvPr id="3" name="Content Placeholder 2"/>
+          <p:cNvSpPr>
+            <a:spLocks noGrp="1"/>
+          </p:cNvSpPr>
+          <p:nvPr>
+            <p:ph idx="1"/>
+          </p:nvPr>
+        </p:nvSpPr>
+        <p:spPr>
+          <a:xfrm>
+            <a:off x="2286000" y="1752600"/>
+            <a:ext cx="4572000" cy="2667000"/>
+          </a:xfrm>
+        </p:spPr>
+        <p:txBody>
+          <a:bodyPr>
+            <a:normAutofit/>
+          </a:bodyPr>
+          <a:lstStyle/>
+          <a:p>
+            <a:pPr>
+              <a:buNone/>
+            </a:pPr>
+            <a:r>
+              <a:rPr lang="en-US" b="1" dirty="0" smtClean="0">
+                <a:latin typeface="Tempus Sans ITC" pitchFamily="82" charset="0"/>
+              </a:rPr>
+              <a:t>Code and Slides available at:</a:t>
+            </a:r>
+          </a:p>
+          <a:p>
+            <a:pPr>
+              <a:buNone/>
+            </a:pPr>
+            <a:endParaRPr lang="en-US" b="1" dirty="0" smtClean="0">
+              <a:latin typeface="Tempus Sans ITC" pitchFamily="82" charset="0"/>
+            </a:endParaRPr>
+          </a:p>
+          <a:p>
+            <a:pPr>
+              <a:buNone/>
+            </a:pPr>
+            <a:r>
+              <a:rPr lang="en-US" b="1" dirty="0" smtClean="0">
+                <a:latin typeface="Tempus Sans ITC" pitchFamily="82" charset="0"/>
+              </a:rPr>
+              <a:t>	</a:t>
+            </a:r>
+            <a:r>
+              <a:rPr lang="en-US" sz="4000" b="1" dirty="0" smtClean="0">
+                <a:latin typeface="Tempus Sans ITC" pitchFamily="82" charset="0"/>
+              </a:rPr>
+              <a:t>vinull.com/code</a:t>
+            </a:r>
+            <a:endParaRPr lang="en-US" b="1" dirty="0">
+              <a:latin typeface="Tempus Sans ITC" pitchFamily="82" charset="0"/>
+            </a:endParaRPr>
+          </a:p>
+        </p:txBody>
+      </p:sp>
+    </p:spTree>
+  </p:cSld>
+  <p:clrMapOvr>
+    <a:masterClrMapping/>
+  </p:clrMapOvr>
+  <p:timing>
+    <p:tnLst>
+      <p:par>
+        <p:cTn id="1" dur="indefinite" restart="never" nodeType="tmRoot"/>
+      </p:par>
+    </p:tnLst>
+  </p:timing>
+</p:sld>
+</file>
+
+<file path=ppt/slides/slide3.xml><?xml version="1.0" encoding="utf-8"?>
+<p:sld xmlns:a="http://schemas.openxmlformats.org/drawingml/2006/main" xmlns:r="http://schemas.openxmlformats.org/officeDocument/2006/relationships" xmlns:p="http://schemas.openxmlformats.org/presentationml/2006/main">
+  <p:cSld>
+    <p:spTree>
+      <p:nvGrpSpPr>
+        <p:cNvPr id="1" name=""/>
+        <p:cNvGrpSpPr/>
+        <p:nvPr/>
+      </p:nvGrpSpPr>
+      <p:grpSpPr>
+        <a:xfrm>
+          <a:off x="0" y="0"/>
+          <a:ext cx="0" cy="0"/>
+          <a:chOff x="0" y="0"/>
+          <a:chExt cx="0" cy="0"/>
+        </a:xfrm>
+      </p:grpSpPr>
+      <p:pic>
+        <p:nvPicPr>
+          <p:cNvPr id="2051" name="Picture 3"/>
+          <p:cNvPicPr>
+            <a:picLocks noChangeAspect="1" noChangeArrowheads="1"/>
+          </p:cNvPicPr>
+          <p:nvPr/>
+        </p:nvPicPr>
+        <p:blipFill>
+          <a:blip r:embed="rId2" cstate="print"/>
+          <a:srcRect/>
+          <a:stretch>
+            <a:fillRect/>
+          </a:stretch>
+        </p:blipFill>
+        <p:spPr bwMode="auto">
+          <a:xfrm>
+            <a:off x="228600" y="152400"/>
+            <a:ext cx="2133600" cy="2133600"/>
+          </a:xfrm>
+          <a:prstGeom prst="rect">
+            <a:avLst/>
+          </a:prstGeom>
+          <a:noFill/>
+          <a:ln w="9525">
+            <a:noFill/>
+            <a:miter lim="800000"/>
+            <a:headEnd/>
+            <a:tailEnd/>
+          </a:ln>
+        </p:spPr>
+      </p:pic>
+      <p:pic>
+        <p:nvPicPr>
+          <p:cNvPr id="2052" name="Picture 4"/>
+          <p:cNvPicPr>
+            <a:picLocks noChangeAspect="1" noChangeArrowheads="1"/>
+          </p:cNvPicPr>
+          <p:nvPr/>
+        </p:nvPicPr>
+        <p:blipFill>
+          <a:blip r:embed="rId3" cstate="print"/>
+          <a:srcRect/>
+          <a:stretch>
+            <a:fillRect/>
+          </a:stretch>
+        </p:blipFill>
+        <p:spPr bwMode="auto">
+          <a:xfrm>
+            <a:off x="6791325" y="4505325"/>
+            <a:ext cx="2190750" cy="2190750"/>
+          </a:xfrm>
+          <a:prstGeom prst="rect">
+            <a:avLst/>
+          </a:prstGeom>
+          <a:noFill/>
+          <a:ln w="9525">
+            <a:noFill/>
+            <a:miter lim="800000"/>
+            <a:headEnd/>
+            <a:tailEnd/>
+          </a:ln>
+        </p:spPr>
+      </p:pic>
+      <p:pic>
+        <p:nvPicPr>
+          <p:cNvPr id="2053" name="Picture 5"/>
+          <p:cNvPicPr>
+            <a:picLocks noChangeAspect="1" noChangeArrowheads="1"/>
+          </p:cNvPicPr>
+          <p:nvPr/>
+        </p:nvPicPr>
+        <p:blipFill>
+          <a:blip r:embed="rId4" cstate="print"/>
+          <a:srcRect/>
+          <a:stretch>
+            <a:fillRect/>
+          </a:stretch>
+        </p:blipFill>
+        <p:spPr bwMode="auto">
+          <a:xfrm>
+            <a:off x="228600" y="4267200"/>
+            <a:ext cx="2428875" cy="2428875"/>
+          </a:xfrm>
+          <a:prstGeom prst="rect">
+            <a:avLst/>
+          </a:prstGeom>
+          <a:noFill/>
+          <a:ln w="9525">
+            <a:noFill/>
+            <a:miter lim="800000"/>
+            <a:headEnd/>
+            <a:tailEnd/>
+          </a:ln>
+        </p:spPr>
+      </p:pic>
+      <p:pic>
+        <p:nvPicPr>
+          <p:cNvPr id="2050" name="Picture 2"/>
+          <p:cNvPicPr>
+            <a:picLocks noChangeAspect="1" noChangeArrowheads="1"/>
+          </p:cNvPicPr>
+          <p:nvPr/>
+        </p:nvPicPr>
+        <p:blipFill>
+          <a:blip r:embed="rId5" cstate="print"/>
+          <a:srcRect/>
+          <a:stretch>
+            <a:fillRect/>
+          </a:stretch>
+        </p:blipFill>
+        <p:spPr bwMode="auto">
+          <a:xfrm>
+            <a:off x="2667000" y="1447800"/>
+            <a:ext cx="3989943" cy="3916363"/>
+          </a:xfrm>
+          <a:prstGeom prst="rect">
+            <a:avLst/>
+          </a:prstGeom>
+          <a:noFill/>
+          <a:ln w="9525">
+            <a:noFill/>
+            <a:miter lim="800000"/>
+            <a:headEnd/>
+            <a:tailEnd/>
+          </a:ln>
+          <a:effectLst/>
+        </p:spPr>
+      </p:pic>
+      <p:pic>
+        <p:nvPicPr>
+          <p:cNvPr id="2055" name="Picture 7"/>
+          <p:cNvPicPr>
+            <a:picLocks noChangeAspect="1" noChangeArrowheads="1"/>
+          </p:cNvPicPr>
+          <p:nvPr/>
+        </p:nvPicPr>
+        <p:blipFill>
+          <a:blip r:embed="rId6" cstate="print"/>
+          <a:srcRect/>
+          <a:stretch>
+            <a:fillRect/>
+          </a:stretch>
+        </p:blipFill>
+        <p:spPr bwMode="auto">
+          <a:xfrm>
+            <a:off x="7010400" y="152400"/>
+            <a:ext cx="1971675" cy="1971675"/>
+          </a:xfrm>
+          <a:prstGeom prst="rect">
+            <a:avLst/>
+          </a:prstGeom>
+          <a:noFill/>
+          <a:ln w="9525">
+            <a:noFill/>
+            <a:miter lim="800000"/>
+            <a:headEnd/>
+            <a:tailEnd/>
+          </a:ln>
+        </p:spPr>
+      </p:pic>
+    </p:spTree>
+  </p:cSld>
+  <p:clrMapOvr>
+    <a:masterClrMapping/>
+  </p:clrMapOvr>
+  <p:timing>
+    <p:tnLst>
+      <p:par>
+        <p:cTn id="1" dur="indefinite" restart="never" nodeType="tmRoot"/>
+      </p:par>
+    </p:tnLst>
+  </p:timing>
+</p:sld>
+</file>
+
+<file path=ppt/slides/slide4.xml><?xml version="1.0" encoding="utf-8"?>
+<p:sld xmlns:a="http://schemas.openxmlformats.org/drawingml/2006/main" xmlns:r="http://schemas.openxmlformats.org/officeDocument/2006/relationships" xmlns:p="http://schemas.openxmlformats.org/presentationml/2006/main">
+  <p:cSld>
+    <p:spTree>
+      <p:nvGrpSpPr>
+        <p:cNvPr id="1" name=""/>
+        <p:cNvGrpSpPr/>
+        <p:nvPr/>
+      </p:nvGrpSpPr>
+      <p:grpSpPr>
+        <a:xfrm>
+          <a:off x="0" y="0"/>
+          <a:ext cx="0" cy="0"/>
+          <a:chOff x="0" y="0"/>
+          <a:chExt cx="0" cy="0"/>
+        </a:xfrm>
+      </p:grpSpPr>
+      <p:sp>
+        <p:nvSpPr>
+          <p:cNvPr id="6" name="Rectangle 5"/>
+          <p:cNvSpPr/>
+          <p:nvPr/>
+        </p:nvSpPr>
+        <p:spPr>
+          <a:xfrm>
+            <a:off x="228600" y="381000"/>
+            <a:ext cx="8342155" cy="923330"/>
+          </a:xfrm>
+          <a:prstGeom prst="rect">
+            <a:avLst/>
+          </a:prstGeom>
+          <a:noFill/>
+        </p:spPr>
+        <p:txBody>
+          <a:bodyPr wrap="none" lIns="91440" tIns="45720" rIns="91440" bIns="45720">
+            <a:spAutoFit/>
+          </a:bodyPr>
+          <a:lstStyle/>
+          <a:p>
+            <a:r>
+              <a:rPr lang="en-US" sz="5400" dirty="0" err="1" smtClean="0">
+                <a:ln w="18415" cmpd="sng">
+                  <a:solidFill>
+                    <a:srgbClr val="FFFFFF"/>
+                  </a:solidFill>
+                  <a:prstDash val="solid"/>
+                </a:ln>
+                <a:solidFill>
+                  <a:srgbClr val="FFFFFF"/>
+                </a:solidFill>
+                <a:effectLst>
+                  <a:outerShdw blurRad="63500" dir="3600000" algn="tl" rotWithShape="0">
+                    <a:srgbClr val="000000">
+                      <a:alpha val="70000"/>
+                    </a:srgbClr>
+                  </a:outerShdw>
+                </a:effectLst>
+              </a:rPr>
+              <a:t>Lucene.Net</a:t>
+            </a:r>
+            <a:r>
+              <a:rPr lang="en-US" sz="5400" dirty="0" smtClean="0">
+                <a:ln w="18415" cmpd="sng">
+                  <a:solidFill>
+                    <a:srgbClr val="FFFFFF"/>
+                  </a:solidFill>
+                  <a:prstDash val="solid"/>
+                </a:ln>
+                <a:solidFill>
+                  <a:srgbClr val="FFFFFF"/>
+                </a:solidFill>
+                <a:effectLst>
+                  <a:outerShdw blurRad="63500" dir="3600000" algn="tl" rotWithShape="0">
+                    <a:srgbClr val="000000">
+                      <a:alpha val="70000"/>
+                    </a:srgbClr>
+                  </a:outerShdw>
+                </a:effectLst>
+              </a:rPr>
+              <a:t> - </a:t>
+            </a:r>
             <a:r>
               <a:rPr lang="en-US" sz="5400" b="0" cap="none" spc="0" dirty="0" smtClean="0">
                 <a:ln w="18415" cmpd="sng">
@@ -14912,7 +21329,28 @@
                   </a:outerShdw>
                 </a:effectLst>
               </a:rPr>
-              <a:t>Where to get it:</a:t>
+              <a:t>Where </a:t>
+            </a:r>
+            <a:r>
+              <a:rPr lang="en-US" sz="5400" b="0" cap="none" spc="0" dirty="0" smtClean="0">
+                <a:ln w="18415" cmpd="sng">
+                  <a:solidFill>
+                    <a:srgbClr val="FFFFFF"/>
+                  </a:solidFill>
+                  <a:prstDash val="solid"/>
+                </a:ln>
+                <a:solidFill>
+                  <a:srgbClr val="FFFFFF"/>
+                </a:solidFill>
+                <a:effectLst>
+                  <a:outerShdw blurRad="63500" dir="3600000" algn="tl" rotWithShape="0">
+                    <a:srgbClr val="000000">
+                      <a:alpha val="70000"/>
+                    </a:srgbClr>
+                  </a:outerShdw>
+                </a:effectLst>
+              </a:rPr>
+              <a:t>to get it:</a:t>
             </a:r>
             <a:endParaRPr lang="en-US" sz="5400" b="0" cap="none" spc="0" dirty="0">
               <a:ln w="18415" cmpd="sng">
@@ -15065,6 +21503,620 @@
           </a:p>
         </p:txBody>
       </p:sp>
+      <p:sp>
+        <p:nvSpPr>
+          <p:cNvPr id="5" name="TextBox 4"/>
+          <p:cNvSpPr txBox="1"/>
+          <p:nvPr/>
+        </p:nvSpPr>
+        <p:spPr>
+          <a:xfrm>
+            <a:off x="1066800" y="4419600"/>
+            <a:ext cx="7238999" cy="1384995"/>
+          </a:xfrm>
+          <a:prstGeom prst="rect">
+            <a:avLst/>
+          </a:prstGeom>
+          <a:noFill/>
+        </p:spPr>
+        <p:txBody>
+          <a:bodyPr wrap="square" rtlCol="0">
+            <a:spAutoFit/>
+          </a:bodyPr>
+          <a:lstStyle/>
+          <a:p>
+            <a:pPr algn="ctr"/>
+            <a:r>
+              <a:rPr lang="en-US" sz="2800" dirty="0" smtClean="0">
+                <a:latin typeface="Times New Roman" pitchFamily="18" charset="0"/>
+                <a:cs typeface="Times New Roman" pitchFamily="18" charset="0"/>
+              </a:rPr>
+              <a:t>“ </a:t>
+            </a:r>
+            <a:r>
+              <a:rPr lang="en-US" sz="2800" dirty="0" err="1" smtClean="0">
+                <a:latin typeface="Times New Roman" pitchFamily="18" charset="0"/>
+                <a:cs typeface="Times New Roman" pitchFamily="18" charset="0"/>
+              </a:rPr>
+              <a:t>Lucene.Net</a:t>
+            </a:r>
+            <a:r>
+              <a:rPr lang="en-US" sz="2800" dirty="0" smtClean="0">
+                <a:latin typeface="Times New Roman" pitchFamily="18" charset="0"/>
+                <a:cs typeface="Times New Roman" pitchFamily="18" charset="0"/>
+              </a:rPr>
+              <a:t> </a:t>
+            </a:r>
+            <a:r>
+              <a:rPr lang="en-US" sz="2800" dirty="0" smtClean="0">
+                <a:latin typeface="Times New Roman" pitchFamily="18" charset="0"/>
+                <a:cs typeface="Times New Roman" pitchFamily="18" charset="0"/>
+              </a:rPr>
+              <a:t>is a source code, class-per-class, </a:t>
+            </a:r>
+            <a:r>
+              <a:rPr lang="en-US" sz="2800" dirty="0" smtClean="0">
+                <a:latin typeface="Times New Roman" pitchFamily="18" charset="0"/>
+                <a:cs typeface="Times New Roman" pitchFamily="18" charset="0"/>
+              </a:rPr>
+              <a:t>API-per-API </a:t>
+            </a:r>
+            <a:r>
+              <a:rPr lang="en-US" sz="2800" dirty="0" smtClean="0">
+                <a:latin typeface="Times New Roman" pitchFamily="18" charset="0"/>
+                <a:cs typeface="Times New Roman" pitchFamily="18" charset="0"/>
+              </a:rPr>
+              <a:t>and </a:t>
+            </a:r>
+            <a:r>
+              <a:rPr lang="en-US" sz="2800" dirty="0" err="1" smtClean="0">
+                <a:latin typeface="Times New Roman" pitchFamily="18" charset="0"/>
+                <a:cs typeface="Times New Roman" pitchFamily="18" charset="0"/>
+              </a:rPr>
+              <a:t>algorithmatic</a:t>
+            </a:r>
+            <a:r>
+              <a:rPr lang="en-US" sz="2800" dirty="0" smtClean="0">
+                <a:latin typeface="Times New Roman" pitchFamily="18" charset="0"/>
+                <a:cs typeface="Times New Roman" pitchFamily="18" charset="0"/>
+              </a:rPr>
+              <a:t> port of the </a:t>
+            </a:r>
+            <a:r>
+              <a:rPr lang="en-US" sz="2800" dirty="0" smtClean="0">
+                <a:latin typeface="Times New Roman" pitchFamily="18" charset="0"/>
+                <a:cs typeface="Times New Roman" pitchFamily="18" charset="0"/>
+              </a:rPr>
+              <a:t>Java </a:t>
+            </a:r>
+            <a:r>
+              <a:rPr lang="en-US" sz="2800" dirty="0" err="1" smtClean="0">
+                <a:latin typeface="Times New Roman" pitchFamily="18" charset="0"/>
+                <a:cs typeface="Times New Roman" pitchFamily="18" charset="0"/>
+              </a:rPr>
+              <a:t>Lucene</a:t>
+            </a:r>
+            <a:r>
+              <a:rPr lang="en-US" sz="2800" dirty="0" smtClean="0">
+                <a:latin typeface="Times New Roman" pitchFamily="18" charset="0"/>
+                <a:cs typeface="Times New Roman" pitchFamily="18" charset="0"/>
+              </a:rPr>
+              <a:t> search </a:t>
+            </a:r>
+            <a:r>
+              <a:rPr lang="en-US" sz="2800" dirty="0" smtClean="0">
+                <a:latin typeface="Times New Roman" pitchFamily="18" charset="0"/>
+                <a:cs typeface="Times New Roman" pitchFamily="18" charset="0"/>
+              </a:rPr>
+              <a:t>engine to the C# and .</a:t>
+            </a:r>
+            <a:r>
+              <a:rPr lang="en-US" sz="2800" dirty="0" smtClean="0">
+                <a:latin typeface="Times New Roman" pitchFamily="18" charset="0"/>
+                <a:cs typeface="Times New Roman" pitchFamily="18" charset="0"/>
+              </a:rPr>
+              <a:t>NET ”</a:t>
+            </a:r>
+            <a:endParaRPr lang="en-US" sz="2800" dirty="0">
+              <a:latin typeface="Times New Roman" pitchFamily="18" charset="0"/>
+              <a:cs typeface="Times New Roman" pitchFamily="18" charset="0"/>
+            </a:endParaRPr>
+          </a:p>
+        </p:txBody>
+      </p:sp>
+    </p:spTree>
+  </p:cSld>
+  <p:clrMapOvr>
+    <a:masterClrMapping/>
+  </p:clrMapOvr>
+  <p:timing>
+    <p:tnLst>
+      <p:par>
+        <p:cTn id="1" dur="indefinite" restart="never" nodeType="tmRoot"/>
+      </p:par>
+    </p:tnLst>
+  </p:timing>
+</p:sld>
+</file>
+
+<file path=ppt/slides/slide5.xml><?xml version="1.0" encoding="utf-8"?>
+<p:sld xmlns:a="http://schemas.openxmlformats.org/drawingml/2006/main" xmlns:r="http://schemas.openxmlformats.org/officeDocument/2006/relationships" xmlns:p="http://schemas.openxmlformats.org/presentationml/2006/main">
+  <p:cSld>
+    <p:spTree>
+      <p:nvGrpSpPr>
+        <p:cNvPr id="1" name=""/>
+        <p:cNvGrpSpPr/>
+        <p:nvPr/>
+      </p:nvGrpSpPr>
+      <p:grpSpPr>
+        <a:xfrm>
+          <a:off x="0" y="0"/>
+          <a:ext cx="0" cy="0"/>
+          <a:chOff x="0" y="0"/>
+          <a:chExt cx="0" cy="0"/>
+        </a:xfrm>
+      </p:grpSpPr>
+      <p:pic>
+        <p:nvPicPr>
+          <p:cNvPr id="4098" name="Picture 2"/>
+          <p:cNvPicPr>
+            <a:picLocks noChangeAspect="1" noChangeArrowheads="1"/>
+          </p:cNvPicPr>
+          <p:nvPr/>
+        </p:nvPicPr>
+        <p:blipFill>
+          <a:blip r:embed="rId3" cstate="print"/>
+          <a:srcRect/>
+          <a:stretch>
+            <a:fillRect/>
+          </a:stretch>
+        </p:blipFill>
+        <p:spPr bwMode="auto">
+          <a:xfrm>
+            <a:off x="609600" y="914400"/>
+            <a:ext cx="3124200" cy="4762500"/>
+          </a:xfrm>
+          <a:prstGeom prst="rect">
+            <a:avLst/>
+          </a:prstGeom>
+          <a:noFill/>
+          <a:ln w="9525">
+            <a:noFill/>
+            <a:miter lim="800000"/>
+            <a:headEnd/>
+            <a:tailEnd/>
+          </a:ln>
+        </p:spPr>
+      </p:pic>
+      <p:sp>
+        <p:nvSpPr>
+          <p:cNvPr id="5" name="TextBox 4"/>
+          <p:cNvSpPr txBox="1"/>
+          <p:nvPr/>
+        </p:nvSpPr>
+        <p:spPr>
+          <a:xfrm>
+            <a:off x="3886200" y="1600200"/>
+            <a:ext cx="5105400" cy="1815882"/>
+          </a:xfrm>
+          <a:prstGeom prst="rect">
+            <a:avLst/>
+          </a:prstGeom>
+          <a:noFill/>
+        </p:spPr>
+        <p:txBody>
+          <a:bodyPr wrap="square" rtlCol="0">
+            <a:spAutoFit/>
+          </a:bodyPr>
+          <a:lstStyle/>
+          <a:p>
+            <a:r>
+              <a:rPr lang="en-US" sz="2800" i="1" dirty="0" smtClean="0">
+                <a:latin typeface="Times New Roman" pitchFamily="18" charset="0"/>
+                <a:cs typeface="Times New Roman" pitchFamily="18" charset="0"/>
+              </a:rPr>
+              <a:t>There </a:t>
+            </a:r>
+            <a:r>
+              <a:rPr lang="en-US" sz="2800" i="1" dirty="0" smtClean="0">
+                <a:latin typeface="Times New Roman" pitchFamily="18" charset="0"/>
+                <a:cs typeface="Times New Roman" pitchFamily="18" charset="0"/>
+              </a:rPr>
+              <a:t>are no failing tests or known bugs. Just </a:t>
+            </a:r>
+            <a:r>
+              <a:rPr lang="en-US" sz="2800" i="1" dirty="0" smtClean="0">
+                <a:latin typeface="Times New Roman" pitchFamily="18" charset="0"/>
+                <a:cs typeface="Times New Roman" pitchFamily="18" charset="0"/>
+              </a:rPr>
+              <a:t>Bureaucracy</a:t>
+            </a:r>
+            <a:r>
+              <a:rPr lang="en-US" sz="2800" i="1" dirty="0" smtClean="0">
+                <a:latin typeface="Times New Roman" pitchFamily="18" charset="0"/>
+                <a:cs typeface="Times New Roman" pitchFamily="18" charset="0"/>
+              </a:rPr>
+              <a:t>.</a:t>
+            </a:r>
+            <a:endParaRPr lang="en-US" sz="2800" i="1" dirty="0" smtClean="0">
+              <a:latin typeface="Times New Roman" pitchFamily="18" charset="0"/>
+              <a:cs typeface="Times New Roman" pitchFamily="18" charset="0"/>
+            </a:endParaRPr>
+          </a:p>
+          <a:p>
+            <a:endParaRPr lang="en-US" sz="2800" i="1" dirty="0" smtClean="0">
+              <a:latin typeface="Times New Roman" pitchFamily="18" charset="0"/>
+              <a:cs typeface="Times New Roman" pitchFamily="18" charset="0"/>
+            </a:endParaRPr>
+          </a:p>
+          <a:p>
+            <a:pPr algn="r"/>
+            <a:r>
+              <a:rPr lang="en-US" sz="2400" dirty="0" err="1" smtClean="0">
+                <a:latin typeface="Times New Roman" pitchFamily="18" charset="0"/>
+                <a:cs typeface="Times New Roman" pitchFamily="18" charset="0"/>
+              </a:rPr>
+              <a:t>Işık</a:t>
+            </a:r>
+            <a:r>
+              <a:rPr lang="en-US" sz="2400" dirty="0" smtClean="0">
+                <a:latin typeface="Times New Roman" pitchFamily="18" charset="0"/>
+                <a:cs typeface="Times New Roman" pitchFamily="18" charset="0"/>
+              </a:rPr>
+              <a:t> </a:t>
+            </a:r>
+            <a:r>
+              <a:rPr lang="en-US" sz="2400" dirty="0" smtClean="0">
+                <a:latin typeface="Times New Roman" pitchFamily="18" charset="0"/>
+                <a:cs typeface="Times New Roman" pitchFamily="18" charset="0"/>
+              </a:rPr>
+              <a:t>YİĞİT (DIGY)</a:t>
+            </a:r>
+            <a:endParaRPr lang="en-US" sz="2400" dirty="0">
+              <a:latin typeface="Times New Roman" pitchFamily="18" charset="0"/>
+              <a:cs typeface="Times New Roman" pitchFamily="18" charset="0"/>
+            </a:endParaRPr>
+          </a:p>
+        </p:txBody>
+      </p:sp>
+    </p:spTree>
+  </p:cSld>
+  <p:clrMapOvr>
+    <a:masterClrMapping/>
+  </p:clrMapOvr>
+  <p:timing>
+    <p:tnLst>
+      <p:par>
+        <p:cTn id="1" dur="indefinite" restart="never" nodeType="tmRoot"/>
+      </p:par>
+    </p:tnLst>
+  </p:timing>
+</p:sld>
+</file>
+
+<file path=ppt/slides/slide6.xml><?xml version="1.0" encoding="utf-8"?>
+<p:sld xmlns:a="http://schemas.openxmlformats.org/drawingml/2006/main" xmlns:r="http://schemas.openxmlformats.org/officeDocument/2006/relationships" xmlns:p="http://schemas.openxmlformats.org/presentationml/2006/main">
+  <p:cSld>
+    <p:spTree>
+      <p:nvGrpSpPr>
+        <p:cNvPr id="1" name=""/>
+        <p:cNvGrpSpPr/>
+        <p:nvPr/>
+      </p:nvGrpSpPr>
+      <p:grpSpPr>
+        <a:xfrm>
+          <a:off x="0" y="0"/>
+          <a:ext cx="0" cy="0"/>
+          <a:chOff x="0" y="0"/>
+          <a:chExt cx="0" cy="0"/>
+        </a:xfrm>
+      </p:grpSpPr>
+      <p:pic>
+        <p:nvPicPr>
+          <p:cNvPr id="5123" name="Picture 3" descr="C:\Users\Mike\Desktop\telerikLogos-web-jpg\telerikLogo-web-450x180px.jpg"/>
+          <p:cNvPicPr>
+            <a:picLocks noChangeAspect="1" noChangeArrowheads="1"/>
+          </p:cNvPicPr>
+          <p:nvPr/>
+        </p:nvPicPr>
+        <p:blipFill>
+          <a:blip r:embed="rId2" cstate="print"/>
+          <a:srcRect/>
+          <a:stretch>
+            <a:fillRect/>
+          </a:stretch>
+        </p:blipFill>
+        <p:spPr bwMode="auto">
+          <a:xfrm>
+            <a:off x="2338143" y="990600"/>
+            <a:ext cx="4286250" cy="1714500"/>
+          </a:xfrm>
+          <a:prstGeom prst="rect">
+            <a:avLst/>
+          </a:prstGeom>
+          <a:noFill/>
+        </p:spPr>
+      </p:pic>
+      <p:pic>
+        <p:nvPicPr>
+          <p:cNvPr id="5124" name="Picture 4"/>
+          <p:cNvPicPr>
+            <a:picLocks noChangeAspect="1" noChangeArrowheads="1"/>
+          </p:cNvPicPr>
+          <p:nvPr/>
+        </p:nvPicPr>
+        <p:blipFill>
+          <a:blip r:embed="rId3" cstate="print"/>
+          <a:srcRect/>
+          <a:stretch>
+            <a:fillRect/>
+          </a:stretch>
+        </p:blipFill>
+        <p:spPr bwMode="auto">
+          <a:xfrm>
+            <a:off x="1676400" y="4724400"/>
+            <a:ext cx="5609737" cy="981075"/>
+          </a:xfrm>
+          <a:prstGeom prst="rect">
+            <a:avLst/>
+          </a:prstGeom>
+          <a:noFill/>
+          <a:ln w="9525">
+            <a:noFill/>
+            <a:miter lim="800000"/>
+            <a:headEnd/>
+            <a:tailEnd/>
+          </a:ln>
+        </p:spPr>
+      </p:pic>
+    </p:spTree>
+  </p:cSld>
+  <p:clrMapOvr>
+    <a:masterClrMapping/>
+  </p:clrMapOvr>
+  <p:timing>
+    <p:tnLst>
+      <p:par>
+        <p:cTn id="1" dur="indefinite" restart="never" nodeType="tmRoot"/>
+      </p:par>
+    </p:tnLst>
+  </p:timing>
+</p:sld>
+</file>
+
+<file path=ppt/slides/slide7.xml><?xml version="1.0" encoding="utf-8"?>
+<p:sld xmlns:a="http://schemas.openxmlformats.org/drawingml/2006/main" xmlns:r="http://schemas.openxmlformats.org/officeDocument/2006/relationships" xmlns:p="http://schemas.openxmlformats.org/presentationml/2006/main">
+  <p:cSld>
+    <p:spTree>
+      <p:nvGrpSpPr>
+        <p:cNvPr id="1" name=""/>
+        <p:cNvGrpSpPr/>
+        <p:nvPr/>
+      </p:nvGrpSpPr>
+      <p:grpSpPr>
+        <a:xfrm>
+          <a:off x="0" y="0"/>
+          <a:ext cx="0" cy="0"/>
+          <a:chOff x="0" y="0"/>
+          <a:chExt cx="0" cy="0"/>
+        </a:xfrm>
+      </p:grpSpPr>
+      <p:sp>
+        <p:nvSpPr>
+          <p:cNvPr id="2" name="Title 1"/>
+          <p:cNvSpPr>
+            <a:spLocks noGrp="1"/>
+          </p:cNvSpPr>
+          <p:nvPr>
+            <p:ph type="title"/>
+          </p:nvPr>
+        </p:nvSpPr>
+        <p:spPr>
+          <a:xfrm>
+            <a:off x="457200" y="5029200"/>
+            <a:ext cx="8229600" cy="1143000"/>
+          </a:xfrm>
+        </p:spPr>
+        <p:txBody>
+          <a:bodyPr>
+            <a:normAutofit/>
+          </a:bodyPr>
+          <a:lstStyle/>
+          <a:p>
+            <a:r>
+              <a:rPr lang="en-US" sz="5400" dirty="0" smtClean="0"/>
+              <a:t>Why </a:t>
+            </a:r>
+            <a:r>
+              <a:rPr lang="en-US" sz="5400" dirty="0" err="1" smtClean="0"/>
+              <a:t>Lucene</a:t>
+            </a:r>
+            <a:r>
+              <a:rPr lang="en-US" sz="5400" dirty="0" smtClean="0"/>
+              <a:t>?</a:t>
+            </a:r>
+            <a:endParaRPr lang="en-US" sz="5400" dirty="0"/>
+          </a:p>
+        </p:txBody>
+      </p:sp>
+      <p:pic>
+        <p:nvPicPr>
+          <p:cNvPr id="3074" name="Picture 2"/>
+          <p:cNvPicPr>
+            <a:picLocks noChangeAspect="1" noChangeArrowheads="1"/>
+          </p:cNvPicPr>
+          <p:nvPr/>
+        </p:nvPicPr>
+        <p:blipFill>
+          <a:blip r:embed="rId3" cstate="print"/>
+          <a:srcRect/>
+          <a:stretch>
+            <a:fillRect/>
+          </a:stretch>
+        </p:blipFill>
+        <p:spPr bwMode="auto">
+          <a:xfrm>
+            <a:off x="2190750" y="1066800"/>
+            <a:ext cx="4762500" cy="3695700"/>
+          </a:xfrm>
+          <a:prstGeom prst="rect">
+            <a:avLst/>
+          </a:prstGeom>
+          <a:noFill/>
+          <a:ln w="9525">
+            <a:noFill/>
+            <a:miter lim="800000"/>
+            <a:headEnd/>
+            <a:tailEnd/>
+          </a:ln>
+        </p:spPr>
+      </p:pic>
+    </p:spTree>
+  </p:cSld>
+  <p:clrMapOvr>
+    <a:masterClrMapping/>
+  </p:clrMapOvr>
+  <p:timing>
+    <p:tnLst>
+      <p:par>
+        <p:cTn id="1" dur="indefinite" restart="never" nodeType="tmRoot"/>
+      </p:par>
+    </p:tnLst>
+  </p:timing>
+</p:sld>
+</file>
+
+<file path=ppt/slides/slide8.xml><?xml version="1.0" encoding="utf-8"?>
+<p:sld xmlns:a="http://schemas.openxmlformats.org/drawingml/2006/main" xmlns:r="http://schemas.openxmlformats.org/officeDocument/2006/relationships" xmlns:p="http://schemas.openxmlformats.org/presentationml/2006/main">
+  <p:cSld>
+    <p:bg>
+      <p:bgPr>
+        <a:solidFill>
+          <a:schemeClr val="tx1"/>
+        </a:solidFill>
+        <a:effectLst/>
+      </p:bgPr>
+    </p:bg>
+    <p:spTree>
+      <p:nvGrpSpPr>
+        <p:cNvPr id="1" name=""/>
+        <p:cNvGrpSpPr/>
+        <p:nvPr/>
+      </p:nvGrpSpPr>
+      <p:grpSpPr>
+        <a:xfrm>
+          <a:off x="0" y="0"/>
+          <a:ext cx="0" cy="0"/>
+          <a:chOff x="0" y="0"/>
+          <a:chExt cx="0" cy="0"/>
+        </a:xfrm>
+      </p:grpSpPr>
+      <p:pic>
+        <p:nvPicPr>
+          <p:cNvPr id="1028" name="Picture 4"/>
+          <p:cNvPicPr>
+            <a:picLocks noChangeAspect="1" noChangeArrowheads="1"/>
+          </p:cNvPicPr>
+          <p:nvPr/>
+        </p:nvPicPr>
+        <p:blipFill>
+          <a:blip r:embed="rId2" cstate="print"/>
+          <a:srcRect/>
+          <a:stretch>
+            <a:fillRect/>
+          </a:stretch>
+        </p:blipFill>
+        <p:spPr bwMode="auto">
+          <a:xfrm>
+            <a:off x="783152" y="1295400"/>
+            <a:ext cx="7577697" cy="4267200"/>
+          </a:xfrm>
+          <a:prstGeom prst="rect">
+            <a:avLst/>
+          </a:prstGeom>
+          <a:noFill/>
+          <a:ln w="9525">
+            <a:noFill/>
+            <a:miter lim="800000"/>
+            <a:headEnd/>
+            <a:tailEnd/>
+          </a:ln>
+          <a:effectLst/>
+        </p:spPr>
+      </p:pic>
+    </p:spTree>
+  </p:cSld>
+  <p:clrMapOvr>
+    <a:masterClrMapping/>
+  </p:clrMapOvr>
+  <p:timing>
+    <p:tnLst>
+      <p:par>
+        <p:cTn id="1" dur="indefinite" restart="never" nodeType="tmRoot"/>
+      </p:par>
+    </p:tnLst>
+  </p:timing>
+</p:sld>
+</file>
+
+<file path=ppt/slides/slide9.xml><?xml version="1.0" encoding="utf-8"?>
+<p:sld xmlns:a="http://schemas.openxmlformats.org/drawingml/2006/main" xmlns:r="http://schemas.openxmlformats.org/officeDocument/2006/relationships" xmlns:p="http://schemas.openxmlformats.org/presentationml/2006/main">
+  <p:cSld>
+    <p:bg>
+      <p:bgPr>
+        <a:solidFill>
+          <a:schemeClr val="tx1"/>
+        </a:solidFill>
+        <a:effectLst/>
+      </p:bgPr>
+    </p:bg>
+    <p:spTree>
+      <p:nvGrpSpPr>
+        <p:cNvPr id="1" name=""/>
+        <p:cNvGrpSpPr/>
+        <p:nvPr/>
+      </p:nvGrpSpPr>
+      <p:grpSpPr>
+        <a:xfrm>
+          <a:off x="0" y="0"/>
+          <a:ext cx="0" cy="0"/>
+          <a:chOff x="0" y="0"/>
+          <a:chExt cx="0" cy="0"/>
+        </a:xfrm>
+      </p:grpSpPr>
+      <p:pic>
+        <p:nvPicPr>
+          <p:cNvPr id="2050" name="Picture 2"/>
+          <p:cNvPicPr>
+            <a:picLocks noChangeAspect="1" noChangeArrowheads="1"/>
+          </p:cNvPicPr>
+          <p:nvPr/>
+        </p:nvPicPr>
+        <p:blipFill>
+          <a:blip r:embed="rId2" cstate="print"/>
+          <a:srcRect/>
+          <a:stretch>
+            <a:fillRect/>
+          </a:stretch>
+        </p:blipFill>
+        <p:spPr bwMode="auto">
+          <a:xfrm>
+            <a:off x="480035" y="952500"/>
+            <a:ext cx="8183930" cy="4953000"/>
+          </a:xfrm>
+          <a:prstGeom prst="rect">
+            <a:avLst/>
+          </a:prstGeom>
+          <a:noFill/>
+          <a:ln w="9525">
+            <a:noFill/>
+            <a:miter lim="800000"/>
+            <a:headEnd/>
+            <a:tailEnd/>
+          </a:ln>
+          <a:effectLst/>
+        </p:spPr>
+      </p:pic>
     </p:spTree>
   </p:cSld>
   <p:clrMapOvr>
@@ -16210,4 +23262,287 @@
   <a:objectDefaults/>
   <a:extraClrSchemeLst/>
 </a:theme>
+</file>
+
+<file path=ppt/theme/theme5.xml><?xml version="1.0" encoding="utf-8"?>
+<a:theme xmlns:a="http://schemas.openxmlformats.org/drawingml/2006/main" name="Office Theme">
+  <a:themeElements>
+    <a:clrScheme name="Office">
+      <a:dk1>
+        <a:sysClr val="windowText" lastClr="000000"/>
+      </a:dk1>
+      <a:lt1>
+        <a:sysClr val="window" lastClr="FFFFFF"/>
+      </a:lt1>
+      <a:dk2>
+        <a:srgbClr val="1F497D"/>
+      </a:dk2>
+      <a:lt2>
+        <a:srgbClr val="EEECE1"/>
+      </a:lt2>
+      <a:accent1>
+        <a:srgbClr val="4F81BD"/>
+      </a:accent1>
+      <a:accent2>
+        <a:srgbClr val="C0504D"/>
+      </a:accent2>
+      <a:accent3>
+        <a:srgbClr val="9BBB59"/>
+      </a:accent3>
+      <a:accent4>
+        <a:srgbClr val="8064A2"/>
+      </a:accent4>
+      <a:accent5>
+        <a:srgbClr val="4BACC6"/>
+      </a:accent5>
+      <a:accent6>
+        <a:srgbClr val="F79646"/>
+      </a:accent6>
+      <a:hlink>
+        <a:srgbClr val="0000FF"/>
+      </a:hlink>
+      <a:folHlink>
+        <a:srgbClr val="800080"/>
+      </a:folHlink>
+    </a:clrScheme>
+    <a:fontScheme name="Office">
+      <a:majorFont>
+        <a:latin typeface="Calibri"/>
+        <a:ea typeface=""/>
+        <a:cs typeface=""/>
+        <a:font script="Jpan" typeface="ＭＳ Ｐゴシック"/>
+        <a:font script="Hang" typeface="맑은 고딕"/>
+        <a:font script="Hans" typeface="宋体"/>
+        <a:font script="Hant" typeface="新細明體"/>
+        <a:font script="Arab" typeface="Times New Roman"/>
+        <a:font script="Hebr" typeface="Times New Roman"/>
+        <a:font script="Thai" typeface="Angsana New"/>
+        <a:font script="Ethi" typeface="Nyala"/>
+        <a:font script="Beng" typeface="Vrinda"/>
+        <a:font script="Gujr" typeface="Shruti"/>
+        <a:font script="Khmr" typeface="MoolBoran"/>
+        <a:font script="Knda" typeface="Tunga"/>
+        <a:font script="Guru" typeface="Raavi"/>
+        <a:font script="Cans" typeface="Euphemia"/>
+        <a:font script="Cher" typeface="Plantagenet Cherokee"/>
+        <a:font script="Yiii" typeface="Microsoft Yi Baiti"/>
+        <a:font script="Tibt" typeface="Microsoft Himalaya"/>
+        <a:font script="Thaa" typeface="MV Boli"/>
+        <a:font script="Deva" typeface="Mangal"/>
+        <a:font script="Telu" typeface="Gautami"/>
+        <a:font script="Taml" typeface="Latha"/>
+        <a:font script="Syrc" typeface="Estrangelo Edessa"/>
+        <a:font script="Orya" typeface="Kalinga"/>
+        <a:font script="Mlym" typeface="Kartika"/>
+        <a:font script="Laoo" typeface="DokChampa"/>
+        <a:font script="Sinh" typeface="Iskoola Pota"/>
+        <a:font script="Mong" typeface="Mongolian Baiti"/>
+        <a:font script="Viet" typeface="Times New Roman"/>
+        <a:font script="Uigh" typeface="Microsoft Uighur"/>
+      </a:majorFont>
+      <a:minorFont>
+        <a:latin typeface="Calibri"/>
+        <a:ea typeface=""/>
+        <a:cs typeface=""/>
+        <a:font script="Jpan" typeface="ＭＳ Ｐゴシック"/>
+        <a:font script="Hang" typeface="맑은 고딕"/>
+        <a:font script="Hans" typeface="宋体"/>
+        <a:font script="Hant" typeface="新細明體"/>
+        <a:font script="Arab" typeface="Arial"/>
+        <a:font script="Hebr" typeface="Arial"/>
+        <a:font script="Thai" typeface="Cordia New"/>
+        <a:font script="Ethi" typeface="Nyala"/>
+        <a:font script="Beng" typeface="Vrinda"/>
+        <a:font script="Gujr" typeface="Shruti"/>
+        <a:font script="Khmr" typeface="DaunPenh"/>
+        <a:font script="Knda" typeface="Tunga"/>
+        <a:font script="Guru" typeface="Raavi"/>
+        <a:font script="Cans" typeface="Euphemia"/>
+        <a:font script="Cher" typeface="Plantagenet Cherokee"/>
+        <a:font script="Yiii" typeface="Microsoft Yi Baiti"/>
+        <a:font script="Tibt" typeface="Microsoft Himalaya"/>
+        <a:font script="Thaa" typeface="MV Boli"/>
+        <a:font script="Deva" typeface="Mangal"/>
+        <a:font script="Telu" typeface="Gautami"/>
+        <a:font script="Taml" typeface="Latha"/>
+        <a:font script="Syrc" typeface="Estrangelo Edessa"/>
+        <a:font script="Orya" typeface="Kalinga"/>
+        <a:font script="Mlym" typeface="Kartika"/>
+        <a:font script="Laoo" typeface="DokChampa"/>
+        <a:font script="Sinh" typeface="Iskoola Pota"/>
+        <a:font script="Mong" typeface="Mongolian Baiti"/>
+        <a:font script="Viet" typeface="Arial"/>
+        <a:font script="Uigh" typeface="Microsoft Uighur"/>
+      </a:minorFont>
+    </a:fontScheme>
+    <a:fmtScheme name="Office">
+      <a:fillStyleLst>
+        <a:solidFill>
+          <a:schemeClr val="phClr"/>
+        </a:solidFill>
+        <a:gradFill rotWithShape="1">
+          <a:gsLst>
+            <a:gs pos="0">
+              <a:schemeClr val="phClr">
+                <a:tint val="50000"/>
+                <a:satMod val="300000"/>
+              </a:schemeClr>
+            </a:gs>
+            <a:gs pos="35000">
+              <a:schemeClr val="phClr">
+                <a:tint val="37000"/>
+                <a:satMod val="300000"/>
+              </a:schemeClr>
+            </a:gs>
+            <a:gs pos="100000">
+              <a:schemeClr val="phClr">
+                <a:tint val="15000"/>
+                <a:satMod val="350000"/>
+              </a:schemeClr>
+            </a:gs>
+          </a:gsLst>
+          <a:lin ang="16200000" scaled="1"/>
+        </a:gradFill>
+        <a:gradFill rotWithShape="1">
+          <a:gsLst>
+            <a:gs pos="0">
+              <a:schemeClr val="phClr">
+                <a:shade val="51000"/>
+                <a:satMod val="130000"/>
+              </a:schemeClr>
+            </a:gs>
+            <a:gs pos="80000">
+              <a:schemeClr val="phClr">
+                <a:shade val="93000"/>
+                <a:satMod val="130000"/>
+              </a:schemeClr>
+            </a:gs>
+            <a:gs pos="100000">
+              <a:schemeClr val="phClr">
+                <a:shade val="94000"/>
+                <a:satMod val="135000"/>
+              </a:schemeClr>
+            </a:gs>
+          </a:gsLst>
+          <a:lin ang="16200000" scaled="0"/>
+        </a:gradFill>
+      </a:fillStyleLst>
+      <a:lnStyleLst>
+        <a:ln w="9525" cap="flat" cmpd="sng" algn="ctr">
+          <a:solidFill>
+            <a:schemeClr val="phClr">
+              <a:shade val="95000"/>
+              <a:satMod val="105000"/>
+            </a:schemeClr>
+          </a:solidFill>
+          <a:prstDash val="solid"/>
+        </a:ln>
+        <a:ln w="25400" cap="flat" cmpd="sng" algn="ctr">
+          <a:solidFill>
+            <a:schemeClr val="phClr"/>
+          </a:solidFill>
+          <a:prstDash val="solid"/>
+        </a:ln>
+        <a:ln w="38100" cap="flat" cmpd="sng" algn="ctr">
+          <a:solidFill>
+            <a:schemeClr val="phClr"/>
+          </a:solidFill>
+          <a:prstDash val="solid"/>
+        </a:ln>
+      </a:lnStyleLst>
+      <a:effectStyleLst>
+        <a:effectStyle>
+          <a:effectLst>
+            <a:outerShdw blurRad="40000" dist="20000" dir="5400000" rotWithShape="0">
+              <a:srgbClr val="000000">
+                <a:alpha val="38000"/>
+              </a:srgbClr>
+            </a:outerShdw>
+          </a:effectLst>
+        </a:effectStyle>
+        <a:effectStyle>
+          <a:effectLst>
+            <a:outerShdw blurRad="40000" dist="23000" dir="5400000" rotWithShape="0">
+              <a:srgbClr val="000000">
+                <a:alpha val="35000"/>
+              </a:srgbClr>
+            </a:outerShdw>
+          </a:effectLst>
+        </a:effectStyle>
+        <a:effectStyle>
+          <a:effectLst>
+            <a:outerShdw blurRad="40000" dist="23000" dir="5400000" rotWithShape="0">
+              <a:srgbClr val="000000">
+                <a:alpha val="35000"/>
+              </a:srgbClr>
+            </a:outerShdw>
+          </a:effectLst>
+          <a:scene3d>
+            <a:camera prst="orthographicFront">
+              <a:rot lat="0" lon="0" rev="0"/>
+            </a:camera>
+            <a:lightRig rig="threePt" dir="t">
+              <a:rot lat="0" lon="0" rev="1200000"/>
+            </a:lightRig>
+          </a:scene3d>
+          <a:sp3d>
+            <a:bevelT w="63500" h="25400"/>
+          </a:sp3d>
+        </a:effectStyle>
+      </a:effectStyleLst>
+      <a:bgFillStyleLst>
+        <a:solidFill>
+          <a:schemeClr val="phClr"/>
+        </a:solidFill>
+        <a:gradFill rotWithShape="1">
+          <a:gsLst>
+            <a:gs pos="0">
+              <a:schemeClr val="phClr">
+                <a:tint val="40000"/>
+                <a:satMod val="350000"/>
+              </a:schemeClr>
+            </a:gs>
+            <a:gs pos="40000">
+              <a:schemeClr val="phClr">
+                <a:tint val="45000"/>
+                <a:shade val="99000"/>
+                <a:satMod val="350000"/>
+              </a:schemeClr>
+            </a:gs>
+            <a:gs pos="100000">
+              <a:schemeClr val="phClr">
+                <a:shade val="20000"/>
+                <a:satMod val="255000"/>
+              </a:schemeClr>
+            </a:gs>
+          </a:gsLst>
+          <a:path path="circle">
+            <a:fillToRect l="50000" t="-80000" r="50000" b="180000"/>
+          </a:path>
+        </a:gradFill>
+        <a:gradFill rotWithShape="1">
+          <a:gsLst>
+            <a:gs pos="0">
+              <a:schemeClr val="phClr">
+                <a:tint val="80000"/>
+                <a:satMod val="300000"/>
+              </a:schemeClr>
+            </a:gs>
+            <a:gs pos="100000">
+              <a:schemeClr val="phClr">
+                <a:shade val="30000"/>
+                <a:satMod val="200000"/>
+              </a:schemeClr>
+            </a:gs>
+          </a:gsLst>
+          <a:path path="circle">
+            <a:fillToRect l="50000" t="50000" r="50000" b="50000"/>
+          </a:path>
+        </a:gradFill>
+      </a:bgFillStyleLst>
+    </a:fmtScheme>
+  </a:themeElements>
+  <a:objectDefaults/>
+  <a:extraClrSchemeLst/>
+</a:theme>
 </file>
--- a/Presentations/Lucene/Lucene.pptx
+++ b/Presentations/Lucene/Lucene.pptx
@@ -217,7 +217,8 @@
           <a:p>
             <a:fld id="{878CC6A9-C346-43E8-88E8-972ACEDA072F}" type="datetimeFigureOut">
               <a:rPr lang="en-US" smtClean="0"/>
-              <a:t>8/9/2009</a:t>
+              <a:pPr/>
+              <a:t>9/18/2009</a:t>
             </a:fld>
             <a:endParaRPr lang="en-US"/>
           </a:p>
@@ -378,6 +379,7 @@
           <a:p>
             <a:fld id="{B19664B0-23B4-41CC-9F1C-E5FBE5F6B69C}" type="slidenum">
               <a:rPr lang="en-US" smtClean="0"/>
+              <a:pPr/>
               <a:t>‹#›</a:t>
             </a:fld>
             <a:endParaRPr lang="en-US"/>
@@ -553,6 +555,7 @@
           <a:p>
             <a:fld id="{B19664B0-23B4-41CC-9F1C-E5FBE5F6B69C}" type="slidenum">
               <a:rPr lang="en-US" smtClean="0"/>
+              <a:pPr/>
               <a:t>5</a:t>
             </a:fld>
             <a:endParaRPr lang="en-US"/>
@@ -638,6 +641,7 @@
           <a:p>
             <a:fld id="{B19664B0-23B4-41CC-9F1C-E5FBE5F6B69C}" type="slidenum">
               <a:rPr lang="en-US" smtClean="0"/>
+              <a:pPr/>
               <a:t>7</a:t>
             </a:fld>
             <a:endParaRPr lang="en-US"/>
@@ -723,6 +727,7 @@
           <a:p>
             <a:fld id="{B19664B0-23B4-41CC-9F1C-E5FBE5F6B69C}" type="slidenum">
               <a:rPr lang="en-US" smtClean="0"/>
+              <a:pPr/>
               <a:t>15</a:t>
             </a:fld>
             <a:endParaRPr lang="en-US"/>
@@ -808,6 +813,7 @@
           <a:p>
             <a:fld id="{B19664B0-23B4-41CC-9F1C-E5FBE5F6B69C}" type="slidenum">
               <a:rPr lang="en-US" smtClean="0"/>
+              <a:pPr/>
               <a:t>19</a:t>
             </a:fld>
             <a:endParaRPr lang="en-US"/>
@@ -893,6 +899,7 @@
           <a:p>
             <a:fld id="{B19664B0-23B4-41CC-9F1C-E5FBE5F6B69C}" type="slidenum">
               <a:rPr lang="en-US" smtClean="0"/>
+              <a:pPr/>
               <a:t>20</a:t>
             </a:fld>
             <a:endParaRPr lang="en-US"/>
@@ -978,6 +985,7 @@
           <a:p>
             <a:fld id="{B19664B0-23B4-41CC-9F1C-E5FBE5F6B69C}" type="slidenum">
               <a:rPr lang="en-US" smtClean="0"/>
+              <a:pPr/>
               <a:t>21</a:t>
             </a:fld>
             <a:endParaRPr lang="en-US"/>
@@ -1063,6 +1071,7 @@
           <a:p>
             <a:fld id="{B19664B0-23B4-41CC-9F1C-E5FBE5F6B69C}" type="slidenum">
               <a:rPr lang="en-US" smtClean="0"/>
+              <a:pPr/>
               <a:t>22</a:t>
             </a:fld>
             <a:endParaRPr lang="en-US"/>
@@ -1148,6 +1157,7 @@
           <a:p>
             <a:fld id="{B19664B0-23B4-41CC-9F1C-E5FBE5F6B69C}" type="slidenum">
               <a:rPr lang="en-US" smtClean="0"/>
+              <a:pPr/>
               <a:t>23</a:t>
             </a:fld>
             <a:endParaRPr lang="en-US"/>
@@ -1344,7 +1354,7 @@
             <a:fld id="{3541C51D-28AE-4E03-B530-D8520D9050CD}" type="datetimeFigureOut">
               <a:rPr lang="en-US" smtClean="0"/>
               <a:pPr/>
-              <a:t>8/9/2009</a:t>
+              <a:t>9/18/2009</a:t>
             </a:fld>
             <a:endParaRPr lang="en-US"/>
           </a:p>
@@ -1511,7 +1521,7 @@
             <a:fld id="{3541C51D-28AE-4E03-B530-D8520D9050CD}" type="datetimeFigureOut">
               <a:rPr lang="en-US" smtClean="0"/>
               <a:pPr/>
-              <a:t>8/9/2009</a:t>
+              <a:t>9/18/2009</a:t>
             </a:fld>
             <a:endParaRPr lang="en-US"/>
           </a:p>
@@ -1688,7 +1698,7 @@
             <a:fld id="{3541C51D-28AE-4E03-B530-D8520D9050CD}" type="datetimeFigureOut">
               <a:rPr lang="en-US" smtClean="0"/>
               <a:pPr/>
-              <a:t>8/9/2009</a:t>
+              <a:t>9/18/2009</a:t>
             </a:fld>
             <a:endParaRPr lang="en-US"/>
           </a:p>
@@ -1937,7 +1947,7 @@
                 <a:cs typeface="+mn-cs"/>
               </a:rPr>
               <a:pPr algn="l" rtl="0"/>
-              <a:t>8/9/2009</a:t>
+              <a:t>9/18/2009</a:t>
             </a:fld>
             <a:endParaRPr lang="en-US" sz="1200" kern="1200">
               <a:solidFill>
@@ -2152,7 +2162,7 @@
                 <a:cs typeface="+mn-cs"/>
               </a:rPr>
               <a:pPr algn="l" rtl="0"/>
-              <a:t>8/9/2009</a:t>
+              <a:t>9/18/2009</a:t>
             </a:fld>
             <a:endParaRPr lang="en-US" sz="1200" kern="1200">
               <a:solidFill>
@@ -2443,7 +2453,7 @@
                 <a:cs typeface="+mn-cs"/>
               </a:rPr>
               <a:pPr algn="l" rtl="0"/>
-              <a:t>8/9/2009</a:t>
+              <a:t>9/18/2009</a:t>
             </a:fld>
             <a:endParaRPr lang="en-US" sz="1200" kern="1200">
               <a:solidFill>
@@ -2776,7 +2786,7 @@
                 <a:cs typeface="+mn-cs"/>
               </a:rPr>
               <a:pPr algn="l" rtl="0"/>
-              <a:t>8/9/2009</a:t>
+              <a:t>9/18/2009</a:t>
             </a:fld>
             <a:endParaRPr lang="en-US" sz="1200" kern="1200">
               <a:solidFill>
@@ -3243,7 +3253,7 @@
                 <a:cs typeface="+mn-cs"/>
               </a:rPr>
               <a:pPr algn="l" rtl="0"/>
-              <a:t>8/9/2009</a:t>
+              <a:t>9/18/2009</a:t>
             </a:fld>
             <a:endParaRPr lang="en-US" sz="1200" kern="1200">
               <a:solidFill>
@@ -3406,7 +3416,7 @@
                 <a:cs typeface="+mn-cs"/>
               </a:rPr>
               <a:pPr algn="l" rtl="0"/>
-              <a:t>8/9/2009</a:t>
+              <a:t>9/18/2009</a:t>
             </a:fld>
             <a:endParaRPr lang="en-US" sz="1200" kern="1200">
               <a:solidFill>
@@ -3546,7 +3556,7 @@
                 <a:cs typeface="+mn-cs"/>
               </a:rPr>
               <a:pPr algn="l" rtl="0"/>
-              <a:t>8/9/2009</a:t>
+              <a:t>9/18/2009</a:t>
             </a:fld>
             <a:endParaRPr lang="en-US" sz="1200" kern="1200">
               <a:solidFill>
@@ -3868,7 +3878,7 @@
                 <a:cs typeface="+mn-cs"/>
               </a:rPr>
               <a:pPr algn="l" rtl="0"/>
-              <a:t>8/9/2009</a:t>
+              <a:t>9/18/2009</a:t>
             </a:fld>
             <a:endParaRPr lang="en-US" sz="1200" kern="1200">
               <a:solidFill>
@@ -4073,7 +4083,7 @@
             <a:fld id="{3541C51D-28AE-4E03-B530-D8520D9050CD}" type="datetimeFigureOut">
               <a:rPr lang="en-US" smtClean="0"/>
               <a:pPr/>
-              <a:t>8/9/2009</a:t>
+              <a:t>9/18/2009</a:t>
             </a:fld>
             <a:endParaRPr lang="en-US"/>
           </a:p>
@@ -4333,7 +4343,7 @@
                 <a:cs typeface="+mn-cs"/>
               </a:rPr>
               <a:pPr algn="l" rtl="0"/>
-              <a:t>8/9/2009</a:t>
+              <a:t>9/18/2009</a:t>
             </a:fld>
             <a:endParaRPr lang="en-US" sz="1200" kern="1200">
               <a:solidFill>
@@ -4548,7 +4558,7 @@
                 <a:cs typeface="+mn-cs"/>
               </a:rPr>
               <a:pPr algn="l" rtl="0"/>
-              <a:t>8/9/2009</a:t>
+              <a:t>9/18/2009</a:t>
             </a:fld>
             <a:endParaRPr lang="en-US" sz="1200" kern="1200">
               <a:solidFill>
@@ -4773,7 +4783,7 @@
                 <a:cs typeface="+mn-cs"/>
               </a:rPr>
               <a:pPr algn="l" rtl="0"/>
-              <a:t>8/9/2009</a:t>
+              <a:t>9/18/2009</a:t>
             </a:fld>
             <a:endParaRPr lang="en-US" sz="1200" kern="1200">
               <a:solidFill>
@@ -5060,7 +5070,7 @@
                 <a:cs typeface="+mn-cs"/>
               </a:rPr>
               <a:pPr algn="l" rtl="0"/>
-              <a:t>8/9/2009</a:t>
+              <a:t>9/18/2009</a:t>
             </a:fld>
             <a:endParaRPr lang="en-US" sz="1200" kern="1200">
               <a:solidFill>
@@ -5275,7 +5285,7 @@
                 <a:cs typeface="+mn-cs"/>
               </a:rPr>
               <a:pPr algn="l" rtl="0"/>
-              <a:t>8/9/2009</a:t>
+              <a:t>9/18/2009</a:t>
             </a:fld>
             <a:endParaRPr lang="en-US" sz="1200" kern="1200">
               <a:solidFill>
@@ -5566,7 +5576,7 @@
                 <a:cs typeface="+mn-cs"/>
               </a:rPr>
               <a:pPr algn="l" rtl="0"/>
-              <a:t>8/9/2009</a:t>
+              <a:t>9/18/2009</a:t>
             </a:fld>
             <a:endParaRPr lang="en-US" sz="1200" kern="1200">
               <a:solidFill>
@@ -5899,7 +5909,7 @@
                 <a:cs typeface="+mn-cs"/>
               </a:rPr>
               <a:pPr algn="l" rtl="0"/>
-              <a:t>8/9/2009</a:t>
+              <a:t>9/18/2009</a:t>
             </a:fld>
             <a:endParaRPr lang="en-US" sz="1200" kern="1200">
               <a:solidFill>
@@ -6366,7 +6376,7 @@
                 <a:cs typeface="+mn-cs"/>
               </a:rPr>
               <a:pPr algn="l" rtl="0"/>
-              <a:t>8/9/2009</a:t>
+              <a:t>9/18/2009</a:t>
             </a:fld>
             <a:endParaRPr lang="en-US" sz="1200" kern="1200">
               <a:solidFill>
@@ -6529,7 +6539,7 @@
                 <a:cs typeface="+mn-cs"/>
               </a:rPr>
               <a:pPr algn="l" rtl="0"/>
-              <a:t>8/9/2009</a:t>
+              <a:t>9/18/2009</a:t>
             </a:fld>
             <a:endParaRPr lang="en-US" sz="1200" kern="1200">
               <a:solidFill>
@@ -6669,7 +6679,7 @@
                 <a:cs typeface="+mn-cs"/>
               </a:rPr>
               <a:pPr algn="l" rtl="0"/>
-              <a:t>8/9/2009</a:t>
+              <a:t>9/18/2009</a:t>
             </a:fld>
             <a:endParaRPr lang="en-US" sz="1200" kern="1200">
               <a:solidFill>
@@ -6950,7 +6960,7 @@
             <a:fld id="{3541C51D-28AE-4E03-B530-D8520D9050CD}" type="datetimeFigureOut">
               <a:rPr lang="en-US" smtClean="0"/>
               <a:pPr/>
-              <a:t>8/9/2009</a:t>
+              <a:t>9/18/2009</a:t>
             </a:fld>
             <a:endParaRPr lang="en-US"/>
           </a:p>
@@ -7234,7 +7244,7 @@
                 <a:cs typeface="+mn-cs"/>
               </a:rPr>
               <a:pPr algn="l" rtl="0"/>
-              <a:t>8/9/2009</a:t>
+              <a:t>9/18/2009</a:t>
             </a:fld>
             <a:endParaRPr lang="en-US" sz="1200" kern="1200">
               <a:solidFill>
@@ -7532,7 +7542,7 @@
                 <a:cs typeface="+mn-cs"/>
               </a:rPr>
               <a:pPr algn="l" rtl="0"/>
-              <a:t>8/9/2009</a:t>
+              <a:t>9/18/2009</a:t>
             </a:fld>
             <a:endParaRPr lang="en-US" sz="1200" kern="1200">
               <a:solidFill>
@@ -7747,7 +7757,7 @@
                 <a:cs typeface="+mn-cs"/>
               </a:rPr>
               <a:pPr algn="l" rtl="0"/>
-              <a:t>8/9/2009</a:t>
+              <a:t>9/18/2009</a:t>
             </a:fld>
             <a:endParaRPr lang="en-US" sz="1200" kern="1200">
               <a:solidFill>
@@ -7972,7 +7982,7 @@
                 <a:cs typeface="+mn-cs"/>
               </a:rPr>
               <a:pPr algn="l" rtl="0"/>
-              <a:t>8/9/2009</a:t>
+              <a:t>9/18/2009</a:t>
             </a:fld>
             <a:endParaRPr lang="en-US" sz="1200" kern="1200">
               <a:solidFill>
@@ -8259,7 +8269,7 @@
                 <a:cs typeface="+mn-cs"/>
               </a:rPr>
               <a:pPr algn="l" rtl="0"/>
-              <a:t>8/9/2009</a:t>
+              <a:t>9/18/2009</a:t>
             </a:fld>
             <a:endParaRPr lang="en-US" sz="1200" kern="1200">
               <a:solidFill>
@@ -8474,7 +8484,7 @@
                 <a:cs typeface="+mn-cs"/>
               </a:rPr>
               <a:pPr algn="l" rtl="0"/>
-              <a:t>8/9/2009</a:t>
+              <a:t>9/18/2009</a:t>
             </a:fld>
             <a:endParaRPr lang="en-US" sz="1200" kern="1200">
               <a:solidFill>
@@ -8765,7 +8775,7 @@
                 <a:cs typeface="+mn-cs"/>
               </a:rPr>
               <a:pPr algn="l" rtl="0"/>
-              <a:t>8/9/2009</a:t>
+              <a:t>9/18/2009</a:t>
             </a:fld>
             <a:endParaRPr lang="en-US" sz="1200" kern="1200">
               <a:solidFill>
@@ -9098,7 +9108,7 @@
                 <a:cs typeface="+mn-cs"/>
               </a:rPr>
               <a:pPr algn="l" rtl="0"/>
-              <a:t>8/9/2009</a:t>
+              <a:t>9/18/2009</a:t>
             </a:fld>
             <a:endParaRPr lang="en-US" sz="1200" kern="1200">
               <a:solidFill>
@@ -9565,7 +9575,7 @@
                 <a:cs typeface="+mn-cs"/>
               </a:rPr>
               <a:pPr algn="l" rtl="0"/>
-              <a:t>8/9/2009</a:t>
+              <a:t>9/18/2009</a:t>
             </a:fld>
             <a:endParaRPr lang="en-US" sz="1200" kern="1200">
               <a:solidFill>
@@ -9728,7 +9738,7 @@
                 <a:cs typeface="+mn-cs"/>
               </a:rPr>
               <a:pPr algn="l" rtl="0"/>
-              <a:t>8/9/2009</a:t>
+              <a:t>9/18/2009</a:t>
             </a:fld>
             <a:endParaRPr lang="en-US" sz="1200" kern="1200">
               <a:solidFill>
@@ -10051,7 +10061,7 @@
             <a:fld id="{3541C51D-28AE-4E03-B530-D8520D9050CD}" type="datetimeFigureOut">
               <a:rPr lang="en-US" smtClean="0"/>
               <a:pPr/>
-              <a:t>8/9/2009</a:t>
+              <a:t>9/18/2009</a:t>
             </a:fld>
             <a:endParaRPr lang="en-US"/>
           </a:p>
@@ -10153,7 +10163,7 @@
                 <a:cs typeface="+mn-cs"/>
               </a:rPr>
               <a:pPr algn="l" rtl="0"/>
-              <a:t>8/9/2009</a:t>
+              <a:t>9/18/2009</a:t>
             </a:fld>
             <a:endParaRPr lang="en-US" sz="1200" kern="1200">
               <a:solidFill>
@@ -10475,7 +10485,7 @@
                 <a:cs typeface="+mn-cs"/>
               </a:rPr>
               <a:pPr algn="l" rtl="0"/>
-              <a:t>8/9/2009</a:t>
+              <a:t>9/18/2009</a:t>
             </a:fld>
             <a:endParaRPr lang="en-US" sz="1200" kern="1200">
               <a:solidFill>
@@ -10773,7 +10783,7 @@
                 <a:cs typeface="+mn-cs"/>
               </a:rPr>
               <a:pPr algn="l" rtl="0"/>
-              <a:t>8/9/2009</a:t>
+              <a:t>9/18/2009</a:t>
             </a:fld>
             <a:endParaRPr lang="en-US" sz="1200" kern="1200">
               <a:solidFill>
@@ -10988,7 +10998,7 @@
                 <a:cs typeface="+mn-cs"/>
               </a:rPr>
               <a:pPr algn="l" rtl="0"/>
-              <a:t>8/9/2009</a:t>
+              <a:t>9/18/2009</a:t>
             </a:fld>
             <a:endParaRPr lang="en-US" sz="1200" kern="1200">
               <a:solidFill>
@@ -11213,7 +11223,7 @@
                 <a:cs typeface="+mn-cs"/>
               </a:rPr>
               <a:pPr algn="l" rtl="0"/>
-              <a:t>8/9/2009</a:t>
+              <a:t>9/18/2009</a:t>
             </a:fld>
             <a:endParaRPr lang="en-US" sz="1200" kern="1200">
               <a:solidFill>
@@ -11670,7 +11680,7 @@
             <a:fld id="{3541C51D-28AE-4E03-B530-D8520D9050CD}" type="datetimeFigureOut">
               <a:rPr lang="en-US" smtClean="0"/>
               <a:pPr/>
-              <a:t>8/9/2009</a:t>
+              <a:t>9/18/2009</a:t>
             </a:fld>
             <a:endParaRPr lang="en-US"/>
           </a:p>
@@ -11785,7 +11795,7 @@
             <a:fld id="{3541C51D-28AE-4E03-B530-D8520D9050CD}" type="datetimeFigureOut">
               <a:rPr lang="en-US" smtClean="0"/>
               <a:pPr/>
-              <a:t>8/9/2009</a:t>
+              <a:t>9/18/2009</a:t>
             </a:fld>
             <a:endParaRPr lang="en-US"/>
           </a:p>
@@ -11877,7 +11887,7 @@
             <a:fld id="{3541C51D-28AE-4E03-B530-D8520D9050CD}" type="datetimeFigureOut">
               <a:rPr lang="en-US" smtClean="0"/>
               <a:pPr/>
-              <a:t>8/9/2009</a:t>
+              <a:t>9/18/2009</a:t>
             </a:fld>
             <a:endParaRPr lang="en-US"/>
           </a:p>
@@ -12151,7 +12161,7 @@
             <a:fld id="{3541C51D-28AE-4E03-B530-D8520D9050CD}" type="datetimeFigureOut">
               <a:rPr lang="en-US" smtClean="0"/>
               <a:pPr/>
-              <a:t>8/9/2009</a:t>
+              <a:t>9/18/2009</a:t>
             </a:fld>
             <a:endParaRPr lang="en-US"/>
           </a:p>
@@ -12401,7 +12411,7 @@
             <a:fld id="{3541C51D-28AE-4E03-B530-D8520D9050CD}" type="datetimeFigureOut">
               <a:rPr lang="en-US" smtClean="0"/>
               <a:pPr/>
-              <a:t>8/9/2009</a:t>
+              <a:t>9/18/2009</a:t>
             </a:fld>
             <a:endParaRPr lang="en-US"/>
           </a:p>
@@ -12611,7 +12621,7 @@
             <a:fld id="{3541C51D-28AE-4E03-B530-D8520D9050CD}" type="datetimeFigureOut">
               <a:rPr lang="en-US" smtClean="0"/>
               <a:pPr/>
-              <a:t>8/9/2009</a:t>
+              <a:t>9/18/2009</a:t>
             </a:fld>
             <a:endParaRPr lang="en-US"/>
           </a:p>
@@ -13128,7 +13138,7 @@
                 <a:cs typeface="+mn-cs"/>
               </a:rPr>
               <a:pPr rtl="0"/>
-              <a:t>8/9/2009</a:t>
+              <a:t>9/18/2009</a:t>
             </a:fld>
             <a:endParaRPr lang="en-US" kern="1200">
               <a:solidFill>
@@ -13683,7 +13693,7 @@
                 <a:cs typeface="+mn-cs"/>
               </a:rPr>
               <a:pPr rtl="0"/>
-              <a:t>8/9/2009</a:t>
+              <a:t>9/18/2009</a:t>
             </a:fld>
             <a:endParaRPr lang="en-US" kern="1200">
               <a:solidFill>
@@ -14238,7 +14248,7 @@
                 <a:cs typeface="+mn-cs"/>
               </a:rPr>
               <a:pPr rtl="0"/>
-              <a:t>8/9/2009</a:t>
+              <a:t>9/18/2009</a:t>
             </a:fld>
             <a:endParaRPr lang="en-US" kern="1200">
               <a:solidFill>
@@ -14635,15 +14645,9 @@
   <p:cSld>
     <p:bg>
       <p:bgPr>
-        <a:blipFill dpi="0" rotWithShape="1">
-          <a:blip r:embed="rId2" cstate="print">
-            <a:lum/>
-          </a:blip>
-          <a:srcRect/>
-          <a:stretch>
-            <a:fillRect/>
-          </a:stretch>
-        </a:blipFill>
+        <a:solidFill>
+          <a:schemeClr val="tx1"/>
+        </a:solidFill>
         <a:effectLst/>
       </p:bgPr>
     </p:bg>
@@ -14917,59 +14921,8 @@
                   </a:innerShdw>
                 </a:effectLst>
               </a:rPr>
-              <a:t>Michael C. Neel </a:t>
-            </a:r>
-            <a:r>
-              <a:rPr lang="en-US" sz="5400" b="1" cap="none" spc="50" dirty="0" smtClean="0">
-                <a:ln w="13500">
-                  <a:solidFill>
-                    <a:schemeClr val="accent1">
-                      <a:shade val="2500"/>
-                      <a:alpha val="6500"/>
-                    </a:schemeClr>
-                  </a:solidFill>
-                  <a:prstDash val="solid"/>
-                </a:ln>
-                <a:solidFill>
-                  <a:schemeClr val="accent1">
-                    <a:tint val="3000"/>
-                    <a:alpha val="95000"/>
-                  </a:schemeClr>
-                </a:solidFill>
-                <a:effectLst>
-                  <a:innerShdw blurRad="50900" dist="38500" dir="13500000">
-                    <a:srgbClr val="000000">
-                      <a:alpha val="60000"/>
-                    </a:srgbClr>
-                  </a:innerShdw>
-                </a:effectLst>
-              </a:rPr>
-              <a:t>MVP</a:t>
-            </a:r>
-            <a:endParaRPr lang="en-US" sz="5400" b="1" cap="none" spc="50" dirty="0" smtClean="0">
-              <a:ln w="13500">
-                <a:solidFill>
-                  <a:schemeClr val="accent1">
-                    <a:shade val="2500"/>
-                    <a:alpha val="6500"/>
-                  </a:schemeClr>
-                </a:solidFill>
-                <a:prstDash val="solid"/>
-              </a:ln>
-              <a:solidFill>
-                <a:schemeClr val="accent1">
-                  <a:tint val="3000"/>
-                  <a:alpha val="95000"/>
-                </a:schemeClr>
-              </a:solidFill>
-              <a:effectLst>
-                <a:innerShdw blurRad="50900" dist="38500" dir="13500000">
-                  <a:srgbClr val="000000">
-                    <a:alpha val="60000"/>
-                  </a:srgbClr>
-                </a:innerShdw>
-              </a:effectLst>
-            </a:endParaRPr>
+              <a:t>Michael C. Neel MVP</a:t>
+            </a:r>
           </a:p>
         </p:txBody>
       </p:sp>
@@ -15920,15 +15873,7 @@
             </a:r>
             <a:r>
               <a:rPr lang="en-US" dirty="0" smtClean="0"/>
-              <a:t> </a:t>
-            </a:r>
-            <a:r>
-              <a:rPr lang="en-US" dirty="0" smtClean="0"/>
-              <a:t>Advanced Search </a:t>
-            </a:r>
-            <a:r>
-              <a:rPr lang="en-US" dirty="0" smtClean="0"/>
-              <a:t>Examples</a:t>
+              <a:t> Advanced Search Examples</a:t>
             </a:r>
             <a:endParaRPr lang="en-US" dirty="0"/>
           </a:p>
@@ -21329,28 +21274,7 @@
                   </a:outerShdw>
                 </a:effectLst>
               </a:rPr>
-              <a:t>Where </a:t>
-            </a:r>
-            <a:r>
-              <a:rPr lang="en-US" sz="5400" b="0" cap="none" spc="0" dirty="0" smtClean="0">
-                <a:ln w="18415" cmpd="sng">
-                  <a:solidFill>
-                    <a:srgbClr val="FFFFFF"/>
-                  </a:solidFill>
-                  <a:prstDash val="solid"/>
-                </a:ln>
-                <a:solidFill>
-                  <a:srgbClr val="FFFFFF"/>
-                </a:solidFill>
-                <a:effectLst>
-                  <a:outerShdw blurRad="63500" dir="3600000" algn="tl" rotWithShape="0">
-                    <a:srgbClr val="000000">
-                      <a:alpha val="70000"/>
-                    </a:srgbClr>
-                  </a:outerShdw>
-                </a:effectLst>
-              </a:rPr>
-              <a:t>to get it:</a:t>
+              <a:t>Where to get it:</a:t>
             </a:r>
             <a:endParaRPr lang="en-US" sz="5400" b="0" cap="none" spc="0" dirty="0">
               <a:ln w="18415" cmpd="sng">
@@ -21545,28 +21469,7 @@
                 <a:latin typeface="Times New Roman" pitchFamily="18" charset="0"/>
                 <a:cs typeface="Times New Roman" pitchFamily="18" charset="0"/>
               </a:rPr>
-              <a:t> </a:t>
-            </a:r>
-            <a:r>
-              <a:rPr lang="en-US" sz="2800" dirty="0" smtClean="0">
-                <a:latin typeface="Times New Roman" pitchFamily="18" charset="0"/>
-                <a:cs typeface="Times New Roman" pitchFamily="18" charset="0"/>
-              </a:rPr>
-              <a:t>is a source code, class-per-class, </a:t>
-            </a:r>
-            <a:r>
-              <a:rPr lang="en-US" sz="2800" dirty="0" smtClean="0">
-                <a:latin typeface="Times New Roman" pitchFamily="18" charset="0"/>
-                <a:cs typeface="Times New Roman" pitchFamily="18" charset="0"/>
-              </a:rPr>
-              <a:t>API-per-API </a:t>
-            </a:r>
-            <a:r>
-              <a:rPr lang="en-US" sz="2800" dirty="0" smtClean="0">
-                <a:latin typeface="Times New Roman" pitchFamily="18" charset="0"/>
-                <a:cs typeface="Times New Roman" pitchFamily="18" charset="0"/>
-              </a:rPr>
-              <a:t>and </a:t>
+              <a:t> is a source code, class-per-class, API-per-API and </a:t>
             </a:r>
             <a:r>
               <a:rPr lang="en-US" sz="2800" dirty="0" err="1" smtClean="0">
@@ -21580,14 +21483,7 @@
                 <a:latin typeface="Times New Roman" pitchFamily="18" charset="0"/>
                 <a:cs typeface="Times New Roman" pitchFamily="18" charset="0"/>
               </a:rPr>
-              <a:t> port of the </a:t>
-            </a:r>
-            <a:r>
-              <a:rPr lang="en-US" sz="2800" dirty="0" smtClean="0">
-                <a:latin typeface="Times New Roman" pitchFamily="18" charset="0"/>
-                <a:cs typeface="Times New Roman" pitchFamily="18" charset="0"/>
-              </a:rPr>
-              <a:t>Java </a:t>
+              <a:t> port of the Java </a:t>
             </a:r>
             <a:r>
               <a:rPr lang="en-US" sz="2800" dirty="0" err="1" smtClean="0">
@@ -21601,21 +21497,7 @@
                 <a:latin typeface="Times New Roman" pitchFamily="18" charset="0"/>
                 <a:cs typeface="Times New Roman" pitchFamily="18" charset="0"/>
               </a:rPr>
-              <a:t> search </a:t>
-            </a:r>
-            <a:r>
-              <a:rPr lang="en-US" sz="2800" dirty="0" smtClean="0">
-                <a:latin typeface="Times New Roman" pitchFamily="18" charset="0"/>
-                <a:cs typeface="Times New Roman" pitchFamily="18" charset="0"/>
-              </a:rPr>
-              <a:t>engine to the C# and .</a:t>
-            </a:r>
-            <a:r>
-              <a:rPr lang="en-US" sz="2800" dirty="0" smtClean="0">
-                <a:latin typeface="Times New Roman" pitchFamily="18" charset="0"/>
-                <a:cs typeface="Times New Roman" pitchFamily="18" charset="0"/>
-              </a:rPr>
-              <a:t>NET ”</a:t>
+              <a:t> search engine to the C# and .NET ”</a:t>
             </a:r>
             <a:endParaRPr lang="en-US" sz="2800" dirty="0">
               <a:latin typeface="Times New Roman" pitchFamily="18" charset="0"/>
@@ -21715,33 +21597,8 @@
                 <a:latin typeface="Times New Roman" pitchFamily="18" charset="0"/>
                 <a:cs typeface="Times New Roman" pitchFamily="18" charset="0"/>
               </a:rPr>
-              <a:t>There </a:t>
-            </a:r>
-            <a:r>
-              <a:rPr lang="en-US" sz="2800" i="1" dirty="0" smtClean="0">
-                <a:latin typeface="Times New Roman" pitchFamily="18" charset="0"/>
-                <a:cs typeface="Times New Roman" pitchFamily="18" charset="0"/>
-              </a:rPr>
-              <a:t>are no failing tests or known bugs. Just </a:t>
-            </a:r>
-            <a:r>
-              <a:rPr lang="en-US" sz="2800" i="1" dirty="0" smtClean="0">
-                <a:latin typeface="Times New Roman" pitchFamily="18" charset="0"/>
-                <a:cs typeface="Times New Roman" pitchFamily="18" charset="0"/>
-              </a:rPr>
-              <a:t>Bureaucracy</a:t>
-            </a:r>
-            <a:r>
-              <a:rPr lang="en-US" sz="2800" i="1" dirty="0" smtClean="0">
-                <a:latin typeface="Times New Roman" pitchFamily="18" charset="0"/>
-                <a:cs typeface="Times New Roman" pitchFamily="18" charset="0"/>
-              </a:rPr>
-              <a:t>.</a:t>
-            </a:r>
-            <a:endParaRPr lang="en-US" sz="2800" i="1" dirty="0" smtClean="0">
-              <a:latin typeface="Times New Roman" pitchFamily="18" charset="0"/>
-              <a:cs typeface="Times New Roman" pitchFamily="18" charset="0"/>
-            </a:endParaRPr>
+              <a:t>There are no failing tests or known bugs. Just Bureaucracy.</a:t>
+            </a:r>
           </a:p>
           <a:p>
             <a:endParaRPr lang="en-US" sz="2800" i="1" dirty="0" smtClean="0">
@@ -21763,14 +21620,7 @@
                 <a:latin typeface="Times New Roman" pitchFamily="18" charset="0"/>
                 <a:cs typeface="Times New Roman" pitchFamily="18" charset="0"/>
               </a:rPr>
-              <a:t> </a:t>
-            </a:r>
-            <a:r>
-              <a:rPr lang="en-US" sz="2400" dirty="0" smtClean="0">
-                <a:latin typeface="Times New Roman" pitchFamily="18" charset="0"/>
-                <a:cs typeface="Times New Roman" pitchFamily="18" charset="0"/>
-              </a:rPr>
-              <a:t>YİĞİT (DIGY)</a:t>
+              <a:t> YİĞİT (DIGY)</a:t>
             </a:r>
             <a:endParaRPr lang="en-US" sz="2400" dirty="0">
               <a:latin typeface="Times New Roman" pitchFamily="18" charset="0"/>
